--- a/Figures.pptx
+++ b/Figures.pptx
@@ -6,8 +6,9 @@
   </p:sldMasterIdLst>
   <p:sldIdLst>
     <p:sldId id="256" r:id="rId2"/>
-    <p:sldId id="257" r:id="rId3"/>
-    <p:sldId id="258" r:id="rId4"/>
+    <p:sldId id="259" r:id="rId3"/>
+    <p:sldId id="257" r:id="rId4"/>
+    <p:sldId id="258" r:id="rId5"/>
   </p:sldIdLst>
   <p:sldSz cx="12192000" cy="6858000"/>
   <p:notesSz cx="6858000" cy="9144000"/>
@@ -4172,6 +4173,1212 @@
           <a:chExt cx="0" cy="0"/>
         </a:xfrm>
       </p:grpSpPr>
+      <p:sp>
+        <p:nvSpPr>
+          <p:cNvPr id="4" name="Oval 3"/>
+          <p:cNvSpPr/>
+          <p:nvPr/>
+        </p:nvSpPr>
+        <p:spPr>
+          <a:xfrm>
+            <a:off x="6581954" y="629728"/>
+            <a:ext cx="422695" cy="422695"/>
+          </a:xfrm>
+          <a:prstGeom prst="ellipse">
+            <a:avLst/>
+          </a:prstGeom>
+          <a:ln w="28575"/>
+        </p:spPr>
+        <p:style>
+          <a:lnRef idx="2">
+            <a:schemeClr val="dk1"/>
+          </a:lnRef>
+          <a:fillRef idx="1">
+            <a:schemeClr val="lt1"/>
+          </a:fillRef>
+          <a:effectRef idx="0">
+            <a:schemeClr val="dk1"/>
+          </a:effectRef>
+          <a:fontRef idx="minor">
+            <a:schemeClr val="dk1"/>
+          </a:fontRef>
+        </p:style>
+        <p:txBody>
+          <a:bodyPr rtlCol="1" anchor="ctr"/>
+          <a:lstStyle/>
+          <a:p>
+            <a:pPr algn="ctr"/>
+            <a:r>
+              <a:rPr lang="en-US" dirty="0" smtClean="0"/>
+              <a:t>S</a:t>
+            </a:r>
+            <a:endParaRPr lang="he-IL" dirty="0"/>
+          </a:p>
+        </p:txBody>
+      </p:sp>
+      <p:sp>
+        <p:nvSpPr>
+          <p:cNvPr id="5" name="Oval 4"/>
+          <p:cNvSpPr/>
+          <p:nvPr/>
+        </p:nvSpPr>
+        <p:spPr>
+          <a:xfrm>
+            <a:off x="5949350" y="1584384"/>
+            <a:ext cx="422695" cy="422695"/>
+          </a:xfrm>
+          <a:prstGeom prst="ellipse">
+            <a:avLst/>
+          </a:prstGeom>
+          <a:ln w="28575"/>
+        </p:spPr>
+        <p:style>
+          <a:lnRef idx="2">
+            <a:schemeClr val="dk1"/>
+          </a:lnRef>
+          <a:fillRef idx="1">
+            <a:schemeClr val="lt1"/>
+          </a:fillRef>
+          <a:effectRef idx="0">
+            <a:schemeClr val="dk1"/>
+          </a:effectRef>
+          <a:fontRef idx="minor">
+            <a:schemeClr val="dk1"/>
+          </a:fontRef>
+        </p:style>
+        <p:txBody>
+          <a:bodyPr rtlCol="1" anchor="ctr"/>
+          <a:lstStyle/>
+          <a:p>
+            <a:pPr algn="ctr"/>
+            <a:r>
+              <a:rPr lang="en-US" dirty="0" smtClean="0"/>
+              <a:t>A</a:t>
+            </a:r>
+            <a:endParaRPr lang="he-IL" dirty="0"/>
+          </a:p>
+        </p:txBody>
+      </p:sp>
+      <p:sp>
+        <p:nvSpPr>
+          <p:cNvPr id="6" name="Oval 5"/>
+          <p:cNvSpPr/>
+          <p:nvPr/>
+        </p:nvSpPr>
+        <p:spPr>
+          <a:xfrm>
+            <a:off x="7214558" y="1584383"/>
+            <a:ext cx="422695" cy="422695"/>
+          </a:xfrm>
+          <a:prstGeom prst="ellipse">
+            <a:avLst/>
+          </a:prstGeom>
+          <a:ln w="28575"/>
+        </p:spPr>
+        <p:style>
+          <a:lnRef idx="2">
+            <a:schemeClr val="dk1"/>
+          </a:lnRef>
+          <a:fillRef idx="1">
+            <a:schemeClr val="lt1"/>
+          </a:fillRef>
+          <a:effectRef idx="0">
+            <a:schemeClr val="dk1"/>
+          </a:effectRef>
+          <a:fontRef idx="minor">
+            <a:schemeClr val="dk1"/>
+          </a:fontRef>
+        </p:style>
+        <p:txBody>
+          <a:bodyPr rtlCol="1" anchor="ctr"/>
+          <a:lstStyle/>
+          <a:p>
+            <a:pPr algn="ctr"/>
+            <a:r>
+              <a:rPr lang="en-US" dirty="0" smtClean="0"/>
+              <a:t>B</a:t>
+            </a:r>
+            <a:endParaRPr lang="he-IL" dirty="0"/>
+          </a:p>
+        </p:txBody>
+      </p:sp>
+      <p:sp>
+        <p:nvSpPr>
+          <p:cNvPr id="7" name="Oval 6"/>
+          <p:cNvSpPr/>
+          <p:nvPr/>
+        </p:nvSpPr>
+        <p:spPr>
+          <a:xfrm>
+            <a:off x="5924907" y="2763327"/>
+            <a:ext cx="422695" cy="422695"/>
+          </a:xfrm>
+          <a:prstGeom prst="ellipse">
+            <a:avLst/>
+          </a:prstGeom>
+          <a:ln w="28575"/>
+        </p:spPr>
+        <p:style>
+          <a:lnRef idx="2">
+            <a:schemeClr val="dk1"/>
+          </a:lnRef>
+          <a:fillRef idx="1">
+            <a:schemeClr val="lt1"/>
+          </a:fillRef>
+          <a:effectRef idx="0">
+            <a:schemeClr val="dk1"/>
+          </a:effectRef>
+          <a:fontRef idx="minor">
+            <a:schemeClr val="dk1"/>
+          </a:fontRef>
+        </p:style>
+        <p:txBody>
+          <a:bodyPr wrap="none" rtlCol="1" anchor="ctr"/>
+          <a:lstStyle/>
+          <a:p>
+            <a:pPr algn="ctr"/>
+            <a:r>
+              <a:rPr lang="en-US" dirty="0" smtClean="0"/>
+              <a:t>G</a:t>
+            </a:r>
+            <a:r>
+              <a:rPr lang="en-US" baseline="-25000" dirty="0" smtClean="0"/>
+              <a:t>1</a:t>
+            </a:r>
+            <a:endParaRPr lang="he-IL" baseline="-25000" dirty="0"/>
+          </a:p>
+        </p:txBody>
+      </p:sp>
+      <p:sp>
+        <p:nvSpPr>
+          <p:cNvPr id="8" name="Oval 7"/>
+          <p:cNvSpPr/>
+          <p:nvPr/>
+        </p:nvSpPr>
+        <p:spPr>
+          <a:xfrm>
+            <a:off x="7214558" y="2763327"/>
+            <a:ext cx="422695" cy="422695"/>
+          </a:xfrm>
+          <a:prstGeom prst="ellipse">
+            <a:avLst/>
+          </a:prstGeom>
+          <a:ln w="28575"/>
+        </p:spPr>
+        <p:style>
+          <a:lnRef idx="2">
+            <a:schemeClr val="dk1"/>
+          </a:lnRef>
+          <a:fillRef idx="1">
+            <a:schemeClr val="lt1"/>
+          </a:fillRef>
+          <a:effectRef idx="0">
+            <a:schemeClr val="dk1"/>
+          </a:effectRef>
+          <a:fontRef idx="minor">
+            <a:schemeClr val="dk1"/>
+          </a:fontRef>
+        </p:style>
+        <p:txBody>
+          <a:bodyPr wrap="none" rtlCol="1" anchor="ctr"/>
+          <a:lstStyle/>
+          <a:p>
+            <a:pPr algn="ctr"/>
+            <a:r>
+              <a:rPr lang="en-US" dirty="0" smtClean="0"/>
+              <a:t>G</a:t>
+            </a:r>
+            <a:r>
+              <a:rPr lang="en-US" baseline="-25000" dirty="0" smtClean="0"/>
+              <a:t>2</a:t>
+            </a:r>
+            <a:endParaRPr lang="he-IL" baseline="-25000" dirty="0"/>
+          </a:p>
+        </p:txBody>
+      </p:sp>
+      <p:cxnSp>
+        <p:nvCxnSpPr>
+          <p:cNvPr id="10" name="Straight Connector 9"/>
+          <p:cNvCxnSpPr>
+            <a:stCxn id="4" idx="3"/>
+            <a:endCxn id="5" idx="0"/>
+          </p:cNvCxnSpPr>
+          <p:nvPr/>
+        </p:nvCxnSpPr>
+        <p:spPr>
+          <a:xfrm flipH="1">
+            <a:off x="6160698" y="990521"/>
+            <a:ext cx="483158" cy="593863"/>
+          </a:xfrm>
+          <a:prstGeom prst="line">
+            <a:avLst/>
+          </a:prstGeom>
+        </p:spPr>
+        <p:style>
+          <a:lnRef idx="3">
+            <a:schemeClr val="dk1"/>
+          </a:lnRef>
+          <a:fillRef idx="0">
+            <a:schemeClr val="dk1"/>
+          </a:fillRef>
+          <a:effectRef idx="2">
+            <a:schemeClr val="dk1"/>
+          </a:effectRef>
+          <a:fontRef idx="minor">
+            <a:schemeClr val="tx1"/>
+          </a:fontRef>
+        </p:style>
+      </p:cxnSp>
+      <p:cxnSp>
+        <p:nvCxnSpPr>
+          <p:cNvPr id="11" name="Straight Connector 10"/>
+          <p:cNvCxnSpPr>
+            <a:stCxn id="4" idx="5"/>
+            <a:endCxn id="6" idx="0"/>
+          </p:cNvCxnSpPr>
+          <p:nvPr/>
+        </p:nvCxnSpPr>
+        <p:spPr>
+          <a:xfrm>
+            <a:off x="6942747" y="990521"/>
+            <a:ext cx="483159" cy="593862"/>
+          </a:xfrm>
+          <a:prstGeom prst="line">
+            <a:avLst/>
+          </a:prstGeom>
+        </p:spPr>
+        <p:style>
+          <a:lnRef idx="3">
+            <a:schemeClr val="dk1"/>
+          </a:lnRef>
+          <a:fillRef idx="0">
+            <a:schemeClr val="dk1"/>
+          </a:fillRef>
+          <a:effectRef idx="2">
+            <a:schemeClr val="dk1"/>
+          </a:effectRef>
+          <a:fontRef idx="minor">
+            <a:schemeClr val="tx1"/>
+          </a:fontRef>
+        </p:style>
+      </p:cxnSp>
+      <p:cxnSp>
+        <p:nvCxnSpPr>
+          <p:cNvPr id="14" name="Straight Connector 13"/>
+          <p:cNvCxnSpPr>
+            <a:stCxn id="6" idx="4"/>
+            <a:endCxn id="8" idx="0"/>
+          </p:cNvCxnSpPr>
+          <p:nvPr/>
+        </p:nvCxnSpPr>
+        <p:spPr>
+          <a:xfrm>
+            <a:off x="7425906" y="2007078"/>
+            <a:ext cx="0" cy="756249"/>
+          </a:xfrm>
+          <a:prstGeom prst="line">
+            <a:avLst/>
+          </a:prstGeom>
+        </p:spPr>
+        <p:style>
+          <a:lnRef idx="3">
+            <a:schemeClr val="dk1"/>
+          </a:lnRef>
+          <a:fillRef idx="0">
+            <a:schemeClr val="dk1"/>
+          </a:fillRef>
+          <a:effectRef idx="2">
+            <a:schemeClr val="dk1"/>
+          </a:effectRef>
+          <a:fontRef idx="minor">
+            <a:schemeClr val="tx1"/>
+          </a:fontRef>
+        </p:style>
+      </p:cxnSp>
+      <p:cxnSp>
+        <p:nvCxnSpPr>
+          <p:cNvPr id="17" name="Straight Connector 16"/>
+          <p:cNvCxnSpPr>
+            <a:stCxn id="5" idx="4"/>
+            <a:endCxn id="7" idx="0"/>
+          </p:cNvCxnSpPr>
+          <p:nvPr/>
+        </p:nvCxnSpPr>
+        <p:spPr>
+          <a:xfrm flipH="1">
+            <a:off x="6136255" y="2007079"/>
+            <a:ext cx="24443" cy="756248"/>
+          </a:xfrm>
+          <a:prstGeom prst="line">
+            <a:avLst/>
+          </a:prstGeom>
+        </p:spPr>
+        <p:style>
+          <a:lnRef idx="3">
+            <a:schemeClr val="dk1"/>
+          </a:lnRef>
+          <a:fillRef idx="0">
+            <a:schemeClr val="dk1"/>
+          </a:fillRef>
+          <a:effectRef idx="2">
+            <a:schemeClr val="dk1"/>
+          </a:effectRef>
+          <a:fontRef idx="minor">
+            <a:schemeClr val="tx1"/>
+          </a:fontRef>
+        </p:style>
+      </p:cxnSp>
+      <p:sp>
+        <p:nvSpPr>
+          <p:cNvPr id="20" name="TextBox 19"/>
+          <p:cNvSpPr txBox="1"/>
+          <p:nvPr/>
+        </p:nvSpPr>
+        <p:spPr>
+          <a:xfrm>
+            <a:off x="6136254" y="977023"/>
+            <a:ext cx="277395" cy="400110"/>
+          </a:xfrm>
+          <a:prstGeom prst="rect">
+            <a:avLst/>
+          </a:prstGeom>
+          <a:noFill/>
+        </p:spPr>
+        <p:txBody>
+          <a:bodyPr wrap="square" rtlCol="1">
+            <a:spAutoFit/>
+          </a:bodyPr>
+          <a:lstStyle/>
+          <a:p>
+            <a:r>
+              <a:rPr lang="en-US" sz="2000" dirty="0" smtClean="0"/>
+              <a:t>5</a:t>
+            </a:r>
+            <a:endParaRPr lang="he-IL" sz="2000" dirty="0"/>
+          </a:p>
+        </p:txBody>
+      </p:sp>
+      <p:sp>
+        <p:nvSpPr>
+          <p:cNvPr id="21" name="TextBox 20"/>
+          <p:cNvSpPr txBox="1"/>
+          <p:nvPr/>
+        </p:nvSpPr>
+        <p:spPr>
+          <a:xfrm>
+            <a:off x="7302031" y="972926"/>
+            <a:ext cx="694577" cy="400110"/>
+          </a:xfrm>
+          <a:prstGeom prst="rect">
+            <a:avLst/>
+          </a:prstGeom>
+          <a:noFill/>
+        </p:spPr>
+        <p:txBody>
+          <a:bodyPr wrap="square" rtlCol="1">
+            <a:spAutoFit/>
+          </a:bodyPr>
+          <a:lstStyle/>
+          <a:p>
+            <a:r>
+              <a:rPr lang="en-US" sz="2000" dirty="0" smtClean="0"/>
+              <a:t>10</a:t>
+            </a:r>
+            <a:endParaRPr lang="he-IL" sz="2000" dirty="0"/>
+          </a:p>
+        </p:txBody>
+      </p:sp>
+      <p:sp>
+        <p:nvSpPr>
+          <p:cNvPr id="22" name="TextBox 21"/>
+          <p:cNvSpPr txBox="1"/>
+          <p:nvPr/>
+        </p:nvSpPr>
+        <p:spPr>
+          <a:xfrm>
+            <a:off x="7724797" y="1584383"/>
+            <a:ext cx="990760" cy="1015663"/>
+          </a:xfrm>
+          <a:prstGeom prst="rect">
+            <a:avLst/>
+          </a:prstGeom>
+          <a:noFill/>
+        </p:spPr>
+        <p:txBody>
+          <a:bodyPr wrap="square" rtlCol="1">
+            <a:spAutoFit/>
+          </a:bodyPr>
+          <a:lstStyle/>
+          <a:p>
+            <a:r>
+              <a:rPr lang="en-US" sz="2000" dirty="0" smtClean="0"/>
+              <a:t>h</a:t>
+            </a:r>
+            <a:r>
+              <a:rPr lang="en-US" sz="2000" baseline="-25000" dirty="0" smtClean="0"/>
+              <a:t>1</a:t>
+            </a:r>
+            <a:r>
+              <a:rPr lang="en-US" sz="2000" dirty="0" smtClean="0"/>
+              <a:t>=10</a:t>
+            </a:r>
+          </a:p>
+          <a:p>
+            <a:r>
+              <a:rPr lang="en-US" sz="2000" dirty="0" smtClean="0"/>
+              <a:t>h</a:t>
+            </a:r>
+            <a:r>
+              <a:rPr lang="en-US" sz="2000" baseline="-25000" dirty="0" smtClean="0"/>
+              <a:t>2</a:t>
+            </a:r>
+            <a:r>
+              <a:rPr lang="en-US" sz="2000" dirty="0" smtClean="0"/>
+              <a:t>=30</a:t>
+            </a:r>
+            <a:endParaRPr lang="he-IL" sz="2000" dirty="0" smtClean="0"/>
+          </a:p>
+          <a:p>
+            <a:endParaRPr lang="he-IL" sz="2000" dirty="0"/>
+          </a:p>
+        </p:txBody>
+      </p:sp>
+      <p:sp>
+        <p:nvSpPr>
+          <p:cNvPr id="23" name="TextBox 22"/>
+          <p:cNvSpPr txBox="1"/>
+          <p:nvPr/>
+        </p:nvSpPr>
+        <p:spPr>
+          <a:xfrm>
+            <a:off x="5169937" y="1625549"/>
+            <a:ext cx="990760" cy="707886"/>
+          </a:xfrm>
+          <a:prstGeom prst="rect">
+            <a:avLst/>
+          </a:prstGeom>
+          <a:noFill/>
+        </p:spPr>
+        <p:txBody>
+          <a:bodyPr wrap="square" rtlCol="1">
+            <a:spAutoFit/>
+          </a:bodyPr>
+          <a:lstStyle/>
+          <a:p>
+            <a:r>
+              <a:rPr lang="en-US" sz="2000" dirty="0" smtClean="0"/>
+              <a:t>h</a:t>
+            </a:r>
+            <a:r>
+              <a:rPr lang="en-US" sz="2000" baseline="-25000" dirty="0" smtClean="0"/>
+              <a:t>1</a:t>
+            </a:r>
+            <a:r>
+              <a:rPr lang="en-US" sz="2000" dirty="0" smtClean="0"/>
+              <a:t>=5</a:t>
+            </a:r>
+          </a:p>
+          <a:p>
+            <a:r>
+              <a:rPr lang="en-US" sz="2000" dirty="0" smtClean="0"/>
+              <a:t>h</a:t>
+            </a:r>
+            <a:r>
+              <a:rPr lang="en-US" sz="2000" baseline="-25000" dirty="0" smtClean="0"/>
+              <a:t>2</a:t>
+            </a:r>
+            <a:r>
+              <a:rPr lang="en-US" sz="2000" dirty="0" smtClean="0"/>
+              <a:t>=50</a:t>
+            </a:r>
+            <a:endParaRPr lang="he-IL" sz="2000" dirty="0"/>
+          </a:p>
+        </p:txBody>
+      </p:sp>
+      <p:cxnSp>
+        <p:nvCxnSpPr>
+          <p:cNvPr id="24" name="Straight Connector 23"/>
+          <p:cNvCxnSpPr>
+            <a:stCxn id="5" idx="5"/>
+            <a:endCxn id="8" idx="1"/>
+          </p:cNvCxnSpPr>
+          <p:nvPr/>
+        </p:nvCxnSpPr>
+        <p:spPr>
+          <a:xfrm>
+            <a:off x="6310143" y="1945177"/>
+            <a:ext cx="966317" cy="880052"/>
+          </a:xfrm>
+          <a:prstGeom prst="line">
+            <a:avLst/>
+          </a:prstGeom>
+        </p:spPr>
+        <p:style>
+          <a:lnRef idx="3">
+            <a:schemeClr val="dk1"/>
+          </a:lnRef>
+          <a:fillRef idx="0">
+            <a:schemeClr val="dk1"/>
+          </a:fillRef>
+          <a:effectRef idx="2">
+            <a:schemeClr val="dk1"/>
+          </a:effectRef>
+          <a:fontRef idx="minor">
+            <a:schemeClr val="tx1"/>
+          </a:fontRef>
+        </p:style>
+      </p:cxnSp>
+      <p:cxnSp>
+        <p:nvCxnSpPr>
+          <p:cNvPr id="27" name="Straight Connector 26"/>
+          <p:cNvCxnSpPr>
+            <a:stCxn id="6" idx="3"/>
+            <a:endCxn id="7" idx="7"/>
+          </p:cNvCxnSpPr>
+          <p:nvPr/>
+        </p:nvCxnSpPr>
+        <p:spPr>
+          <a:xfrm flipH="1">
+            <a:off x="6285700" y="1945176"/>
+            <a:ext cx="990760" cy="880053"/>
+          </a:xfrm>
+          <a:prstGeom prst="line">
+            <a:avLst/>
+          </a:prstGeom>
+        </p:spPr>
+        <p:style>
+          <a:lnRef idx="3">
+            <a:schemeClr val="dk1"/>
+          </a:lnRef>
+          <a:fillRef idx="0">
+            <a:schemeClr val="dk1"/>
+          </a:fillRef>
+          <a:effectRef idx="2">
+            <a:schemeClr val="dk1"/>
+          </a:effectRef>
+          <a:fontRef idx="minor">
+            <a:schemeClr val="tx1"/>
+          </a:fontRef>
+        </p:style>
+      </p:cxnSp>
+      <p:sp>
+        <p:nvSpPr>
+          <p:cNvPr id="30" name="TextBox 29"/>
+          <p:cNvSpPr txBox="1"/>
+          <p:nvPr/>
+        </p:nvSpPr>
+        <p:spPr>
+          <a:xfrm>
+            <a:off x="6342634" y="1702141"/>
+            <a:ext cx="445082" cy="400110"/>
+          </a:xfrm>
+          <a:prstGeom prst="rect">
+            <a:avLst/>
+          </a:prstGeom>
+          <a:noFill/>
+        </p:spPr>
+        <p:txBody>
+          <a:bodyPr wrap="square" rtlCol="1">
+            <a:spAutoFit/>
+          </a:bodyPr>
+          <a:lstStyle/>
+          <a:p>
+            <a:r>
+              <a:rPr lang="en-US" sz="2000" dirty="0" smtClean="0"/>
+              <a:t>50</a:t>
+            </a:r>
+            <a:endParaRPr lang="he-IL" sz="2000" dirty="0"/>
+          </a:p>
+        </p:txBody>
+      </p:sp>
+      <p:sp>
+        <p:nvSpPr>
+          <p:cNvPr id="31" name="TextBox 30"/>
+          <p:cNvSpPr txBox="1"/>
+          <p:nvPr/>
+        </p:nvSpPr>
+        <p:spPr>
+          <a:xfrm>
+            <a:off x="6824974" y="1702141"/>
+            <a:ext cx="570701" cy="400110"/>
+          </a:xfrm>
+          <a:prstGeom prst="rect">
+            <a:avLst/>
+          </a:prstGeom>
+          <a:noFill/>
+        </p:spPr>
+        <p:txBody>
+          <a:bodyPr wrap="square" rtlCol="1">
+            <a:spAutoFit/>
+          </a:bodyPr>
+          <a:lstStyle/>
+          <a:p>
+            <a:r>
+              <a:rPr lang="en-US" sz="2000" dirty="0" smtClean="0"/>
+              <a:t>10</a:t>
+            </a:r>
+            <a:endParaRPr lang="he-IL" sz="2000" dirty="0"/>
+          </a:p>
+        </p:txBody>
+      </p:sp>
+      <p:sp>
+        <p:nvSpPr>
+          <p:cNvPr id="32" name="TextBox 31"/>
+          <p:cNvSpPr txBox="1"/>
+          <p:nvPr/>
+        </p:nvSpPr>
+        <p:spPr>
+          <a:xfrm>
+            <a:off x="7027653" y="2178245"/>
+            <a:ext cx="547697" cy="400110"/>
+          </a:xfrm>
+          <a:prstGeom prst="rect">
+            <a:avLst/>
+          </a:prstGeom>
+          <a:noFill/>
+        </p:spPr>
+        <p:txBody>
+          <a:bodyPr wrap="square" rtlCol="1">
+            <a:spAutoFit/>
+          </a:bodyPr>
+          <a:lstStyle/>
+          <a:p>
+            <a:r>
+              <a:rPr lang="en-US" sz="2000" dirty="0" smtClean="0"/>
+              <a:t>50</a:t>
+            </a:r>
+            <a:endParaRPr lang="he-IL" sz="2000" dirty="0"/>
+          </a:p>
+        </p:txBody>
+      </p:sp>
+      <p:sp>
+        <p:nvSpPr>
+          <p:cNvPr id="33" name="TextBox 32"/>
+          <p:cNvSpPr txBox="1"/>
+          <p:nvPr/>
+        </p:nvSpPr>
+        <p:spPr>
+          <a:xfrm>
+            <a:off x="6137394" y="2167816"/>
+            <a:ext cx="277395" cy="400110"/>
+          </a:xfrm>
+          <a:prstGeom prst="rect">
+            <a:avLst/>
+          </a:prstGeom>
+          <a:noFill/>
+        </p:spPr>
+        <p:txBody>
+          <a:bodyPr wrap="square" rtlCol="1">
+            <a:spAutoFit/>
+          </a:bodyPr>
+          <a:lstStyle/>
+          <a:p>
+            <a:r>
+              <a:rPr lang="en-US" sz="2000" dirty="0" smtClean="0"/>
+              <a:t>5</a:t>
+            </a:r>
+            <a:endParaRPr lang="he-IL" sz="2000" dirty="0"/>
+          </a:p>
+        </p:txBody>
+      </p:sp>
+      <p:sp>
+        <p:nvSpPr>
+          <p:cNvPr id="34" name="TextBox 33"/>
+          <p:cNvSpPr txBox="1"/>
+          <p:nvPr/>
+        </p:nvSpPr>
+        <p:spPr>
+          <a:xfrm>
+            <a:off x="7083771" y="86970"/>
+            <a:ext cx="1930920" cy="707886"/>
+          </a:xfrm>
+          <a:prstGeom prst="rect">
+            <a:avLst/>
+          </a:prstGeom>
+          <a:noFill/>
+        </p:spPr>
+        <p:txBody>
+          <a:bodyPr wrap="square" rtlCol="1">
+            <a:spAutoFit/>
+          </a:bodyPr>
+          <a:lstStyle/>
+          <a:p>
+            <a:r>
+              <a:rPr lang="en-US" sz="2000" dirty="0" smtClean="0"/>
+              <a:t>h</a:t>
+            </a:r>
+            <a:r>
+              <a:rPr lang="en-US" sz="2000" baseline="-25000" dirty="0" smtClean="0"/>
+              <a:t>1</a:t>
+            </a:r>
+            <a:r>
+              <a:rPr lang="en-US" sz="2000" dirty="0" smtClean="0"/>
+              <a:t>=10</a:t>
+            </a:r>
+          </a:p>
+          <a:p>
+            <a:r>
+              <a:rPr lang="en-US" sz="2000" dirty="0" smtClean="0"/>
+              <a:t>h</a:t>
+            </a:r>
+            <a:r>
+              <a:rPr lang="en-US" sz="2000" baseline="-25000" dirty="0" smtClean="0"/>
+              <a:t>2</a:t>
+            </a:r>
+            <a:r>
+              <a:rPr lang="en-US" sz="2000" dirty="0" smtClean="0"/>
+              <a:t>=40</a:t>
+            </a:r>
+            <a:endParaRPr lang="he-IL" sz="2000" dirty="0"/>
+          </a:p>
+        </p:txBody>
+      </p:sp>
+      <p:sp>
+        <p:nvSpPr>
+          <p:cNvPr id="35" name="TextBox 34"/>
+          <p:cNvSpPr txBox="1"/>
+          <p:nvPr/>
+        </p:nvSpPr>
+        <p:spPr>
+          <a:xfrm>
+            <a:off x="7996608" y="209237"/>
+            <a:ext cx="1930920" cy="400110"/>
+          </a:xfrm>
+          <a:prstGeom prst="rect">
+            <a:avLst/>
+          </a:prstGeom>
+          <a:noFill/>
+        </p:spPr>
+        <p:txBody>
+          <a:bodyPr wrap="square" rtlCol="1">
+            <a:spAutoFit/>
+          </a:bodyPr>
+          <a:lstStyle/>
+          <a:p>
+            <a:r>
+              <a:rPr lang="en-US" sz="2000" dirty="0" err="1" smtClean="0"/>
+              <a:t>F</a:t>
+            </a:r>
+            <a:r>
+              <a:rPr lang="en-US" sz="2000" baseline="-25000" dirty="0" err="1" smtClean="0"/>
+              <a:t>max</a:t>
+            </a:r>
+            <a:r>
+              <a:rPr lang="en-US" sz="2000" dirty="0" smtClean="0"/>
+              <a:t>(S)=40</a:t>
+            </a:r>
+            <a:endParaRPr lang="he-IL" sz="2000" dirty="0"/>
+          </a:p>
+        </p:txBody>
+      </p:sp>
+      <p:sp>
+        <p:nvSpPr>
+          <p:cNvPr id="36" name="TextBox 35"/>
+          <p:cNvSpPr txBox="1"/>
+          <p:nvPr/>
+        </p:nvSpPr>
+        <p:spPr>
+          <a:xfrm>
+            <a:off x="8620062" y="1702141"/>
+            <a:ext cx="1930920" cy="400110"/>
+          </a:xfrm>
+          <a:prstGeom prst="rect">
+            <a:avLst/>
+          </a:prstGeom>
+          <a:noFill/>
+        </p:spPr>
+        <p:txBody>
+          <a:bodyPr wrap="square" rtlCol="1">
+            <a:spAutoFit/>
+          </a:bodyPr>
+          <a:lstStyle/>
+          <a:p>
+            <a:r>
+              <a:rPr lang="en-US" sz="2000" dirty="0" err="1" smtClean="0"/>
+              <a:t>F</a:t>
+            </a:r>
+            <a:r>
+              <a:rPr lang="en-US" sz="2000" baseline="-25000" dirty="0" err="1" smtClean="0"/>
+              <a:t>max</a:t>
+            </a:r>
+            <a:r>
+              <a:rPr lang="en-US" sz="2000" dirty="0" smtClean="0"/>
+              <a:t>(B)=40</a:t>
+            </a:r>
+            <a:endParaRPr lang="he-IL" sz="2000" dirty="0"/>
+          </a:p>
+        </p:txBody>
+      </p:sp>
+      <p:sp>
+        <p:nvSpPr>
+          <p:cNvPr id="37" name="TextBox 36"/>
+          <p:cNvSpPr txBox="1"/>
+          <p:nvPr/>
+        </p:nvSpPr>
+        <p:spPr>
+          <a:xfrm>
+            <a:off x="3709100" y="1595675"/>
+            <a:ext cx="1930920" cy="400110"/>
+          </a:xfrm>
+          <a:prstGeom prst="rect">
+            <a:avLst/>
+          </a:prstGeom>
+          <a:noFill/>
+        </p:spPr>
+        <p:txBody>
+          <a:bodyPr wrap="square" rtlCol="1">
+            <a:spAutoFit/>
+          </a:bodyPr>
+          <a:lstStyle/>
+          <a:p>
+            <a:r>
+              <a:rPr lang="en-US" sz="2000" dirty="0" err="1" smtClean="0"/>
+              <a:t>F</a:t>
+            </a:r>
+            <a:r>
+              <a:rPr lang="en-US" sz="2000" baseline="-25000" dirty="0" err="1" smtClean="0"/>
+              <a:t>max</a:t>
+            </a:r>
+            <a:r>
+              <a:rPr lang="en-US" sz="2000" dirty="0" smtClean="0"/>
+              <a:t>(A)=55</a:t>
+            </a:r>
+            <a:endParaRPr lang="he-IL" sz="2000" dirty="0"/>
+          </a:p>
+        </p:txBody>
+      </p:sp>
+      <p:sp>
+        <p:nvSpPr>
+          <p:cNvPr id="38" name="TextBox 37"/>
+          <p:cNvSpPr txBox="1"/>
+          <p:nvPr/>
+        </p:nvSpPr>
+        <p:spPr>
+          <a:xfrm>
+            <a:off x="3709100" y="2805658"/>
+            <a:ext cx="1930920" cy="400110"/>
+          </a:xfrm>
+          <a:prstGeom prst="rect">
+            <a:avLst/>
+          </a:prstGeom>
+          <a:noFill/>
+        </p:spPr>
+        <p:txBody>
+          <a:bodyPr wrap="square" rtlCol="1">
+            <a:spAutoFit/>
+          </a:bodyPr>
+          <a:lstStyle/>
+          <a:p>
+            <a:r>
+              <a:rPr lang="en-US" sz="2000" dirty="0" err="1" smtClean="0"/>
+              <a:t>F</a:t>
+            </a:r>
+            <a:r>
+              <a:rPr lang="en-US" sz="2000" baseline="-25000" dirty="0" err="1" smtClean="0"/>
+              <a:t>max</a:t>
+            </a:r>
+            <a:r>
+              <a:rPr lang="en-US" sz="2000" dirty="0" smtClean="0"/>
+              <a:t>(G</a:t>
+            </a:r>
+            <a:r>
+              <a:rPr lang="en-US" sz="2000" baseline="-25000" dirty="0" smtClean="0"/>
+              <a:t>1</a:t>
+            </a:r>
+            <a:r>
+              <a:rPr lang="en-US" sz="2000" dirty="0" smtClean="0"/>
+              <a:t>)=40</a:t>
+            </a:r>
+            <a:endParaRPr lang="he-IL" sz="2000" dirty="0"/>
+          </a:p>
+        </p:txBody>
+      </p:sp>
+      <p:sp>
+        <p:nvSpPr>
+          <p:cNvPr id="39" name="TextBox 38"/>
+          <p:cNvSpPr txBox="1"/>
+          <p:nvPr/>
+        </p:nvSpPr>
+        <p:spPr>
+          <a:xfrm>
+            <a:off x="8624172" y="2763327"/>
+            <a:ext cx="1930920" cy="400110"/>
+          </a:xfrm>
+          <a:prstGeom prst="rect">
+            <a:avLst/>
+          </a:prstGeom>
+          <a:noFill/>
+        </p:spPr>
+        <p:txBody>
+          <a:bodyPr wrap="square" rtlCol="1">
+            <a:spAutoFit/>
+          </a:bodyPr>
+          <a:lstStyle/>
+          <a:p>
+            <a:r>
+              <a:rPr lang="en-US" sz="2000" dirty="0" err="1" smtClean="0"/>
+              <a:t>F</a:t>
+            </a:r>
+            <a:r>
+              <a:rPr lang="en-US" sz="2000" baseline="-25000" dirty="0" err="1" smtClean="0"/>
+              <a:t>max</a:t>
+            </a:r>
+            <a:r>
+              <a:rPr lang="en-US" sz="2000" dirty="0" smtClean="0"/>
+              <a:t>(G</a:t>
+            </a:r>
+            <a:r>
+              <a:rPr lang="en-US" sz="2000" baseline="-25000" dirty="0" smtClean="0"/>
+              <a:t>2</a:t>
+            </a:r>
+            <a:r>
+              <a:rPr lang="en-US" sz="2000" dirty="0" smtClean="0"/>
+              <a:t>)=80</a:t>
+            </a:r>
+            <a:endParaRPr lang="he-IL" sz="2000" dirty="0"/>
+          </a:p>
+        </p:txBody>
+      </p:sp>
+      <p:sp>
+        <p:nvSpPr>
+          <p:cNvPr id="40" name="TextBox 39"/>
+          <p:cNvSpPr txBox="1"/>
+          <p:nvPr/>
+        </p:nvSpPr>
+        <p:spPr>
+          <a:xfrm>
+            <a:off x="5144640" y="2693056"/>
+            <a:ext cx="990760" cy="707886"/>
+          </a:xfrm>
+          <a:prstGeom prst="rect">
+            <a:avLst/>
+          </a:prstGeom>
+          <a:noFill/>
+        </p:spPr>
+        <p:txBody>
+          <a:bodyPr wrap="square" rtlCol="1">
+            <a:spAutoFit/>
+          </a:bodyPr>
+          <a:lstStyle/>
+          <a:p>
+            <a:r>
+              <a:rPr lang="en-US" sz="2000" dirty="0" smtClean="0"/>
+              <a:t>h</a:t>
+            </a:r>
+            <a:r>
+              <a:rPr lang="en-US" sz="2000" baseline="-25000" dirty="0" smtClean="0"/>
+              <a:t>1</a:t>
+            </a:r>
+            <a:r>
+              <a:rPr lang="en-US" sz="2000" dirty="0" smtClean="0"/>
+              <a:t>=0</a:t>
+            </a:r>
+          </a:p>
+          <a:p>
+            <a:r>
+              <a:rPr lang="en-US" sz="2000" dirty="0" smtClean="0"/>
+              <a:t>h</a:t>
+            </a:r>
+            <a:r>
+              <a:rPr lang="en-US" sz="2000" baseline="-25000" dirty="0" smtClean="0"/>
+              <a:t>2</a:t>
+            </a:r>
+            <a:r>
+              <a:rPr lang="en-US" sz="2000" dirty="0" smtClean="0"/>
+              <a:t>=20</a:t>
+            </a:r>
+            <a:endParaRPr lang="he-IL" sz="2000" dirty="0"/>
+          </a:p>
+        </p:txBody>
+      </p:sp>
+      <p:sp>
+        <p:nvSpPr>
+          <p:cNvPr id="41" name="TextBox 40"/>
+          <p:cNvSpPr txBox="1"/>
+          <p:nvPr/>
+        </p:nvSpPr>
+        <p:spPr>
+          <a:xfrm>
+            <a:off x="7786699" y="2611078"/>
+            <a:ext cx="990760" cy="707886"/>
+          </a:xfrm>
+          <a:prstGeom prst="rect">
+            <a:avLst/>
+          </a:prstGeom>
+          <a:noFill/>
+        </p:spPr>
+        <p:txBody>
+          <a:bodyPr wrap="square" rtlCol="1">
+            <a:spAutoFit/>
+          </a:bodyPr>
+          <a:lstStyle/>
+          <a:p>
+            <a:r>
+              <a:rPr lang="en-US" sz="2000" dirty="0" smtClean="0"/>
+              <a:t>h</a:t>
+            </a:r>
+            <a:r>
+              <a:rPr lang="en-US" sz="2000" baseline="-25000" dirty="0" smtClean="0"/>
+              <a:t>1</a:t>
+            </a:r>
+            <a:r>
+              <a:rPr lang="en-US" sz="2000" dirty="0" smtClean="0"/>
+              <a:t>=20</a:t>
+            </a:r>
+          </a:p>
+          <a:p>
+            <a:r>
+              <a:rPr lang="en-US" sz="2000" dirty="0" smtClean="0"/>
+              <a:t>h</a:t>
+            </a:r>
+            <a:r>
+              <a:rPr lang="en-US" sz="2000" baseline="-25000" dirty="0" smtClean="0"/>
+              <a:t>2</a:t>
+            </a:r>
+            <a:r>
+              <a:rPr lang="en-US" sz="2000" dirty="0" smtClean="0"/>
+              <a:t>=0</a:t>
+            </a:r>
+            <a:endParaRPr lang="he-IL" sz="2000" dirty="0"/>
+          </a:p>
+        </p:txBody>
+      </p:sp>
+      <p:sp>
+        <p:nvSpPr>
+          <p:cNvPr id="42" name="Rounded Rectangular Callout 41"/>
+          <p:cNvSpPr/>
+          <p:nvPr/>
+        </p:nvSpPr>
+        <p:spPr>
+          <a:xfrm>
+            <a:off x="1049527" y="2763327"/>
+            <a:ext cx="1413163" cy="507870"/>
+          </a:xfrm>
+          <a:prstGeom prst="wedgeRoundRectCallout">
+            <a:avLst>
+              <a:gd name="adj1" fmla="val 98775"/>
+              <a:gd name="adj2" fmla="val 12488"/>
+              <a:gd name="adj3" fmla="val 16667"/>
+            </a:avLst>
+          </a:prstGeom>
+        </p:spPr>
+        <p:style>
+          <a:lnRef idx="2">
+            <a:schemeClr val="accent1">
+              <a:shade val="50000"/>
+            </a:schemeClr>
+          </a:lnRef>
+          <a:fillRef idx="1">
+            <a:schemeClr val="accent1"/>
+          </a:fillRef>
+          <a:effectRef idx="0">
+            <a:schemeClr val="accent1"/>
+          </a:effectRef>
+          <a:fontRef idx="minor">
+            <a:schemeClr val="lt1"/>
+          </a:fontRef>
+        </p:style>
+        <p:txBody>
+          <a:bodyPr rtlCol="1" anchor="ctr"/>
+          <a:lstStyle/>
+          <a:p>
+            <a:pPr algn="ctr"/>
+            <a:r>
+              <a:rPr lang="en-US" dirty="0" smtClean="0"/>
+              <a:t>Inconsistent</a:t>
+            </a:r>
+            <a:endParaRPr lang="he-IL" dirty="0"/>
+          </a:p>
+        </p:txBody>
+      </p:sp>
+      <p:sp>
+        <p:nvSpPr>
+          <p:cNvPr id="43" name="TextBox 42"/>
+          <p:cNvSpPr txBox="1"/>
+          <p:nvPr/>
+        </p:nvSpPr>
+        <p:spPr>
+          <a:xfrm>
+            <a:off x="665018" y="440913"/>
+            <a:ext cx="1797672" cy="1200329"/>
+          </a:xfrm>
+          <a:prstGeom prst="rect">
+            <a:avLst/>
+          </a:prstGeom>
+          <a:noFill/>
+        </p:spPr>
+        <p:txBody>
+          <a:bodyPr wrap="none" rtlCol="1">
+            <a:spAutoFit/>
+          </a:bodyPr>
+          <a:lstStyle/>
+          <a:p>
+            <a:r>
+              <a:rPr lang="en-US" b="1" dirty="0" smtClean="0"/>
+              <a:t>Expansion order:</a:t>
+            </a:r>
+          </a:p>
+          <a:p>
+            <a:pPr algn="ctr"/>
+            <a:r>
+              <a:rPr lang="en-US" dirty="0" smtClean="0"/>
+              <a:t>S(40)</a:t>
+            </a:r>
+          </a:p>
+          <a:p>
+            <a:pPr algn="ctr"/>
+            <a:r>
+              <a:rPr lang="en-US" dirty="0" smtClean="0"/>
+              <a:t>B(40)</a:t>
+            </a:r>
+          </a:p>
+          <a:p>
+            <a:pPr algn="ctr"/>
+            <a:r>
+              <a:rPr lang="en-US" dirty="0" smtClean="0"/>
+              <a:t>G</a:t>
+            </a:r>
+            <a:r>
+              <a:rPr lang="en-US" baseline="-25000" dirty="0" smtClean="0"/>
+              <a:t>1</a:t>
+            </a:r>
+            <a:r>
+              <a:rPr lang="en-US" dirty="0" smtClean="0"/>
+              <a:t>(40)</a:t>
+            </a:r>
+          </a:p>
+        </p:txBody>
+      </p:sp>
+    </p:spTree>
+    <p:extLst>
+      <p:ext uri="{BB962C8B-B14F-4D97-AF65-F5344CB8AC3E}">
+        <p14:creationId xmlns:p14="http://schemas.microsoft.com/office/powerpoint/2010/main" val="1909350835"/>
+      </p:ext>
+    </p:extLst>
+  </p:cSld>
+  <p:clrMapOvr>
+    <a:masterClrMapping/>
+  </p:clrMapOvr>
+</p:sld>
+</file>
+
+<file path=ppt/slides/slide3.xml><?xml version="1.0" encoding="utf-8"?>
+<p:sld xmlns:a="http://schemas.openxmlformats.org/drawingml/2006/main" xmlns:r="http://schemas.openxmlformats.org/officeDocument/2006/relationships" xmlns:p="http://schemas.openxmlformats.org/presentationml/2006/main">
+  <p:cSld>
+    <p:spTree>
+      <p:nvGrpSpPr>
+        <p:cNvPr id="1" name=""/>
+        <p:cNvGrpSpPr/>
+        <p:nvPr/>
+      </p:nvGrpSpPr>
+      <p:grpSpPr>
+        <a:xfrm>
+          <a:off x="0" y="0"/>
+          <a:ext cx="0" cy="0"/>
+          <a:chOff x="0" y="0"/>
+          <a:chExt cx="0" cy="0"/>
+        </a:xfrm>
+      </p:grpSpPr>
     </p:spTree>
     <p:extLst>
       <p:ext uri="{BB962C8B-B14F-4D97-AF65-F5344CB8AC3E}">
@@ -4185,7 +5392,7 @@
 </p:sld>
 </file>
 
-<file path=ppt/slides/slide3.xml><?xml version="1.0" encoding="utf-8"?>
+<file path=ppt/slides/slide4.xml><?xml version="1.0" encoding="utf-8"?>
 <p:sld xmlns:a="http://schemas.openxmlformats.org/drawingml/2006/main" xmlns:r="http://schemas.openxmlformats.org/officeDocument/2006/relationships" xmlns:p="http://schemas.openxmlformats.org/presentationml/2006/main">
   <p:cSld>
     <p:spTree>

--- a/Figures.pptx
+++ b/Figures.pptx
@@ -107,6 +107,11 @@
       </a:defRPr>
     </a:lvl9pPr>
   </p:defaultTextStyle>
+  <p:extLst>
+    <p:ext uri="{EFAFB233-063F-42B5-8137-9DF3F51BA10A}">
+      <p15:sldGuideLst xmlns:p15="http://schemas.microsoft.com/office/powerpoint/2012/main"/>
+    </p:ext>
+  </p:extLst>
 </p:presentation>
 </file>
 
@@ -241,7 +246,7 @@
           <a:p>
             <a:fld id="{2D53BDBD-A251-4BA0-ADCA-71664ACBDFF8}" type="datetimeFigureOut">
               <a:rPr lang="he-IL" smtClean="0"/>
-              <a:t>כ"ט/חשון/תשע"ז</a:t>
+              <a:t>כ"ט/כסלו/תשע"ז</a:t>
             </a:fld>
             <a:endParaRPr lang="he-IL"/>
           </a:p>
@@ -411,7 +416,7 @@
           <a:p>
             <a:fld id="{2D53BDBD-A251-4BA0-ADCA-71664ACBDFF8}" type="datetimeFigureOut">
               <a:rPr lang="he-IL" smtClean="0"/>
-              <a:t>כ"ט/חשון/תשע"ז</a:t>
+              <a:t>כ"ט/כסלו/תשע"ז</a:t>
             </a:fld>
             <a:endParaRPr lang="he-IL"/>
           </a:p>
@@ -591,7 +596,7 @@
           <a:p>
             <a:fld id="{2D53BDBD-A251-4BA0-ADCA-71664ACBDFF8}" type="datetimeFigureOut">
               <a:rPr lang="he-IL" smtClean="0"/>
-              <a:t>כ"ט/חשון/תשע"ז</a:t>
+              <a:t>כ"ט/כסלו/תשע"ז</a:t>
             </a:fld>
             <a:endParaRPr lang="he-IL"/>
           </a:p>
@@ -761,7 +766,7 @@
           <a:p>
             <a:fld id="{2D53BDBD-A251-4BA0-ADCA-71664ACBDFF8}" type="datetimeFigureOut">
               <a:rPr lang="he-IL" smtClean="0"/>
-              <a:t>כ"ט/חשון/תשע"ז</a:t>
+              <a:t>כ"ט/כסלו/תשע"ז</a:t>
             </a:fld>
             <a:endParaRPr lang="he-IL"/>
           </a:p>
@@ -1007,7 +1012,7 @@
           <a:p>
             <a:fld id="{2D53BDBD-A251-4BA0-ADCA-71664ACBDFF8}" type="datetimeFigureOut">
               <a:rPr lang="he-IL" smtClean="0"/>
-              <a:t>כ"ט/חשון/תשע"ז</a:t>
+              <a:t>כ"ט/כסלו/תשע"ז</a:t>
             </a:fld>
             <a:endParaRPr lang="he-IL"/>
           </a:p>
@@ -1239,7 +1244,7 @@
           <a:p>
             <a:fld id="{2D53BDBD-A251-4BA0-ADCA-71664ACBDFF8}" type="datetimeFigureOut">
               <a:rPr lang="he-IL" smtClean="0"/>
-              <a:t>כ"ט/חשון/תשע"ז</a:t>
+              <a:t>כ"ט/כסלו/תשע"ז</a:t>
             </a:fld>
             <a:endParaRPr lang="he-IL"/>
           </a:p>
@@ -1606,7 +1611,7 @@
           <a:p>
             <a:fld id="{2D53BDBD-A251-4BA0-ADCA-71664ACBDFF8}" type="datetimeFigureOut">
               <a:rPr lang="he-IL" smtClean="0"/>
-              <a:t>כ"ט/חשון/תשע"ז</a:t>
+              <a:t>כ"ט/כסלו/תשע"ז</a:t>
             </a:fld>
             <a:endParaRPr lang="he-IL"/>
           </a:p>
@@ -1724,7 +1729,7 @@
           <a:p>
             <a:fld id="{2D53BDBD-A251-4BA0-ADCA-71664ACBDFF8}" type="datetimeFigureOut">
               <a:rPr lang="he-IL" smtClean="0"/>
-              <a:t>כ"ט/חשון/תשע"ז</a:t>
+              <a:t>כ"ט/כסלו/תשע"ז</a:t>
             </a:fld>
             <a:endParaRPr lang="he-IL"/>
           </a:p>
@@ -1819,7 +1824,7 @@
           <a:p>
             <a:fld id="{2D53BDBD-A251-4BA0-ADCA-71664ACBDFF8}" type="datetimeFigureOut">
               <a:rPr lang="he-IL" smtClean="0"/>
-              <a:t>כ"ט/חשון/תשע"ז</a:t>
+              <a:t>כ"ט/כסלו/תשע"ז</a:t>
             </a:fld>
             <a:endParaRPr lang="he-IL"/>
           </a:p>
@@ -2096,7 +2101,7 @@
           <a:p>
             <a:fld id="{2D53BDBD-A251-4BA0-ADCA-71664ACBDFF8}" type="datetimeFigureOut">
               <a:rPr lang="he-IL" smtClean="0"/>
-              <a:t>כ"ט/חשון/תשע"ז</a:t>
+              <a:t>כ"ט/כסלו/תשע"ז</a:t>
             </a:fld>
             <a:endParaRPr lang="he-IL"/>
           </a:p>
@@ -2349,7 +2354,7 @@
           <a:p>
             <a:fld id="{2D53BDBD-A251-4BA0-ADCA-71664ACBDFF8}" type="datetimeFigureOut">
               <a:rPr lang="he-IL" smtClean="0"/>
-              <a:t>כ"ט/חשון/תשע"ז</a:t>
+              <a:t>כ"ט/כסלו/תשע"ז</a:t>
             </a:fld>
             <a:endParaRPr lang="he-IL"/>
           </a:p>
@@ -2562,7 +2567,7 @@
           <a:p>
             <a:fld id="{2D53BDBD-A251-4BA0-ADCA-71664ACBDFF8}" type="datetimeFigureOut">
               <a:rPr lang="he-IL" smtClean="0"/>
-              <a:t>כ"ט/חשון/תשע"ז</a:t>
+              <a:t>כ"ט/כסלו/תשע"ז</a:t>
             </a:fld>
             <a:endParaRPr lang="he-IL"/>
           </a:p>
@@ -5379,6 +5384,1058 @@
           <a:chExt cx="0" cy="0"/>
         </a:xfrm>
       </p:grpSpPr>
+      <p:pic>
+        <p:nvPicPr>
+          <p:cNvPr id="43" name="Picture 42"/>
+          <p:cNvPicPr>
+            <a:picLocks noChangeAspect="1"/>
+          </p:cNvPicPr>
+          <p:nvPr/>
+        </p:nvPicPr>
+        <p:blipFill>
+          <a:blip r:embed="rId2">
+            <a:clrChange>
+              <a:clrFrom>
+                <a:srgbClr val="FFFFFF"/>
+              </a:clrFrom>
+              <a:clrTo>
+                <a:srgbClr val="FFFFFF">
+                  <a:alpha val="0"/>
+                </a:srgbClr>
+              </a:clrTo>
+            </a:clrChange>
+            <a:duotone>
+              <a:schemeClr val="accent1">
+                <a:shade val="45000"/>
+                <a:satMod val="135000"/>
+              </a:schemeClr>
+              <a:prstClr val="white"/>
+            </a:duotone>
+          </a:blip>
+          <a:stretch>
+            <a:fillRect/>
+          </a:stretch>
+        </p:blipFill>
+        <p:spPr>
+          <a:xfrm rot="3450141">
+            <a:off x="8140644" y="4176983"/>
+            <a:ext cx="2217072" cy="2785124"/>
+          </a:xfrm>
+          <a:prstGeom prst="rect">
+            <a:avLst/>
+          </a:prstGeom>
+        </p:spPr>
+      </p:pic>
+      <p:pic>
+        <p:nvPicPr>
+          <p:cNvPr id="26" name="Picture 25"/>
+          <p:cNvPicPr>
+            <a:picLocks noChangeAspect="1"/>
+          </p:cNvPicPr>
+          <p:nvPr/>
+        </p:nvPicPr>
+        <p:blipFill>
+          <a:blip r:embed="rId3">
+            <a:clrChange>
+              <a:clrFrom>
+                <a:srgbClr val="FFFFFF"/>
+              </a:clrFrom>
+              <a:clrTo>
+                <a:srgbClr val="FFFFFF">
+                  <a:alpha val="0"/>
+                </a:srgbClr>
+              </a:clrTo>
+            </a:clrChange>
+            <a:duotone>
+              <a:schemeClr val="accent2">
+                <a:shade val="45000"/>
+                <a:satMod val="135000"/>
+              </a:schemeClr>
+              <a:prstClr val="white"/>
+            </a:duotone>
+            <a:extLst>
+              <a:ext uri="{BEBA8EAE-BF5A-486C-A8C5-ECC9F3942E4B}">
+                <a14:imgProps xmlns:a14="http://schemas.microsoft.com/office/drawing/2010/main">
+                  <a14:imgLayer r:embed="rId4">
+                    <a14:imgEffect>
+                      <a14:colorTemperature colorTemp="4700"/>
+                    </a14:imgEffect>
+                  </a14:imgLayer>
+                </a14:imgProps>
+              </a:ext>
+            </a:extLst>
+          </a:blip>
+          <a:stretch>
+            <a:fillRect/>
+          </a:stretch>
+        </p:blipFill>
+        <p:spPr>
+          <a:xfrm>
+            <a:off x="3385279" y="546451"/>
+            <a:ext cx="1590527" cy="2083438"/>
+          </a:xfrm>
+          <a:prstGeom prst="rect">
+            <a:avLst/>
+          </a:prstGeom>
+        </p:spPr>
+      </p:pic>
+      <p:pic>
+        <p:nvPicPr>
+          <p:cNvPr id="27" name="Picture 26"/>
+          <p:cNvPicPr>
+            <a:picLocks noChangeAspect="1"/>
+          </p:cNvPicPr>
+          <p:nvPr/>
+        </p:nvPicPr>
+        <p:blipFill>
+          <a:blip r:embed="rId2">
+            <a:clrChange>
+              <a:clrFrom>
+                <a:srgbClr val="FFFFFF"/>
+              </a:clrFrom>
+              <a:clrTo>
+                <a:srgbClr val="FFFFFF">
+                  <a:alpha val="0"/>
+                </a:srgbClr>
+              </a:clrTo>
+            </a:clrChange>
+            <a:duotone>
+              <a:schemeClr val="accent1">
+                <a:shade val="45000"/>
+                <a:satMod val="135000"/>
+              </a:schemeClr>
+              <a:prstClr val="white"/>
+            </a:duotone>
+          </a:blip>
+          <a:stretch>
+            <a:fillRect/>
+          </a:stretch>
+        </p:blipFill>
+        <p:spPr>
+          <a:xfrm>
+            <a:off x="2690403" y="546451"/>
+            <a:ext cx="1662452" cy="2088401"/>
+          </a:xfrm>
+          <a:prstGeom prst="rect">
+            <a:avLst/>
+          </a:prstGeom>
+        </p:spPr>
+      </p:pic>
+      <p:sp>
+        <p:nvSpPr>
+          <p:cNvPr id="2" name="Oval 1"/>
+          <p:cNvSpPr/>
+          <p:nvPr/>
+        </p:nvSpPr>
+        <p:spPr>
+          <a:xfrm>
+            <a:off x="3632638" y="663842"/>
+            <a:ext cx="422695" cy="422695"/>
+          </a:xfrm>
+          <a:prstGeom prst="ellipse">
+            <a:avLst/>
+          </a:prstGeom>
+          <a:ln w="28575"/>
+        </p:spPr>
+        <p:style>
+          <a:lnRef idx="2">
+            <a:schemeClr val="dk1"/>
+          </a:lnRef>
+          <a:fillRef idx="1">
+            <a:schemeClr val="lt1"/>
+          </a:fillRef>
+          <a:effectRef idx="0">
+            <a:schemeClr val="dk1"/>
+          </a:effectRef>
+          <a:fontRef idx="minor">
+            <a:schemeClr val="dk1"/>
+          </a:fontRef>
+        </p:style>
+        <p:txBody>
+          <a:bodyPr rtlCol="1" anchor="ctr"/>
+          <a:lstStyle/>
+          <a:p>
+            <a:pPr algn="ctr"/>
+            <a:r>
+              <a:rPr lang="en-US" dirty="0" smtClean="0"/>
+              <a:t>S</a:t>
+            </a:r>
+            <a:endParaRPr lang="he-IL" dirty="0"/>
+          </a:p>
+        </p:txBody>
+      </p:sp>
+      <p:sp>
+        <p:nvSpPr>
+          <p:cNvPr id="21" name="Oval 20"/>
+          <p:cNvSpPr/>
+          <p:nvPr/>
+        </p:nvSpPr>
+        <p:spPr>
+          <a:xfrm>
+            <a:off x="2904643" y="2207194"/>
+            <a:ext cx="422695" cy="422695"/>
+          </a:xfrm>
+          <a:prstGeom prst="ellipse">
+            <a:avLst/>
+          </a:prstGeom>
+          <a:ln w="28575"/>
+        </p:spPr>
+        <p:style>
+          <a:lnRef idx="2">
+            <a:schemeClr val="dk1"/>
+          </a:lnRef>
+          <a:fillRef idx="1">
+            <a:schemeClr val="lt1"/>
+          </a:fillRef>
+          <a:effectRef idx="0">
+            <a:schemeClr val="dk1"/>
+          </a:effectRef>
+          <a:fontRef idx="minor">
+            <a:schemeClr val="dk1"/>
+          </a:fontRef>
+        </p:style>
+        <p:txBody>
+          <a:bodyPr wrap="none" rtlCol="1" anchor="ctr"/>
+          <a:lstStyle/>
+          <a:p>
+            <a:pPr algn="ctr"/>
+            <a:r>
+              <a:rPr lang="en-US" dirty="0" smtClean="0"/>
+              <a:t>G</a:t>
+            </a:r>
+            <a:r>
+              <a:rPr lang="en-US" baseline="-25000" dirty="0" smtClean="0"/>
+              <a:t>1</a:t>
+            </a:r>
+            <a:endParaRPr lang="he-IL" baseline="-25000" dirty="0"/>
+          </a:p>
+        </p:txBody>
+      </p:sp>
+      <p:sp>
+        <p:nvSpPr>
+          <p:cNvPr id="22" name="Oval 21"/>
+          <p:cNvSpPr/>
+          <p:nvPr/>
+        </p:nvSpPr>
+        <p:spPr>
+          <a:xfrm>
+            <a:off x="4392121" y="2177892"/>
+            <a:ext cx="422695" cy="422695"/>
+          </a:xfrm>
+          <a:prstGeom prst="ellipse">
+            <a:avLst/>
+          </a:prstGeom>
+          <a:ln w="28575"/>
+        </p:spPr>
+        <p:style>
+          <a:lnRef idx="2">
+            <a:schemeClr val="dk1"/>
+          </a:lnRef>
+          <a:fillRef idx="1">
+            <a:schemeClr val="lt1"/>
+          </a:fillRef>
+          <a:effectRef idx="0">
+            <a:schemeClr val="dk1"/>
+          </a:effectRef>
+          <a:fontRef idx="minor">
+            <a:schemeClr val="dk1"/>
+          </a:fontRef>
+        </p:style>
+        <p:txBody>
+          <a:bodyPr wrap="none" rtlCol="1" anchor="ctr"/>
+          <a:lstStyle/>
+          <a:p>
+            <a:pPr algn="ctr"/>
+            <a:r>
+              <a:rPr lang="en-US" dirty="0" smtClean="0"/>
+              <a:t>G</a:t>
+            </a:r>
+            <a:r>
+              <a:rPr lang="en-US" baseline="-25000" dirty="0" smtClean="0"/>
+              <a:t>2</a:t>
+            </a:r>
+            <a:endParaRPr lang="he-IL" baseline="-25000" dirty="0"/>
+          </a:p>
+        </p:txBody>
+      </p:sp>
+      <p:sp>
+        <p:nvSpPr>
+          <p:cNvPr id="28" name="Line Callout 1 27"/>
+          <p:cNvSpPr/>
+          <p:nvPr/>
+        </p:nvSpPr>
+        <p:spPr>
+          <a:xfrm>
+            <a:off x="818134" y="784506"/>
+            <a:ext cx="1748589" cy="604062"/>
+          </a:xfrm>
+          <a:prstGeom prst="borderCallout1">
+            <a:avLst>
+              <a:gd name="adj1" fmla="val 154191"/>
+              <a:gd name="adj2" fmla="val 129282"/>
+              <a:gd name="adj3" fmla="val 115156"/>
+              <a:gd name="adj4" fmla="val 64419"/>
+            </a:avLst>
+          </a:prstGeom>
+          <a:ln w="38100"/>
+        </p:spPr>
+        <p:style>
+          <a:lnRef idx="2">
+            <a:schemeClr val="accent1"/>
+          </a:lnRef>
+          <a:fillRef idx="1">
+            <a:schemeClr val="lt1"/>
+          </a:fillRef>
+          <a:effectRef idx="0">
+            <a:schemeClr val="accent1"/>
+          </a:effectRef>
+          <a:fontRef idx="minor">
+            <a:schemeClr val="dk1"/>
+          </a:fontRef>
+        </p:style>
+        <p:txBody>
+          <a:bodyPr rtlCol="1" anchor="ctr"/>
+          <a:lstStyle/>
+          <a:p>
+            <a:pPr algn="ctr"/>
+            <a:r>
+              <a:rPr lang="en-US" sz="2800" dirty="0" smtClean="0"/>
+              <a:t>Gen(g</a:t>
+            </a:r>
+            <a:r>
+              <a:rPr lang="en-US" sz="2800" baseline="-25000" dirty="0" smtClean="0"/>
+              <a:t>1</a:t>
+            </a:r>
+            <a:r>
+              <a:rPr lang="en-US" sz="2800" dirty="0" smtClean="0"/>
+              <a:t>)</a:t>
+            </a:r>
+            <a:endParaRPr lang="he-IL" sz="2800" dirty="0"/>
+          </a:p>
+        </p:txBody>
+      </p:sp>
+      <p:sp>
+        <p:nvSpPr>
+          <p:cNvPr id="29" name="Line Callout 1 28"/>
+          <p:cNvSpPr/>
+          <p:nvPr/>
+        </p:nvSpPr>
+        <p:spPr>
+          <a:xfrm>
+            <a:off x="5223165" y="784506"/>
+            <a:ext cx="1748589" cy="604062"/>
+          </a:xfrm>
+          <a:prstGeom prst="borderCallout1">
+            <a:avLst>
+              <a:gd name="adj1" fmla="val 172781"/>
+              <a:gd name="adj2" fmla="val -33103"/>
+              <a:gd name="adj3" fmla="val 120468"/>
+              <a:gd name="adj4" fmla="val 21300"/>
+            </a:avLst>
+          </a:prstGeom>
+          <a:ln w="38100">
+            <a:solidFill>
+              <a:schemeClr val="accent2"/>
+            </a:solidFill>
+          </a:ln>
+        </p:spPr>
+        <p:style>
+          <a:lnRef idx="2">
+            <a:schemeClr val="accent1"/>
+          </a:lnRef>
+          <a:fillRef idx="1">
+            <a:schemeClr val="lt1"/>
+          </a:fillRef>
+          <a:effectRef idx="0">
+            <a:schemeClr val="accent1"/>
+          </a:effectRef>
+          <a:fontRef idx="minor">
+            <a:schemeClr val="dk1"/>
+          </a:fontRef>
+        </p:style>
+        <p:txBody>
+          <a:bodyPr rtlCol="1" anchor="ctr"/>
+          <a:lstStyle/>
+          <a:p>
+            <a:pPr algn="ctr"/>
+            <a:r>
+              <a:rPr lang="en-US" sz="2800" dirty="0"/>
+              <a:t>Gen</a:t>
+            </a:r>
+            <a:r>
+              <a:rPr lang="en-US" sz="2800" dirty="0" smtClean="0"/>
+              <a:t>(g</a:t>
+            </a:r>
+            <a:r>
+              <a:rPr lang="en-US" sz="2800" baseline="-25000" dirty="0" smtClean="0"/>
+              <a:t>2</a:t>
+            </a:r>
+            <a:r>
+              <a:rPr lang="en-US" sz="2800" dirty="0" smtClean="0"/>
+              <a:t>)</a:t>
+            </a:r>
+            <a:endParaRPr lang="he-IL" sz="2800" dirty="0"/>
+          </a:p>
+        </p:txBody>
+      </p:sp>
+      <p:pic>
+        <p:nvPicPr>
+          <p:cNvPr id="30" name="Picture 29"/>
+          <p:cNvPicPr>
+            <a:picLocks noChangeAspect="1"/>
+          </p:cNvPicPr>
+          <p:nvPr/>
+        </p:nvPicPr>
+        <p:blipFill>
+          <a:blip r:embed="rId3">
+            <a:clrChange>
+              <a:clrFrom>
+                <a:srgbClr val="FFFFFF"/>
+              </a:clrFrom>
+              <a:clrTo>
+                <a:srgbClr val="FFFFFF">
+                  <a:alpha val="0"/>
+                </a:srgbClr>
+              </a:clrTo>
+            </a:clrChange>
+            <a:duotone>
+              <a:schemeClr val="accent2">
+                <a:shade val="45000"/>
+                <a:satMod val="135000"/>
+              </a:schemeClr>
+              <a:prstClr val="white"/>
+            </a:duotone>
+            <a:extLst>
+              <a:ext uri="{BEBA8EAE-BF5A-486C-A8C5-ECC9F3942E4B}">
+                <a14:imgProps xmlns:a14="http://schemas.microsoft.com/office/drawing/2010/main">
+                  <a14:imgLayer r:embed="rId4">
+                    <a14:imgEffect>
+                      <a14:colorTemperature colorTemp="4700"/>
+                    </a14:imgEffect>
+                  </a14:imgLayer>
+                </a14:imgProps>
+              </a:ext>
+            </a:extLst>
+          </a:blip>
+          <a:stretch>
+            <a:fillRect/>
+          </a:stretch>
+        </p:blipFill>
+        <p:spPr>
+          <a:xfrm rot="18109363">
+            <a:off x="3240417" y="4576145"/>
+            <a:ext cx="1693194" cy="2083438"/>
+          </a:xfrm>
+          <a:prstGeom prst="rect">
+            <a:avLst/>
+          </a:prstGeom>
+        </p:spPr>
+      </p:pic>
+      <p:pic>
+        <p:nvPicPr>
+          <p:cNvPr id="31" name="Picture 30"/>
+          <p:cNvPicPr>
+            <a:picLocks noChangeAspect="1"/>
+          </p:cNvPicPr>
+          <p:nvPr/>
+        </p:nvPicPr>
+        <p:blipFill>
+          <a:blip r:embed="rId2">
+            <a:clrChange>
+              <a:clrFrom>
+                <a:srgbClr val="FFFFFF"/>
+              </a:clrFrom>
+              <a:clrTo>
+                <a:srgbClr val="FFFFFF">
+                  <a:alpha val="0"/>
+                </a:srgbClr>
+              </a:clrTo>
+            </a:clrChange>
+            <a:duotone>
+              <a:schemeClr val="accent1">
+                <a:shade val="45000"/>
+                <a:satMod val="135000"/>
+              </a:schemeClr>
+              <a:prstClr val="white"/>
+            </a:duotone>
+          </a:blip>
+          <a:stretch>
+            <a:fillRect/>
+          </a:stretch>
+        </p:blipFill>
+        <p:spPr>
+          <a:xfrm rot="3450141">
+            <a:off x="1605762" y="4572076"/>
+            <a:ext cx="1662452" cy="2088401"/>
+          </a:xfrm>
+          <a:prstGeom prst="rect">
+            <a:avLst/>
+          </a:prstGeom>
+        </p:spPr>
+      </p:pic>
+      <p:sp>
+        <p:nvSpPr>
+          <p:cNvPr id="32" name="Oval 31"/>
+          <p:cNvSpPr/>
+          <p:nvPr/>
+        </p:nvSpPr>
+        <p:spPr>
+          <a:xfrm>
+            <a:off x="3053477" y="5355506"/>
+            <a:ext cx="422695" cy="422695"/>
+          </a:xfrm>
+          <a:prstGeom prst="ellipse">
+            <a:avLst/>
+          </a:prstGeom>
+          <a:ln w="28575"/>
+        </p:spPr>
+        <p:style>
+          <a:lnRef idx="2">
+            <a:schemeClr val="dk1"/>
+          </a:lnRef>
+          <a:fillRef idx="1">
+            <a:schemeClr val="lt1"/>
+          </a:fillRef>
+          <a:effectRef idx="0">
+            <a:schemeClr val="dk1"/>
+          </a:effectRef>
+          <a:fontRef idx="minor">
+            <a:schemeClr val="dk1"/>
+          </a:fontRef>
+        </p:style>
+        <p:txBody>
+          <a:bodyPr rtlCol="1" anchor="ctr"/>
+          <a:lstStyle/>
+          <a:p>
+            <a:pPr algn="ctr"/>
+            <a:r>
+              <a:rPr lang="en-US" dirty="0" smtClean="0"/>
+              <a:t>S</a:t>
+            </a:r>
+            <a:endParaRPr lang="he-IL" dirty="0"/>
+          </a:p>
+        </p:txBody>
+      </p:sp>
+      <p:sp>
+        <p:nvSpPr>
+          <p:cNvPr id="33" name="Oval 32"/>
+          <p:cNvSpPr/>
+          <p:nvPr/>
+        </p:nvSpPr>
+        <p:spPr>
+          <a:xfrm>
+            <a:off x="1334567" y="5404928"/>
+            <a:ext cx="422695" cy="422695"/>
+          </a:xfrm>
+          <a:prstGeom prst="ellipse">
+            <a:avLst/>
+          </a:prstGeom>
+          <a:ln w="28575"/>
+        </p:spPr>
+        <p:style>
+          <a:lnRef idx="2">
+            <a:schemeClr val="dk1"/>
+          </a:lnRef>
+          <a:fillRef idx="1">
+            <a:schemeClr val="lt1"/>
+          </a:fillRef>
+          <a:effectRef idx="0">
+            <a:schemeClr val="dk1"/>
+          </a:effectRef>
+          <a:fontRef idx="minor">
+            <a:schemeClr val="dk1"/>
+          </a:fontRef>
+        </p:style>
+        <p:txBody>
+          <a:bodyPr wrap="none" rtlCol="1" anchor="ctr"/>
+          <a:lstStyle/>
+          <a:p>
+            <a:pPr algn="ctr"/>
+            <a:r>
+              <a:rPr lang="en-US" dirty="0" smtClean="0"/>
+              <a:t>G</a:t>
+            </a:r>
+            <a:r>
+              <a:rPr lang="en-US" baseline="-25000" dirty="0" smtClean="0"/>
+              <a:t>1</a:t>
+            </a:r>
+            <a:endParaRPr lang="he-IL" baseline="-25000" dirty="0"/>
+          </a:p>
+        </p:txBody>
+      </p:sp>
+      <p:sp>
+        <p:nvSpPr>
+          <p:cNvPr id="34" name="Oval 33"/>
+          <p:cNvSpPr/>
+          <p:nvPr/>
+        </p:nvSpPr>
+        <p:spPr>
+          <a:xfrm>
+            <a:off x="4783225" y="5362900"/>
+            <a:ext cx="422695" cy="422695"/>
+          </a:xfrm>
+          <a:prstGeom prst="ellipse">
+            <a:avLst/>
+          </a:prstGeom>
+          <a:ln w="28575"/>
+        </p:spPr>
+        <p:style>
+          <a:lnRef idx="2">
+            <a:schemeClr val="dk1"/>
+          </a:lnRef>
+          <a:fillRef idx="1">
+            <a:schemeClr val="lt1"/>
+          </a:fillRef>
+          <a:effectRef idx="0">
+            <a:schemeClr val="dk1"/>
+          </a:effectRef>
+          <a:fontRef idx="minor">
+            <a:schemeClr val="dk1"/>
+          </a:fontRef>
+        </p:style>
+        <p:txBody>
+          <a:bodyPr wrap="none" rtlCol="1" anchor="ctr"/>
+          <a:lstStyle/>
+          <a:p>
+            <a:pPr algn="ctr"/>
+            <a:r>
+              <a:rPr lang="en-US" dirty="0" smtClean="0"/>
+              <a:t>G</a:t>
+            </a:r>
+            <a:r>
+              <a:rPr lang="en-US" baseline="-25000" dirty="0" smtClean="0"/>
+              <a:t>2</a:t>
+            </a:r>
+            <a:endParaRPr lang="he-IL" baseline="-25000" dirty="0"/>
+          </a:p>
+        </p:txBody>
+      </p:sp>
+      <p:sp>
+        <p:nvSpPr>
+          <p:cNvPr id="35" name="Line Callout 1 34"/>
+          <p:cNvSpPr/>
+          <p:nvPr/>
+        </p:nvSpPr>
+        <p:spPr>
+          <a:xfrm>
+            <a:off x="1432450" y="4210540"/>
+            <a:ext cx="1748589" cy="604062"/>
+          </a:xfrm>
+          <a:prstGeom prst="borderCallout1">
+            <a:avLst>
+              <a:gd name="adj1" fmla="val 194027"/>
+              <a:gd name="adj2" fmla="val 44878"/>
+              <a:gd name="adj3" fmla="val 109845"/>
+              <a:gd name="adj4" fmla="val 28639"/>
+            </a:avLst>
+          </a:prstGeom>
+          <a:ln w="38100"/>
+        </p:spPr>
+        <p:style>
+          <a:lnRef idx="2">
+            <a:schemeClr val="accent1"/>
+          </a:lnRef>
+          <a:fillRef idx="1">
+            <a:schemeClr val="lt1"/>
+          </a:fillRef>
+          <a:effectRef idx="0">
+            <a:schemeClr val="accent1"/>
+          </a:effectRef>
+          <a:fontRef idx="minor">
+            <a:schemeClr val="dk1"/>
+          </a:fontRef>
+        </p:style>
+        <p:txBody>
+          <a:bodyPr rtlCol="1" anchor="ctr"/>
+          <a:lstStyle/>
+          <a:p>
+            <a:pPr algn="ctr"/>
+            <a:r>
+              <a:rPr lang="en-US" sz="2800" dirty="0" smtClean="0"/>
+              <a:t>Gen(g</a:t>
+            </a:r>
+            <a:r>
+              <a:rPr lang="en-US" sz="2800" baseline="-25000" dirty="0" smtClean="0"/>
+              <a:t>1</a:t>
+            </a:r>
+            <a:r>
+              <a:rPr lang="en-US" sz="2800" dirty="0" smtClean="0"/>
+              <a:t>)</a:t>
+            </a:r>
+            <a:endParaRPr lang="he-IL" sz="2800" dirty="0"/>
+          </a:p>
+        </p:txBody>
+      </p:sp>
+      <p:sp>
+        <p:nvSpPr>
+          <p:cNvPr id="36" name="Line Callout 1 35"/>
+          <p:cNvSpPr/>
+          <p:nvPr/>
+        </p:nvSpPr>
+        <p:spPr>
+          <a:xfrm>
+            <a:off x="3478560" y="4214100"/>
+            <a:ext cx="1748589" cy="604062"/>
+          </a:xfrm>
+          <a:prstGeom prst="borderCallout1">
+            <a:avLst>
+              <a:gd name="adj1" fmla="val 191371"/>
+              <a:gd name="adj2" fmla="val 37539"/>
+              <a:gd name="adj3" fmla="val 109845"/>
+              <a:gd name="adj4" fmla="val 57080"/>
+            </a:avLst>
+          </a:prstGeom>
+          <a:ln w="38100">
+            <a:solidFill>
+              <a:schemeClr val="accent2"/>
+            </a:solidFill>
+          </a:ln>
+        </p:spPr>
+        <p:style>
+          <a:lnRef idx="2">
+            <a:schemeClr val="accent1"/>
+          </a:lnRef>
+          <a:fillRef idx="1">
+            <a:schemeClr val="lt1"/>
+          </a:fillRef>
+          <a:effectRef idx="0">
+            <a:schemeClr val="accent1"/>
+          </a:effectRef>
+          <a:fontRef idx="minor">
+            <a:schemeClr val="dk1"/>
+          </a:fontRef>
+        </p:style>
+        <p:txBody>
+          <a:bodyPr rtlCol="1" anchor="ctr"/>
+          <a:lstStyle/>
+          <a:p>
+            <a:pPr algn="ctr"/>
+            <a:r>
+              <a:rPr lang="en-US" sz="2800" dirty="0"/>
+              <a:t>Gen</a:t>
+            </a:r>
+            <a:r>
+              <a:rPr lang="en-US" sz="2800" dirty="0" smtClean="0"/>
+              <a:t>(g</a:t>
+            </a:r>
+            <a:r>
+              <a:rPr lang="en-US" sz="2800" baseline="-25000" dirty="0" smtClean="0"/>
+              <a:t>2</a:t>
+            </a:r>
+            <a:r>
+              <a:rPr lang="en-US" sz="2800" dirty="0" smtClean="0"/>
+              <a:t>)</a:t>
+            </a:r>
+            <a:endParaRPr lang="he-IL" sz="2800" dirty="0"/>
+          </a:p>
+        </p:txBody>
+      </p:sp>
+      <p:pic>
+        <p:nvPicPr>
+          <p:cNvPr id="42" name="Picture 41"/>
+          <p:cNvPicPr>
+            <a:picLocks noChangeAspect="1"/>
+          </p:cNvPicPr>
+          <p:nvPr/>
+        </p:nvPicPr>
+        <p:blipFill>
+          <a:blip r:embed="rId3">
+            <a:clrChange>
+              <a:clrFrom>
+                <a:srgbClr val="EBFFFF"/>
+              </a:clrFrom>
+              <a:clrTo>
+                <a:srgbClr val="EBFFFF">
+                  <a:alpha val="0"/>
+                </a:srgbClr>
+              </a:clrTo>
+            </a:clrChange>
+            <a:duotone>
+              <a:schemeClr val="accent2">
+                <a:shade val="45000"/>
+                <a:satMod val="135000"/>
+              </a:schemeClr>
+              <a:prstClr val="white"/>
+            </a:duotone>
+            <a:extLst>
+              <a:ext uri="{BEBA8EAE-BF5A-486C-A8C5-ECC9F3942E4B}">
+                <a14:imgProps xmlns:a14="http://schemas.microsoft.com/office/drawing/2010/main">
+                  <a14:imgLayer r:embed="rId4">
+                    <a14:imgEffect>
+                      <a14:colorTemperature colorTemp="4700"/>
+                    </a14:imgEffect>
+                  </a14:imgLayer>
+                </a14:imgProps>
+              </a:ext>
+            </a:extLst>
+          </a:blip>
+          <a:stretch>
+            <a:fillRect/>
+          </a:stretch>
+        </p:blipFill>
+        <p:spPr>
+          <a:xfrm rot="17926914">
+            <a:off x="8136190" y="4423679"/>
+            <a:ext cx="1693194" cy="2294534"/>
+          </a:xfrm>
+          <a:prstGeom prst="rect">
+            <a:avLst/>
+          </a:prstGeom>
+        </p:spPr>
+      </p:pic>
+      <p:sp>
+        <p:nvSpPr>
+          <p:cNvPr id="44" name="Oval 43"/>
+          <p:cNvSpPr/>
+          <p:nvPr/>
+        </p:nvSpPr>
+        <p:spPr>
+          <a:xfrm>
+            <a:off x="7853496" y="5311473"/>
+            <a:ext cx="422695" cy="422695"/>
+          </a:xfrm>
+          <a:prstGeom prst="ellipse">
+            <a:avLst/>
+          </a:prstGeom>
+          <a:ln w="28575"/>
+        </p:spPr>
+        <p:style>
+          <a:lnRef idx="2">
+            <a:schemeClr val="dk1"/>
+          </a:lnRef>
+          <a:fillRef idx="1">
+            <a:schemeClr val="lt1"/>
+          </a:fillRef>
+          <a:effectRef idx="0">
+            <a:schemeClr val="dk1"/>
+          </a:effectRef>
+          <a:fontRef idx="minor">
+            <a:schemeClr val="dk1"/>
+          </a:fontRef>
+        </p:style>
+        <p:txBody>
+          <a:bodyPr rtlCol="1" anchor="ctr"/>
+          <a:lstStyle/>
+          <a:p>
+            <a:pPr algn="ctr"/>
+            <a:r>
+              <a:rPr lang="en-US" dirty="0" smtClean="0"/>
+              <a:t>S</a:t>
+            </a:r>
+            <a:endParaRPr lang="he-IL" dirty="0"/>
+          </a:p>
+        </p:txBody>
+      </p:sp>
+      <p:sp>
+        <p:nvSpPr>
+          <p:cNvPr id="45" name="Oval 44"/>
+          <p:cNvSpPr/>
+          <p:nvPr/>
+        </p:nvSpPr>
+        <p:spPr>
+          <a:xfrm>
+            <a:off x="10334027" y="5339972"/>
+            <a:ext cx="422695" cy="422695"/>
+          </a:xfrm>
+          <a:prstGeom prst="ellipse">
+            <a:avLst/>
+          </a:prstGeom>
+          <a:ln w="28575"/>
+        </p:spPr>
+        <p:style>
+          <a:lnRef idx="2">
+            <a:schemeClr val="dk1"/>
+          </a:lnRef>
+          <a:fillRef idx="1">
+            <a:schemeClr val="lt1"/>
+          </a:fillRef>
+          <a:effectRef idx="0">
+            <a:schemeClr val="dk1"/>
+          </a:effectRef>
+          <a:fontRef idx="minor">
+            <a:schemeClr val="dk1"/>
+          </a:fontRef>
+        </p:style>
+        <p:txBody>
+          <a:bodyPr wrap="none" rtlCol="1" anchor="ctr"/>
+          <a:lstStyle/>
+          <a:p>
+            <a:pPr algn="ctr"/>
+            <a:r>
+              <a:rPr lang="en-US" dirty="0" smtClean="0"/>
+              <a:t>G</a:t>
+            </a:r>
+            <a:r>
+              <a:rPr lang="en-US" baseline="-25000" dirty="0" smtClean="0"/>
+              <a:t>1</a:t>
+            </a:r>
+            <a:endParaRPr lang="he-IL" baseline="-25000" dirty="0"/>
+          </a:p>
+        </p:txBody>
+      </p:sp>
+      <p:sp>
+        <p:nvSpPr>
+          <p:cNvPr id="46" name="Oval 45"/>
+          <p:cNvSpPr/>
+          <p:nvPr/>
+        </p:nvSpPr>
+        <p:spPr>
+          <a:xfrm>
+            <a:off x="9775654" y="5339967"/>
+            <a:ext cx="422695" cy="422695"/>
+          </a:xfrm>
+          <a:prstGeom prst="ellipse">
+            <a:avLst/>
+          </a:prstGeom>
+          <a:ln w="28575"/>
+        </p:spPr>
+        <p:style>
+          <a:lnRef idx="2">
+            <a:schemeClr val="dk1"/>
+          </a:lnRef>
+          <a:fillRef idx="1">
+            <a:schemeClr val="lt1"/>
+          </a:fillRef>
+          <a:effectRef idx="0">
+            <a:schemeClr val="dk1"/>
+          </a:effectRef>
+          <a:fontRef idx="minor">
+            <a:schemeClr val="dk1"/>
+          </a:fontRef>
+        </p:style>
+        <p:txBody>
+          <a:bodyPr wrap="none" rtlCol="1" anchor="ctr"/>
+          <a:lstStyle/>
+          <a:p>
+            <a:pPr algn="ctr"/>
+            <a:r>
+              <a:rPr lang="en-US" dirty="0" smtClean="0"/>
+              <a:t>G</a:t>
+            </a:r>
+            <a:r>
+              <a:rPr lang="en-US" baseline="-25000" dirty="0" smtClean="0"/>
+              <a:t>2</a:t>
+            </a:r>
+            <a:endParaRPr lang="he-IL" baseline="-25000" dirty="0"/>
+          </a:p>
+        </p:txBody>
+      </p:sp>
+      <p:sp>
+        <p:nvSpPr>
+          <p:cNvPr id="47" name="Line Callout 1 46"/>
+          <p:cNvSpPr/>
+          <p:nvPr/>
+        </p:nvSpPr>
+        <p:spPr>
+          <a:xfrm>
+            <a:off x="9705877" y="3908509"/>
+            <a:ext cx="1748589" cy="604062"/>
+          </a:xfrm>
+          <a:prstGeom prst="borderCallout1">
+            <a:avLst>
+              <a:gd name="adj1" fmla="val 182013"/>
+              <a:gd name="adj2" fmla="val 9186"/>
+              <a:gd name="adj3" fmla="val 109845"/>
+              <a:gd name="adj4" fmla="val 28639"/>
+            </a:avLst>
+          </a:prstGeom>
+          <a:ln w="38100"/>
+        </p:spPr>
+        <p:style>
+          <a:lnRef idx="2">
+            <a:schemeClr val="accent1"/>
+          </a:lnRef>
+          <a:fillRef idx="1">
+            <a:schemeClr val="lt1"/>
+          </a:fillRef>
+          <a:effectRef idx="0">
+            <a:schemeClr val="accent1"/>
+          </a:effectRef>
+          <a:fontRef idx="minor">
+            <a:schemeClr val="dk1"/>
+          </a:fontRef>
+        </p:style>
+        <p:txBody>
+          <a:bodyPr rtlCol="1" anchor="ctr"/>
+          <a:lstStyle/>
+          <a:p>
+            <a:pPr algn="ctr"/>
+            <a:r>
+              <a:rPr lang="en-US" sz="2800" dirty="0" smtClean="0"/>
+              <a:t>Gen(g</a:t>
+            </a:r>
+            <a:r>
+              <a:rPr lang="en-US" sz="2800" baseline="-25000" dirty="0" smtClean="0"/>
+              <a:t>1</a:t>
+            </a:r>
+            <a:r>
+              <a:rPr lang="en-US" sz="2800" dirty="0" smtClean="0"/>
+              <a:t>)</a:t>
+            </a:r>
+            <a:endParaRPr lang="he-IL" sz="2800" dirty="0"/>
+          </a:p>
+        </p:txBody>
+      </p:sp>
+      <p:sp>
+        <p:nvSpPr>
+          <p:cNvPr id="48" name="Line Callout 1 47"/>
+          <p:cNvSpPr/>
+          <p:nvPr/>
+        </p:nvSpPr>
+        <p:spPr>
+          <a:xfrm>
+            <a:off x="7853496" y="3947910"/>
+            <a:ext cx="1748589" cy="604062"/>
+          </a:xfrm>
+          <a:prstGeom prst="borderCallout1">
+            <a:avLst>
+              <a:gd name="adj1" fmla="val 191371"/>
+              <a:gd name="adj2" fmla="val 37539"/>
+              <a:gd name="adj3" fmla="val 109845"/>
+              <a:gd name="adj4" fmla="val 57080"/>
+            </a:avLst>
+          </a:prstGeom>
+          <a:ln w="38100">
+            <a:solidFill>
+              <a:schemeClr val="accent2"/>
+            </a:solidFill>
+          </a:ln>
+        </p:spPr>
+        <p:style>
+          <a:lnRef idx="2">
+            <a:schemeClr val="accent1"/>
+          </a:lnRef>
+          <a:fillRef idx="1">
+            <a:schemeClr val="lt1"/>
+          </a:fillRef>
+          <a:effectRef idx="0">
+            <a:schemeClr val="accent1"/>
+          </a:effectRef>
+          <a:fontRef idx="minor">
+            <a:schemeClr val="dk1"/>
+          </a:fontRef>
+        </p:style>
+        <p:txBody>
+          <a:bodyPr rtlCol="1" anchor="ctr"/>
+          <a:lstStyle/>
+          <a:p>
+            <a:pPr algn="ctr"/>
+            <a:r>
+              <a:rPr lang="en-US" sz="2800" dirty="0" smtClean="0"/>
+              <a:t>Gen(g</a:t>
+            </a:r>
+            <a:r>
+              <a:rPr lang="en-US" sz="2800" baseline="-25000" dirty="0" smtClean="0"/>
+              <a:t>2</a:t>
+            </a:r>
+            <a:r>
+              <a:rPr lang="en-US" sz="2800" dirty="0" smtClean="0"/>
+              <a:t>)</a:t>
+            </a:r>
+            <a:endParaRPr lang="he-IL" sz="2800" dirty="0"/>
+          </a:p>
+        </p:txBody>
+      </p:sp>
     </p:spTree>
     <p:extLst>
       <p:ext uri="{BB962C8B-B14F-4D97-AF65-F5344CB8AC3E}">
@@ -5409,6 +6466,1582 @@
           <a:chExt cx="0" cy="0"/>
         </a:xfrm>
       </p:grpSpPr>
+      <p:sp>
+        <p:nvSpPr>
+          <p:cNvPr id="2" name="Oval 1"/>
+          <p:cNvSpPr/>
+          <p:nvPr/>
+        </p:nvSpPr>
+        <p:spPr>
+          <a:xfrm>
+            <a:off x="782254" y="818992"/>
+            <a:ext cx="422695" cy="422695"/>
+          </a:xfrm>
+          <a:prstGeom prst="ellipse">
+            <a:avLst/>
+          </a:prstGeom>
+          <a:ln w="28575"/>
+        </p:spPr>
+        <p:style>
+          <a:lnRef idx="2">
+            <a:schemeClr val="dk1"/>
+          </a:lnRef>
+          <a:fillRef idx="1">
+            <a:schemeClr val="lt1"/>
+          </a:fillRef>
+          <a:effectRef idx="0">
+            <a:schemeClr val="dk1"/>
+          </a:effectRef>
+          <a:fontRef idx="minor">
+            <a:schemeClr val="dk1"/>
+          </a:fontRef>
+        </p:style>
+        <p:txBody>
+          <a:bodyPr rtlCol="1" anchor="ctr"/>
+          <a:lstStyle/>
+          <a:p>
+            <a:pPr algn="ctr"/>
+            <a:r>
+              <a:rPr lang="en-US" dirty="0" smtClean="0"/>
+              <a:t>S</a:t>
+            </a:r>
+            <a:endParaRPr lang="he-IL" dirty="0"/>
+          </a:p>
+        </p:txBody>
+      </p:sp>
+      <p:sp>
+        <p:nvSpPr>
+          <p:cNvPr id="23" name="Oval 22"/>
+          <p:cNvSpPr/>
+          <p:nvPr/>
+        </p:nvSpPr>
+        <p:spPr>
+          <a:xfrm>
+            <a:off x="1526813" y="818993"/>
+            <a:ext cx="422695" cy="422695"/>
+          </a:xfrm>
+          <a:prstGeom prst="ellipse">
+            <a:avLst/>
+          </a:prstGeom>
+          <a:ln w="28575"/>
+        </p:spPr>
+        <p:style>
+          <a:lnRef idx="2">
+            <a:schemeClr val="dk1"/>
+          </a:lnRef>
+          <a:fillRef idx="1">
+            <a:schemeClr val="lt1"/>
+          </a:fillRef>
+          <a:effectRef idx="0">
+            <a:schemeClr val="dk1"/>
+          </a:effectRef>
+          <a:fontRef idx="minor">
+            <a:schemeClr val="dk1"/>
+          </a:fontRef>
+        </p:style>
+        <p:txBody>
+          <a:bodyPr wrap="none" rtlCol="1" anchor="ctr"/>
+          <a:lstStyle/>
+          <a:p>
+            <a:pPr algn="ctr"/>
+            <a:r>
+              <a:rPr lang="en-US" dirty="0" smtClean="0"/>
+              <a:t>G</a:t>
+            </a:r>
+            <a:r>
+              <a:rPr lang="en-US" baseline="-25000" dirty="0" smtClean="0"/>
+              <a:t>1</a:t>
+            </a:r>
+            <a:endParaRPr lang="he-IL" baseline="-25000" dirty="0"/>
+          </a:p>
+        </p:txBody>
+      </p:sp>
+      <p:sp>
+        <p:nvSpPr>
+          <p:cNvPr id="24" name="Oval 23"/>
+          <p:cNvSpPr/>
+          <p:nvPr/>
+        </p:nvSpPr>
+        <p:spPr>
+          <a:xfrm>
+            <a:off x="2222234" y="818992"/>
+            <a:ext cx="422695" cy="422695"/>
+          </a:xfrm>
+          <a:prstGeom prst="ellipse">
+            <a:avLst/>
+          </a:prstGeom>
+          <a:ln w="28575"/>
+        </p:spPr>
+        <p:style>
+          <a:lnRef idx="2">
+            <a:schemeClr val="dk1"/>
+          </a:lnRef>
+          <a:fillRef idx="1">
+            <a:schemeClr val="lt1"/>
+          </a:fillRef>
+          <a:effectRef idx="0">
+            <a:schemeClr val="dk1"/>
+          </a:effectRef>
+          <a:fontRef idx="minor">
+            <a:schemeClr val="dk1"/>
+          </a:fontRef>
+        </p:style>
+        <p:txBody>
+          <a:bodyPr wrap="none" rtlCol="1" anchor="ctr"/>
+          <a:lstStyle/>
+          <a:p>
+            <a:pPr algn="ctr"/>
+            <a:r>
+              <a:rPr lang="en-US" dirty="0" smtClean="0"/>
+              <a:t>G</a:t>
+            </a:r>
+            <a:r>
+              <a:rPr lang="en-US" baseline="-25000" dirty="0" smtClean="0"/>
+              <a:t>2</a:t>
+            </a:r>
+            <a:endParaRPr lang="he-IL" baseline="-25000" dirty="0"/>
+          </a:p>
+        </p:txBody>
+      </p:sp>
+      <p:sp>
+        <p:nvSpPr>
+          <p:cNvPr id="25" name="Oval 24"/>
+          <p:cNvSpPr/>
+          <p:nvPr/>
+        </p:nvSpPr>
+        <p:spPr>
+          <a:xfrm>
+            <a:off x="2889186" y="818992"/>
+            <a:ext cx="422695" cy="422695"/>
+          </a:xfrm>
+          <a:prstGeom prst="ellipse">
+            <a:avLst/>
+          </a:prstGeom>
+          <a:ln w="28575"/>
+        </p:spPr>
+        <p:style>
+          <a:lnRef idx="2">
+            <a:schemeClr val="dk1"/>
+          </a:lnRef>
+          <a:fillRef idx="1">
+            <a:schemeClr val="lt1"/>
+          </a:fillRef>
+          <a:effectRef idx="0">
+            <a:schemeClr val="dk1"/>
+          </a:effectRef>
+          <a:fontRef idx="minor">
+            <a:schemeClr val="dk1"/>
+          </a:fontRef>
+        </p:style>
+        <p:txBody>
+          <a:bodyPr wrap="none" rtlCol="1" anchor="ctr"/>
+          <a:lstStyle/>
+          <a:p>
+            <a:pPr algn="ctr"/>
+            <a:r>
+              <a:rPr lang="en-US" dirty="0" smtClean="0"/>
+              <a:t>G</a:t>
+            </a:r>
+            <a:r>
+              <a:rPr lang="en-US" baseline="-25000" dirty="0" smtClean="0"/>
+              <a:t>3</a:t>
+            </a:r>
+            <a:endParaRPr lang="he-IL" baseline="-25000" dirty="0"/>
+          </a:p>
+        </p:txBody>
+      </p:sp>
+      <p:sp>
+        <p:nvSpPr>
+          <p:cNvPr id="26" name="Oval 25"/>
+          <p:cNvSpPr/>
+          <p:nvPr/>
+        </p:nvSpPr>
+        <p:spPr>
+          <a:xfrm>
+            <a:off x="4565586" y="818992"/>
+            <a:ext cx="422695" cy="422695"/>
+          </a:xfrm>
+          <a:prstGeom prst="ellipse">
+            <a:avLst/>
+          </a:prstGeom>
+          <a:ln w="28575"/>
+        </p:spPr>
+        <p:style>
+          <a:lnRef idx="2">
+            <a:schemeClr val="dk1"/>
+          </a:lnRef>
+          <a:fillRef idx="1">
+            <a:schemeClr val="lt1"/>
+          </a:fillRef>
+          <a:effectRef idx="0">
+            <a:schemeClr val="dk1"/>
+          </a:effectRef>
+          <a:fontRef idx="minor">
+            <a:schemeClr val="dk1"/>
+          </a:fontRef>
+        </p:style>
+        <p:txBody>
+          <a:bodyPr wrap="none" rtlCol="1" anchor="ctr"/>
+          <a:lstStyle/>
+          <a:p>
+            <a:pPr algn="ctr"/>
+            <a:r>
+              <a:rPr lang="en-US" dirty="0" err="1" smtClean="0"/>
+              <a:t>G</a:t>
+            </a:r>
+            <a:r>
+              <a:rPr lang="en-US" baseline="-25000" dirty="0" err="1" smtClean="0"/>
+              <a:t>k</a:t>
+            </a:r>
+            <a:endParaRPr lang="he-IL" baseline="-25000" dirty="0"/>
+          </a:p>
+        </p:txBody>
+      </p:sp>
+      <p:cxnSp>
+        <p:nvCxnSpPr>
+          <p:cNvPr id="28" name="Straight Connector 27"/>
+          <p:cNvCxnSpPr>
+            <a:stCxn id="2" idx="6"/>
+            <a:endCxn id="23" idx="2"/>
+          </p:cNvCxnSpPr>
+          <p:nvPr/>
+        </p:nvCxnSpPr>
+        <p:spPr>
+          <a:xfrm>
+            <a:off x="1204949" y="1030340"/>
+            <a:ext cx="321864" cy="1"/>
+          </a:xfrm>
+          <a:prstGeom prst="line">
+            <a:avLst/>
+          </a:prstGeom>
+        </p:spPr>
+        <p:style>
+          <a:lnRef idx="3">
+            <a:schemeClr val="dk1"/>
+          </a:lnRef>
+          <a:fillRef idx="0">
+            <a:schemeClr val="dk1"/>
+          </a:fillRef>
+          <a:effectRef idx="2">
+            <a:schemeClr val="dk1"/>
+          </a:effectRef>
+          <a:fontRef idx="minor">
+            <a:schemeClr val="tx1"/>
+          </a:fontRef>
+        </p:style>
+      </p:cxnSp>
+      <p:cxnSp>
+        <p:nvCxnSpPr>
+          <p:cNvPr id="29" name="Straight Connector 28"/>
+          <p:cNvCxnSpPr>
+            <a:stCxn id="23" idx="6"/>
+            <a:endCxn id="24" idx="2"/>
+          </p:cNvCxnSpPr>
+          <p:nvPr/>
+        </p:nvCxnSpPr>
+        <p:spPr>
+          <a:xfrm flipV="1">
+            <a:off x="1949508" y="1030340"/>
+            <a:ext cx="272726" cy="1"/>
+          </a:xfrm>
+          <a:prstGeom prst="line">
+            <a:avLst/>
+          </a:prstGeom>
+        </p:spPr>
+        <p:style>
+          <a:lnRef idx="3">
+            <a:schemeClr val="dk1"/>
+          </a:lnRef>
+          <a:fillRef idx="0">
+            <a:schemeClr val="dk1"/>
+          </a:fillRef>
+          <a:effectRef idx="2">
+            <a:schemeClr val="dk1"/>
+          </a:effectRef>
+          <a:fontRef idx="minor">
+            <a:schemeClr val="tx1"/>
+          </a:fontRef>
+        </p:style>
+      </p:cxnSp>
+      <p:cxnSp>
+        <p:nvCxnSpPr>
+          <p:cNvPr id="32" name="Straight Connector 31"/>
+          <p:cNvCxnSpPr>
+            <a:stCxn id="24" idx="6"/>
+            <a:endCxn id="25" idx="2"/>
+          </p:cNvCxnSpPr>
+          <p:nvPr/>
+        </p:nvCxnSpPr>
+        <p:spPr>
+          <a:xfrm>
+            <a:off x="2644929" y="1030340"/>
+            <a:ext cx="244257" cy="0"/>
+          </a:xfrm>
+          <a:prstGeom prst="line">
+            <a:avLst/>
+          </a:prstGeom>
+        </p:spPr>
+        <p:style>
+          <a:lnRef idx="3">
+            <a:schemeClr val="dk1"/>
+          </a:lnRef>
+          <a:fillRef idx="0">
+            <a:schemeClr val="dk1"/>
+          </a:fillRef>
+          <a:effectRef idx="2">
+            <a:schemeClr val="dk1"/>
+          </a:effectRef>
+          <a:fontRef idx="minor">
+            <a:schemeClr val="tx1"/>
+          </a:fontRef>
+        </p:style>
+      </p:cxnSp>
+      <p:cxnSp>
+        <p:nvCxnSpPr>
+          <p:cNvPr id="35" name="Straight Connector 34"/>
+          <p:cNvCxnSpPr>
+            <a:stCxn id="25" idx="6"/>
+          </p:cNvCxnSpPr>
+          <p:nvPr/>
+        </p:nvCxnSpPr>
+        <p:spPr>
+          <a:xfrm>
+            <a:off x="3311881" y="1030340"/>
+            <a:ext cx="194705" cy="0"/>
+          </a:xfrm>
+          <a:prstGeom prst="line">
+            <a:avLst/>
+          </a:prstGeom>
+        </p:spPr>
+        <p:style>
+          <a:lnRef idx="3">
+            <a:schemeClr val="dk1"/>
+          </a:lnRef>
+          <a:fillRef idx="0">
+            <a:schemeClr val="dk1"/>
+          </a:fillRef>
+          <a:effectRef idx="2">
+            <a:schemeClr val="dk1"/>
+          </a:effectRef>
+          <a:fontRef idx="minor">
+            <a:schemeClr val="tx1"/>
+          </a:fontRef>
+        </p:style>
+      </p:cxnSp>
+      <p:cxnSp>
+        <p:nvCxnSpPr>
+          <p:cNvPr id="39" name="Straight Connector 38"/>
+          <p:cNvCxnSpPr>
+            <a:endCxn id="26" idx="2"/>
+          </p:cNvCxnSpPr>
+          <p:nvPr/>
+        </p:nvCxnSpPr>
+        <p:spPr>
+          <a:xfrm>
+            <a:off x="4390506" y="1030340"/>
+            <a:ext cx="175080" cy="0"/>
+          </a:xfrm>
+          <a:prstGeom prst="line">
+            <a:avLst/>
+          </a:prstGeom>
+        </p:spPr>
+        <p:style>
+          <a:lnRef idx="3">
+            <a:schemeClr val="dk1"/>
+          </a:lnRef>
+          <a:fillRef idx="0">
+            <a:schemeClr val="dk1"/>
+          </a:fillRef>
+          <a:effectRef idx="2">
+            <a:schemeClr val="dk1"/>
+          </a:effectRef>
+          <a:fontRef idx="minor">
+            <a:schemeClr val="tx1"/>
+          </a:fontRef>
+        </p:style>
+      </p:cxnSp>
+      <p:sp>
+        <p:nvSpPr>
+          <p:cNvPr id="46" name="Oval 45"/>
+          <p:cNvSpPr/>
+          <p:nvPr/>
+        </p:nvSpPr>
+        <p:spPr>
+          <a:xfrm>
+            <a:off x="3756402" y="1007480"/>
+            <a:ext cx="45720" cy="45720"/>
+          </a:xfrm>
+          <a:prstGeom prst="ellipse">
+            <a:avLst/>
+          </a:prstGeom>
+        </p:spPr>
+        <p:style>
+          <a:lnRef idx="2">
+            <a:schemeClr val="dk1">
+              <a:shade val="50000"/>
+            </a:schemeClr>
+          </a:lnRef>
+          <a:fillRef idx="1">
+            <a:schemeClr val="dk1"/>
+          </a:fillRef>
+          <a:effectRef idx="0">
+            <a:schemeClr val="dk1"/>
+          </a:effectRef>
+          <a:fontRef idx="minor">
+            <a:schemeClr val="lt1"/>
+          </a:fontRef>
+        </p:style>
+        <p:txBody>
+          <a:bodyPr rtlCol="1" anchor="ctr"/>
+          <a:lstStyle/>
+          <a:p>
+            <a:pPr algn="ctr"/>
+            <a:endParaRPr lang="he-IL"/>
+          </a:p>
+        </p:txBody>
+      </p:sp>
+      <p:sp>
+        <p:nvSpPr>
+          <p:cNvPr id="47" name="Oval 46"/>
+          <p:cNvSpPr/>
+          <p:nvPr/>
+        </p:nvSpPr>
+        <p:spPr>
+          <a:xfrm>
+            <a:off x="3906421" y="1007480"/>
+            <a:ext cx="45720" cy="45720"/>
+          </a:xfrm>
+          <a:prstGeom prst="ellipse">
+            <a:avLst/>
+          </a:prstGeom>
+        </p:spPr>
+        <p:style>
+          <a:lnRef idx="2">
+            <a:schemeClr val="dk1">
+              <a:shade val="50000"/>
+            </a:schemeClr>
+          </a:lnRef>
+          <a:fillRef idx="1">
+            <a:schemeClr val="dk1"/>
+          </a:fillRef>
+          <a:effectRef idx="0">
+            <a:schemeClr val="dk1"/>
+          </a:effectRef>
+          <a:fontRef idx="minor">
+            <a:schemeClr val="lt1"/>
+          </a:fontRef>
+        </p:style>
+        <p:txBody>
+          <a:bodyPr rtlCol="1" anchor="ctr"/>
+          <a:lstStyle/>
+          <a:p>
+            <a:pPr algn="ctr"/>
+            <a:endParaRPr lang="he-IL"/>
+          </a:p>
+        </p:txBody>
+      </p:sp>
+      <p:sp>
+        <p:nvSpPr>
+          <p:cNvPr id="48" name="Oval 47"/>
+          <p:cNvSpPr/>
+          <p:nvPr/>
+        </p:nvSpPr>
+        <p:spPr>
+          <a:xfrm>
+            <a:off x="4056440" y="1007480"/>
+            <a:ext cx="45720" cy="45720"/>
+          </a:xfrm>
+          <a:prstGeom prst="ellipse">
+            <a:avLst/>
+          </a:prstGeom>
+        </p:spPr>
+        <p:style>
+          <a:lnRef idx="2">
+            <a:schemeClr val="dk1">
+              <a:shade val="50000"/>
+            </a:schemeClr>
+          </a:lnRef>
+          <a:fillRef idx="1">
+            <a:schemeClr val="dk1"/>
+          </a:fillRef>
+          <a:effectRef idx="0">
+            <a:schemeClr val="dk1"/>
+          </a:effectRef>
+          <a:fontRef idx="minor">
+            <a:schemeClr val="lt1"/>
+          </a:fontRef>
+        </p:style>
+        <p:txBody>
+          <a:bodyPr rtlCol="1" anchor="ctr"/>
+          <a:lstStyle/>
+          <a:p>
+            <a:pPr algn="ctr"/>
+            <a:endParaRPr lang="he-IL"/>
+          </a:p>
+        </p:txBody>
+      </p:sp>
+      <p:sp>
+        <p:nvSpPr>
+          <p:cNvPr id="50" name="Oval 49"/>
+          <p:cNvSpPr/>
+          <p:nvPr/>
+        </p:nvSpPr>
+        <p:spPr>
+          <a:xfrm>
+            <a:off x="782254" y="3104992"/>
+            <a:ext cx="422695" cy="422695"/>
+          </a:xfrm>
+          <a:prstGeom prst="ellipse">
+            <a:avLst/>
+          </a:prstGeom>
+          <a:ln w="28575"/>
+        </p:spPr>
+        <p:style>
+          <a:lnRef idx="2">
+            <a:schemeClr val="dk1"/>
+          </a:lnRef>
+          <a:fillRef idx="1">
+            <a:schemeClr val="lt1"/>
+          </a:fillRef>
+          <a:effectRef idx="0">
+            <a:schemeClr val="dk1"/>
+          </a:effectRef>
+          <a:fontRef idx="minor">
+            <a:schemeClr val="dk1"/>
+          </a:fontRef>
+        </p:style>
+        <p:txBody>
+          <a:bodyPr rtlCol="1" anchor="ctr"/>
+          <a:lstStyle/>
+          <a:p>
+            <a:pPr algn="ctr"/>
+            <a:r>
+              <a:rPr lang="en-US" dirty="0" smtClean="0"/>
+              <a:t>S</a:t>
+            </a:r>
+            <a:endParaRPr lang="he-IL" dirty="0"/>
+          </a:p>
+        </p:txBody>
+      </p:sp>
+      <p:sp>
+        <p:nvSpPr>
+          <p:cNvPr id="51" name="Oval 50"/>
+          <p:cNvSpPr/>
+          <p:nvPr/>
+        </p:nvSpPr>
+        <p:spPr>
+          <a:xfrm>
+            <a:off x="1526813" y="3104993"/>
+            <a:ext cx="422695" cy="422695"/>
+          </a:xfrm>
+          <a:prstGeom prst="ellipse">
+            <a:avLst/>
+          </a:prstGeom>
+          <a:ln w="28575"/>
+        </p:spPr>
+        <p:style>
+          <a:lnRef idx="2">
+            <a:schemeClr val="dk1"/>
+          </a:lnRef>
+          <a:fillRef idx="1">
+            <a:schemeClr val="lt1"/>
+          </a:fillRef>
+          <a:effectRef idx="0">
+            <a:schemeClr val="dk1"/>
+          </a:effectRef>
+          <a:fontRef idx="minor">
+            <a:schemeClr val="dk1"/>
+          </a:fontRef>
+        </p:style>
+        <p:txBody>
+          <a:bodyPr wrap="none" rtlCol="1" anchor="ctr"/>
+          <a:lstStyle/>
+          <a:p>
+            <a:pPr algn="ctr"/>
+            <a:r>
+              <a:rPr lang="en-US" dirty="0" smtClean="0"/>
+              <a:t>G</a:t>
+            </a:r>
+            <a:r>
+              <a:rPr lang="en-US" baseline="-25000" dirty="0" smtClean="0"/>
+              <a:t>1</a:t>
+            </a:r>
+            <a:endParaRPr lang="he-IL" baseline="-25000" dirty="0"/>
+          </a:p>
+        </p:txBody>
+      </p:sp>
+      <p:sp>
+        <p:nvSpPr>
+          <p:cNvPr id="52" name="Oval 51"/>
+          <p:cNvSpPr/>
+          <p:nvPr/>
+        </p:nvSpPr>
+        <p:spPr>
+          <a:xfrm>
+            <a:off x="2222234" y="3104992"/>
+            <a:ext cx="422695" cy="422695"/>
+          </a:xfrm>
+          <a:prstGeom prst="ellipse">
+            <a:avLst/>
+          </a:prstGeom>
+          <a:ln w="28575"/>
+        </p:spPr>
+        <p:style>
+          <a:lnRef idx="2">
+            <a:schemeClr val="dk1"/>
+          </a:lnRef>
+          <a:fillRef idx="1">
+            <a:schemeClr val="lt1"/>
+          </a:fillRef>
+          <a:effectRef idx="0">
+            <a:schemeClr val="dk1"/>
+          </a:effectRef>
+          <a:fontRef idx="minor">
+            <a:schemeClr val="dk1"/>
+          </a:fontRef>
+        </p:style>
+        <p:txBody>
+          <a:bodyPr wrap="none" rtlCol="1" anchor="ctr"/>
+          <a:lstStyle/>
+          <a:p>
+            <a:pPr algn="ctr"/>
+            <a:r>
+              <a:rPr lang="en-US" dirty="0" smtClean="0"/>
+              <a:t>G</a:t>
+            </a:r>
+            <a:r>
+              <a:rPr lang="en-US" baseline="-25000" dirty="0" smtClean="0"/>
+              <a:t>2</a:t>
+            </a:r>
+            <a:endParaRPr lang="he-IL" baseline="-25000" dirty="0"/>
+          </a:p>
+        </p:txBody>
+      </p:sp>
+      <p:sp>
+        <p:nvSpPr>
+          <p:cNvPr id="53" name="Oval 52"/>
+          <p:cNvSpPr/>
+          <p:nvPr/>
+        </p:nvSpPr>
+        <p:spPr>
+          <a:xfrm>
+            <a:off x="2889186" y="3104992"/>
+            <a:ext cx="422695" cy="422695"/>
+          </a:xfrm>
+          <a:prstGeom prst="ellipse">
+            <a:avLst/>
+          </a:prstGeom>
+          <a:ln w="28575"/>
+        </p:spPr>
+        <p:style>
+          <a:lnRef idx="2">
+            <a:schemeClr val="dk1"/>
+          </a:lnRef>
+          <a:fillRef idx="1">
+            <a:schemeClr val="lt1"/>
+          </a:fillRef>
+          <a:effectRef idx="0">
+            <a:schemeClr val="dk1"/>
+          </a:effectRef>
+          <a:fontRef idx="minor">
+            <a:schemeClr val="dk1"/>
+          </a:fontRef>
+        </p:style>
+        <p:txBody>
+          <a:bodyPr wrap="none" rtlCol="1" anchor="ctr"/>
+          <a:lstStyle/>
+          <a:p>
+            <a:pPr algn="ctr"/>
+            <a:r>
+              <a:rPr lang="en-US" dirty="0" smtClean="0"/>
+              <a:t>G</a:t>
+            </a:r>
+            <a:r>
+              <a:rPr lang="en-US" baseline="-25000" dirty="0" smtClean="0"/>
+              <a:t>3</a:t>
+            </a:r>
+            <a:endParaRPr lang="he-IL" baseline="-25000" dirty="0"/>
+          </a:p>
+        </p:txBody>
+      </p:sp>
+      <p:sp>
+        <p:nvSpPr>
+          <p:cNvPr id="54" name="Oval 53"/>
+          <p:cNvSpPr/>
+          <p:nvPr/>
+        </p:nvSpPr>
+        <p:spPr>
+          <a:xfrm>
+            <a:off x="4565586" y="3104992"/>
+            <a:ext cx="422695" cy="422695"/>
+          </a:xfrm>
+          <a:prstGeom prst="ellipse">
+            <a:avLst/>
+          </a:prstGeom>
+          <a:ln w="28575"/>
+        </p:spPr>
+        <p:style>
+          <a:lnRef idx="2">
+            <a:schemeClr val="dk1"/>
+          </a:lnRef>
+          <a:fillRef idx="1">
+            <a:schemeClr val="lt1"/>
+          </a:fillRef>
+          <a:effectRef idx="0">
+            <a:schemeClr val="dk1"/>
+          </a:effectRef>
+          <a:fontRef idx="minor">
+            <a:schemeClr val="dk1"/>
+          </a:fontRef>
+        </p:style>
+        <p:txBody>
+          <a:bodyPr wrap="none" rtlCol="1" anchor="ctr"/>
+          <a:lstStyle/>
+          <a:p>
+            <a:pPr algn="ctr"/>
+            <a:r>
+              <a:rPr lang="en-US" dirty="0" err="1" smtClean="0"/>
+              <a:t>G</a:t>
+            </a:r>
+            <a:r>
+              <a:rPr lang="en-US" baseline="-25000" dirty="0" err="1" smtClean="0"/>
+              <a:t>k</a:t>
+            </a:r>
+            <a:endParaRPr lang="he-IL" baseline="-25000" dirty="0"/>
+          </a:p>
+        </p:txBody>
+      </p:sp>
+      <p:cxnSp>
+        <p:nvCxnSpPr>
+          <p:cNvPr id="55" name="Straight Connector 54"/>
+          <p:cNvCxnSpPr>
+            <a:stCxn id="50" idx="6"/>
+            <a:endCxn id="51" idx="2"/>
+          </p:cNvCxnSpPr>
+          <p:nvPr/>
+        </p:nvCxnSpPr>
+        <p:spPr>
+          <a:xfrm>
+            <a:off x="1204949" y="3316340"/>
+            <a:ext cx="321864" cy="1"/>
+          </a:xfrm>
+          <a:prstGeom prst="line">
+            <a:avLst/>
+          </a:prstGeom>
+        </p:spPr>
+        <p:style>
+          <a:lnRef idx="3">
+            <a:schemeClr val="dk1"/>
+          </a:lnRef>
+          <a:fillRef idx="0">
+            <a:schemeClr val="dk1"/>
+          </a:fillRef>
+          <a:effectRef idx="2">
+            <a:schemeClr val="dk1"/>
+          </a:effectRef>
+          <a:fontRef idx="minor">
+            <a:schemeClr val="tx1"/>
+          </a:fontRef>
+        </p:style>
+      </p:cxnSp>
+      <p:cxnSp>
+        <p:nvCxnSpPr>
+          <p:cNvPr id="56" name="Straight Connector 55"/>
+          <p:cNvCxnSpPr>
+            <a:stCxn id="51" idx="6"/>
+            <a:endCxn id="52" idx="2"/>
+          </p:cNvCxnSpPr>
+          <p:nvPr/>
+        </p:nvCxnSpPr>
+        <p:spPr>
+          <a:xfrm flipV="1">
+            <a:off x="1949508" y="3316340"/>
+            <a:ext cx="272726" cy="1"/>
+          </a:xfrm>
+          <a:prstGeom prst="line">
+            <a:avLst/>
+          </a:prstGeom>
+        </p:spPr>
+        <p:style>
+          <a:lnRef idx="3">
+            <a:schemeClr val="dk1"/>
+          </a:lnRef>
+          <a:fillRef idx="0">
+            <a:schemeClr val="dk1"/>
+          </a:fillRef>
+          <a:effectRef idx="2">
+            <a:schemeClr val="dk1"/>
+          </a:effectRef>
+          <a:fontRef idx="minor">
+            <a:schemeClr val="tx1"/>
+          </a:fontRef>
+        </p:style>
+      </p:cxnSp>
+      <p:cxnSp>
+        <p:nvCxnSpPr>
+          <p:cNvPr id="57" name="Straight Connector 56"/>
+          <p:cNvCxnSpPr>
+            <a:stCxn id="52" idx="6"/>
+            <a:endCxn id="53" idx="2"/>
+          </p:cNvCxnSpPr>
+          <p:nvPr/>
+        </p:nvCxnSpPr>
+        <p:spPr>
+          <a:xfrm>
+            <a:off x="2644929" y="3316340"/>
+            <a:ext cx="244257" cy="0"/>
+          </a:xfrm>
+          <a:prstGeom prst="line">
+            <a:avLst/>
+          </a:prstGeom>
+        </p:spPr>
+        <p:style>
+          <a:lnRef idx="3">
+            <a:schemeClr val="dk1"/>
+          </a:lnRef>
+          <a:fillRef idx="0">
+            <a:schemeClr val="dk1"/>
+          </a:fillRef>
+          <a:effectRef idx="2">
+            <a:schemeClr val="dk1"/>
+          </a:effectRef>
+          <a:fontRef idx="minor">
+            <a:schemeClr val="tx1"/>
+          </a:fontRef>
+        </p:style>
+      </p:cxnSp>
+      <p:cxnSp>
+        <p:nvCxnSpPr>
+          <p:cNvPr id="58" name="Straight Connector 57"/>
+          <p:cNvCxnSpPr>
+            <a:stCxn id="53" idx="6"/>
+          </p:cNvCxnSpPr>
+          <p:nvPr/>
+        </p:nvCxnSpPr>
+        <p:spPr>
+          <a:xfrm>
+            <a:off x="3311881" y="3316340"/>
+            <a:ext cx="194705" cy="0"/>
+          </a:xfrm>
+          <a:prstGeom prst="line">
+            <a:avLst/>
+          </a:prstGeom>
+        </p:spPr>
+        <p:style>
+          <a:lnRef idx="3">
+            <a:schemeClr val="dk1"/>
+          </a:lnRef>
+          <a:fillRef idx="0">
+            <a:schemeClr val="dk1"/>
+          </a:fillRef>
+          <a:effectRef idx="2">
+            <a:schemeClr val="dk1"/>
+          </a:effectRef>
+          <a:fontRef idx="minor">
+            <a:schemeClr val="tx1"/>
+          </a:fontRef>
+        </p:style>
+      </p:cxnSp>
+      <p:cxnSp>
+        <p:nvCxnSpPr>
+          <p:cNvPr id="59" name="Straight Connector 58"/>
+          <p:cNvCxnSpPr>
+            <a:endCxn id="54" idx="2"/>
+          </p:cNvCxnSpPr>
+          <p:nvPr/>
+        </p:nvCxnSpPr>
+        <p:spPr>
+          <a:xfrm>
+            <a:off x="4390506" y="3316340"/>
+            <a:ext cx="175080" cy="0"/>
+          </a:xfrm>
+          <a:prstGeom prst="line">
+            <a:avLst/>
+          </a:prstGeom>
+        </p:spPr>
+        <p:style>
+          <a:lnRef idx="3">
+            <a:schemeClr val="dk1"/>
+          </a:lnRef>
+          <a:fillRef idx="0">
+            <a:schemeClr val="dk1"/>
+          </a:fillRef>
+          <a:effectRef idx="2">
+            <a:schemeClr val="dk1"/>
+          </a:effectRef>
+          <a:fontRef idx="minor">
+            <a:schemeClr val="tx1"/>
+          </a:fontRef>
+        </p:style>
+      </p:cxnSp>
+      <p:sp>
+        <p:nvSpPr>
+          <p:cNvPr id="60" name="Oval 59"/>
+          <p:cNvSpPr/>
+          <p:nvPr/>
+        </p:nvSpPr>
+        <p:spPr>
+          <a:xfrm>
+            <a:off x="3756402" y="3293480"/>
+            <a:ext cx="45720" cy="45720"/>
+          </a:xfrm>
+          <a:prstGeom prst="ellipse">
+            <a:avLst/>
+          </a:prstGeom>
+        </p:spPr>
+        <p:style>
+          <a:lnRef idx="2">
+            <a:schemeClr val="dk1">
+              <a:shade val="50000"/>
+            </a:schemeClr>
+          </a:lnRef>
+          <a:fillRef idx="1">
+            <a:schemeClr val="dk1"/>
+          </a:fillRef>
+          <a:effectRef idx="0">
+            <a:schemeClr val="dk1"/>
+          </a:effectRef>
+          <a:fontRef idx="minor">
+            <a:schemeClr val="lt1"/>
+          </a:fontRef>
+        </p:style>
+        <p:txBody>
+          <a:bodyPr rtlCol="1" anchor="ctr"/>
+          <a:lstStyle/>
+          <a:p>
+            <a:pPr algn="ctr"/>
+            <a:endParaRPr lang="he-IL"/>
+          </a:p>
+        </p:txBody>
+      </p:sp>
+      <p:sp>
+        <p:nvSpPr>
+          <p:cNvPr id="61" name="Oval 60"/>
+          <p:cNvSpPr/>
+          <p:nvPr/>
+        </p:nvSpPr>
+        <p:spPr>
+          <a:xfrm>
+            <a:off x="3906421" y="3293480"/>
+            <a:ext cx="45720" cy="45720"/>
+          </a:xfrm>
+          <a:prstGeom prst="ellipse">
+            <a:avLst/>
+          </a:prstGeom>
+        </p:spPr>
+        <p:style>
+          <a:lnRef idx="2">
+            <a:schemeClr val="dk1">
+              <a:shade val="50000"/>
+            </a:schemeClr>
+          </a:lnRef>
+          <a:fillRef idx="1">
+            <a:schemeClr val="dk1"/>
+          </a:fillRef>
+          <a:effectRef idx="0">
+            <a:schemeClr val="dk1"/>
+          </a:effectRef>
+          <a:fontRef idx="minor">
+            <a:schemeClr val="lt1"/>
+          </a:fontRef>
+        </p:style>
+        <p:txBody>
+          <a:bodyPr rtlCol="1" anchor="ctr"/>
+          <a:lstStyle/>
+          <a:p>
+            <a:pPr algn="ctr"/>
+            <a:endParaRPr lang="he-IL"/>
+          </a:p>
+        </p:txBody>
+      </p:sp>
+      <p:sp>
+        <p:nvSpPr>
+          <p:cNvPr id="62" name="Oval 61"/>
+          <p:cNvSpPr/>
+          <p:nvPr/>
+        </p:nvSpPr>
+        <p:spPr>
+          <a:xfrm>
+            <a:off x="4056440" y="3293480"/>
+            <a:ext cx="45720" cy="45720"/>
+          </a:xfrm>
+          <a:prstGeom prst="ellipse">
+            <a:avLst/>
+          </a:prstGeom>
+        </p:spPr>
+        <p:style>
+          <a:lnRef idx="2">
+            <a:schemeClr val="dk1">
+              <a:shade val="50000"/>
+            </a:schemeClr>
+          </a:lnRef>
+          <a:fillRef idx="1">
+            <a:schemeClr val="dk1"/>
+          </a:fillRef>
+          <a:effectRef idx="0">
+            <a:schemeClr val="dk1"/>
+          </a:effectRef>
+          <a:fontRef idx="minor">
+            <a:schemeClr val="lt1"/>
+          </a:fontRef>
+        </p:style>
+        <p:txBody>
+          <a:bodyPr rtlCol="1" anchor="ctr"/>
+          <a:lstStyle/>
+          <a:p>
+            <a:pPr algn="ctr"/>
+            <a:endParaRPr lang="he-IL"/>
+          </a:p>
+        </p:txBody>
+      </p:sp>
+      <p:sp>
+        <p:nvSpPr>
+          <p:cNvPr id="64" name="Oval 63"/>
+          <p:cNvSpPr/>
+          <p:nvPr/>
+        </p:nvSpPr>
+        <p:spPr>
+          <a:xfrm>
+            <a:off x="673768" y="2951748"/>
+            <a:ext cx="1307824" cy="753979"/>
+          </a:xfrm>
+          <a:prstGeom prst="ellipse">
+            <a:avLst/>
+          </a:prstGeom>
+          <a:noFill/>
+          <a:ln w="28575">
+            <a:solidFill>
+              <a:schemeClr val="tx1"/>
+            </a:solidFill>
+          </a:ln>
+        </p:spPr>
+        <p:style>
+          <a:lnRef idx="2">
+            <a:schemeClr val="accent1">
+              <a:shade val="50000"/>
+            </a:schemeClr>
+          </a:lnRef>
+          <a:fillRef idx="1">
+            <a:schemeClr val="accent1"/>
+          </a:fillRef>
+          <a:effectRef idx="0">
+            <a:schemeClr val="accent1"/>
+          </a:effectRef>
+          <a:fontRef idx="minor">
+            <a:schemeClr val="lt1"/>
+          </a:fontRef>
+        </p:style>
+        <p:txBody>
+          <a:bodyPr rtlCol="1" anchor="ctr"/>
+          <a:lstStyle/>
+          <a:p>
+            <a:pPr algn="ctr"/>
+            <a:endParaRPr lang="he-IL"/>
+          </a:p>
+        </p:txBody>
+      </p:sp>
+      <p:sp>
+        <p:nvSpPr>
+          <p:cNvPr id="65" name="Oval 64"/>
+          <p:cNvSpPr/>
+          <p:nvPr/>
+        </p:nvSpPr>
+        <p:spPr>
+          <a:xfrm>
+            <a:off x="584555" y="2775284"/>
+            <a:ext cx="2109926" cy="1122948"/>
+          </a:xfrm>
+          <a:prstGeom prst="ellipse">
+            <a:avLst/>
+          </a:prstGeom>
+          <a:noFill/>
+          <a:ln w="28575">
+            <a:solidFill>
+              <a:schemeClr val="tx1"/>
+            </a:solidFill>
+          </a:ln>
+        </p:spPr>
+        <p:style>
+          <a:lnRef idx="2">
+            <a:schemeClr val="accent1">
+              <a:shade val="50000"/>
+            </a:schemeClr>
+          </a:lnRef>
+          <a:fillRef idx="1">
+            <a:schemeClr val="accent1"/>
+          </a:fillRef>
+          <a:effectRef idx="0">
+            <a:schemeClr val="accent1"/>
+          </a:effectRef>
+          <a:fontRef idx="minor">
+            <a:schemeClr val="lt1"/>
+          </a:fontRef>
+        </p:style>
+        <p:txBody>
+          <a:bodyPr rtlCol="1" anchor="ctr"/>
+          <a:lstStyle/>
+          <a:p>
+            <a:pPr algn="ctr"/>
+            <a:endParaRPr lang="he-IL"/>
+          </a:p>
+        </p:txBody>
+      </p:sp>
+      <p:sp>
+        <p:nvSpPr>
+          <p:cNvPr id="66" name="Oval 65"/>
+          <p:cNvSpPr/>
+          <p:nvPr/>
+        </p:nvSpPr>
+        <p:spPr>
+          <a:xfrm>
+            <a:off x="480255" y="2630905"/>
+            <a:ext cx="2831625" cy="1427748"/>
+          </a:xfrm>
+          <a:prstGeom prst="ellipse">
+            <a:avLst/>
+          </a:prstGeom>
+          <a:noFill/>
+          <a:ln w="28575">
+            <a:solidFill>
+              <a:schemeClr val="tx1"/>
+            </a:solidFill>
+          </a:ln>
+        </p:spPr>
+        <p:style>
+          <a:lnRef idx="2">
+            <a:schemeClr val="accent1">
+              <a:shade val="50000"/>
+            </a:schemeClr>
+          </a:lnRef>
+          <a:fillRef idx="1">
+            <a:schemeClr val="accent1"/>
+          </a:fillRef>
+          <a:effectRef idx="0">
+            <a:schemeClr val="accent1"/>
+          </a:effectRef>
+          <a:fontRef idx="minor">
+            <a:schemeClr val="lt1"/>
+          </a:fontRef>
+        </p:style>
+        <p:txBody>
+          <a:bodyPr rtlCol="1" anchor="ctr"/>
+          <a:lstStyle/>
+          <a:p>
+            <a:pPr algn="ctr"/>
+            <a:endParaRPr lang="he-IL"/>
+          </a:p>
+        </p:txBody>
+      </p:sp>
+      <p:sp>
+        <p:nvSpPr>
+          <p:cNvPr id="67" name="Oval 66"/>
+          <p:cNvSpPr/>
+          <p:nvPr/>
+        </p:nvSpPr>
+        <p:spPr>
+          <a:xfrm>
+            <a:off x="343115" y="2368653"/>
+            <a:ext cx="4702731" cy="1941094"/>
+          </a:xfrm>
+          <a:prstGeom prst="ellipse">
+            <a:avLst/>
+          </a:prstGeom>
+          <a:noFill/>
+          <a:ln w="28575">
+            <a:solidFill>
+              <a:schemeClr val="tx1"/>
+            </a:solidFill>
+          </a:ln>
+        </p:spPr>
+        <p:style>
+          <a:lnRef idx="2">
+            <a:schemeClr val="accent1">
+              <a:shade val="50000"/>
+            </a:schemeClr>
+          </a:lnRef>
+          <a:fillRef idx="1">
+            <a:schemeClr val="accent1"/>
+          </a:fillRef>
+          <a:effectRef idx="0">
+            <a:schemeClr val="accent1"/>
+          </a:effectRef>
+          <a:fontRef idx="minor">
+            <a:schemeClr val="lt1"/>
+          </a:fontRef>
+        </p:style>
+        <p:txBody>
+          <a:bodyPr rtlCol="1" anchor="ctr"/>
+          <a:lstStyle/>
+          <a:p>
+            <a:pPr algn="ctr"/>
+            <a:endParaRPr lang="he-IL"/>
+          </a:p>
+        </p:txBody>
+      </p:sp>
+      <p:sp>
+        <p:nvSpPr>
+          <p:cNvPr id="68" name="Line Callout 1 67"/>
+          <p:cNvSpPr/>
+          <p:nvPr/>
+        </p:nvSpPr>
+        <p:spPr>
+          <a:xfrm>
+            <a:off x="7195277" y="1526974"/>
+            <a:ext cx="1748589" cy="604062"/>
+          </a:xfrm>
+          <a:prstGeom prst="borderCallout1">
+            <a:avLst>
+              <a:gd name="adj1" fmla="val 154191"/>
+              <a:gd name="adj2" fmla="val 129282"/>
+              <a:gd name="adj3" fmla="val 115156"/>
+              <a:gd name="adj4" fmla="val 64419"/>
+            </a:avLst>
+          </a:prstGeom>
+          <a:ln w="38100"/>
+        </p:spPr>
+        <p:style>
+          <a:lnRef idx="2">
+            <a:schemeClr val="accent1"/>
+          </a:lnRef>
+          <a:fillRef idx="1">
+            <a:schemeClr val="lt1"/>
+          </a:fillRef>
+          <a:effectRef idx="0">
+            <a:schemeClr val="accent1"/>
+          </a:effectRef>
+          <a:fontRef idx="minor">
+            <a:schemeClr val="dk1"/>
+          </a:fontRef>
+        </p:style>
+        <p:txBody>
+          <a:bodyPr rtlCol="1" anchor="ctr"/>
+          <a:lstStyle/>
+          <a:p>
+            <a:pPr algn="ctr"/>
+            <a:r>
+              <a:rPr lang="en-US" sz="2800" dirty="0" smtClean="0"/>
+              <a:t>Gen(g</a:t>
+            </a:r>
+            <a:r>
+              <a:rPr lang="en-US" sz="2800" baseline="-25000" dirty="0" smtClean="0"/>
+              <a:t>1</a:t>
+            </a:r>
+            <a:r>
+              <a:rPr lang="en-US" sz="2800" dirty="0" smtClean="0"/>
+              <a:t>)</a:t>
+            </a:r>
+            <a:endParaRPr lang="he-IL" sz="2800" dirty="0"/>
+          </a:p>
+        </p:txBody>
+      </p:sp>
+      <p:sp>
+        <p:nvSpPr>
+          <p:cNvPr id="69" name="Line Callout 1 (No Border) 68"/>
+          <p:cNvSpPr/>
+          <p:nvPr/>
+        </p:nvSpPr>
+        <p:spPr>
+          <a:xfrm>
+            <a:off x="579915" y="1670213"/>
+            <a:ext cx="1495530" cy="674005"/>
+          </a:xfrm>
+          <a:prstGeom prst="callout1">
+            <a:avLst>
+              <a:gd name="adj1" fmla="val 78253"/>
+              <a:gd name="adj2" fmla="val 28138"/>
+              <a:gd name="adj3" fmla="val 212465"/>
+              <a:gd name="adj4" fmla="val 45335"/>
+            </a:avLst>
+          </a:prstGeom>
+          <a:noFill/>
+          <a:ln w="38100"/>
+        </p:spPr>
+        <p:style>
+          <a:lnRef idx="2">
+            <a:schemeClr val="accent1">
+              <a:shade val="50000"/>
+            </a:schemeClr>
+          </a:lnRef>
+          <a:fillRef idx="1">
+            <a:schemeClr val="accent1"/>
+          </a:fillRef>
+          <a:effectRef idx="0">
+            <a:schemeClr val="accent1"/>
+          </a:effectRef>
+          <a:fontRef idx="minor">
+            <a:schemeClr val="lt1"/>
+          </a:fontRef>
+        </p:style>
+        <p:txBody>
+          <a:bodyPr rtlCol="1" anchor="ctr"/>
+          <a:lstStyle/>
+          <a:p>
+            <a:pPr algn="ctr"/>
+            <a:r>
+              <a:rPr lang="en-US" sz="2400" dirty="0" smtClean="0">
+                <a:solidFill>
+                  <a:schemeClr val="tx1"/>
+                </a:solidFill>
+              </a:rPr>
+              <a:t>Gen(g</a:t>
+            </a:r>
+            <a:r>
+              <a:rPr lang="en-US" sz="2400" baseline="-25000" dirty="0" smtClean="0">
+                <a:solidFill>
+                  <a:schemeClr val="tx1"/>
+                </a:solidFill>
+              </a:rPr>
+              <a:t>1</a:t>
+            </a:r>
+            <a:r>
+              <a:rPr lang="en-US" sz="2400" dirty="0" smtClean="0">
+                <a:solidFill>
+                  <a:schemeClr val="tx1"/>
+                </a:solidFill>
+              </a:rPr>
+              <a:t>)</a:t>
+            </a:r>
+            <a:endParaRPr lang="he-IL" sz="2400" dirty="0">
+              <a:solidFill>
+                <a:schemeClr val="tx1"/>
+              </a:solidFill>
+            </a:endParaRPr>
+          </a:p>
+        </p:txBody>
+      </p:sp>
+      <p:sp>
+        <p:nvSpPr>
+          <p:cNvPr id="70" name="Line Callout 1 (No Border) 69"/>
+          <p:cNvSpPr/>
+          <p:nvPr/>
+        </p:nvSpPr>
+        <p:spPr>
+          <a:xfrm>
+            <a:off x="1698447" y="1534227"/>
+            <a:ext cx="1495530" cy="674005"/>
+          </a:xfrm>
+          <a:prstGeom prst="callout1">
+            <a:avLst>
+              <a:gd name="adj1" fmla="val 78253"/>
+              <a:gd name="adj2" fmla="val 28138"/>
+              <a:gd name="adj3" fmla="val 233886"/>
+              <a:gd name="adj4" fmla="val 26027"/>
+            </a:avLst>
+          </a:prstGeom>
+          <a:noFill/>
+          <a:ln w="38100"/>
+        </p:spPr>
+        <p:style>
+          <a:lnRef idx="2">
+            <a:schemeClr val="accent1">
+              <a:shade val="50000"/>
+            </a:schemeClr>
+          </a:lnRef>
+          <a:fillRef idx="1">
+            <a:schemeClr val="accent1"/>
+          </a:fillRef>
+          <a:effectRef idx="0">
+            <a:schemeClr val="accent1"/>
+          </a:effectRef>
+          <a:fontRef idx="minor">
+            <a:schemeClr val="lt1"/>
+          </a:fontRef>
+        </p:style>
+        <p:txBody>
+          <a:bodyPr rtlCol="1" anchor="ctr"/>
+          <a:lstStyle/>
+          <a:p>
+            <a:pPr algn="ctr"/>
+            <a:r>
+              <a:rPr lang="en-US" sz="2400" dirty="0" smtClean="0">
+                <a:solidFill>
+                  <a:schemeClr val="tx1"/>
+                </a:solidFill>
+              </a:rPr>
+              <a:t>Gen(g</a:t>
+            </a:r>
+            <a:r>
+              <a:rPr lang="en-US" sz="2400" baseline="-25000" dirty="0" smtClean="0">
+                <a:solidFill>
+                  <a:schemeClr val="tx1"/>
+                </a:solidFill>
+              </a:rPr>
+              <a:t>2</a:t>
+            </a:r>
+            <a:r>
+              <a:rPr lang="en-US" sz="2400" dirty="0" smtClean="0">
+                <a:solidFill>
+                  <a:schemeClr val="tx1"/>
+                </a:solidFill>
+              </a:rPr>
+              <a:t>)</a:t>
+            </a:r>
+            <a:endParaRPr lang="he-IL" sz="2400" dirty="0">
+              <a:solidFill>
+                <a:schemeClr val="tx1"/>
+              </a:solidFill>
+            </a:endParaRPr>
+          </a:p>
+        </p:txBody>
+      </p:sp>
+      <p:sp>
+        <p:nvSpPr>
+          <p:cNvPr id="71" name="Line Callout 1 (No Border) 70"/>
+          <p:cNvSpPr/>
+          <p:nvPr/>
+        </p:nvSpPr>
+        <p:spPr>
+          <a:xfrm>
+            <a:off x="2767057" y="1688933"/>
+            <a:ext cx="1495530" cy="674005"/>
+          </a:xfrm>
+          <a:prstGeom prst="callout1">
+            <a:avLst>
+              <a:gd name="adj1" fmla="val 78253"/>
+              <a:gd name="adj2" fmla="val 28138"/>
+              <a:gd name="adj3" fmla="val 205325"/>
+              <a:gd name="adj4" fmla="val 1356"/>
+            </a:avLst>
+          </a:prstGeom>
+          <a:noFill/>
+          <a:ln w="38100"/>
+        </p:spPr>
+        <p:style>
+          <a:lnRef idx="2">
+            <a:schemeClr val="accent1">
+              <a:shade val="50000"/>
+            </a:schemeClr>
+          </a:lnRef>
+          <a:fillRef idx="1">
+            <a:schemeClr val="accent1"/>
+          </a:fillRef>
+          <a:effectRef idx="0">
+            <a:schemeClr val="accent1"/>
+          </a:effectRef>
+          <a:fontRef idx="minor">
+            <a:schemeClr val="lt1"/>
+          </a:fontRef>
+        </p:style>
+        <p:txBody>
+          <a:bodyPr rtlCol="1" anchor="ctr"/>
+          <a:lstStyle/>
+          <a:p>
+            <a:pPr algn="ctr"/>
+            <a:r>
+              <a:rPr lang="en-US" sz="2400" dirty="0" smtClean="0">
+                <a:solidFill>
+                  <a:schemeClr val="tx1"/>
+                </a:solidFill>
+              </a:rPr>
+              <a:t>Gen(g</a:t>
+            </a:r>
+            <a:r>
+              <a:rPr lang="en-US" sz="2400" baseline="-25000" dirty="0" smtClean="0">
+                <a:solidFill>
+                  <a:schemeClr val="tx1"/>
+                </a:solidFill>
+              </a:rPr>
+              <a:t>3</a:t>
+            </a:r>
+            <a:r>
+              <a:rPr lang="en-US" sz="2400" dirty="0" smtClean="0">
+                <a:solidFill>
+                  <a:schemeClr val="tx1"/>
+                </a:solidFill>
+              </a:rPr>
+              <a:t>)</a:t>
+            </a:r>
+            <a:endParaRPr lang="he-IL" sz="2400" dirty="0">
+              <a:solidFill>
+                <a:schemeClr val="tx1"/>
+              </a:solidFill>
+            </a:endParaRPr>
+          </a:p>
+        </p:txBody>
+      </p:sp>
+      <p:sp>
+        <p:nvSpPr>
+          <p:cNvPr id="72" name="Line Callout 1 (No Border) 71"/>
+          <p:cNvSpPr/>
+          <p:nvPr/>
+        </p:nvSpPr>
+        <p:spPr>
+          <a:xfrm>
+            <a:off x="3929281" y="1843163"/>
+            <a:ext cx="1495530" cy="674005"/>
+          </a:xfrm>
+          <a:prstGeom prst="callout1">
+            <a:avLst>
+              <a:gd name="adj1" fmla="val 78253"/>
+              <a:gd name="adj2" fmla="val 28138"/>
+              <a:gd name="adj3" fmla="val 205325"/>
+              <a:gd name="adj4" fmla="val 1356"/>
+            </a:avLst>
+          </a:prstGeom>
+          <a:noFill/>
+          <a:ln w="38100"/>
+        </p:spPr>
+        <p:style>
+          <a:lnRef idx="2">
+            <a:schemeClr val="accent1">
+              <a:shade val="50000"/>
+            </a:schemeClr>
+          </a:lnRef>
+          <a:fillRef idx="1">
+            <a:schemeClr val="accent1"/>
+          </a:fillRef>
+          <a:effectRef idx="0">
+            <a:schemeClr val="accent1"/>
+          </a:effectRef>
+          <a:fontRef idx="minor">
+            <a:schemeClr val="lt1"/>
+          </a:fontRef>
+        </p:style>
+        <p:txBody>
+          <a:bodyPr rtlCol="1" anchor="ctr"/>
+          <a:lstStyle/>
+          <a:p>
+            <a:pPr algn="ctr"/>
+            <a:r>
+              <a:rPr lang="en-US" sz="2400" dirty="0" smtClean="0">
+                <a:solidFill>
+                  <a:schemeClr val="tx1"/>
+                </a:solidFill>
+              </a:rPr>
+              <a:t>Gen(</a:t>
+            </a:r>
+            <a:r>
+              <a:rPr lang="en-US" sz="2400" dirty="0" err="1" smtClean="0">
+                <a:solidFill>
+                  <a:schemeClr val="tx1"/>
+                </a:solidFill>
+              </a:rPr>
+              <a:t>g</a:t>
+            </a:r>
+            <a:r>
+              <a:rPr lang="en-US" sz="2400" baseline="-25000" dirty="0" err="1" smtClean="0">
+                <a:solidFill>
+                  <a:schemeClr val="tx1"/>
+                </a:solidFill>
+              </a:rPr>
+              <a:t>k</a:t>
+            </a:r>
+            <a:r>
+              <a:rPr lang="en-US" sz="2400" dirty="0" smtClean="0">
+                <a:solidFill>
+                  <a:schemeClr val="tx1"/>
+                </a:solidFill>
+              </a:rPr>
+              <a:t>)</a:t>
+            </a:r>
+            <a:endParaRPr lang="he-IL" sz="2400" dirty="0">
+              <a:solidFill>
+                <a:schemeClr val="tx1"/>
+              </a:solidFill>
+            </a:endParaRPr>
+          </a:p>
+        </p:txBody>
+      </p:sp>
     </p:spTree>
     <p:extLst>
       <p:ext uri="{BB962C8B-B14F-4D97-AF65-F5344CB8AC3E}">

--- a/Figures.pptx
+++ b/Figures.pptx
@@ -9,6 +9,7 @@
     <p:sldId id="259" r:id="rId3"/>
     <p:sldId id="257" r:id="rId4"/>
     <p:sldId id="258" r:id="rId5"/>
+    <p:sldId id="260" r:id="rId6"/>
   </p:sldIdLst>
   <p:sldSz cx="12192000" cy="6858000"/>
   <p:notesSz cx="6858000" cy="9144000"/>
@@ -246,7 +247,7 @@
           <a:p>
             <a:fld id="{2D53BDBD-A251-4BA0-ADCA-71664ACBDFF8}" type="datetimeFigureOut">
               <a:rPr lang="he-IL" smtClean="0"/>
-              <a:t>כ"ט/כסלו/תשע"ז</a:t>
+              <a:t>ט'/טבת/תשע"ז</a:t>
             </a:fld>
             <a:endParaRPr lang="he-IL"/>
           </a:p>
@@ -416,7 +417,7 @@
           <a:p>
             <a:fld id="{2D53BDBD-A251-4BA0-ADCA-71664ACBDFF8}" type="datetimeFigureOut">
               <a:rPr lang="he-IL" smtClean="0"/>
-              <a:t>כ"ט/כסלו/תשע"ז</a:t>
+              <a:t>ט'/טבת/תשע"ז</a:t>
             </a:fld>
             <a:endParaRPr lang="he-IL"/>
           </a:p>
@@ -596,7 +597,7 @@
           <a:p>
             <a:fld id="{2D53BDBD-A251-4BA0-ADCA-71664ACBDFF8}" type="datetimeFigureOut">
               <a:rPr lang="he-IL" smtClean="0"/>
-              <a:t>כ"ט/כסלו/תשע"ז</a:t>
+              <a:t>ט'/טבת/תשע"ז</a:t>
             </a:fld>
             <a:endParaRPr lang="he-IL"/>
           </a:p>
@@ -766,7 +767,7 @@
           <a:p>
             <a:fld id="{2D53BDBD-A251-4BA0-ADCA-71664ACBDFF8}" type="datetimeFigureOut">
               <a:rPr lang="he-IL" smtClean="0"/>
-              <a:t>כ"ט/כסלו/תשע"ז</a:t>
+              <a:t>ט'/טבת/תשע"ז</a:t>
             </a:fld>
             <a:endParaRPr lang="he-IL"/>
           </a:p>
@@ -1012,7 +1013,7 @@
           <a:p>
             <a:fld id="{2D53BDBD-A251-4BA0-ADCA-71664ACBDFF8}" type="datetimeFigureOut">
               <a:rPr lang="he-IL" smtClean="0"/>
-              <a:t>כ"ט/כסלו/תשע"ז</a:t>
+              <a:t>ט'/טבת/תשע"ז</a:t>
             </a:fld>
             <a:endParaRPr lang="he-IL"/>
           </a:p>
@@ -1244,7 +1245,7 @@
           <a:p>
             <a:fld id="{2D53BDBD-A251-4BA0-ADCA-71664ACBDFF8}" type="datetimeFigureOut">
               <a:rPr lang="he-IL" smtClean="0"/>
-              <a:t>כ"ט/כסלו/תשע"ז</a:t>
+              <a:t>ט'/טבת/תשע"ז</a:t>
             </a:fld>
             <a:endParaRPr lang="he-IL"/>
           </a:p>
@@ -1611,7 +1612,7 @@
           <a:p>
             <a:fld id="{2D53BDBD-A251-4BA0-ADCA-71664ACBDFF8}" type="datetimeFigureOut">
               <a:rPr lang="he-IL" smtClean="0"/>
-              <a:t>כ"ט/כסלו/תשע"ז</a:t>
+              <a:t>ט'/טבת/תשע"ז</a:t>
             </a:fld>
             <a:endParaRPr lang="he-IL"/>
           </a:p>
@@ -1729,7 +1730,7 @@
           <a:p>
             <a:fld id="{2D53BDBD-A251-4BA0-ADCA-71664ACBDFF8}" type="datetimeFigureOut">
               <a:rPr lang="he-IL" smtClean="0"/>
-              <a:t>כ"ט/כסלו/תשע"ז</a:t>
+              <a:t>ט'/טבת/תשע"ז</a:t>
             </a:fld>
             <a:endParaRPr lang="he-IL"/>
           </a:p>
@@ -1824,7 +1825,7 @@
           <a:p>
             <a:fld id="{2D53BDBD-A251-4BA0-ADCA-71664ACBDFF8}" type="datetimeFigureOut">
               <a:rPr lang="he-IL" smtClean="0"/>
-              <a:t>כ"ט/כסלו/תשע"ז</a:t>
+              <a:t>ט'/טבת/תשע"ז</a:t>
             </a:fld>
             <a:endParaRPr lang="he-IL"/>
           </a:p>
@@ -2101,7 +2102,7 @@
           <a:p>
             <a:fld id="{2D53BDBD-A251-4BA0-ADCA-71664ACBDFF8}" type="datetimeFigureOut">
               <a:rPr lang="he-IL" smtClean="0"/>
-              <a:t>כ"ט/כסלו/תשע"ז</a:t>
+              <a:t>ט'/טבת/תשע"ז</a:t>
             </a:fld>
             <a:endParaRPr lang="he-IL"/>
           </a:p>
@@ -2354,7 +2355,7 @@
           <a:p>
             <a:fld id="{2D53BDBD-A251-4BA0-ADCA-71664ACBDFF8}" type="datetimeFigureOut">
               <a:rPr lang="he-IL" smtClean="0"/>
-              <a:t>כ"ט/כסלו/תשע"ז</a:t>
+              <a:t>ט'/טבת/תשע"ז</a:t>
             </a:fld>
             <a:endParaRPr lang="he-IL"/>
           </a:p>
@@ -2567,7 +2568,7 @@
           <a:p>
             <a:fld id="{2D53BDBD-A251-4BA0-ADCA-71664ACBDFF8}" type="datetimeFigureOut">
               <a:rPr lang="he-IL" smtClean="0"/>
-              <a:t>כ"ט/כסלו/תשע"ז</a:t>
+              <a:t>ט'/טבת/תשע"ז</a:t>
             </a:fld>
             <a:endParaRPr lang="he-IL"/>
           </a:p>
@@ -8055,6 +8056,3154 @@
 </p:sld>
 </file>
 
+<file path=ppt/slides/slide5.xml><?xml version="1.0" encoding="utf-8"?>
+<p:sld xmlns:a="http://schemas.openxmlformats.org/drawingml/2006/main" xmlns:r="http://schemas.openxmlformats.org/officeDocument/2006/relationships" xmlns:p="http://schemas.openxmlformats.org/presentationml/2006/main">
+  <p:cSld>
+    <p:spTree>
+      <p:nvGrpSpPr>
+        <p:cNvPr id="1" name=""/>
+        <p:cNvGrpSpPr/>
+        <p:nvPr/>
+      </p:nvGrpSpPr>
+      <p:grpSpPr>
+        <a:xfrm>
+          <a:off x="0" y="0"/>
+          <a:ext cx="0" cy="0"/>
+          <a:chOff x="0" y="0"/>
+          <a:chExt cx="0" cy="0"/>
+        </a:xfrm>
+      </p:grpSpPr>
+      <p:sp>
+        <p:nvSpPr>
+          <p:cNvPr id="4" name="Oval 3"/>
+          <p:cNvSpPr/>
+          <p:nvPr/>
+        </p:nvSpPr>
+        <p:spPr>
+          <a:xfrm>
+            <a:off x="498114" y="1529457"/>
+            <a:ext cx="422695" cy="422695"/>
+          </a:xfrm>
+          <a:prstGeom prst="ellipse">
+            <a:avLst/>
+          </a:prstGeom>
+          <a:ln w="28575"/>
+        </p:spPr>
+        <p:style>
+          <a:lnRef idx="2">
+            <a:schemeClr val="dk1"/>
+          </a:lnRef>
+          <a:fillRef idx="1">
+            <a:schemeClr val="lt1"/>
+          </a:fillRef>
+          <a:effectRef idx="0">
+            <a:schemeClr val="dk1"/>
+          </a:effectRef>
+          <a:fontRef idx="minor">
+            <a:schemeClr val="dk1"/>
+          </a:fontRef>
+        </p:style>
+        <p:txBody>
+          <a:bodyPr wrap="none" rtlCol="1" anchor="ctr"/>
+          <a:lstStyle/>
+          <a:p>
+            <a:pPr algn="ctr"/>
+            <a:r>
+              <a:rPr lang="en-US" dirty="0" smtClean="0"/>
+              <a:t>G</a:t>
+            </a:r>
+            <a:r>
+              <a:rPr lang="en-US" baseline="-25000" dirty="0" smtClean="0"/>
+              <a:t>1</a:t>
+            </a:r>
+            <a:endParaRPr lang="he-IL" baseline="-25000" dirty="0"/>
+          </a:p>
+        </p:txBody>
+      </p:sp>
+      <p:sp>
+        <p:nvSpPr>
+          <p:cNvPr id="5" name="Oval 4"/>
+          <p:cNvSpPr/>
+          <p:nvPr/>
+        </p:nvSpPr>
+        <p:spPr>
+          <a:xfrm>
+            <a:off x="3948790" y="1582034"/>
+            <a:ext cx="422695" cy="422695"/>
+          </a:xfrm>
+          <a:prstGeom prst="ellipse">
+            <a:avLst/>
+          </a:prstGeom>
+          <a:ln w="28575"/>
+        </p:spPr>
+        <p:style>
+          <a:lnRef idx="2">
+            <a:schemeClr val="dk1"/>
+          </a:lnRef>
+          <a:fillRef idx="1">
+            <a:schemeClr val="lt1"/>
+          </a:fillRef>
+          <a:effectRef idx="0">
+            <a:schemeClr val="dk1"/>
+          </a:effectRef>
+          <a:fontRef idx="minor">
+            <a:schemeClr val="dk1"/>
+          </a:fontRef>
+        </p:style>
+        <p:txBody>
+          <a:bodyPr wrap="none" rtlCol="1" anchor="ctr"/>
+          <a:lstStyle/>
+          <a:p>
+            <a:pPr algn="ctr"/>
+            <a:r>
+              <a:rPr lang="en-US" dirty="0" smtClean="0"/>
+              <a:t>G</a:t>
+            </a:r>
+            <a:r>
+              <a:rPr lang="en-US" baseline="-25000" dirty="0" smtClean="0"/>
+              <a:t>2</a:t>
+            </a:r>
+            <a:endParaRPr lang="he-IL" baseline="-25000" dirty="0"/>
+          </a:p>
+        </p:txBody>
+      </p:sp>
+      <p:sp>
+        <p:nvSpPr>
+          <p:cNvPr id="6" name="Oval 5"/>
+          <p:cNvSpPr/>
+          <p:nvPr/>
+        </p:nvSpPr>
+        <p:spPr>
+          <a:xfrm>
+            <a:off x="3486196" y="1092356"/>
+            <a:ext cx="422695" cy="422695"/>
+          </a:xfrm>
+          <a:prstGeom prst="ellipse">
+            <a:avLst/>
+          </a:prstGeom>
+          <a:ln w="28575"/>
+        </p:spPr>
+        <p:style>
+          <a:lnRef idx="2">
+            <a:schemeClr val="dk1"/>
+          </a:lnRef>
+          <a:fillRef idx="1">
+            <a:schemeClr val="lt1"/>
+          </a:fillRef>
+          <a:effectRef idx="0">
+            <a:schemeClr val="dk1"/>
+          </a:effectRef>
+          <a:fontRef idx="minor">
+            <a:schemeClr val="dk1"/>
+          </a:fontRef>
+        </p:style>
+        <p:txBody>
+          <a:bodyPr wrap="none" rtlCol="1" anchor="ctr"/>
+          <a:lstStyle/>
+          <a:p>
+            <a:pPr algn="ctr"/>
+            <a:r>
+              <a:rPr lang="en-US" dirty="0" smtClean="0"/>
+              <a:t>n</a:t>
+            </a:r>
+            <a:r>
+              <a:rPr lang="en-US" baseline="-25000" dirty="0" smtClean="0"/>
+              <a:t>1</a:t>
+            </a:r>
+            <a:endParaRPr lang="he-IL" baseline="-25000" dirty="0"/>
+          </a:p>
+        </p:txBody>
+      </p:sp>
+      <p:sp>
+        <p:nvSpPr>
+          <p:cNvPr id="7" name="Oval 6"/>
+          <p:cNvSpPr/>
+          <p:nvPr/>
+        </p:nvSpPr>
+        <p:spPr>
+          <a:xfrm>
+            <a:off x="2132849" y="2628741"/>
+            <a:ext cx="422695" cy="422695"/>
+          </a:xfrm>
+          <a:prstGeom prst="ellipse">
+            <a:avLst/>
+          </a:prstGeom>
+          <a:ln w="28575"/>
+        </p:spPr>
+        <p:style>
+          <a:lnRef idx="2">
+            <a:schemeClr val="dk1"/>
+          </a:lnRef>
+          <a:fillRef idx="1">
+            <a:schemeClr val="lt1"/>
+          </a:fillRef>
+          <a:effectRef idx="0">
+            <a:schemeClr val="dk1"/>
+          </a:effectRef>
+          <a:fontRef idx="minor">
+            <a:schemeClr val="dk1"/>
+          </a:fontRef>
+        </p:style>
+        <p:txBody>
+          <a:bodyPr wrap="none" rtlCol="1" anchor="ctr"/>
+          <a:lstStyle/>
+          <a:p>
+            <a:pPr algn="ctr"/>
+            <a:r>
+              <a:rPr lang="en-US" dirty="0" smtClean="0"/>
+              <a:t>n</a:t>
+            </a:r>
+            <a:r>
+              <a:rPr lang="en-US" baseline="-25000" dirty="0" smtClean="0"/>
+              <a:t>2</a:t>
+            </a:r>
+            <a:endParaRPr lang="he-IL" baseline="-25000" dirty="0"/>
+          </a:p>
+        </p:txBody>
+      </p:sp>
+      <p:sp>
+        <p:nvSpPr>
+          <p:cNvPr id="8" name="Oval 7"/>
+          <p:cNvSpPr/>
+          <p:nvPr/>
+        </p:nvSpPr>
+        <p:spPr>
+          <a:xfrm>
+            <a:off x="2777417" y="1887364"/>
+            <a:ext cx="422695" cy="422695"/>
+          </a:xfrm>
+          <a:prstGeom prst="ellipse">
+            <a:avLst/>
+          </a:prstGeom>
+          <a:ln w="28575"/>
+        </p:spPr>
+        <p:style>
+          <a:lnRef idx="2">
+            <a:schemeClr val="dk1"/>
+          </a:lnRef>
+          <a:fillRef idx="1">
+            <a:schemeClr val="lt1"/>
+          </a:fillRef>
+          <a:effectRef idx="0">
+            <a:schemeClr val="dk1"/>
+          </a:effectRef>
+          <a:fontRef idx="minor">
+            <a:schemeClr val="dk1"/>
+          </a:fontRef>
+        </p:style>
+        <p:txBody>
+          <a:bodyPr wrap="none" rtlCol="1" anchor="ctr"/>
+          <a:lstStyle/>
+          <a:p>
+            <a:pPr algn="ctr"/>
+            <a:r>
+              <a:rPr lang="en-US" dirty="0"/>
+              <a:t>s</a:t>
+            </a:r>
+            <a:endParaRPr lang="he-IL" baseline="-25000" dirty="0"/>
+          </a:p>
+        </p:txBody>
+      </p:sp>
+      <p:cxnSp>
+        <p:nvCxnSpPr>
+          <p:cNvPr id="3" name="Straight Connector 2"/>
+          <p:cNvCxnSpPr>
+            <a:stCxn id="8" idx="3"/>
+            <a:endCxn id="7" idx="7"/>
+          </p:cNvCxnSpPr>
+          <p:nvPr/>
+        </p:nvCxnSpPr>
+        <p:spPr>
+          <a:xfrm flipH="1">
+            <a:off x="2493642" y="2248157"/>
+            <a:ext cx="345677" cy="442486"/>
+          </a:xfrm>
+          <a:prstGeom prst="line">
+            <a:avLst/>
+          </a:prstGeom>
+        </p:spPr>
+        <p:style>
+          <a:lnRef idx="3">
+            <a:schemeClr val="dk1"/>
+          </a:lnRef>
+          <a:fillRef idx="0">
+            <a:schemeClr val="dk1"/>
+          </a:fillRef>
+          <a:effectRef idx="2">
+            <a:schemeClr val="dk1"/>
+          </a:effectRef>
+          <a:fontRef idx="minor">
+            <a:schemeClr val="tx1"/>
+          </a:fontRef>
+        </p:style>
+      </p:cxnSp>
+      <p:cxnSp>
+        <p:nvCxnSpPr>
+          <p:cNvPr id="9" name="Straight Connector 8"/>
+          <p:cNvCxnSpPr>
+            <a:stCxn id="8" idx="7"/>
+            <a:endCxn id="6" idx="3"/>
+          </p:cNvCxnSpPr>
+          <p:nvPr/>
+        </p:nvCxnSpPr>
+        <p:spPr>
+          <a:xfrm flipV="1">
+            <a:off x="3138210" y="1453149"/>
+            <a:ext cx="409888" cy="496117"/>
+          </a:xfrm>
+          <a:prstGeom prst="line">
+            <a:avLst/>
+          </a:prstGeom>
+        </p:spPr>
+        <p:style>
+          <a:lnRef idx="3">
+            <a:schemeClr val="dk1"/>
+          </a:lnRef>
+          <a:fillRef idx="0">
+            <a:schemeClr val="dk1"/>
+          </a:fillRef>
+          <a:effectRef idx="2">
+            <a:schemeClr val="dk1"/>
+          </a:effectRef>
+          <a:fontRef idx="minor">
+            <a:schemeClr val="tx1"/>
+          </a:fontRef>
+        </p:style>
+      </p:cxnSp>
+      <p:cxnSp>
+        <p:nvCxnSpPr>
+          <p:cNvPr id="12" name="Straight Connector 11"/>
+          <p:cNvCxnSpPr>
+            <a:stCxn id="6" idx="2"/>
+            <a:endCxn id="4" idx="7"/>
+          </p:cNvCxnSpPr>
+          <p:nvPr/>
+        </p:nvCxnSpPr>
+        <p:spPr>
+          <a:xfrm flipH="1">
+            <a:off x="858907" y="1303704"/>
+            <a:ext cx="2627289" cy="287655"/>
+          </a:xfrm>
+          <a:prstGeom prst="line">
+            <a:avLst/>
+          </a:prstGeom>
+        </p:spPr>
+        <p:style>
+          <a:lnRef idx="3">
+            <a:schemeClr val="dk1"/>
+          </a:lnRef>
+          <a:fillRef idx="0">
+            <a:schemeClr val="dk1"/>
+          </a:fillRef>
+          <a:effectRef idx="2">
+            <a:schemeClr val="dk1"/>
+          </a:effectRef>
+          <a:fontRef idx="minor">
+            <a:schemeClr val="tx1"/>
+          </a:fontRef>
+        </p:style>
+      </p:cxnSp>
+      <p:cxnSp>
+        <p:nvCxnSpPr>
+          <p:cNvPr id="21" name="Straight Connector 20"/>
+          <p:cNvCxnSpPr>
+            <a:stCxn id="5" idx="3"/>
+            <a:endCxn id="7" idx="6"/>
+          </p:cNvCxnSpPr>
+          <p:nvPr/>
+        </p:nvCxnSpPr>
+        <p:spPr>
+          <a:xfrm flipH="1">
+            <a:off x="2555544" y="1942827"/>
+            <a:ext cx="1455148" cy="897262"/>
+          </a:xfrm>
+          <a:prstGeom prst="line">
+            <a:avLst/>
+          </a:prstGeom>
+        </p:spPr>
+        <p:style>
+          <a:lnRef idx="3">
+            <a:schemeClr val="dk1"/>
+          </a:lnRef>
+          <a:fillRef idx="0">
+            <a:schemeClr val="dk1"/>
+          </a:fillRef>
+          <a:effectRef idx="2">
+            <a:schemeClr val="dk1"/>
+          </a:effectRef>
+          <a:fontRef idx="minor">
+            <a:schemeClr val="tx1"/>
+          </a:fontRef>
+        </p:style>
+      </p:cxnSp>
+      <p:cxnSp>
+        <p:nvCxnSpPr>
+          <p:cNvPr id="27" name="Straight Connector 26"/>
+          <p:cNvCxnSpPr>
+            <a:stCxn id="4" idx="5"/>
+            <a:endCxn id="7" idx="1"/>
+          </p:cNvCxnSpPr>
+          <p:nvPr/>
+        </p:nvCxnSpPr>
+        <p:spPr>
+          <a:xfrm>
+            <a:off x="858907" y="1890250"/>
+            <a:ext cx="1335844" cy="800393"/>
+          </a:xfrm>
+          <a:prstGeom prst="line">
+            <a:avLst/>
+          </a:prstGeom>
+        </p:spPr>
+        <p:style>
+          <a:lnRef idx="3">
+            <a:schemeClr val="dk1"/>
+          </a:lnRef>
+          <a:fillRef idx="0">
+            <a:schemeClr val="dk1"/>
+          </a:fillRef>
+          <a:effectRef idx="2">
+            <a:schemeClr val="dk1"/>
+          </a:effectRef>
+          <a:fontRef idx="minor">
+            <a:schemeClr val="tx1"/>
+          </a:fontRef>
+        </p:style>
+      </p:cxnSp>
+      <p:sp>
+        <p:nvSpPr>
+          <p:cNvPr id="61" name="TextBox 60"/>
+          <p:cNvSpPr txBox="1"/>
+          <p:nvPr/>
+        </p:nvSpPr>
+        <p:spPr>
+          <a:xfrm>
+            <a:off x="3283118" y="2346375"/>
+            <a:ext cx="307571" cy="369332"/>
+          </a:xfrm>
+          <a:prstGeom prst="rect">
+            <a:avLst/>
+          </a:prstGeom>
+          <a:noFill/>
+        </p:spPr>
+        <p:txBody>
+          <a:bodyPr wrap="square" rtlCol="1">
+            <a:spAutoFit/>
+          </a:bodyPr>
+          <a:lstStyle/>
+          <a:p>
+            <a:r>
+              <a:rPr lang="en-US" dirty="0" smtClean="0"/>
+              <a:t>5</a:t>
+            </a:r>
+            <a:endParaRPr lang="he-IL" dirty="0"/>
+          </a:p>
+        </p:txBody>
+      </p:sp>
+      <p:sp>
+        <p:nvSpPr>
+          <p:cNvPr id="62" name="TextBox 61"/>
+          <p:cNvSpPr txBox="1"/>
+          <p:nvPr/>
+        </p:nvSpPr>
+        <p:spPr>
+          <a:xfrm>
+            <a:off x="3888946" y="1241286"/>
+            <a:ext cx="503826" cy="369332"/>
+          </a:xfrm>
+          <a:prstGeom prst="rect">
+            <a:avLst/>
+          </a:prstGeom>
+          <a:noFill/>
+        </p:spPr>
+        <p:txBody>
+          <a:bodyPr wrap="square" rtlCol="1">
+            <a:spAutoFit/>
+          </a:bodyPr>
+          <a:lstStyle/>
+          <a:p>
+            <a:r>
+              <a:rPr lang="en-US" dirty="0" smtClean="0"/>
+              <a:t>1</a:t>
+            </a:r>
+            <a:endParaRPr lang="he-IL" dirty="0"/>
+          </a:p>
+        </p:txBody>
+      </p:sp>
+      <p:sp>
+        <p:nvSpPr>
+          <p:cNvPr id="66" name="TextBox 65"/>
+          <p:cNvSpPr txBox="1"/>
+          <p:nvPr/>
+        </p:nvSpPr>
+        <p:spPr>
+          <a:xfrm>
+            <a:off x="1335078" y="2346375"/>
+            <a:ext cx="503826" cy="369332"/>
+          </a:xfrm>
+          <a:prstGeom prst="rect">
+            <a:avLst/>
+          </a:prstGeom>
+          <a:noFill/>
+        </p:spPr>
+        <p:txBody>
+          <a:bodyPr wrap="square" rtlCol="1">
+            <a:spAutoFit/>
+          </a:bodyPr>
+          <a:lstStyle/>
+          <a:p>
+            <a:r>
+              <a:rPr lang="en-US" dirty="0" smtClean="0"/>
+              <a:t>5</a:t>
+            </a:r>
+            <a:endParaRPr lang="he-IL" dirty="0"/>
+          </a:p>
+        </p:txBody>
+      </p:sp>
+      <p:cxnSp>
+        <p:nvCxnSpPr>
+          <p:cNvPr id="69" name="Straight Connector 68"/>
+          <p:cNvCxnSpPr>
+            <a:stCxn id="5" idx="1"/>
+            <a:endCxn id="6" idx="5"/>
+          </p:cNvCxnSpPr>
+          <p:nvPr/>
+        </p:nvCxnSpPr>
+        <p:spPr>
+          <a:xfrm flipH="1" flipV="1">
+            <a:off x="3846989" y="1453149"/>
+            <a:ext cx="163703" cy="190787"/>
+          </a:xfrm>
+          <a:prstGeom prst="line">
+            <a:avLst/>
+          </a:prstGeom>
+        </p:spPr>
+        <p:style>
+          <a:lnRef idx="3">
+            <a:schemeClr val="dk1"/>
+          </a:lnRef>
+          <a:fillRef idx="0">
+            <a:schemeClr val="dk1"/>
+          </a:fillRef>
+          <a:effectRef idx="2">
+            <a:schemeClr val="dk1"/>
+          </a:effectRef>
+          <a:fontRef idx="minor">
+            <a:schemeClr val="tx1"/>
+          </a:fontRef>
+        </p:style>
+      </p:cxnSp>
+      <p:sp>
+        <p:nvSpPr>
+          <p:cNvPr id="75" name="TextBox 74"/>
+          <p:cNvSpPr txBox="1"/>
+          <p:nvPr/>
+        </p:nvSpPr>
+        <p:spPr>
+          <a:xfrm>
+            <a:off x="3142151" y="1410734"/>
+            <a:ext cx="503826" cy="369332"/>
+          </a:xfrm>
+          <a:prstGeom prst="rect">
+            <a:avLst/>
+          </a:prstGeom>
+          <a:noFill/>
+        </p:spPr>
+        <p:txBody>
+          <a:bodyPr wrap="square" rtlCol="1">
+            <a:spAutoFit/>
+          </a:bodyPr>
+          <a:lstStyle/>
+          <a:p>
+            <a:r>
+              <a:rPr lang="en-US" dirty="0" smtClean="0"/>
+              <a:t>2</a:t>
+            </a:r>
+            <a:endParaRPr lang="he-IL" dirty="0"/>
+          </a:p>
+        </p:txBody>
+      </p:sp>
+      <mc:AlternateContent xmlns:mc="http://schemas.openxmlformats.org/markup-compatibility/2006">
+        <mc:Choice xmlns:a14="http://schemas.microsoft.com/office/drawing/2010/main" Requires="a14">
+          <p:sp>
+            <p:nvSpPr>
+              <p:cNvPr id="78" name="TextBox 77"/>
+              <p:cNvSpPr txBox="1"/>
+              <p:nvPr/>
+            </p:nvSpPr>
+            <p:spPr>
+              <a:xfrm>
+                <a:off x="2101218" y="3024904"/>
+                <a:ext cx="2460567" cy="523220"/>
+              </a:xfrm>
+              <a:prstGeom prst="rect">
+                <a:avLst/>
+              </a:prstGeom>
+              <a:noFill/>
+            </p:spPr>
+            <p:txBody>
+              <a:bodyPr wrap="square" rtlCol="1">
+                <a:spAutoFit/>
+              </a:bodyPr>
+              <a:lstStyle/>
+              <a:p>
+                <a14:m>
+                  <m:oMathPara xmlns:m="http://schemas.openxmlformats.org/officeDocument/2006/math">
+                    <m:oMathParaPr>
+                      <m:jc m:val="centerGroup"/>
+                    </m:oMathParaPr>
+                    <m:oMath xmlns:m="http://schemas.openxmlformats.org/officeDocument/2006/math">
+                      <m:sSub>
+                        <m:sSubPr>
+                          <m:ctrlPr>
+                            <a:rPr lang="en-US" sz="1400" b="0" i="1" smtClean="0">
+                              <a:latin typeface="Cambria Math" panose="02040503050406030204" pitchFamily="18" charset="0"/>
+                            </a:rPr>
+                          </m:ctrlPr>
+                        </m:sSubPr>
+                        <m:e>
+                          <m:r>
+                            <a:rPr lang="en-US" sz="1400" b="0" i="1" smtClean="0">
+                              <a:latin typeface="Cambria Math" panose="02040503050406030204" pitchFamily="18" charset="0"/>
+                            </a:rPr>
+                            <m:t>𝐹</m:t>
+                          </m:r>
+                        </m:e>
+                        <m:sub>
+                          <m:r>
+                            <a:rPr lang="en-US" sz="1400" b="0" i="1" smtClean="0">
+                              <a:latin typeface="Cambria Math" panose="02040503050406030204" pitchFamily="18" charset="0"/>
+                            </a:rPr>
+                            <m:t>𝑚𝑎𝑥</m:t>
+                          </m:r>
+                        </m:sub>
+                      </m:sSub>
+                      <m:d>
+                        <m:dPr>
+                          <m:ctrlPr>
+                            <a:rPr lang="en-US" sz="1400" b="0" i="1" smtClean="0">
+                              <a:latin typeface="Cambria Math" panose="02040503050406030204" pitchFamily="18" charset="0"/>
+                            </a:rPr>
+                          </m:ctrlPr>
+                        </m:dPr>
+                        <m:e>
+                          <m:sSub>
+                            <m:sSubPr>
+                              <m:ctrlPr>
+                                <a:rPr lang="en-US" sz="1400" b="0" i="1" smtClean="0">
+                                  <a:latin typeface="Cambria Math" panose="02040503050406030204" pitchFamily="18" charset="0"/>
+                                </a:rPr>
+                              </m:ctrlPr>
+                            </m:sSubPr>
+                            <m:e>
+                              <m:r>
+                                <a:rPr lang="en-US" sz="1400" b="0" i="1" smtClean="0">
+                                  <a:latin typeface="Cambria Math" panose="02040503050406030204" pitchFamily="18" charset="0"/>
+                                </a:rPr>
+                                <m:t>𝑛</m:t>
+                              </m:r>
+                            </m:e>
+                            <m:sub>
+                              <m:r>
+                                <a:rPr lang="en-US" sz="1400" b="0" i="1" smtClean="0">
+                                  <a:latin typeface="Cambria Math" panose="02040503050406030204" pitchFamily="18" charset="0"/>
+                                </a:rPr>
+                                <m:t>2</m:t>
+                              </m:r>
+                            </m:sub>
+                          </m:sSub>
+                        </m:e>
+                      </m:d>
+                      <m:r>
+                        <a:rPr lang="en-US" sz="1400" b="0" i="1" smtClean="0">
+                          <a:latin typeface="Cambria Math" panose="02040503050406030204" pitchFamily="18" charset="0"/>
+                        </a:rPr>
+                        <m:t>=</m:t>
+                      </m:r>
+                      <m:func>
+                        <m:funcPr>
+                          <m:ctrlPr>
+                            <a:rPr lang="en-US" sz="1400" b="0" i="1" smtClean="0">
+                              <a:latin typeface="Cambria Math" panose="02040503050406030204" pitchFamily="18" charset="0"/>
+                            </a:rPr>
+                          </m:ctrlPr>
+                        </m:funcPr>
+                        <m:fName>
+                          <m:r>
+                            <m:rPr>
+                              <m:sty m:val="p"/>
+                            </m:rPr>
+                            <a:rPr lang="en-US" sz="1400" b="0" i="0" smtClean="0">
+                              <a:latin typeface="Cambria Math" panose="02040503050406030204" pitchFamily="18" charset="0"/>
+                            </a:rPr>
+                            <m:t>max</m:t>
+                          </m:r>
+                        </m:fName>
+                        <m:e>
+                          <m:d>
+                            <m:dPr>
+                              <m:ctrlPr>
+                                <a:rPr lang="en-US" sz="1400" b="0" i="1" smtClean="0">
+                                  <a:latin typeface="Cambria Math" panose="02040503050406030204" pitchFamily="18" charset="0"/>
+                                </a:rPr>
+                              </m:ctrlPr>
+                            </m:dPr>
+                            <m:e>
+                              <m:r>
+                                <a:rPr lang="en-US" sz="1400" b="0" i="1" smtClean="0">
+                                  <a:latin typeface="Cambria Math" panose="02040503050406030204" pitchFamily="18" charset="0"/>
+                                </a:rPr>
+                                <m:t>7</m:t>
+                              </m:r>
+                              <m:r>
+                                <a:rPr lang="en-US" sz="1400" b="0" i="1" smtClean="0">
+                                  <a:latin typeface="Cambria Math" panose="02040503050406030204" pitchFamily="18" charset="0"/>
+                                </a:rPr>
+                                <m:t>,</m:t>
+                              </m:r>
+                              <m:r>
+                                <a:rPr lang="en-US" sz="1400" b="0" i="1" smtClean="0">
+                                  <a:latin typeface="Cambria Math" panose="02040503050406030204" pitchFamily="18" charset="0"/>
+                                </a:rPr>
+                                <m:t>7</m:t>
+                              </m:r>
+                            </m:e>
+                          </m:d>
+                        </m:e>
+                      </m:func>
+                      <m:r>
+                        <a:rPr lang="en-US" sz="1400" b="0" i="1" smtClean="0">
+                          <a:latin typeface="Cambria Math" panose="02040503050406030204" pitchFamily="18" charset="0"/>
+                        </a:rPr>
+                        <m:t>=</m:t>
+                      </m:r>
+                      <m:r>
+                        <a:rPr lang="en-US" sz="1400" b="0" i="1" smtClean="0">
+                          <a:latin typeface="Cambria Math" panose="02040503050406030204" pitchFamily="18" charset="0"/>
+                        </a:rPr>
+                        <m:t>7</m:t>
+                      </m:r>
+                    </m:oMath>
+                  </m:oMathPara>
+                </a14:m>
+                <a:endParaRPr lang="en-US" sz="1400" dirty="0" smtClean="0"/>
+              </a:p>
+              <a:p>
+                <a14:m>
+                  <m:oMathPara xmlns:m="http://schemas.openxmlformats.org/officeDocument/2006/math">
+                    <m:oMathParaPr>
+                      <m:jc m:val="centerGroup"/>
+                    </m:oMathParaPr>
+                    <m:oMath xmlns:m="http://schemas.openxmlformats.org/officeDocument/2006/math">
+                      <m:sSub>
+                        <m:sSubPr>
+                          <m:ctrlPr>
+                            <a:rPr lang="en-US" sz="1400" i="1">
+                              <a:latin typeface="Cambria Math" panose="02040503050406030204" pitchFamily="18" charset="0"/>
+                            </a:rPr>
+                          </m:ctrlPr>
+                        </m:sSubPr>
+                        <m:e>
+                          <m:r>
+                            <a:rPr lang="en-US" sz="1400" i="1">
+                              <a:latin typeface="Cambria Math" panose="02040503050406030204" pitchFamily="18" charset="0"/>
+                            </a:rPr>
+                            <m:t>𝐹</m:t>
+                          </m:r>
+                        </m:e>
+                        <m:sub>
+                          <m:r>
+                            <a:rPr lang="en-US" sz="1400" b="0" i="1" smtClean="0">
+                              <a:latin typeface="Cambria Math" panose="02040503050406030204" pitchFamily="18" charset="0"/>
+                            </a:rPr>
+                            <m:t>𝑚𝑖𝑛</m:t>
+                          </m:r>
+                        </m:sub>
+                      </m:sSub>
+                      <m:d>
+                        <m:dPr>
+                          <m:ctrlPr>
+                            <a:rPr lang="en-US" sz="1400" i="1">
+                              <a:latin typeface="Cambria Math" panose="02040503050406030204" pitchFamily="18" charset="0"/>
+                            </a:rPr>
+                          </m:ctrlPr>
+                        </m:dPr>
+                        <m:e>
+                          <m:sSub>
+                            <m:sSubPr>
+                              <m:ctrlPr>
+                                <a:rPr lang="en-US" sz="1400" i="1">
+                                  <a:latin typeface="Cambria Math" panose="02040503050406030204" pitchFamily="18" charset="0"/>
+                                </a:rPr>
+                              </m:ctrlPr>
+                            </m:sSubPr>
+                            <m:e>
+                              <m:r>
+                                <a:rPr lang="en-US" sz="1400" i="1">
+                                  <a:latin typeface="Cambria Math" panose="02040503050406030204" pitchFamily="18" charset="0"/>
+                                </a:rPr>
+                                <m:t>𝑛</m:t>
+                              </m:r>
+                            </m:e>
+                            <m:sub>
+                              <m:r>
+                                <a:rPr lang="en-US" sz="1400" i="1">
+                                  <a:latin typeface="Cambria Math" panose="02040503050406030204" pitchFamily="18" charset="0"/>
+                                </a:rPr>
+                                <m:t>2</m:t>
+                              </m:r>
+                            </m:sub>
+                          </m:sSub>
+                        </m:e>
+                      </m:d>
+                      <m:r>
+                        <a:rPr lang="en-US" sz="1400" i="1">
+                          <a:latin typeface="Cambria Math" panose="02040503050406030204" pitchFamily="18" charset="0"/>
+                        </a:rPr>
+                        <m:t>=</m:t>
+                      </m:r>
+                      <m:func>
+                        <m:funcPr>
+                          <m:ctrlPr>
+                            <a:rPr lang="en-US" sz="1400" i="1">
+                              <a:latin typeface="Cambria Math" panose="02040503050406030204" pitchFamily="18" charset="0"/>
+                            </a:rPr>
+                          </m:ctrlPr>
+                        </m:funcPr>
+                        <m:fName>
+                          <m:r>
+                            <m:rPr>
+                              <m:sty m:val="p"/>
+                            </m:rPr>
+                            <a:rPr lang="en-US" sz="1400" b="0" i="0" smtClean="0">
+                              <a:latin typeface="Cambria Math" panose="02040503050406030204" pitchFamily="18" charset="0"/>
+                            </a:rPr>
+                            <m:t>min</m:t>
+                          </m:r>
+                        </m:fName>
+                        <m:e>
+                          <m:d>
+                            <m:dPr>
+                              <m:ctrlPr>
+                                <a:rPr lang="en-US" sz="1400" i="1">
+                                  <a:latin typeface="Cambria Math" panose="02040503050406030204" pitchFamily="18" charset="0"/>
+                                </a:rPr>
+                              </m:ctrlPr>
+                            </m:dPr>
+                            <m:e>
+                              <m:r>
+                                <a:rPr lang="en-US" sz="1400" i="1">
+                                  <a:latin typeface="Cambria Math" panose="02040503050406030204" pitchFamily="18" charset="0"/>
+                                </a:rPr>
+                                <m:t>7</m:t>
+                              </m:r>
+                              <m:r>
+                                <a:rPr lang="en-US" sz="1400" i="1">
+                                  <a:latin typeface="Cambria Math" panose="02040503050406030204" pitchFamily="18" charset="0"/>
+                                </a:rPr>
+                                <m:t>,</m:t>
+                              </m:r>
+                              <m:r>
+                                <a:rPr lang="en-US" sz="1400" i="1">
+                                  <a:latin typeface="Cambria Math" panose="02040503050406030204" pitchFamily="18" charset="0"/>
+                                </a:rPr>
+                                <m:t>7</m:t>
+                              </m:r>
+                            </m:e>
+                          </m:d>
+                        </m:e>
+                      </m:func>
+                      <m:r>
+                        <a:rPr lang="en-US" sz="1400" i="1">
+                          <a:latin typeface="Cambria Math" panose="02040503050406030204" pitchFamily="18" charset="0"/>
+                        </a:rPr>
+                        <m:t>=</m:t>
+                      </m:r>
+                      <m:r>
+                        <a:rPr lang="en-US" sz="1400" i="1">
+                          <a:latin typeface="Cambria Math" panose="02040503050406030204" pitchFamily="18" charset="0"/>
+                        </a:rPr>
+                        <m:t>7</m:t>
+                      </m:r>
+                    </m:oMath>
+                  </m:oMathPara>
+                </a14:m>
+                <a:endParaRPr lang="he-IL" sz="1400" dirty="0"/>
+              </a:p>
+            </p:txBody>
+          </p:sp>
+        </mc:Choice>
+        <mc:Fallback>
+          <p:sp>
+            <p:nvSpPr>
+              <p:cNvPr id="78" name="TextBox 77"/>
+              <p:cNvSpPr txBox="1">
+                <a:spLocks noRot="1" noChangeAspect="1" noMove="1" noResize="1" noEditPoints="1" noAdjustHandles="1" noChangeArrowheads="1" noChangeShapeType="1" noTextEdit="1"/>
+              </p:cNvSpPr>
+              <p:nvPr/>
+            </p:nvSpPr>
+            <p:spPr>
+              <a:xfrm>
+                <a:off x="2101218" y="3024904"/>
+                <a:ext cx="2460567" cy="523220"/>
+              </a:xfrm>
+              <a:prstGeom prst="rect">
+                <a:avLst/>
+              </a:prstGeom>
+              <a:blipFill>
+                <a:blip r:embed="rId2"/>
+                <a:stretch>
+                  <a:fillRect/>
+                </a:stretch>
+              </a:blipFill>
+            </p:spPr>
+            <p:txBody>
+              <a:bodyPr/>
+              <a:lstStyle/>
+              <a:p>
+                <a:r>
+                  <a:rPr lang="he-IL">
+                    <a:noFill/>
+                  </a:rPr>
+                  <a:t> </a:t>
+                </a:r>
+              </a:p>
+            </p:txBody>
+          </p:sp>
+        </mc:Fallback>
+      </mc:AlternateContent>
+      <mc:AlternateContent xmlns:mc="http://schemas.openxmlformats.org/markup-compatibility/2006">
+        <mc:Choice xmlns:a14="http://schemas.microsoft.com/office/drawing/2010/main" Requires="a14">
+          <p:sp>
+            <p:nvSpPr>
+              <p:cNvPr id="79" name="TextBox 78"/>
+              <p:cNvSpPr txBox="1"/>
+              <p:nvPr/>
+            </p:nvSpPr>
+            <p:spPr>
+              <a:xfrm>
+                <a:off x="2657200" y="516463"/>
+                <a:ext cx="2583180" cy="523220"/>
+              </a:xfrm>
+              <a:prstGeom prst="rect">
+                <a:avLst/>
+              </a:prstGeom>
+              <a:noFill/>
+            </p:spPr>
+            <p:txBody>
+              <a:bodyPr wrap="square" rtlCol="1">
+                <a:spAutoFit/>
+              </a:bodyPr>
+              <a:lstStyle/>
+              <a:p>
+                <a14:m>
+                  <m:oMathPara xmlns:m="http://schemas.openxmlformats.org/officeDocument/2006/math">
+                    <m:oMathParaPr>
+                      <m:jc m:val="centerGroup"/>
+                    </m:oMathParaPr>
+                    <m:oMath xmlns:m="http://schemas.openxmlformats.org/officeDocument/2006/math">
+                      <m:sSub>
+                        <m:sSubPr>
+                          <m:ctrlPr>
+                            <a:rPr lang="en-US" sz="1400" b="0" i="1" smtClean="0">
+                              <a:latin typeface="Cambria Math" panose="02040503050406030204" pitchFamily="18" charset="0"/>
+                            </a:rPr>
+                          </m:ctrlPr>
+                        </m:sSubPr>
+                        <m:e>
+                          <m:r>
+                            <a:rPr lang="en-US" sz="1400" b="0" i="1" smtClean="0">
+                              <a:latin typeface="Cambria Math" panose="02040503050406030204" pitchFamily="18" charset="0"/>
+                            </a:rPr>
+                            <m:t>𝐹</m:t>
+                          </m:r>
+                        </m:e>
+                        <m:sub>
+                          <m:r>
+                            <a:rPr lang="en-US" sz="1400" b="0" i="1" smtClean="0">
+                              <a:latin typeface="Cambria Math" panose="02040503050406030204" pitchFamily="18" charset="0"/>
+                            </a:rPr>
+                            <m:t>𝑚𝑎𝑥</m:t>
+                          </m:r>
+                        </m:sub>
+                      </m:sSub>
+                      <m:d>
+                        <m:dPr>
+                          <m:ctrlPr>
+                            <a:rPr lang="en-US" sz="1400" b="0" i="1" smtClean="0">
+                              <a:latin typeface="Cambria Math" panose="02040503050406030204" pitchFamily="18" charset="0"/>
+                            </a:rPr>
+                          </m:ctrlPr>
+                        </m:dPr>
+                        <m:e>
+                          <m:sSub>
+                            <m:sSubPr>
+                              <m:ctrlPr>
+                                <a:rPr lang="en-US" sz="1400" b="0" i="1" smtClean="0">
+                                  <a:latin typeface="Cambria Math" panose="02040503050406030204" pitchFamily="18" charset="0"/>
+                                </a:rPr>
+                              </m:ctrlPr>
+                            </m:sSubPr>
+                            <m:e>
+                              <m:r>
+                                <a:rPr lang="en-US" sz="1400" b="0" i="1" smtClean="0">
+                                  <a:latin typeface="Cambria Math" panose="02040503050406030204" pitchFamily="18" charset="0"/>
+                                </a:rPr>
+                                <m:t>𝑛</m:t>
+                              </m:r>
+                            </m:e>
+                            <m:sub>
+                              <m:r>
+                                <a:rPr lang="en-US" sz="1400" b="0" i="1" smtClean="0">
+                                  <a:latin typeface="Cambria Math" panose="02040503050406030204" pitchFamily="18" charset="0"/>
+                                </a:rPr>
+                                <m:t>1</m:t>
+                              </m:r>
+                            </m:sub>
+                          </m:sSub>
+                        </m:e>
+                      </m:d>
+                      <m:r>
+                        <a:rPr lang="en-US" sz="1400" b="0" i="1" smtClean="0">
+                          <a:latin typeface="Cambria Math" panose="02040503050406030204" pitchFamily="18" charset="0"/>
+                        </a:rPr>
+                        <m:t>=</m:t>
+                      </m:r>
+                      <m:func>
+                        <m:funcPr>
+                          <m:ctrlPr>
+                            <a:rPr lang="en-US" sz="1400" b="0" i="1" smtClean="0">
+                              <a:latin typeface="Cambria Math" panose="02040503050406030204" pitchFamily="18" charset="0"/>
+                            </a:rPr>
+                          </m:ctrlPr>
+                        </m:funcPr>
+                        <m:fName>
+                          <m:r>
+                            <m:rPr>
+                              <m:sty m:val="p"/>
+                            </m:rPr>
+                            <a:rPr lang="en-US" sz="1400" b="0" i="0" smtClean="0">
+                              <a:latin typeface="Cambria Math" panose="02040503050406030204" pitchFamily="18" charset="0"/>
+                            </a:rPr>
+                            <m:t>max</m:t>
+                          </m:r>
+                        </m:fName>
+                        <m:e>
+                          <m:d>
+                            <m:dPr>
+                              <m:ctrlPr>
+                                <a:rPr lang="en-US" sz="1400" b="0" i="1" smtClean="0">
+                                  <a:latin typeface="Cambria Math" panose="02040503050406030204" pitchFamily="18" charset="0"/>
+                                </a:rPr>
+                              </m:ctrlPr>
+                            </m:dPr>
+                            <m:e>
+                              <m:r>
+                                <a:rPr lang="en-US" sz="1400" b="0" i="1" smtClean="0">
+                                  <a:latin typeface="Cambria Math" panose="02040503050406030204" pitchFamily="18" charset="0"/>
+                                </a:rPr>
+                                <m:t>10</m:t>
+                              </m:r>
+                              <m:r>
+                                <a:rPr lang="en-US" sz="1400" b="0" i="1" smtClean="0">
+                                  <a:latin typeface="Cambria Math" panose="02040503050406030204" pitchFamily="18" charset="0"/>
+                                </a:rPr>
+                                <m:t>,</m:t>
+                              </m:r>
+                              <m:r>
+                                <a:rPr lang="en-US" sz="1400" b="0" i="1" smtClean="0">
+                                  <a:latin typeface="Cambria Math" panose="02040503050406030204" pitchFamily="18" charset="0"/>
+                                </a:rPr>
+                                <m:t>3</m:t>
+                              </m:r>
+                            </m:e>
+                          </m:d>
+                        </m:e>
+                      </m:func>
+                      <m:r>
+                        <a:rPr lang="en-US" sz="1400" b="0" i="1" smtClean="0">
+                          <a:latin typeface="Cambria Math" panose="02040503050406030204" pitchFamily="18" charset="0"/>
+                        </a:rPr>
+                        <m:t>=</m:t>
+                      </m:r>
+                      <m:r>
+                        <a:rPr lang="en-US" sz="1400" b="0" i="1" smtClean="0">
+                          <a:latin typeface="Cambria Math" panose="02040503050406030204" pitchFamily="18" charset="0"/>
+                        </a:rPr>
+                        <m:t>10</m:t>
+                      </m:r>
+                    </m:oMath>
+                  </m:oMathPara>
+                </a14:m>
+                <a:endParaRPr lang="en-US" sz="1400" dirty="0" smtClean="0"/>
+              </a:p>
+              <a:p>
+                <a14:m>
+                  <m:oMathPara xmlns:m="http://schemas.openxmlformats.org/officeDocument/2006/math">
+                    <m:oMathParaPr>
+                      <m:jc m:val="centerGroup"/>
+                    </m:oMathParaPr>
+                    <m:oMath xmlns:m="http://schemas.openxmlformats.org/officeDocument/2006/math">
+                      <m:sSub>
+                        <m:sSubPr>
+                          <m:ctrlPr>
+                            <a:rPr lang="en-US" sz="1400" i="1">
+                              <a:latin typeface="Cambria Math" panose="02040503050406030204" pitchFamily="18" charset="0"/>
+                            </a:rPr>
+                          </m:ctrlPr>
+                        </m:sSubPr>
+                        <m:e>
+                          <m:r>
+                            <a:rPr lang="en-US" sz="1400" i="1">
+                              <a:latin typeface="Cambria Math" panose="02040503050406030204" pitchFamily="18" charset="0"/>
+                            </a:rPr>
+                            <m:t>𝐹</m:t>
+                          </m:r>
+                        </m:e>
+                        <m:sub>
+                          <m:r>
+                            <a:rPr lang="en-US" sz="1400" b="0" i="1" smtClean="0">
+                              <a:latin typeface="Cambria Math" panose="02040503050406030204" pitchFamily="18" charset="0"/>
+                            </a:rPr>
+                            <m:t>𝑚𝑖𝑛</m:t>
+                          </m:r>
+                        </m:sub>
+                      </m:sSub>
+                      <m:d>
+                        <m:dPr>
+                          <m:ctrlPr>
+                            <a:rPr lang="en-US" sz="1400" i="1">
+                              <a:latin typeface="Cambria Math" panose="02040503050406030204" pitchFamily="18" charset="0"/>
+                            </a:rPr>
+                          </m:ctrlPr>
+                        </m:dPr>
+                        <m:e>
+                          <m:sSub>
+                            <m:sSubPr>
+                              <m:ctrlPr>
+                                <a:rPr lang="en-US" sz="1400" i="1">
+                                  <a:latin typeface="Cambria Math" panose="02040503050406030204" pitchFamily="18" charset="0"/>
+                                </a:rPr>
+                              </m:ctrlPr>
+                            </m:sSubPr>
+                            <m:e>
+                              <m:r>
+                                <a:rPr lang="en-US" sz="1400" i="1">
+                                  <a:latin typeface="Cambria Math" panose="02040503050406030204" pitchFamily="18" charset="0"/>
+                                </a:rPr>
+                                <m:t>𝑛</m:t>
+                              </m:r>
+                            </m:e>
+                            <m:sub>
+                              <m:r>
+                                <a:rPr lang="en-US" sz="1400" i="1">
+                                  <a:latin typeface="Cambria Math" panose="02040503050406030204" pitchFamily="18" charset="0"/>
+                                </a:rPr>
+                                <m:t>1</m:t>
+                              </m:r>
+                            </m:sub>
+                          </m:sSub>
+                        </m:e>
+                      </m:d>
+                      <m:r>
+                        <a:rPr lang="en-US" sz="1400" i="1">
+                          <a:latin typeface="Cambria Math" panose="02040503050406030204" pitchFamily="18" charset="0"/>
+                        </a:rPr>
+                        <m:t>=</m:t>
+                      </m:r>
+                      <m:func>
+                        <m:funcPr>
+                          <m:ctrlPr>
+                            <a:rPr lang="en-US" sz="1400" i="1">
+                              <a:latin typeface="Cambria Math" panose="02040503050406030204" pitchFamily="18" charset="0"/>
+                            </a:rPr>
+                          </m:ctrlPr>
+                        </m:funcPr>
+                        <m:fName>
+                          <m:r>
+                            <m:rPr>
+                              <m:sty m:val="p"/>
+                            </m:rPr>
+                            <a:rPr lang="en-US" sz="1400" b="0" i="0" smtClean="0">
+                              <a:latin typeface="Cambria Math" panose="02040503050406030204" pitchFamily="18" charset="0"/>
+                            </a:rPr>
+                            <m:t>min</m:t>
+                          </m:r>
+                        </m:fName>
+                        <m:e>
+                          <m:d>
+                            <m:dPr>
+                              <m:ctrlPr>
+                                <a:rPr lang="en-US" sz="1400" i="1">
+                                  <a:latin typeface="Cambria Math" panose="02040503050406030204" pitchFamily="18" charset="0"/>
+                                </a:rPr>
+                              </m:ctrlPr>
+                            </m:dPr>
+                            <m:e>
+                              <m:r>
+                                <a:rPr lang="en-US" sz="1400" i="1">
+                                  <a:latin typeface="Cambria Math" panose="02040503050406030204" pitchFamily="18" charset="0"/>
+                                </a:rPr>
+                                <m:t>10</m:t>
+                              </m:r>
+                              <m:r>
+                                <a:rPr lang="en-US" sz="1400" i="1">
+                                  <a:latin typeface="Cambria Math" panose="02040503050406030204" pitchFamily="18" charset="0"/>
+                                </a:rPr>
+                                <m:t>,</m:t>
+                              </m:r>
+                              <m:r>
+                                <a:rPr lang="en-US" sz="1400" i="1">
+                                  <a:latin typeface="Cambria Math" panose="02040503050406030204" pitchFamily="18" charset="0"/>
+                                </a:rPr>
+                                <m:t>3</m:t>
+                              </m:r>
+                            </m:e>
+                          </m:d>
+                        </m:e>
+                      </m:func>
+                      <m:r>
+                        <a:rPr lang="en-US" sz="1400" i="1">
+                          <a:latin typeface="Cambria Math" panose="02040503050406030204" pitchFamily="18" charset="0"/>
+                        </a:rPr>
+                        <m:t>=</m:t>
+                      </m:r>
+                      <m:r>
+                        <a:rPr lang="en-US" sz="1400" b="0" i="1" smtClean="0">
+                          <a:latin typeface="Cambria Math" panose="02040503050406030204" pitchFamily="18" charset="0"/>
+                        </a:rPr>
+                        <m:t>3</m:t>
+                      </m:r>
+                    </m:oMath>
+                  </m:oMathPara>
+                </a14:m>
+                <a:endParaRPr lang="he-IL" sz="1400" dirty="0"/>
+              </a:p>
+            </p:txBody>
+          </p:sp>
+        </mc:Choice>
+        <mc:Fallback>
+          <p:sp>
+            <p:nvSpPr>
+              <p:cNvPr id="79" name="TextBox 78"/>
+              <p:cNvSpPr txBox="1">
+                <a:spLocks noRot="1" noChangeAspect="1" noMove="1" noResize="1" noEditPoints="1" noAdjustHandles="1" noChangeArrowheads="1" noChangeShapeType="1" noTextEdit="1"/>
+              </p:cNvSpPr>
+              <p:nvPr/>
+            </p:nvSpPr>
+            <p:spPr>
+              <a:xfrm>
+                <a:off x="2657200" y="516463"/>
+                <a:ext cx="2583180" cy="523220"/>
+              </a:xfrm>
+              <a:prstGeom prst="rect">
+                <a:avLst/>
+              </a:prstGeom>
+              <a:blipFill>
+                <a:blip r:embed="rId3"/>
+                <a:stretch>
+                  <a:fillRect/>
+                </a:stretch>
+              </a:blipFill>
+            </p:spPr>
+            <p:txBody>
+              <a:bodyPr/>
+              <a:lstStyle/>
+              <a:p>
+                <a:r>
+                  <a:rPr lang="he-IL">
+                    <a:noFill/>
+                  </a:rPr>
+                  <a:t> </a:t>
+                </a:r>
+              </a:p>
+            </p:txBody>
+          </p:sp>
+        </mc:Fallback>
+      </mc:AlternateContent>
+      <p:sp>
+        <p:nvSpPr>
+          <p:cNvPr id="127" name="TextBox 126"/>
+          <p:cNvSpPr txBox="1"/>
+          <p:nvPr/>
+        </p:nvSpPr>
+        <p:spPr>
+          <a:xfrm>
+            <a:off x="2433356" y="2161709"/>
+            <a:ext cx="503826" cy="369332"/>
+          </a:xfrm>
+          <a:prstGeom prst="rect">
+            <a:avLst/>
+          </a:prstGeom>
+          <a:noFill/>
+        </p:spPr>
+        <p:txBody>
+          <a:bodyPr wrap="square" rtlCol="1">
+            <a:spAutoFit/>
+          </a:bodyPr>
+          <a:lstStyle/>
+          <a:p>
+            <a:r>
+              <a:rPr lang="en-US" dirty="0" smtClean="0"/>
+              <a:t>2</a:t>
+            </a:r>
+            <a:endParaRPr lang="he-IL" dirty="0"/>
+          </a:p>
+        </p:txBody>
+      </p:sp>
+      <p:sp>
+        <p:nvSpPr>
+          <p:cNvPr id="128" name="TextBox 127"/>
+          <p:cNvSpPr txBox="1"/>
+          <p:nvPr/>
+        </p:nvSpPr>
+        <p:spPr>
+          <a:xfrm>
+            <a:off x="2135524" y="1041402"/>
+            <a:ext cx="503826" cy="369332"/>
+          </a:xfrm>
+          <a:prstGeom prst="rect">
+            <a:avLst/>
+          </a:prstGeom>
+          <a:noFill/>
+        </p:spPr>
+        <p:txBody>
+          <a:bodyPr wrap="square" rtlCol="1">
+            <a:spAutoFit/>
+          </a:bodyPr>
+          <a:lstStyle/>
+          <a:p>
+            <a:r>
+              <a:rPr lang="en-US" dirty="0" smtClean="0"/>
+              <a:t>8</a:t>
+            </a:r>
+            <a:endParaRPr lang="he-IL" dirty="0"/>
+          </a:p>
+        </p:txBody>
+      </p:sp>
+      <p:cxnSp>
+        <p:nvCxnSpPr>
+          <p:cNvPr id="129" name="Straight Connector 128"/>
+          <p:cNvCxnSpPr>
+            <a:stCxn id="4" idx="6"/>
+            <a:endCxn id="8" idx="2"/>
+          </p:cNvCxnSpPr>
+          <p:nvPr/>
+        </p:nvCxnSpPr>
+        <p:spPr>
+          <a:xfrm>
+            <a:off x="920809" y="1740805"/>
+            <a:ext cx="1856608" cy="357907"/>
+          </a:xfrm>
+          <a:prstGeom prst="line">
+            <a:avLst/>
+          </a:prstGeom>
+        </p:spPr>
+        <p:style>
+          <a:lnRef idx="3">
+            <a:schemeClr val="dk1"/>
+          </a:lnRef>
+          <a:fillRef idx="0">
+            <a:schemeClr val="dk1"/>
+          </a:fillRef>
+          <a:effectRef idx="2">
+            <a:schemeClr val="dk1"/>
+          </a:effectRef>
+          <a:fontRef idx="minor">
+            <a:schemeClr val="tx1"/>
+          </a:fontRef>
+        </p:style>
+      </p:cxnSp>
+      <p:sp>
+        <p:nvSpPr>
+          <p:cNvPr id="132" name="TextBox 131"/>
+          <p:cNvSpPr txBox="1"/>
+          <p:nvPr/>
+        </p:nvSpPr>
+        <p:spPr>
+          <a:xfrm>
+            <a:off x="2038300" y="1617345"/>
+            <a:ext cx="503826" cy="369332"/>
+          </a:xfrm>
+          <a:prstGeom prst="rect">
+            <a:avLst/>
+          </a:prstGeom>
+          <a:noFill/>
+        </p:spPr>
+        <p:txBody>
+          <a:bodyPr wrap="square" rtlCol="1">
+            <a:spAutoFit/>
+          </a:bodyPr>
+          <a:lstStyle/>
+          <a:p>
+            <a:r>
+              <a:rPr lang="en-US" dirty="0" smtClean="0"/>
+              <a:t>5</a:t>
+            </a:r>
+            <a:endParaRPr lang="he-IL" dirty="0"/>
+          </a:p>
+        </p:txBody>
+      </p:sp>
+      <p:sp>
+        <p:nvSpPr>
+          <p:cNvPr id="133" name="Oval 132"/>
+          <p:cNvSpPr/>
+          <p:nvPr/>
+        </p:nvSpPr>
+        <p:spPr>
+          <a:xfrm>
+            <a:off x="6178880" y="1529457"/>
+            <a:ext cx="422695" cy="422695"/>
+          </a:xfrm>
+          <a:prstGeom prst="ellipse">
+            <a:avLst/>
+          </a:prstGeom>
+          <a:ln w="28575"/>
+        </p:spPr>
+        <p:style>
+          <a:lnRef idx="2">
+            <a:schemeClr val="dk1"/>
+          </a:lnRef>
+          <a:fillRef idx="1">
+            <a:schemeClr val="lt1"/>
+          </a:fillRef>
+          <a:effectRef idx="0">
+            <a:schemeClr val="dk1"/>
+          </a:effectRef>
+          <a:fontRef idx="minor">
+            <a:schemeClr val="dk1"/>
+          </a:fontRef>
+        </p:style>
+        <p:txBody>
+          <a:bodyPr wrap="none" rtlCol="1" anchor="ctr"/>
+          <a:lstStyle/>
+          <a:p>
+            <a:pPr algn="ctr"/>
+            <a:r>
+              <a:rPr lang="en-US" dirty="0" smtClean="0"/>
+              <a:t>G</a:t>
+            </a:r>
+            <a:r>
+              <a:rPr lang="en-US" baseline="-25000" dirty="0" smtClean="0"/>
+              <a:t>1</a:t>
+            </a:r>
+            <a:endParaRPr lang="he-IL" baseline="-25000" dirty="0"/>
+          </a:p>
+        </p:txBody>
+      </p:sp>
+      <p:sp>
+        <p:nvSpPr>
+          <p:cNvPr id="134" name="Oval 133"/>
+          <p:cNvSpPr/>
+          <p:nvPr/>
+        </p:nvSpPr>
+        <p:spPr>
+          <a:xfrm>
+            <a:off x="10992532" y="1610618"/>
+            <a:ext cx="422695" cy="422695"/>
+          </a:xfrm>
+          <a:prstGeom prst="ellipse">
+            <a:avLst/>
+          </a:prstGeom>
+          <a:ln w="28575"/>
+        </p:spPr>
+        <p:style>
+          <a:lnRef idx="2">
+            <a:schemeClr val="dk1"/>
+          </a:lnRef>
+          <a:fillRef idx="1">
+            <a:schemeClr val="lt1"/>
+          </a:fillRef>
+          <a:effectRef idx="0">
+            <a:schemeClr val="dk1"/>
+          </a:effectRef>
+          <a:fontRef idx="minor">
+            <a:schemeClr val="dk1"/>
+          </a:fontRef>
+        </p:style>
+        <p:txBody>
+          <a:bodyPr wrap="none" rtlCol="1" anchor="ctr"/>
+          <a:lstStyle/>
+          <a:p>
+            <a:pPr algn="ctr"/>
+            <a:r>
+              <a:rPr lang="en-US" dirty="0" smtClean="0"/>
+              <a:t>G</a:t>
+            </a:r>
+            <a:r>
+              <a:rPr lang="en-US" baseline="-25000" dirty="0" smtClean="0"/>
+              <a:t>2</a:t>
+            </a:r>
+            <a:endParaRPr lang="he-IL" baseline="-25000" dirty="0"/>
+          </a:p>
+        </p:txBody>
+      </p:sp>
+      <p:sp>
+        <p:nvSpPr>
+          <p:cNvPr id="135" name="Oval 134"/>
+          <p:cNvSpPr/>
+          <p:nvPr/>
+        </p:nvSpPr>
+        <p:spPr>
+          <a:xfrm>
+            <a:off x="9166962" y="1092356"/>
+            <a:ext cx="422695" cy="422695"/>
+          </a:xfrm>
+          <a:prstGeom prst="ellipse">
+            <a:avLst/>
+          </a:prstGeom>
+          <a:ln w="28575"/>
+        </p:spPr>
+        <p:style>
+          <a:lnRef idx="2">
+            <a:schemeClr val="dk1"/>
+          </a:lnRef>
+          <a:fillRef idx="1">
+            <a:schemeClr val="lt1"/>
+          </a:fillRef>
+          <a:effectRef idx="0">
+            <a:schemeClr val="dk1"/>
+          </a:effectRef>
+          <a:fontRef idx="minor">
+            <a:schemeClr val="dk1"/>
+          </a:fontRef>
+        </p:style>
+        <p:txBody>
+          <a:bodyPr wrap="none" rtlCol="1" anchor="ctr"/>
+          <a:lstStyle/>
+          <a:p>
+            <a:pPr algn="ctr"/>
+            <a:r>
+              <a:rPr lang="en-US" dirty="0" smtClean="0"/>
+              <a:t>n</a:t>
+            </a:r>
+            <a:r>
+              <a:rPr lang="en-US" baseline="-25000" dirty="0" smtClean="0"/>
+              <a:t>1</a:t>
+            </a:r>
+            <a:endParaRPr lang="he-IL" baseline="-25000" dirty="0"/>
+          </a:p>
+        </p:txBody>
+      </p:sp>
+      <p:sp>
+        <p:nvSpPr>
+          <p:cNvPr id="136" name="Oval 135"/>
+          <p:cNvSpPr/>
+          <p:nvPr/>
+        </p:nvSpPr>
+        <p:spPr>
+          <a:xfrm>
+            <a:off x="7813615" y="2628741"/>
+            <a:ext cx="422695" cy="422695"/>
+          </a:xfrm>
+          <a:prstGeom prst="ellipse">
+            <a:avLst/>
+          </a:prstGeom>
+          <a:ln w="28575"/>
+        </p:spPr>
+        <p:style>
+          <a:lnRef idx="2">
+            <a:schemeClr val="dk1"/>
+          </a:lnRef>
+          <a:fillRef idx="1">
+            <a:schemeClr val="lt1"/>
+          </a:fillRef>
+          <a:effectRef idx="0">
+            <a:schemeClr val="dk1"/>
+          </a:effectRef>
+          <a:fontRef idx="minor">
+            <a:schemeClr val="dk1"/>
+          </a:fontRef>
+        </p:style>
+        <p:txBody>
+          <a:bodyPr wrap="none" rtlCol="1" anchor="ctr"/>
+          <a:lstStyle/>
+          <a:p>
+            <a:pPr algn="ctr"/>
+            <a:r>
+              <a:rPr lang="en-US" dirty="0" smtClean="0"/>
+              <a:t>n</a:t>
+            </a:r>
+            <a:r>
+              <a:rPr lang="en-US" baseline="-25000" dirty="0" smtClean="0"/>
+              <a:t>2</a:t>
+            </a:r>
+            <a:endParaRPr lang="he-IL" baseline="-25000" dirty="0"/>
+          </a:p>
+        </p:txBody>
+      </p:sp>
+      <p:sp>
+        <p:nvSpPr>
+          <p:cNvPr id="137" name="Oval 136"/>
+          <p:cNvSpPr/>
+          <p:nvPr/>
+        </p:nvSpPr>
+        <p:spPr>
+          <a:xfrm>
+            <a:off x="8458183" y="1887364"/>
+            <a:ext cx="422695" cy="422695"/>
+          </a:xfrm>
+          <a:prstGeom prst="ellipse">
+            <a:avLst/>
+          </a:prstGeom>
+          <a:ln w="28575"/>
+        </p:spPr>
+        <p:style>
+          <a:lnRef idx="2">
+            <a:schemeClr val="dk1"/>
+          </a:lnRef>
+          <a:fillRef idx="1">
+            <a:schemeClr val="lt1"/>
+          </a:fillRef>
+          <a:effectRef idx="0">
+            <a:schemeClr val="dk1"/>
+          </a:effectRef>
+          <a:fontRef idx="minor">
+            <a:schemeClr val="dk1"/>
+          </a:fontRef>
+        </p:style>
+        <p:txBody>
+          <a:bodyPr wrap="none" rtlCol="1" anchor="ctr"/>
+          <a:lstStyle/>
+          <a:p>
+            <a:pPr algn="ctr"/>
+            <a:r>
+              <a:rPr lang="en-US" dirty="0"/>
+              <a:t>s</a:t>
+            </a:r>
+            <a:endParaRPr lang="he-IL" baseline="-25000" dirty="0"/>
+          </a:p>
+        </p:txBody>
+      </p:sp>
+      <p:cxnSp>
+        <p:nvCxnSpPr>
+          <p:cNvPr id="138" name="Straight Connector 137"/>
+          <p:cNvCxnSpPr>
+            <a:stCxn id="137" idx="3"/>
+            <a:endCxn id="136" idx="7"/>
+          </p:cNvCxnSpPr>
+          <p:nvPr/>
+        </p:nvCxnSpPr>
+        <p:spPr>
+          <a:xfrm flipH="1">
+            <a:off x="8174408" y="2248157"/>
+            <a:ext cx="345677" cy="442486"/>
+          </a:xfrm>
+          <a:prstGeom prst="line">
+            <a:avLst/>
+          </a:prstGeom>
+        </p:spPr>
+        <p:style>
+          <a:lnRef idx="3">
+            <a:schemeClr val="dk1"/>
+          </a:lnRef>
+          <a:fillRef idx="0">
+            <a:schemeClr val="dk1"/>
+          </a:fillRef>
+          <a:effectRef idx="2">
+            <a:schemeClr val="dk1"/>
+          </a:effectRef>
+          <a:fontRef idx="minor">
+            <a:schemeClr val="tx1"/>
+          </a:fontRef>
+        </p:style>
+      </p:cxnSp>
+      <p:cxnSp>
+        <p:nvCxnSpPr>
+          <p:cNvPr id="139" name="Straight Connector 138"/>
+          <p:cNvCxnSpPr>
+            <a:stCxn id="137" idx="7"/>
+            <a:endCxn id="135" idx="3"/>
+          </p:cNvCxnSpPr>
+          <p:nvPr/>
+        </p:nvCxnSpPr>
+        <p:spPr>
+          <a:xfrm flipV="1">
+            <a:off x="8818976" y="1453149"/>
+            <a:ext cx="409888" cy="496117"/>
+          </a:xfrm>
+          <a:prstGeom prst="line">
+            <a:avLst/>
+          </a:prstGeom>
+        </p:spPr>
+        <p:style>
+          <a:lnRef idx="3">
+            <a:schemeClr val="dk1"/>
+          </a:lnRef>
+          <a:fillRef idx="0">
+            <a:schemeClr val="dk1"/>
+          </a:fillRef>
+          <a:effectRef idx="2">
+            <a:schemeClr val="dk1"/>
+          </a:effectRef>
+          <a:fontRef idx="minor">
+            <a:schemeClr val="tx1"/>
+          </a:fontRef>
+        </p:style>
+      </p:cxnSp>
+      <p:cxnSp>
+        <p:nvCxnSpPr>
+          <p:cNvPr id="140" name="Straight Connector 139"/>
+          <p:cNvCxnSpPr>
+            <a:stCxn id="135" idx="2"/>
+            <a:endCxn id="133" idx="7"/>
+          </p:cNvCxnSpPr>
+          <p:nvPr/>
+        </p:nvCxnSpPr>
+        <p:spPr>
+          <a:xfrm flipH="1">
+            <a:off x="6539673" y="1303704"/>
+            <a:ext cx="2627289" cy="287655"/>
+          </a:xfrm>
+          <a:prstGeom prst="line">
+            <a:avLst/>
+          </a:prstGeom>
+        </p:spPr>
+        <p:style>
+          <a:lnRef idx="3">
+            <a:schemeClr val="dk1"/>
+          </a:lnRef>
+          <a:fillRef idx="0">
+            <a:schemeClr val="dk1"/>
+          </a:fillRef>
+          <a:effectRef idx="2">
+            <a:schemeClr val="dk1"/>
+          </a:effectRef>
+          <a:fontRef idx="minor">
+            <a:schemeClr val="tx1"/>
+          </a:fontRef>
+        </p:style>
+      </p:cxnSp>
+      <p:cxnSp>
+        <p:nvCxnSpPr>
+          <p:cNvPr id="141" name="Straight Connector 140"/>
+          <p:cNvCxnSpPr>
+            <a:stCxn id="134" idx="3"/>
+            <a:endCxn id="136" idx="6"/>
+          </p:cNvCxnSpPr>
+          <p:nvPr/>
+        </p:nvCxnSpPr>
+        <p:spPr>
+          <a:xfrm flipH="1">
+            <a:off x="8236310" y="1971411"/>
+            <a:ext cx="2818124" cy="868678"/>
+          </a:xfrm>
+          <a:prstGeom prst="line">
+            <a:avLst/>
+          </a:prstGeom>
+        </p:spPr>
+        <p:style>
+          <a:lnRef idx="3">
+            <a:schemeClr val="dk1"/>
+          </a:lnRef>
+          <a:fillRef idx="0">
+            <a:schemeClr val="dk1"/>
+          </a:fillRef>
+          <a:effectRef idx="2">
+            <a:schemeClr val="dk1"/>
+          </a:effectRef>
+          <a:fontRef idx="minor">
+            <a:schemeClr val="tx1"/>
+          </a:fontRef>
+        </p:style>
+      </p:cxnSp>
+      <p:cxnSp>
+        <p:nvCxnSpPr>
+          <p:cNvPr id="142" name="Straight Connector 141"/>
+          <p:cNvCxnSpPr>
+            <a:stCxn id="133" idx="5"/>
+            <a:endCxn id="136" idx="1"/>
+          </p:cNvCxnSpPr>
+          <p:nvPr/>
+        </p:nvCxnSpPr>
+        <p:spPr>
+          <a:xfrm>
+            <a:off x="6539673" y="1890250"/>
+            <a:ext cx="1335844" cy="800393"/>
+          </a:xfrm>
+          <a:prstGeom prst="line">
+            <a:avLst/>
+          </a:prstGeom>
+        </p:spPr>
+        <p:style>
+          <a:lnRef idx="3">
+            <a:schemeClr val="dk1"/>
+          </a:lnRef>
+          <a:fillRef idx="0">
+            <a:schemeClr val="dk1"/>
+          </a:fillRef>
+          <a:effectRef idx="2">
+            <a:schemeClr val="dk1"/>
+          </a:effectRef>
+          <a:fontRef idx="minor">
+            <a:schemeClr val="tx1"/>
+          </a:fontRef>
+        </p:style>
+      </p:cxnSp>
+      <p:sp>
+        <p:nvSpPr>
+          <p:cNvPr id="143" name="TextBox 142"/>
+          <p:cNvSpPr txBox="1"/>
+          <p:nvPr/>
+        </p:nvSpPr>
+        <p:spPr>
+          <a:xfrm>
+            <a:off x="9479834" y="2405750"/>
+            <a:ext cx="563871" cy="369332"/>
+          </a:xfrm>
+          <a:prstGeom prst="rect">
+            <a:avLst/>
+          </a:prstGeom>
+          <a:noFill/>
+        </p:spPr>
+        <p:txBody>
+          <a:bodyPr wrap="square" rtlCol="1">
+            <a:spAutoFit/>
+          </a:bodyPr>
+          <a:lstStyle/>
+          <a:p>
+            <a:r>
+              <a:rPr lang="en-US" dirty="0" smtClean="0"/>
+              <a:t>12</a:t>
+            </a:r>
+            <a:endParaRPr lang="he-IL" dirty="0"/>
+          </a:p>
+        </p:txBody>
+      </p:sp>
+      <p:sp>
+        <p:nvSpPr>
+          <p:cNvPr id="144" name="TextBox 143"/>
+          <p:cNvSpPr txBox="1"/>
+          <p:nvPr/>
+        </p:nvSpPr>
+        <p:spPr>
+          <a:xfrm>
+            <a:off x="10095593" y="1122481"/>
+            <a:ext cx="503826" cy="369332"/>
+          </a:xfrm>
+          <a:prstGeom prst="rect">
+            <a:avLst/>
+          </a:prstGeom>
+          <a:noFill/>
+        </p:spPr>
+        <p:txBody>
+          <a:bodyPr wrap="square" rtlCol="1">
+            <a:spAutoFit/>
+          </a:bodyPr>
+          <a:lstStyle/>
+          <a:p>
+            <a:r>
+              <a:rPr lang="en-US" dirty="0" smtClean="0"/>
+              <a:t>3</a:t>
+            </a:r>
+            <a:endParaRPr lang="he-IL" dirty="0"/>
+          </a:p>
+        </p:txBody>
+      </p:sp>
+      <p:sp>
+        <p:nvSpPr>
+          <p:cNvPr id="145" name="TextBox 144"/>
+          <p:cNvSpPr txBox="1"/>
+          <p:nvPr/>
+        </p:nvSpPr>
+        <p:spPr>
+          <a:xfrm>
+            <a:off x="7015844" y="2346375"/>
+            <a:ext cx="503826" cy="369332"/>
+          </a:xfrm>
+          <a:prstGeom prst="rect">
+            <a:avLst/>
+          </a:prstGeom>
+          <a:noFill/>
+        </p:spPr>
+        <p:txBody>
+          <a:bodyPr wrap="square" rtlCol="1">
+            <a:spAutoFit/>
+          </a:bodyPr>
+          <a:lstStyle/>
+          <a:p>
+            <a:r>
+              <a:rPr lang="en-US" dirty="0" smtClean="0"/>
+              <a:t>5</a:t>
+            </a:r>
+            <a:endParaRPr lang="he-IL" dirty="0"/>
+          </a:p>
+        </p:txBody>
+      </p:sp>
+      <p:cxnSp>
+        <p:nvCxnSpPr>
+          <p:cNvPr id="146" name="Straight Connector 145"/>
+          <p:cNvCxnSpPr>
+            <a:stCxn id="134" idx="1"/>
+            <a:endCxn id="135" idx="6"/>
+          </p:cNvCxnSpPr>
+          <p:nvPr/>
+        </p:nvCxnSpPr>
+        <p:spPr>
+          <a:xfrm flipH="1" flipV="1">
+            <a:off x="9589657" y="1303704"/>
+            <a:ext cx="1464777" cy="368816"/>
+          </a:xfrm>
+          <a:prstGeom prst="line">
+            <a:avLst/>
+          </a:prstGeom>
+        </p:spPr>
+        <p:style>
+          <a:lnRef idx="3">
+            <a:schemeClr val="dk1"/>
+          </a:lnRef>
+          <a:fillRef idx="0">
+            <a:schemeClr val="dk1"/>
+          </a:fillRef>
+          <a:effectRef idx="2">
+            <a:schemeClr val="dk1"/>
+          </a:effectRef>
+          <a:fontRef idx="minor">
+            <a:schemeClr val="tx1"/>
+          </a:fontRef>
+        </p:style>
+      </p:cxnSp>
+      <p:sp>
+        <p:nvSpPr>
+          <p:cNvPr id="147" name="TextBox 146"/>
+          <p:cNvSpPr txBox="1"/>
+          <p:nvPr/>
+        </p:nvSpPr>
+        <p:spPr>
+          <a:xfrm>
+            <a:off x="8822917" y="1410734"/>
+            <a:ext cx="503826" cy="369332"/>
+          </a:xfrm>
+          <a:prstGeom prst="rect">
+            <a:avLst/>
+          </a:prstGeom>
+          <a:noFill/>
+        </p:spPr>
+        <p:txBody>
+          <a:bodyPr wrap="square" rtlCol="1">
+            <a:spAutoFit/>
+          </a:bodyPr>
+          <a:lstStyle/>
+          <a:p>
+            <a:r>
+              <a:rPr lang="en-US" dirty="0" smtClean="0"/>
+              <a:t>2</a:t>
+            </a:r>
+            <a:endParaRPr lang="he-IL" dirty="0"/>
+          </a:p>
+        </p:txBody>
+      </p:sp>
+      <mc:AlternateContent xmlns:mc="http://schemas.openxmlformats.org/markup-compatibility/2006">
+        <mc:Choice xmlns:a14="http://schemas.microsoft.com/office/drawing/2010/main" Requires="a14">
+          <p:sp>
+            <p:nvSpPr>
+              <p:cNvPr id="148" name="TextBox 147"/>
+              <p:cNvSpPr txBox="1"/>
+              <p:nvPr/>
+            </p:nvSpPr>
+            <p:spPr>
+              <a:xfrm>
+                <a:off x="7956260" y="3022104"/>
+                <a:ext cx="2460567" cy="1169551"/>
+              </a:xfrm>
+              <a:prstGeom prst="rect">
+                <a:avLst/>
+              </a:prstGeom>
+              <a:noFill/>
+            </p:spPr>
+            <p:txBody>
+              <a:bodyPr wrap="square" rtlCol="1">
+                <a:spAutoFit/>
+              </a:bodyPr>
+              <a:lstStyle/>
+              <a:p>
+                <a14:m>
+                  <m:oMathPara xmlns:m="http://schemas.openxmlformats.org/officeDocument/2006/math">
+                    <m:oMathParaPr>
+                      <m:jc m:val="centerGroup"/>
+                    </m:oMathParaPr>
+                    <m:oMath xmlns:m="http://schemas.openxmlformats.org/officeDocument/2006/math">
+                      <m:sSub>
+                        <m:sSubPr>
+                          <m:ctrlPr>
+                            <a:rPr lang="en-US" sz="1400" b="0" i="1" smtClean="0">
+                              <a:latin typeface="Cambria Math" panose="02040503050406030204" pitchFamily="18" charset="0"/>
+                            </a:rPr>
+                          </m:ctrlPr>
+                        </m:sSubPr>
+                        <m:e>
+                          <m:r>
+                            <a:rPr lang="en-US" sz="1400" b="0" i="1" smtClean="0">
+                              <a:latin typeface="Cambria Math" panose="02040503050406030204" pitchFamily="18" charset="0"/>
+                            </a:rPr>
+                            <m:t>𝐹</m:t>
+                          </m:r>
+                        </m:e>
+                        <m:sub>
+                          <m:r>
+                            <a:rPr lang="en-US" sz="1400" b="0" i="1" smtClean="0">
+                              <a:latin typeface="Cambria Math" panose="02040503050406030204" pitchFamily="18" charset="0"/>
+                            </a:rPr>
+                            <m:t>𝑚𝑎𝑥</m:t>
+                          </m:r>
+                        </m:sub>
+                      </m:sSub>
+                      <m:d>
+                        <m:dPr>
+                          <m:ctrlPr>
+                            <a:rPr lang="en-US" sz="1400" b="0" i="1" smtClean="0">
+                              <a:latin typeface="Cambria Math" panose="02040503050406030204" pitchFamily="18" charset="0"/>
+                            </a:rPr>
+                          </m:ctrlPr>
+                        </m:dPr>
+                        <m:e>
+                          <m:sSub>
+                            <m:sSubPr>
+                              <m:ctrlPr>
+                                <a:rPr lang="en-US" sz="1400" b="0" i="1" smtClean="0">
+                                  <a:latin typeface="Cambria Math" panose="02040503050406030204" pitchFamily="18" charset="0"/>
+                                </a:rPr>
+                              </m:ctrlPr>
+                            </m:sSubPr>
+                            <m:e>
+                              <m:r>
+                                <a:rPr lang="en-US" sz="1400" b="0" i="1" smtClean="0">
+                                  <a:latin typeface="Cambria Math" panose="02040503050406030204" pitchFamily="18" charset="0"/>
+                                </a:rPr>
+                                <m:t>𝑛</m:t>
+                              </m:r>
+                            </m:e>
+                            <m:sub>
+                              <m:r>
+                                <a:rPr lang="en-US" sz="1400" b="0" i="1" smtClean="0">
+                                  <a:latin typeface="Cambria Math" panose="02040503050406030204" pitchFamily="18" charset="0"/>
+                                </a:rPr>
+                                <m:t>2</m:t>
+                              </m:r>
+                            </m:sub>
+                          </m:sSub>
+                        </m:e>
+                      </m:d>
+                      <m:r>
+                        <a:rPr lang="en-US" sz="1400" b="0" i="1" smtClean="0">
+                          <a:latin typeface="Cambria Math" panose="02040503050406030204" pitchFamily="18" charset="0"/>
+                        </a:rPr>
+                        <m:t>=</m:t>
+                      </m:r>
+                      <m:func>
+                        <m:funcPr>
+                          <m:ctrlPr>
+                            <a:rPr lang="en-US" sz="1400" b="0" i="1" smtClean="0">
+                              <a:latin typeface="Cambria Math" panose="02040503050406030204" pitchFamily="18" charset="0"/>
+                            </a:rPr>
+                          </m:ctrlPr>
+                        </m:funcPr>
+                        <m:fName>
+                          <m:r>
+                            <m:rPr>
+                              <m:sty m:val="p"/>
+                            </m:rPr>
+                            <a:rPr lang="en-US" sz="1400" b="0" i="0" smtClean="0">
+                              <a:latin typeface="Cambria Math" panose="02040503050406030204" pitchFamily="18" charset="0"/>
+                            </a:rPr>
+                            <m:t>max</m:t>
+                          </m:r>
+                        </m:fName>
+                        <m:e>
+                          <m:d>
+                            <m:dPr>
+                              <m:ctrlPr>
+                                <a:rPr lang="en-US" sz="1400" b="0" i="1" smtClean="0">
+                                  <a:latin typeface="Cambria Math" panose="02040503050406030204" pitchFamily="18" charset="0"/>
+                                </a:rPr>
+                              </m:ctrlPr>
+                            </m:dPr>
+                            <m:e>
+                              <m:r>
+                                <a:rPr lang="en-US" sz="1400" b="0" i="1" smtClean="0">
+                                  <a:latin typeface="Cambria Math" panose="02040503050406030204" pitchFamily="18" charset="0"/>
+                                </a:rPr>
+                                <m:t>7</m:t>
+                              </m:r>
+                              <m:r>
+                                <a:rPr lang="en-US" sz="1400" b="0" i="1" smtClean="0">
+                                  <a:latin typeface="Cambria Math" panose="02040503050406030204" pitchFamily="18" charset="0"/>
+                                </a:rPr>
+                                <m:t>,</m:t>
+                              </m:r>
+                              <m:r>
+                                <a:rPr lang="en-US" sz="1400" b="0" i="1" smtClean="0">
+                                  <a:latin typeface="Cambria Math" panose="02040503050406030204" pitchFamily="18" charset="0"/>
+                                </a:rPr>
+                                <m:t>14</m:t>
+                              </m:r>
+                            </m:e>
+                          </m:d>
+                        </m:e>
+                      </m:func>
+                      <m:r>
+                        <a:rPr lang="en-US" sz="1400" b="0" i="1" smtClean="0">
+                          <a:latin typeface="Cambria Math" panose="02040503050406030204" pitchFamily="18" charset="0"/>
+                        </a:rPr>
+                        <m:t>=</m:t>
+                      </m:r>
+                      <m:r>
+                        <a:rPr lang="en-US" sz="1400" b="0" i="1" smtClean="0">
+                          <a:latin typeface="Cambria Math" panose="02040503050406030204" pitchFamily="18" charset="0"/>
+                        </a:rPr>
+                        <m:t>14</m:t>
+                      </m:r>
+                    </m:oMath>
+                  </m:oMathPara>
+                </a14:m>
+                <a:endParaRPr lang="en-US" sz="1400" dirty="0" smtClean="0"/>
+              </a:p>
+              <a:p>
+                <a14:m>
+                  <m:oMathPara xmlns:m="http://schemas.openxmlformats.org/officeDocument/2006/math">
+                    <m:oMathParaPr>
+                      <m:jc m:val="centerGroup"/>
+                    </m:oMathParaPr>
+                    <m:oMath xmlns:m="http://schemas.openxmlformats.org/officeDocument/2006/math">
+                      <m:sSub>
+                        <m:sSubPr>
+                          <m:ctrlPr>
+                            <a:rPr lang="en-US" sz="1400" i="1">
+                              <a:latin typeface="Cambria Math" panose="02040503050406030204" pitchFamily="18" charset="0"/>
+                            </a:rPr>
+                          </m:ctrlPr>
+                        </m:sSubPr>
+                        <m:e>
+                          <m:r>
+                            <a:rPr lang="en-US" sz="1400" i="1">
+                              <a:latin typeface="Cambria Math" panose="02040503050406030204" pitchFamily="18" charset="0"/>
+                            </a:rPr>
+                            <m:t>𝐹</m:t>
+                          </m:r>
+                        </m:e>
+                        <m:sub>
+                          <m:r>
+                            <a:rPr lang="en-US" sz="1400" b="0" i="1" smtClean="0">
+                              <a:latin typeface="Cambria Math" panose="02040503050406030204" pitchFamily="18" charset="0"/>
+                            </a:rPr>
+                            <m:t>𝑚𝑖𝑛</m:t>
+                          </m:r>
+                        </m:sub>
+                      </m:sSub>
+                      <m:d>
+                        <m:dPr>
+                          <m:ctrlPr>
+                            <a:rPr lang="en-US" sz="1400" i="1">
+                              <a:latin typeface="Cambria Math" panose="02040503050406030204" pitchFamily="18" charset="0"/>
+                            </a:rPr>
+                          </m:ctrlPr>
+                        </m:dPr>
+                        <m:e>
+                          <m:sSub>
+                            <m:sSubPr>
+                              <m:ctrlPr>
+                                <a:rPr lang="en-US" sz="1400" i="1">
+                                  <a:latin typeface="Cambria Math" panose="02040503050406030204" pitchFamily="18" charset="0"/>
+                                </a:rPr>
+                              </m:ctrlPr>
+                            </m:sSubPr>
+                            <m:e>
+                              <m:r>
+                                <a:rPr lang="en-US" sz="1400" i="1">
+                                  <a:latin typeface="Cambria Math" panose="02040503050406030204" pitchFamily="18" charset="0"/>
+                                </a:rPr>
+                                <m:t>𝑛</m:t>
+                              </m:r>
+                            </m:e>
+                            <m:sub>
+                              <m:r>
+                                <a:rPr lang="en-US" sz="1400" i="1">
+                                  <a:latin typeface="Cambria Math" panose="02040503050406030204" pitchFamily="18" charset="0"/>
+                                </a:rPr>
+                                <m:t>2</m:t>
+                              </m:r>
+                            </m:sub>
+                          </m:sSub>
+                        </m:e>
+                      </m:d>
+                      <m:r>
+                        <a:rPr lang="en-US" sz="1400" i="1">
+                          <a:latin typeface="Cambria Math" panose="02040503050406030204" pitchFamily="18" charset="0"/>
+                        </a:rPr>
+                        <m:t>=</m:t>
+                      </m:r>
+                      <m:func>
+                        <m:funcPr>
+                          <m:ctrlPr>
+                            <a:rPr lang="en-US" sz="1400" i="1">
+                              <a:latin typeface="Cambria Math" panose="02040503050406030204" pitchFamily="18" charset="0"/>
+                            </a:rPr>
+                          </m:ctrlPr>
+                        </m:funcPr>
+                        <m:fName>
+                          <m:r>
+                            <m:rPr>
+                              <m:sty m:val="p"/>
+                            </m:rPr>
+                            <a:rPr lang="en-US" sz="1400" b="0" i="0" smtClean="0">
+                              <a:latin typeface="Cambria Math" panose="02040503050406030204" pitchFamily="18" charset="0"/>
+                            </a:rPr>
+                            <m:t>min</m:t>
+                          </m:r>
+                        </m:fName>
+                        <m:e>
+                          <m:d>
+                            <m:dPr>
+                              <m:ctrlPr>
+                                <a:rPr lang="en-US" sz="1400" i="1">
+                                  <a:latin typeface="Cambria Math" panose="02040503050406030204" pitchFamily="18" charset="0"/>
+                                </a:rPr>
+                              </m:ctrlPr>
+                            </m:dPr>
+                            <m:e>
+                              <m:r>
+                                <a:rPr lang="en-US" sz="1400" i="1">
+                                  <a:latin typeface="Cambria Math" panose="02040503050406030204" pitchFamily="18" charset="0"/>
+                                </a:rPr>
+                                <m:t>7</m:t>
+                              </m:r>
+                              <m:r>
+                                <a:rPr lang="en-US" sz="1400" i="1">
+                                  <a:latin typeface="Cambria Math" panose="02040503050406030204" pitchFamily="18" charset="0"/>
+                                </a:rPr>
+                                <m:t>,</m:t>
+                              </m:r>
+                              <m:r>
+                                <a:rPr lang="en-US" sz="1400" b="0" i="1" smtClean="0">
+                                  <a:latin typeface="Cambria Math" panose="02040503050406030204" pitchFamily="18" charset="0"/>
+                                </a:rPr>
+                                <m:t>14</m:t>
+                              </m:r>
+                            </m:e>
+                          </m:d>
+                        </m:e>
+                      </m:func>
+                      <m:r>
+                        <a:rPr lang="en-US" sz="1400" i="1">
+                          <a:latin typeface="Cambria Math" panose="02040503050406030204" pitchFamily="18" charset="0"/>
+                        </a:rPr>
+                        <m:t>=</m:t>
+                      </m:r>
+                      <m:r>
+                        <a:rPr lang="en-US" sz="1400" i="1">
+                          <a:latin typeface="Cambria Math" panose="02040503050406030204" pitchFamily="18" charset="0"/>
+                        </a:rPr>
+                        <m:t>7</m:t>
+                      </m:r>
+                    </m:oMath>
+                  </m:oMathPara>
+                </a14:m>
+                <a:endParaRPr lang="en-US" sz="1400" dirty="0" smtClean="0"/>
+              </a:p>
+              <a:p>
+                <a14:m>
+                  <m:oMathPara xmlns:m="http://schemas.openxmlformats.org/officeDocument/2006/math">
+                    <m:oMathParaPr>
+                      <m:jc m:val="centerGroup"/>
+                    </m:oMathParaPr>
+                    <m:oMath xmlns:m="http://schemas.openxmlformats.org/officeDocument/2006/math">
+                      <m:sSubSup>
+                        <m:sSubSupPr>
+                          <m:ctrlPr>
+                            <a:rPr lang="en-US" sz="1400" b="0" i="1" smtClean="0">
+                              <a:latin typeface="Cambria Math" panose="02040503050406030204" pitchFamily="18" charset="0"/>
+                            </a:rPr>
+                          </m:ctrlPr>
+                        </m:sSubSupPr>
+                        <m:e>
+                          <m:r>
+                            <a:rPr lang="en-US" sz="1400" b="0" i="1" smtClean="0">
+                              <a:latin typeface="Cambria Math" panose="02040503050406030204" pitchFamily="18" charset="0"/>
+                            </a:rPr>
+                            <m:t>𝐹</m:t>
+                          </m:r>
+                        </m:e>
+                        <m:sub>
+                          <m:r>
+                            <a:rPr lang="en-US" sz="1400" b="0" i="1" smtClean="0">
+                              <a:latin typeface="Cambria Math" panose="02040503050406030204" pitchFamily="18" charset="0"/>
+                            </a:rPr>
+                            <m:t>𝑚𝑖𝑛</m:t>
+                          </m:r>
+                        </m:sub>
+                        <m:sup>
+                          <m:r>
+                            <a:rPr lang="en-US" sz="1400" b="0" i="1" smtClean="0">
+                              <a:latin typeface="Cambria Math" panose="02040503050406030204" pitchFamily="18" charset="0"/>
+                            </a:rPr>
+                            <m:t>𝑢</m:t>
+                          </m:r>
+                        </m:sup>
+                      </m:sSubSup>
+                      <m:d>
+                        <m:dPr>
+                          <m:ctrlPr>
+                            <a:rPr lang="en-US" sz="1400" i="1">
+                              <a:latin typeface="Cambria Math" panose="02040503050406030204" pitchFamily="18" charset="0"/>
+                            </a:rPr>
+                          </m:ctrlPr>
+                        </m:dPr>
+                        <m:e>
+                          <m:sSub>
+                            <m:sSubPr>
+                              <m:ctrlPr>
+                                <a:rPr lang="en-US" sz="1400" i="1">
+                                  <a:latin typeface="Cambria Math" panose="02040503050406030204" pitchFamily="18" charset="0"/>
+                                </a:rPr>
+                              </m:ctrlPr>
+                            </m:sSubPr>
+                            <m:e>
+                              <m:r>
+                                <a:rPr lang="en-US" sz="1400" i="1">
+                                  <a:latin typeface="Cambria Math" panose="02040503050406030204" pitchFamily="18" charset="0"/>
+                                </a:rPr>
+                                <m:t>𝑛</m:t>
+                              </m:r>
+                            </m:e>
+                            <m:sub>
+                              <m:r>
+                                <a:rPr lang="en-US" sz="1400" i="1">
+                                  <a:latin typeface="Cambria Math" panose="02040503050406030204" pitchFamily="18" charset="0"/>
+                                </a:rPr>
+                                <m:t>2</m:t>
+                              </m:r>
+                            </m:sub>
+                          </m:sSub>
+                        </m:e>
+                      </m:d>
+                      <m:r>
+                        <a:rPr lang="en-US" sz="1400" i="1">
+                          <a:latin typeface="Cambria Math" panose="02040503050406030204" pitchFamily="18" charset="0"/>
+                        </a:rPr>
+                        <m:t>=</m:t>
+                      </m:r>
+                      <m:func>
+                        <m:funcPr>
+                          <m:ctrlPr>
+                            <a:rPr lang="en-US" sz="1400" i="1">
+                              <a:latin typeface="Cambria Math" panose="02040503050406030204" pitchFamily="18" charset="0"/>
+                            </a:rPr>
+                          </m:ctrlPr>
+                        </m:funcPr>
+                        <m:fName>
+                          <m:r>
+                            <m:rPr>
+                              <m:sty m:val="p"/>
+                            </m:rPr>
+                            <a:rPr lang="en-US" sz="1400">
+                              <a:latin typeface="Cambria Math" panose="02040503050406030204" pitchFamily="18" charset="0"/>
+                            </a:rPr>
+                            <m:t>min</m:t>
+                          </m:r>
+                        </m:fName>
+                        <m:e>
+                          <m:d>
+                            <m:dPr>
+                              <m:ctrlPr>
+                                <a:rPr lang="en-US" sz="1400" i="1">
+                                  <a:latin typeface="Cambria Math" panose="02040503050406030204" pitchFamily="18" charset="0"/>
+                                </a:rPr>
+                              </m:ctrlPr>
+                            </m:dPr>
+                            <m:e>
+                              <m:r>
+                                <a:rPr lang="en-US" sz="1400" i="1">
+                                  <a:latin typeface="Cambria Math" panose="02040503050406030204" pitchFamily="18" charset="0"/>
+                                </a:rPr>
+                                <m:t>7</m:t>
+                              </m:r>
+                            </m:e>
+                          </m:d>
+                        </m:e>
+                      </m:func>
+                      <m:r>
+                        <a:rPr lang="en-US" sz="1400" i="1">
+                          <a:latin typeface="Cambria Math" panose="02040503050406030204" pitchFamily="18" charset="0"/>
+                        </a:rPr>
+                        <m:t>=</m:t>
+                      </m:r>
+                      <m:r>
+                        <a:rPr lang="en-US" sz="1400" i="1">
+                          <a:latin typeface="Cambria Math" panose="02040503050406030204" pitchFamily="18" charset="0"/>
+                        </a:rPr>
+                        <m:t>7</m:t>
+                      </m:r>
+                    </m:oMath>
+                  </m:oMathPara>
+                </a14:m>
+                <a:endParaRPr lang="en-US" sz="1400" dirty="0"/>
+              </a:p>
+              <a:p>
+                <a:endParaRPr lang="en-US" sz="1400" dirty="0" smtClean="0"/>
+              </a:p>
+              <a:p>
+                <a:endParaRPr lang="he-IL" sz="1400" dirty="0"/>
+              </a:p>
+            </p:txBody>
+          </p:sp>
+        </mc:Choice>
+        <mc:Fallback>
+          <p:sp>
+            <p:nvSpPr>
+              <p:cNvPr id="148" name="TextBox 147"/>
+              <p:cNvSpPr txBox="1">
+                <a:spLocks noRot="1" noChangeAspect="1" noMove="1" noResize="1" noEditPoints="1" noAdjustHandles="1" noChangeArrowheads="1" noChangeShapeType="1" noTextEdit="1"/>
+              </p:cNvSpPr>
+              <p:nvPr/>
+            </p:nvSpPr>
+            <p:spPr>
+              <a:xfrm>
+                <a:off x="7956260" y="3022104"/>
+                <a:ext cx="2460567" cy="1169551"/>
+              </a:xfrm>
+              <a:prstGeom prst="rect">
+                <a:avLst/>
+              </a:prstGeom>
+              <a:blipFill>
+                <a:blip r:embed="rId4"/>
+                <a:stretch>
+                  <a:fillRect/>
+                </a:stretch>
+              </a:blipFill>
+            </p:spPr>
+            <p:txBody>
+              <a:bodyPr/>
+              <a:lstStyle/>
+              <a:p>
+                <a:r>
+                  <a:rPr lang="he-IL">
+                    <a:noFill/>
+                  </a:rPr>
+                  <a:t> </a:t>
+                </a:r>
+              </a:p>
+            </p:txBody>
+          </p:sp>
+        </mc:Fallback>
+      </mc:AlternateContent>
+      <mc:AlternateContent xmlns:mc="http://schemas.openxmlformats.org/markup-compatibility/2006">
+        <mc:Choice xmlns:a14="http://schemas.microsoft.com/office/drawing/2010/main" Requires="a14">
+          <p:sp>
+            <p:nvSpPr>
+              <p:cNvPr id="149" name="TextBox 148"/>
+              <p:cNvSpPr txBox="1"/>
+              <p:nvPr/>
+            </p:nvSpPr>
+            <p:spPr>
+              <a:xfrm>
+                <a:off x="8278122" y="255024"/>
+                <a:ext cx="2583180" cy="1170320"/>
+              </a:xfrm>
+              <a:prstGeom prst="rect">
+                <a:avLst/>
+              </a:prstGeom>
+              <a:noFill/>
+            </p:spPr>
+            <p:txBody>
+              <a:bodyPr wrap="square" rtlCol="1">
+                <a:spAutoFit/>
+              </a:bodyPr>
+              <a:lstStyle/>
+              <a:p>
+                <a14:m>
+                  <m:oMathPara xmlns:m="http://schemas.openxmlformats.org/officeDocument/2006/math">
+                    <m:oMathParaPr>
+                      <m:jc m:val="centerGroup"/>
+                    </m:oMathParaPr>
+                    <m:oMath xmlns:m="http://schemas.openxmlformats.org/officeDocument/2006/math">
+                      <m:sSub>
+                        <m:sSubPr>
+                          <m:ctrlPr>
+                            <a:rPr lang="en-US" sz="1400" b="0" i="1" smtClean="0">
+                              <a:latin typeface="Cambria Math" panose="02040503050406030204" pitchFamily="18" charset="0"/>
+                            </a:rPr>
+                          </m:ctrlPr>
+                        </m:sSubPr>
+                        <m:e>
+                          <m:r>
+                            <a:rPr lang="en-US" sz="1400" b="0" i="1" smtClean="0">
+                              <a:latin typeface="Cambria Math" panose="02040503050406030204" pitchFamily="18" charset="0"/>
+                            </a:rPr>
+                            <m:t>𝐹</m:t>
+                          </m:r>
+                        </m:e>
+                        <m:sub>
+                          <m:r>
+                            <a:rPr lang="en-US" sz="1400" b="0" i="1" smtClean="0">
+                              <a:latin typeface="Cambria Math" panose="02040503050406030204" pitchFamily="18" charset="0"/>
+                            </a:rPr>
+                            <m:t>𝑚𝑎𝑥</m:t>
+                          </m:r>
+                        </m:sub>
+                      </m:sSub>
+                      <m:d>
+                        <m:dPr>
+                          <m:ctrlPr>
+                            <a:rPr lang="en-US" sz="1400" b="0" i="1" smtClean="0">
+                              <a:latin typeface="Cambria Math" panose="02040503050406030204" pitchFamily="18" charset="0"/>
+                            </a:rPr>
+                          </m:ctrlPr>
+                        </m:dPr>
+                        <m:e>
+                          <m:sSub>
+                            <m:sSubPr>
+                              <m:ctrlPr>
+                                <a:rPr lang="en-US" sz="1400" b="0" i="1" smtClean="0">
+                                  <a:latin typeface="Cambria Math" panose="02040503050406030204" pitchFamily="18" charset="0"/>
+                                </a:rPr>
+                              </m:ctrlPr>
+                            </m:sSubPr>
+                            <m:e>
+                              <m:r>
+                                <a:rPr lang="en-US" sz="1400" b="0" i="1" smtClean="0">
+                                  <a:latin typeface="Cambria Math" panose="02040503050406030204" pitchFamily="18" charset="0"/>
+                                </a:rPr>
+                                <m:t>𝑛</m:t>
+                              </m:r>
+                            </m:e>
+                            <m:sub>
+                              <m:r>
+                                <a:rPr lang="en-US" sz="1400" b="0" i="1" smtClean="0">
+                                  <a:latin typeface="Cambria Math" panose="02040503050406030204" pitchFamily="18" charset="0"/>
+                                </a:rPr>
+                                <m:t>1</m:t>
+                              </m:r>
+                            </m:sub>
+                          </m:sSub>
+                        </m:e>
+                      </m:d>
+                      <m:r>
+                        <a:rPr lang="en-US" sz="1400" b="0" i="1" smtClean="0">
+                          <a:latin typeface="Cambria Math" panose="02040503050406030204" pitchFamily="18" charset="0"/>
+                        </a:rPr>
+                        <m:t>=</m:t>
+                      </m:r>
+                      <m:func>
+                        <m:funcPr>
+                          <m:ctrlPr>
+                            <a:rPr lang="en-US" sz="1400" b="0" i="1" smtClean="0">
+                              <a:latin typeface="Cambria Math" panose="02040503050406030204" pitchFamily="18" charset="0"/>
+                            </a:rPr>
+                          </m:ctrlPr>
+                        </m:funcPr>
+                        <m:fName>
+                          <m:r>
+                            <m:rPr>
+                              <m:sty m:val="p"/>
+                            </m:rPr>
+                            <a:rPr lang="en-US" sz="1400" b="0" i="0" smtClean="0">
+                              <a:latin typeface="Cambria Math" panose="02040503050406030204" pitchFamily="18" charset="0"/>
+                            </a:rPr>
+                            <m:t>max</m:t>
+                          </m:r>
+                        </m:fName>
+                        <m:e>
+                          <m:d>
+                            <m:dPr>
+                              <m:ctrlPr>
+                                <a:rPr lang="en-US" sz="1400" b="0" i="1" smtClean="0">
+                                  <a:latin typeface="Cambria Math" panose="02040503050406030204" pitchFamily="18" charset="0"/>
+                                </a:rPr>
+                              </m:ctrlPr>
+                            </m:dPr>
+                            <m:e>
+                              <m:r>
+                                <a:rPr lang="en-US" sz="1400" b="0" i="1" smtClean="0">
+                                  <a:latin typeface="Cambria Math" panose="02040503050406030204" pitchFamily="18" charset="0"/>
+                                </a:rPr>
+                                <m:t>10</m:t>
+                              </m:r>
+                              <m:r>
+                                <a:rPr lang="en-US" sz="1400" b="0" i="1" smtClean="0">
+                                  <a:latin typeface="Cambria Math" panose="02040503050406030204" pitchFamily="18" charset="0"/>
+                                </a:rPr>
+                                <m:t>,</m:t>
+                              </m:r>
+                              <m:r>
+                                <a:rPr lang="en-US" sz="1400" b="0" i="1" smtClean="0">
+                                  <a:latin typeface="Cambria Math" panose="02040503050406030204" pitchFamily="18" charset="0"/>
+                                </a:rPr>
+                                <m:t>5</m:t>
+                              </m:r>
+                            </m:e>
+                          </m:d>
+                        </m:e>
+                      </m:func>
+                      <m:r>
+                        <a:rPr lang="en-US" sz="1400" b="0" i="1" smtClean="0">
+                          <a:latin typeface="Cambria Math" panose="02040503050406030204" pitchFamily="18" charset="0"/>
+                        </a:rPr>
+                        <m:t>=</m:t>
+                      </m:r>
+                      <m:r>
+                        <a:rPr lang="en-US" sz="1400" b="0" i="1" smtClean="0">
+                          <a:latin typeface="Cambria Math" panose="02040503050406030204" pitchFamily="18" charset="0"/>
+                        </a:rPr>
+                        <m:t>10</m:t>
+                      </m:r>
+                    </m:oMath>
+                  </m:oMathPara>
+                </a14:m>
+                <a:endParaRPr lang="en-US" sz="1400" dirty="0" smtClean="0"/>
+              </a:p>
+              <a:p>
+                <a14:m>
+                  <m:oMathPara xmlns:m="http://schemas.openxmlformats.org/officeDocument/2006/math">
+                    <m:oMathParaPr>
+                      <m:jc m:val="centerGroup"/>
+                    </m:oMathParaPr>
+                    <m:oMath xmlns:m="http://schemas.openxmlformats.org/officeDocument/2006/math">
+                      <m:sSub>
+                        <m:sSubPr>
+                          <m:ctrlPr>
+                            <a:rPr lang="en-US" sz="1400" i="1">
+                              <a:latin typeface="Cambria Math" panose="02040503050406030204" pitchFamily="18" charset="0"/>
+                            </a:rPr>
+                          </m:ctrlPr>
+                        </m:sSubPr>
+                        <m:e>
+                          <m:r>
+                            <a:rPr lang="en-US" sz="1400" i="1">
+                              <a:latin typeface="Cambria Math" panose="02040503050406030204" pitchFamily="18" charset="0"/>
+                            </a:rPr>
+                            <m:t>𝐹</m:t>
+                          </m:r>
+                        </m:e>
+                        <m:sub>
+                          <m:r>
+                            <a:rPr lang="en-US" sz="1400" b="0" i="1" smtClean="0">
+                              <a:latin typeface="Cambria Math" panose="02040503050406030204" pitchFamily="18" charset="0"/>
+                            </a:rPr>
+                            <m:t>𝑚𝑖𝑛</m:t>
+                          </m:r>
+                        </m:sub>
+                      </m:sSub>
+                      <m:d>
+                        <m:dPr>
+                          <m:ctrlPr>
+                            <a:rPr lang="en-US" sz="1400" i="1">
+                              <a:latin typeface="Cambria Math" panose="02040503050406030204" pitchFamily="18" charset="0"/>
+                            </a:rPr>
+                          </m:ctrlPr>
+                        </m:dPr>
+                        <m:e>
+                          <m:sSub>
+                            <m:sSubPr>
+                              <m:ctrlPr>
+                                <a:rPr lang="en-US" sz="1400" i="1">
+                                  <a:latin typeface="Cambria Math" panose="02040503050406030204" pitchFamily="18" charset="0"/>
+                                </a:rPr>
+                              </m:ctrlPr>
+                            </m:sSubPr>
+                            <m:e>
+                              <m:r>
+                                <a:rPr lang="en-US" sz="1400" i="1">
+                                  <a:latin typeface="Cambria Math" panose="02040503050406030204" pitchFamily="18" charset="0"/>
+                                </a:rPr>
+                                <m:t>𝑛</m:t>
+                              </m:r>
+                            </m:e>
+                            <m:sub>
+                              <m:r>
+                                <a:rPr lang="en-US" sz="1400" i="1">
+                                  <a:latin typeface="Cambria Math" panose="02040503050406030204" pitchFamily="18" charset="0"/>
+                                </a:rPr>
+                                <m:t>1</m:t>
+                              </m:r>
+                            </m:sub>
+                          </m:sSub>
+                        </m:e>
+                      </m:d>
+                      <m:r>
+                        <a:rPr lang="en-US" sz="1400" i="1">
+                          <a:latin typeface="Cambria Math" panose="02040503050406030204" pitchFamily="18" charset="0"/>
+                        </a:rPr>
+                        <m:t>=</m:t>
+                      </m:r>
+                      <m:func>
+                        <m:funcPr>
+                          <m:ctrlPr>
+                            <a:rPr lang="en-US" sz="1400" i="1">
+                              <a:latin typeface="Cambria Math" panose="02040503050406030204" pitchFamily="18" charset="0"/>
+                            </a:rPr>
+                          </m:ctrlPr>
+                        </m:funcPr>
+                        <m:fName>
+                          <m:r>
+                            <m:rPr>
+                              <m:sty m:val="p"/>
+                            </m:rPr>
+                            <a:rPr lang="en-US" sz="1400" b="0" i="0" smtClean="0">
+                              <a:latin typeface="Cambria Math" panose="02040503050406030204" pitchFamily="18" charset="0"/>
+                            </a:rPr>
+                            <m:t>min</m:t>
+                          </m:r>
+                        </m:fName>
+                        <m:e>
+                          <m:d>
+                            <m:dPr>
+                              <m:ctrlPr>
+                                <a:rPr lang="en-US" sz="1400" i="1">
+                                  <a:latin typeface="Cambria Math" panose="02040503050406030204" pitchFamily="18" charset="0"/>
+                                </a:rPr>
+                              </m:ctrlPr>
+                            </m:dPr>
+                            <m:e>
+                              <m:r>
+                                <a:rPr lang="en-US" sz="1400" i="1">
+                                  <a:latin typeface="Cambria Math" panose="02040503050406030204" pitchFamily="18" charset="0"/>
+                                </a:rPr>
+                                <m:t>10</m:t>
+                              </m:r>
+                              <m:r>
+                                <a:rPr lang="en-US" sz="1400" i="1">
+                                  <a:latin typeface="Cambria Math" panose="02040503050406030204" pitchFamily="18" charset="0"/>
+                                </a:rPr>
+                                <m:t>,</m:t>
+                              </m:r>
+                              <m:r>
+                                <a:rPr lang="en-US" sz="1400" b="0" i="1" smtClean="0">
+                                  <a:latin typeface="Cambria Math" panose="02040503050406030204" pitchFamily="18" charset="0"/>
+                                </a:rPr>
+                                <m:t>5</m:t>
+                              </m:r>
+                            </m:e>
+                          </m:d>
+                        </m:e>
+                      </m:func>
+                      <m:r>
+                        <a:rPr lang="en-US" sz="1400" i="1">
+                          <a:latin typeface="Cambria Math" panose="02040503050406030204" pitchFamily="18" charset="0"/>
+                        </a:rPr>
+                        <m:t>=</m:t>
+                      </m:r>
+                      <m:r>
+                        <a:rPr lang="en-US" sz="1400" b="0" i="1" smtClean="0">
+                          <a:latin typeface="Cambria Math" panose="02040503050406030204" pitchFamily="18" charset="0"/>
+                        </a:rPr>
+                        <m:t>5</m:t>
+                      </m:r>
+                    </m:oMath>
+                  </m:oMathPara>
+                </a14:m>
+                <a:endParaRPr lang="en-US" sz="1400" b="0" dirty="0" smtClean="0"/>
+              </a:p>
+              <a:p>
+                <a14:m>
+                  <m:oMathPara xmlns:m="http://schemas.openxmlformats.org/officeDocument/2006/math">
+                    <m:oMathParaPr>
+                      <m:jc m:val="centerGroup"/>
+                    </m:oMathParaPr>
+                    <m:oMath xmlns:m="http://schemas.openxmlformats.org/officeDocument/2006/math">
+                      <m:sSubSup>
+                        <m:sSubSupPr>
+                          <m:ctrlPr>
+                            <a:rPr lang="en-US" sz="1400" i="1">
+                              <a:latin typeface="Cambria Math" panose="02040503050406030204" pitchFamily="18" charset="0"/>
+                            </a:rPr>
+                          </m:ctrlPr>
+                        </m:sSubSupPr>
+                        <m:e>
+                          <m:r>
+                            <a:rPr lang="en-US" sz="1400" i="1">
+                              <a:latin typeface="Cambria Math" panose="02040503050406030204" pitchFamily="18" charset="0"/>
+                            </a:rPr>
+                            <m:t>𝐹</m:t>
+                          </m:r>
+                        </m:e>
+                        <m:sub>
+                          <m:r>
+                            <a:rPr lang="en-US" sz="1400" i="1">
+                              <a:latin typeface="Cambria Math" panose="02040503050406030204" pitchFamily="18" charset="0"/>
+                            </a:rPr>
+                            <m:t>𝑚𝑖𝑛</m:t>
+                          </m:r>
+                        </m:sub>
+                        <m:sup>
+                          <m:r>
+                            <a:rPr lang="en-US" sz="1400" i="1">
+                              <a:latin typeface="Cambria Math" panose="02040503050406030204" pitchFamily="18" charset="0"/>
+                            </a:rPr>
+                            <m:t>𝑢</m:t>
+                          </m:r>
+                        </m:sup>
+                      </m:sSubSup>
+                      <m:d>
+                        <m:dPr>
+                          <m:ctrlPr>
+                            <a:rPr lang="en-US" sz="1400" i="1">
+                              <a:latin typeface="Cambria Math" panose="02040503050406030204" pitchFamily="18" charset="0"/>
+                            </a:rPr>
+                          </m:ctrlPr>
+                        </m:dPr>
+                        <m:e>
+                          <m:sSub>
+                            <m:sSubPr>
+                              <m:ctrlPr>
+                                <a:rPr lang="en-US" sz="1400" i="1">
+                                  <a:latin typeface="Cambria Math" panose="02040503050406030204" pitchFamily="18" charset="0"/>
+                                </a:rPr>
+                              </m:ctrlPr>
+                            </m:sSubPr>
+                            <m:e>
+                              <m:r>
+                                <a:rPr lang="en-US" sz="1400" i="1">
+                                  <a:latin typeface="Cambria Math" panose="02040503050406030204" pitchFamily="18" charset="0"/>
+                                </a:rPr>
+                                <m:t>𝑛</m:t>
+                              </m:r>
+                            </m:e>
+                            <m:sub>
+                              <m:r>
+                                <a:rPr lang="en-US" sz="1400" i="1">
+                                  <a:latin typeface="Cambria Math" panose="02040503050406030204" pitchFamily="18" charset="0"/>
+                                </a:rPr>
+                                <m:t>2</m:t>
+                              </m:r>
+                            </m:sub>
+                          </m:sSub>
+                        </m:e>
+                      </m:d>
+                      <m:r>
+                        <a:rPr lang="en-US" sz="1400" i="1">
+                          <a:latin typeface="Cambria Math" panose="02040503050406030204" pitchFamily="18" charset="0"/>
+                        </a:rPr>
+                        <m:t>=</m:t>
+                      </m:r>
+                      <m:func>
+                        <m:funcPr>
+                          <m:ctrlPr>
+                            <a:rPr lang="en-US" sz="1400" i="1">
+                              <a:latin typeface="Cambria Math" panose="02040503050406030204" pitchFamily="18" charset="0"/>
+                            </a:rPr>
+                          </m:ctrlPr>
+                        </m:funcPr>
+                        <m:fName>
+                          <m:r>
+                            <m:rPr>
+                              <m:sty m:val="p"/>
+                            </m:rPr>
+                            <a:rPr lang="en-US" sz="1400">
+                              <a:latin typeface="Cambria Math" panose="02040503050406030204" pitchFamily="18" charset="0"/>
+                            </a:rPr>
+                            <m:t>min</m:t>
+                          </m:r>
+                        </m:fName>
+                        <m:e>
+                          <m:d>
+                            <m:dPr>
+                              <m:ctrlPr>
+                                <a:rPr lang="en-US" sz="1400" i="1">
+                                  <a:latin typeface="Cambria Math" panose="02040503050406030204" pitchFamily="18" charset="0"/>
+                                </a:rPr>
+                              </m:ctrlPr>
+                            </m:dPr>
+                            <m:e>
+                              <m:r>
+                                <a:rPr lang="en-US" sz="1400" b="0" i="1" smtClean="0">
+                                  <a:latin typeface="Cambria Math" panose="02040503050406030204" pitchFamily="18" charset="0"/>
+                                </a:rPr>
+                                <m:t>10</m:t>
+                              </m:r>
+                            </m:e>
+                          </m:d>
+                        </m:e>
+                      </m:func>
+                      <m:r>
+                        <a:rPr lang="en-US" sz="1400" i="1">
+                          <a:latin typeface="Cambria Math" panose="02040503050406030204" pitchFamily="18" charset="0"/>
+                        </a:rPr>
+                        <m:t>=</m:t>
+                      </m:r>
+                      <m:r>
+                        <a:rPr lang="en-US" sz="1400" b="0" i="1" smtClean="0">
+                          <a:latin typeface="Cambria Math" panose="02040503050406030204" pitchFamily="18" charset="0"/>
+                        </a:rPr>
+                        <m:t>10</m:t>
+                      </m:r>
+                    </m:oMath>
+                  </m:oMathPara>
+                </a14:m>
+                <a:endParaRPr lang="en-US" sz="1400" dirty="0"/>
+              </a:p>
+              <a:p>
+                <a:endParaRPr lang="en-US" sz="1400" b="0" dirty="0" smtClean="0"/>
+              </a:p>
+              <a:p>
+                <a:endParaRPr lang="he-IL" sz="1400" dirty="0"/>
+              </a:p>
+            </p:txBody>
+          </p:sp>
+        </mc:Choice>
+        <mc:Fallback>
+          <p:sp>
+            <p:nvSpPr>
+              <p:cNvPr id="149" name="TextBox 148"/>
+              <p:cNvSpPr txBox="1">
+                <a:spLocks noRot="1" noChangeAspect="1" noMove="1" noResize="1" noEditPoints="1" noAdjustHandles="1" noChangeArrowheads="1" noChangeShapeType="1" noTextEdit="1"/>
+              </p:cNvSpPr>
+              <p:nvPr/>
+            </p:nvSpPr>
+            <p:spPr>
+              <a:xfrm>
+                <a:off x="8278122" y="255024"/>
+                <a:ext cx="2583180" cy="1170320"/>
+              </a:xfrm>
+              <a:prstGeom prst="rect">
+                <a:avLst/>
+              </a:prstGeom>
+              <a:blipFill>
+                <a:blip r:embed="rId5"/>
+                <a:stretch>
+                  <a:fillRect/>
+                </a:stretch>
+              </a:blipFill>
+            </p:spPr>
+            <p:txBody>
+              <a:bodyPr/>
+              <a:lstStyle/>
+              <a:p>
+                <a:r>
+                  <a:rPr lang="he-IL">
+                    <a:noFill/>
+                  </a:rPr>
+                  <a:t> </a:t>
+                </a:r>
+              </a:p>
+            </p:txBody>
+          </p:sp>
+        </mc:Fallback>
+      </mc:AlternateContent>
+      <p:sp>
+        <p:nvSpPr>
+          <p:cNvPr id="150" name="TextBox 149"/>
+          <p:cNvSpPr txBox="1"/>
+          <p:nvPr/>
+        </p:nvSpPr>
+        <p:spPr>
+          <a:xfrm>
+            <a:off x="8114122" y="2161709"/>
+            <a:ext cx="503826" cy="369332"/>
+          </a:xfrm>
+          <a:prstGeom prst="rect">
+            <a:avLst/>
+          </a:prstGeom>
+          <a:noFill/>
+        </p:spPr>
+        <p:txBody>
+          <a:bodyPr wrap="square" rtlCol="1">
+            <a:spAutoFit/>
+          </a:bodyPr>
+          <a:lstStyle/>
+          <a:p>
+            <a:r>
+              <a:rPr lang="en-US" dirty="0" smtClean="0"/>
+              <a:t>2</a:t>
+            </a:r>
+            <a:endParaRPr lang="he-IL" dirty="0"/>
+          </a:p>
+        </p:txBody>
+      </p:sp>
+      <p:sp>
+        <p:nvSpPr>
+          <p:cNvPr id="151" name="TextBox 150"/>
+          <p:cNvSpPr txBox="1"/>
+          <p:nvPr/>
+        </p:nvSpPr>
+        <p:spPr>
+          <a:xfrm>
+            <a:off x="7816290" y="1041402"/>
+            <a:ext cx="503826" cy="369332"/>
+          </a:xfrm>
+          <a:prstGeom prst="rect">
+            <a:avLst/>
+          </a:prstGeom>
+          <a:noFill/>
+        </p:spPr>
+        <p:txBody>
+          <a:bodyPr wrap="square" rtlCol="1">
+            <a:spAutoFit/>
+          </a:bodyPr>
+          <a:lstStyle/>
+          <a:p>
+            <a:r>
+              <a:rPr lang="en-US" dirty="0" smtClean="0"/>
+              <a:t>8</a:t>
+            </a:r>
+            <a:endParaRPr lang="he-IL" dirty="0"/>
+          </a:p>
+        </p:txBody>
+      </p:sp>
+      <p:cxnSp>
+        <p:nvCxnSpPr>
+          <p:cNvPr id="159" name="Straight Connector 158"/>
+          <p:cNvCxnSpPr>
+            <a:stCxn id="134" idx="2"/>
+            <a:endCxn id="137" idx="6"/>
+          </p:cNvCxnSpPr>
+          <p:nvPr/>
+        </p:nvCxnSpPr>
+        <p:spPr>
+          <a:xfrm flipH="1">
+            <a:off x="8880878" y="1821966"/>
+            <a:ext cx="2111654" cy="276746"/>
+          </a:xfrm>
+          <a:prstGeom prst="line">
+            <a:avLst/>
+          </a:prstGeom>
+        </p:spPr>
+        <p:style>
+          <a:lnRef idx="3">
+            <a:schemeClr val="dk1"/>
+          </a:lnRef>
+          <a:fillRef idx="0">
+            <a:schemeClr val="dk1"/>
+          </a:fillRef>
+          <a:effectRef idx="2">
+            <a:schemeClr val="dk1"/>
+          </a:effectRef>
+          <a:fontRef idx="minor">
+            <a:schemeClr val="tx1"/>
+          </a:fontRef>
+        </p:style>
+      </p:cxnSp>
+      <p:sp>
+        <p:nvSpPr>
+          <p:cNvPr id="162" name="TextBox 161"/>
+          <p:cNvSpPr txBox="1"/>
+          <p:nvPr/>
+        </p:nvSpPr>
+        <p:spPr>
+          <a:xfrm>
+            <a:off x="9625767" y="1640468"/>
+            <a:ext cx="503826" cy="369332"/>
+          </a:xfrm>
+          <a:prstGeom prst="rect">
+            <a:avLst/>
+          </a:prstGeom>
+          <a:noFill/>
+        </p:spPr>
+        <p:txBody>
+          <a:bodyPr wrap="square" rtlCol="1">
+            <a:spAutoFit/>
+          </a:bodyPr>
+          <a:lstStyle/>
+          <a:p>
+            <a:r>
+              <a:rPr lang="en-US" dirty="0" smtClean="0"/>
+              <a:t>4</a:t>
+            </a:r>
+            <a:endParaRPr lang="he-IL" dirty="0"/>
+          </a:p>
+        </p:txBody>
+      </p:sp>
+      <p:cxnSp>
+        <p:nvCxnSpPr>
+          <p:cNvPr id="164" name="Straight Connector 163"/>
+          <p:cNvCxnSpPr/>
+          <p:nvPr/>
+        </p:nvCxnSpPr>
+        <p:spPr>
+          <a:xfrm>
+            <a:off x="5633097" y="431647"/>
+            <a:ext cx="0" cy="3263405"/>
+          </a:xfrm>
+          <a:prstGeom prst="line">
+            <a:avLst/>
+          </a:prstGeom>
+        </p:spPr>
+        <p:style>
+          <a:lnRef idx="3">
+            <a:schemeClr val="accent1"/>
+          </a:lnRef>
+          <a:fillRef idx="0">
+            <a:schemeClr val="accent1"/>
+          </a:fillRef>
+          <a:effectRef idx="2">
+            <a:schemeClr val="accent1"/>
+          </a:effectRef>
+          <a:fontRef idx="minor">
+            <a:schemeClr val="tx1"/>
+          </a:fontRef>
+        </p:style>
+      </p:cxnSp>
+      <p:sp>
+        <p:nvSpPr>
+          <p:cNvPr id="165" name="TextBox 164"/>
+          <p:cNvSpPr txBox="1"/>
+          <p:nvPr/>
+        </p:nvSpPr>
+        <p:spPr>
+          <a:xfrm>
+            <a:off x="2030921" y="3806909"/>
+            <a:ext cx="436338" cy="369332"/>
+          </a:xfrm>
+          <a:prstGeom prst="rect">
+            <a:avLst/>
+          </a:prstGeom>
+          <a:noFill/>
+        </p:spPr>
+        <p:txBody>
+          <a:bodyPr wrap="none" rtlCol="1">
+            <a:spAutoFit/>
+          </a:bodyPr>
+          <a:lstStyle/>
+          <a:p>
+            <a:r>
+              <a:rPr lang="en-US" dirty="0" smtClean="0"/>
+              <a:t>(a)</a:t>
+            </a:r>
+            <a:endParaRPr lang="he-IL" dirty="0"/>
+          </a:p>
+        </p:txBody>
+      </p:sp>
+      <p:sp>
+        <p:nvSpPr>
+          <p:cNvPr id="166" name="TextBox 165"/>
+          <p:cNvSpPr txBox="1"/>
+          <p:nvPr/>
+        </p:nvSpPr>
+        <p:spPr>
+          <a:xfrm>
+            <a:off x="7956239" y="3806909"/>
+            <a:ext cx="447558" cy="369332"/>
+          </a:xfrm>
+          <a:prstGeom prst="rect">
+            <a:avLst/>
+          </a:prstGeom>
+          <a:noFill/>
+        </p:spPr>
+        <p:txBody>
+          <a:bodyPr wrap="none" rtlCol="1">
+            <a:spAutoFit/>
+          </a:bodyPr>
+          <a:lstStyle/>
+          <a:p>
+            <a:r>
+              <a:rPr lang="en-US" dirty="0" smtClean="0"/>
+              <a:t>(b)</a:t>
+            </a:r>
+            <a:endParaRPr lang="he-IL" dirty="0"/>
+          </a:p>
+        </p:txBody>
+      </p:sp>
+    </p:spTree>
+    <p:extLst>
+      <p:ext uri="{BB962C8B-B14F-4D97-AF65-F5344CB8AC3E}">
+        <p14:creationId xmlns:p14="http://schemas.microsoft.com/office/powerpoint/2010/main" val="684045778"/>
+      </p:ext>
+    </p:extLst>
+  </p:cSld>
+  <p:clrMapOvr>
+    <a:masterClrMapping/>
+  </p:clrMapOvr>
+</p:sld>
+</file>
+
 <file path=ppt/theme/theme1.xml><?xml version="1.0" encoding="utf-8"?>
 <a:theme xmlns:a="http://schemas.openxmlformats.org/drawingml/2006/main" name="Office Theme">
   <a:themeElements>

--- a/Figures.pptx
+++ b/Figures.pptx
@@ -10,6 +10,8 @@
     <p:sldId id="257" r:id="rId4"/>
     <p:sldId id="258" r:id="rId5"/>
     <p:sldId id="260" r:id="rId6"/>
+    <p:sldId id="261" r:id="rId7"/>
+    <p:sldId id="262" r:id="rId8"/>
   </p:sldIdLst>
   <p:sldSz cx="12192000" cy="6858000"/>
   <p:notesSz cx="6858000" cy="9144000"/>
@@ -11204,6 +11206,216 @@
 </p:sld>
 </file>
 
+<file path=ppt/slides/slide6.xml><?xml version="1.0" encoding="utf-8"?>
+<p:sld xmlns:a="http://schemas.openxmlformats.org/drawingml/2006/main" xmlns:r="http://schemas.openxmlformats.org/officeDocument/2006/relationships" xmlns:p="http://schemas.openxmlformats.org/presentationml/2006/main">
+  <p:cSld>
+    <p:spTree>
+      <p:nvGrpSpPr>
+        <p:cNvPr id="1" name=""/>
+        <p:cNvGrpSpPr/>
+        <p:nvPr/>
+      </p:nvGrpSpPr>
+      <p:grpSpPr>
+        <a:xfrm>
+          <a:off x="0" y="0"/>
+          <a:ext cx="0" cy="0"/>
+          <a:chOff x="0" y="0"/>
+          <a:chExt cx="0" cy="0"/>
+        </a:xfrm>
+      </p:grpSpPr>
+      <p:pic>
+        <p:nvPicPr>
+          <p:cNvPr id="4" name="Picture 3"/>
+          <p:cNvPicPr>
+            <a:picLocks noChangeAspect="1"/>
+          </p:cNvPicPr>
+          <p:nvPr/>
+        </p:nvPicPr>
+        <p:blipFill>
+          <a:blip r:embed="rId2">
+            <a:clrChange>
+              <a:clrFrom>
+                <a:srgbClr val="000000"/>
+              </a:clrFrom>
+              <a:clrTo>
+                <a:srgbClr val="000000">
+                  <a:alpha val="0"/>
+                </a:srgbClr>
+              </a:clrTo>
+            </a:clrChange>
+            <a:extLst>
+              <a:ext uri="{28A0092B-C50C-407E-A947-70E740481C1C}">
+                <a14:useLocalDpi xmlns:a14="http://schemas.microsoft.com/office/drawing/2010/main" val="0"/>
+              </a:ext>
+            </a:extLst>
+          </a:blip>
+          <a:stretch>
+            <a:fillRect/>
+          </a:stretch>
+        </p:blipFill>
+        <p:spPr>
+          <a:xfrm>
+            <a:off x="176712" y="1048205"/>
+            <a:ext cx="5733882" cy="5742062"/>
+          </a:xfrm>
+          <a:prstGeom prst="rect">
+            <a:avLst/>
+          </a:prstGeom>
+          <a:ln w="38100">
+            <a:solidFill>
+              <a:schemeClr val="tx1"/>
+            </a:solidFill>
+          </a:ln>
+        </p:spPr>
+      </p:pic>
+      <p:pic>
+        <p:nvPicPr>
+          <p:cNvPr id="5" name="Picture 4"/>
+          <p:cNvPicPr>
+            <a:picLocks noChangeAspect="1"/>
+          </p:cNvPicPr>
+          <p:nvPr/>
+        </p:nvPicPr>
+        <p:blipFill>
+          <a:blip r:embed="rId3">
+            <a:clrChange>
+              <a:clrFrom>
+                <a:srgbClr val="000000"/>
+              </a:clrFrom>
+              <a:clrTo>
+                <a:srgbClr val="000000">
+                  <a:alpha val="0"/>
+                </a:srgbClr>
+              </a:clrTo>
+            </a:clrChange>
+            <a:extLst>
+              <a:ext uri="{28A0092B-C50C-407E-A947-70E740481C1C}">
+                <a14:useLocalDpi xmlns:a14="http://schemas.microsoft.com/office/drawing/2010/main" val="0"/>
+              </a:ext>
+            </a:extLst>
+          </a:blip>
+          <a:stretch>
+            <a:fillRect/>
+          </a:stretch>
+        </p:blipFill>
+        <p:spPr>
+          <a:xfrm>
+            <a:off x="6258166" y="1071331"/>
+            <a:ext cx="5717524" cy="5717524"/>
+          </a:xfrm>
+          <a:prstGeom prst="rect">
+            <a:avLst/>
+          </a:prstGeom>
+          <a:ln w="38100">
+            <a:solidFill>
+              <a:schemeClr val="tx1"/>
+            </a:solidFill>
+          </a:ln>
+        </p:spPr>
+      </p:pic>
+      <p:sp>
+        <p:nvSpPr>
+          <p:cNvPr id="6" name="TextBox 5"/>
+          <p:cNvSpPr txBox="1"/>
+          <p:nvPr/>
+        </p:nvSpPr>
+        <p:spPr>
+          <a:xfrm>
+            <a:off x="1849357" y="124875"/>
+            <a:ext cx="1763624" cy="923330"/>
+          </a:xfrm>
+          <a:prstGeom prst="rect">
+            <a:avLst/>
+          </a:prstGeom>
+          <a:noFill/>
+        </p:spPr>
+        <p:txBody>
+          <a:bodyPr wrap="none" rtlCol="1">
+            <a:spAutoFit/>
+          </a:bodyPr>
+          <a:lstStyle/>
+          <a:p>
+            <a:r>
+              <a:rPr lang="en-US" sz="5400" b="1" dirty="0" smtClean="0"/>
+              <a:t>Min-f</a:t>
+            </a:r>
+            <a:endParaRPr lang="he-IL" sz="5400" b="1" dirty="0"/>
+          </a:p>
+        </p:txBody>
+      </p:sp>
+      <p:sp>
+        <p:nvSpPr>
+          <p:cNvPr id="7" name="TextBox 6"/>
+          <p:cNvSpPr txBox="1"/>
+          <p:nvPr/>
+        </p:nvSpPr>
+        <p:spPr>
+          <a:xfrm>
+            <a:off x="8336056" y="124875"/>
+            <a:ext cx="1874231" cy="923330"/>
+          </a:xfrm>
+          <a:prstGeom prst="rect">
+            <a:avLst/>
+          </a:prstGeom>
+          <a:noFill/>
+        </p:spPr>
+        <p:txBody>
+          <a:bodyPr wrap="none" rtlCol="1">
+            <a:spAutoFit/>
+          </a:bodyPr>
+          <a:lstStyle/>
+          <a:p>
+            <a:r>
+              <a:rPr lang="en-US" sz="5400" b="1" dirty="0" smtClean="0"/>
+              <a:t>Max-f</a:t>
+            </a:r>
+            <a:endParaRPr lang="he-IL" sz="5400" b="1" dirty="0"/>
+          </a:p>
+        </p:txBody>
+      </p:sp>
+    </p:spTree>
+    <p:extLst>
+      <p:ext uri="{BB962C8B-B14F-4D97-AF65-F5344CB8AC3E}">
+        <p14:creationId xmlns:p14="http://schemas.microsoft.com/office/powerpoint/2010/main" val="3962339656"/>
+      </p:ext>
+    </p:extLst>
+  </p:cSld>
+  <p:clrMapOvr>
+    <a:masterClrMapping/>
+  </p:clrMapOvr>
+</p:sld>
+</file>
+
+<file path=ppt/slides/slide7.xml><?xml version="1.0" encoding="utf-8"?>
+<p:sld xmlns:a="http://schemas.openxmlformats.org/drawingml/2006/main" xmlns:r="http://schemas.openxmlformats.org/officeDocument/2006/relationships" xmlns:p="http://schemas.openxmlformats.org/presentationml/2006/main">
+  <p:cSld>
+    <p:spTree>
+      <p:nvGrpSpPr>
+        <p:cNvPr id="1" name=""/>
+        <p:cNvGrpSpPr/>
+        <p:nvPr/>
+      </p:nvGrpSpPr>
+      <p:grpSpPr>
+        <a:xfrm>
+          <a:off x="0" y="0"/>
+          <a:ext cx="0" cy="0"/>
+          <a:chOff x="0" y="0"/>
+          <a:chExt cx="0" cy="0"/>
+        </a:xfrm>
+      </p:grpSpPr>
+    </p:spTree>
+    <p:extLst>
+      <p:ext uri="{BB962C8B-B14F-4D97-AF65-F5344CB8AC3E}">
+        <p14:creationId xmlns:p14="http://schemas.microsoft.com/office/powerpoint/2010/main" val="1743244397"/>
+      </p:ext>
+    </p:extLst>
+  </p:cSld>
+  <p:clrMapOvr>
+    <a:masterClrMapping/>
+  </p:clrMapOvr>
+</p:sld>
+</file>
+
 <file path=ppt/theme/theme1.xml><?xml version="1.0" encoding="utf-8"?>
 <a:theme xmlns:a="http://schemas.openxmlformats.org/drawingml/2006/main" name="Office Theme">
   <a:themeElements>

--- a/Figures.pptx
+++ b/Figures.pptx
@@ -127,6 +127,7159 @@
 </p:presentation>
 </file>
 
+<file path=ppt/charts/chart1.xml><?xml version="1.0" encoding="utf-8"?>
+<c:chartSpace xmlns:c="http://schemas.openxmlformats.org/drawingml/2006/chart" xmlns:a="http://schemas.openxmlformats.org/drawingml/2006/main" xmlns:r="http://schemas.openxmlformats.org/officeDocument/2006/relationships" xmlns:c16r2="http://schemas.microsoft.com/office/drawing/2015/06/chart">
+  <c:date1904 val="0"/>
+  <c:lang val="en-US"/>
+  <c:roundedCorners val="0"/>
+  <mc:AlternateContent xmlns:mc="http://schemas.openxmlformats.org/markup-compatibility/2006">
+    <mc:Choice xmlns:c14="http://schemas.microsoft.com/office/drawing/2007/8/2/chart" Requires="c14">
+      <c14:style val="102"/>
+    </mc:Choice>
+    <mc:Fallback>
+      <c:style val="2"/>
+    </mc:Fallback>
+  </mc:AlternateContent>
+  <c:chart>
+    <c:title>
+      <c:tx>
+        <c:rich>
+          <a:bodyPr rot="0" spcFirstLastPara="1" vertOverflow="ellipsis" vert="horz" wrap="square" anchor="ctr" anchorCtr="1"/>
+          <a:lstStyle/>
+          <a:p>
+            <a:pPr>
+              <a:defRPr sz="1400" b="0" i="0" u="none" strike="noStrike" kern="1200" spc="0" baseline="0">
+                <a:solidFill>
+                  <a:schemeClr val="tx1">
+                    <a:lumMod val="65000"/>
+                    <a:lumOff val="35000"/>
+                  </a:schemeClr>
+                </a:solidFill>
+                <a:latin typeface="+mn-lt"/>
+                <a:ea typeface="+mn-ea"/>
+                <a:cs typeface="+mn-cs"/>
+              </a:defRPr>
+            </a:pPr>
+            <a:r>
+              <a:rPr lang="en-US" dirty="0" err="1"/>
+              <a:t>nGoals</a:t>
+            </a:r>
+            <a:r>
+              <a:rPr lang="en-US" dirty="0"/>
+              <a:t> = 128</a:t>
+            </a:r>
+          </a:p>
+        </c:rich>
+      </c:tx>
+      <c:layout>
+        <c:manualLayout>
+          <c:xMode val="edge"/>
+          <c:yMode val="edge"/>
+          <c:x val="0.33764422282278544"/>
+          <c:y val="1.5037593984962405E-2"/>
+        </c:manualLayout>
+      </c:layout>
+      <c:overlay val="0"/>
+      <c:spPr>
+        <a:noFill/>
+        <a:ln>
+          <a:noFill/>
+        </a:ln>
+        <a:effectLst/>
+      </c:spPr>
+      <c:txPr>
+        <a:bodyPr rot="0" spcFirstLastPara="1" vertOverflow="ellipsis" vert="horz" wrap="square" anchor="ctr" anchorCtr="1"/>
+        <a:lstStyle/>
+        <a:p>
+          <a:pPr>
+            <a:defRPr sz="1400" b="0" i="0" u="none" strike="noStrike" kern="1200" spc="0" baseline="0">
+              <a:solidFill>
+                <a:schemeClr val="tx1">
+                  <a:lumMod val="65000"/>
+                  <a:lumOff val="35000"/>
+                </a:schemeClr>
+              </a:solidFill>
+              <a:latin typeface="+mn-lt"/>
+              <a:ea typeface="+mn-ea"/>
+              <a:cs typeface="+mn-cs"/>
+            </a:defRPr>
+          </a:pPr>
+          <a:endParaRPr lang="he-IL"/>
+        </a:p>
+      </c:txPr>
+    </c:title>
+    <c:autoTitleDeleted val="0"/>
+    <c:plotArea>
+      <c:layout/>
+      <c:lineChart>
+        <c:grouping val="standard"/>
+        <c:varyColors val="0"/>
+        <c:ser>
+          <c:idx val="2"/>
+          <c:order val="0"/>
+          <c:tx>
+            <c:v>Per Goal</c:v>
+          </c:tx>
+          <c:spPr>
+            <a:ln w="28575" cap="rnd">
+              <a:solidFill>
+                <a:schemeClr val="accent3"/>
+              </a:solidFill>
+              <a:round/>
+            </a:ln>
+            <a:effectLst/>
+          </c:spPr>
+          <c:marker>
+            <c:symbol val="diamond"/>
+            <c:size val="9"/>
+            <c:spPr>
+              <a:solidFill>
+                <a:schemeClr val="accent3"/>
+              </a:solidFill>
+              <a:ln w="9525">
+                <a:solidFill>
+                  <a:schemeClr val="tx1"/>
+                </a:solidFill>
+              </a:ln>
+              <a:effectLst/>
+            </c:spPr>
+          </c:marker>
+          <c:cat>
+            <c:numRef>
+              <c:f>DH!$D$3:$D$9</c:f>
+              <c:numCache>
+                <c:formatCode>General</c:formatCode>
+                <c:ptCount val="7"/>
+                <c:pt idx="0">
+                  <c:v>0</c:v>
+                </c:pt>
+                <c:pt idx="1">
+                  <c:v>1</c:v>
+                </c:pt>
+                <c:pt idx="2">
+                  <c:v>2</c:v>
+                </c:pt>
+                <c:pt idx="3">
+                  <c:v>4</c:v>
+                </c:pt>
+                <c:pt idx="4">
+                  <c:v>8</c:v>
+                </c:pt>
+                <c:pt idx="5">
+                  <c:v>16</c:v>
+                </c:pt>
+                <c:pt idx="6">
+                  <c:v>32</c:v>
+                </c:pt>
+              </c:numCache>
+            </c:numRef>
+          </c:cat>
+          <c:val>
+            <c:numRef>
+              <c:f>DH!$E$108:$E$114</c:f>
+              <c:numCache>
+                <c:formatCode>General</c:formatCode>
+                <c:ptCount val="7"/>
+                <c:pt idx="0">
+                  <c:v>212.93340000000001</c:v>
+                </c:pt>
+                <c:pt idx="1">
+                  <c:v>131.67463989999999</c:v>
+                </c:pt>
+                <c:pt idx="2">
+                  <c:v>79.492198999999999</c:v>
+                </c:pt>
+                <c:pt idx="3">
+                  <c:v>50.966909999999999</c:v>
+                </c:pt>
+                <c:pt idx="4">
+                  <c:v>35.792149999999999</c:v>
+                </c:pt>
+                <c:pt idx="5">
+                  <c:v>25.8185699</c:v>
+                </c:pt>
+                <c:pt idx="6">
+                  <c:v>22.1269499</c:v>
+                </c:pt>
+              </c:numCache>
+            </c:numRef>
+          </c:val>
+          <c:smooth val="0"/>
+          <c:extLst>
+            <c:ext xmlns:c16="http://schemas.microsoft.com/office/drawing/2014/chart" uri="{C3380CC4-5D6E-409C-BE32-E72D297353CC}">
+              <c16:uniqueId val="{00000000-06DE-430B-9A54-6BDBD6DB783E}"/>
+            </c:ext>
+          </c:extLst>
+        </c:ser>
+        <c:ser>
+          <c:idx val="3"/>
+          <c:order val="1"/>
+          <c:tx>
+            <c:v>Uniform</c:v>
+          </c:tx>
+          <c:spPr>
+            <a:ln w="28575" cap="rnd">
+              <a:solidFill>
+                <a:schemeClr val="accent4"/>
+              </a:solidFill>
+              <a:round/>
+            </a:ln>
+            <a:effectLst/>
+          </c:spPr>
+          <c:marker>
+            <c:symbol val="circle"/>
+            <c:size val="5"/>
+            <c:spPr>
+              <a:solidFill>
+                <a:schemeClr val="accent4"/>
+              </a:solidFill>
+              <a:ln w="9525">
+                <a:solidFill>
+                  <a:schemeClr val="accent4"/>
+                </a:solidFill>
+              </a:ln>
+              <a:effectLst/>
+            </c:spPr>
+          </c:marker>
+          <c:cat>
+            <c:numRef>
+              <c:f>DH!$D$3:$D$9</c:f>
+              <c:numCache>
+                <c:formatCode>General</c:formatCode>
+                <c:ptCount val="7"/>
+                <c:pt idx="0">
+                  <c:v>0</c:v>
+                </c:pt>
+                <c:pt idx="1">
+                  <c:v>1</c:v>
+                </c:pt>
+                <c:pt idx="2">
+                  <c:v>2</c:v>
+                </c:pt>
+                <c:pt idx="3">
+                  <c:v>4</c:v>
+                </c:pt>
+                <c:pt idx="4">
+                  <c:v>8</c:v>
+                </c:pt>
+                <c:pt idx="5">
+                  <c:v>16</c:v>
+                </c:pt>
+                <c:pt idx="6">
+                  <c:v>32</c:v>
+                </c:pt>
+              </c:numCache>
+            </c:numRef>
+          </c:cat>
+          <c:val>
+            <c:numRef>
+              <c:f>DH!$K$115:$Q$115</c:f>
+              <c:numCache>
+                <c:formatCode>General</c:formatCode>
+                <c:ptCount val="7"/>
+                <c:pt idx="0">
+                  <c:v>6.5601098999999996</c:v>
+                </c:pt>
+                <c:pt idx="1">
+                  <c:v>6.5601098999999996</c:v>
+                </c:pt>
+                <c:pt idx="2">
+                  <c:v>6.5601098999999996</c:v>
+                </c:pt>
+                <c:pt idx="3">
+                  <c:v>6.5601098999999996</c:v>
+                </c:pt>
+                <c:pt idx="4">
+                  <c:v>6.5601098999999996</c:v>
+                </c:pt>
+                <c:pt idx="5">
+                  <c:v>6.5601098999999996</c:v>
+                </c:pt>
+                <c:pt idx="6">
+                  <c:v>6.5601098999999996</c:v>
+                </c:pt>
+              </c:numCache>
+            </c:numRef>
+          </c:val>
+          <c:smooth val="0"/>
+          <c:extLst>
+            <c:ext xmlns:c16="http://schemas.microsoft.com/office/drawing/2014/chart" uri="{C3380CC4-5D6E-409C-BE32-E72D297353CC}">
+              <c16:uniqueId val="{00000001-06DE-430B-9A54-6BDBD6DB783E}"/>
+            </c:ext>
+          </c:extLst>
+        </c:ser>
+        <c:ser>
+          <c:idx val="0"/>
+          <c:order val="2"/>
+          <c:tx>
+            <c:v>Min (Lazy Update)</c:v>
+          </c:tx>
+          <c:spPr>
+            <a:ln w="28575" cap="rnd">
+              <a:solidFill>
+                <a:schemeClr val="accent1"/>
+              </a:solidFill>
+              <a:round/>
+            </a:ln>
+            <a:effectLst/>
+          </c:spPr>
+          <c:marker>
+            <c:symbol val="square"/>
+            <c:size val="9"/>
+            <c:spPr>
+              <a:solidFill>
+                <a:schemeClr val="accent1"/>
+              </a:solidFill>
+              <a:ln w="9525">
+                <a:solidFill>
+                  <a:schemeClr val="tx1"/>
+                </a:solidFill>
+              </a:ln>
+              <a:effectLst/>
+            </c:spPr>
+          </c:marker>
+          <c:cat>
+            <c:numRef>
+              <c:f>DH!$D$3:$D$9</c:f>
+              <c:numCache>
+                <c:formatCode>General</c:formatCode>
+                <c:ptCount val="7"/>
+                <c:pt idx="0">
+                  <c:v>0</c:v>
+                </c:pt>
+                <c:pt idx="1">
+                  <c:v>1</c:v>
+                </c:pt>
+                <c:pt idx="2">
+                  <c:v>2</c:v>
+                </c:pt>
+                <c:pt idx="3">
+                  <c:v>4</c:v>
+                </c:pt>
+                <c:pt idx="4">
+                  <c:v>8</c:v>
+                </c:pt>
+                <c:pt idx="5">
+                  <c:v>16</c:v>
+                </c:pt>
+                <c:pt idx="6">
+                  <c:v>32</c:v>
+                </c:pt>
+              </c:numCache>
+            </c:numRef>
+          </c:cat>
+          <c:val>
+            <c:numRef>
+              <c:f>DH!$E$116:$E$122</c:f>
+              <c:numCache>
+                <c:formatCode>General</c:formatCode>
+                <c:ptCount val="7"/>
+                <c:pt idx="0">
+                  <c:v>25.288879999999999</c:v>
+                </c:pt>
+                <c:pt idx="1">
+                  <c:v>32.535709900000001</c:v>
+                </c:pt>
+                <c:pt idx="2">
+                  <c:v>38.431809899999998</c:v>
+                </c:pt>
+                <c:pt idx="3">
+                  <c:v>42.501049899999998</c:v>
+                </c:pt>
+                <c:pt idx="4">
+                  <c:v>51.014360000000003</c:v>
+                </c:pt>
+                <c:pt idx="5">
+                  <c:v>65.242239999999995</c:v>
+                </c:pt>
+                <c:pt idx="6">
+                  <c:v>97.739269899999996</c:v>
+                </c:pt>
+              </c:numCache>
+            </c:numRef>
+          </c:val>
+          <c:smooth val="0"/>
+          <c:extLst>
+            <c:ext xmlns:c16="http://schemas.microsoft.com/office/drawing/2014/chart" uri="{C3380CC4-5D6E-409C-BE32-E72D297353CC}">
+              <c16:uniqueId val="{00000002-06DE-430B-9A54-6BDBD6DB783E}"/>
+            </c:ext>
+          </c:extLst>
+        </c:ser>
+        <c:dLbls>
+          <c:showLegendKey val="0"/>
+          <c:showVal val="0"/>
+          <c:showCatName val="0"/>
+          <c:showSerName val="0"/>
+          <c:showPercent val="0"/>
+          <c:showBubbleSize val="0"/>
+        </c:dLbls>
+        <c:marker val="1"/>
+        <c:smooth val="0"/>
+        <c:axId val="715546560"/>
+        <c:axId val="715546888"/>
+      </c:lineChart>
+      <c:catAx>
+        <c:axId val="715546560"/>
+        <c:scaling>
+          <c:orientation val="minMax"/>
+        </c:scaling>
+        <c:delete val="0"/>
+        <c:axPos val="b"/>
+        <c:title>
+          <c:tx>
+            <c:rich>
+              <a:bodyPr rot="0" spcFirstLastPara="1" vertOverflow="ellipsis" vert="horz" wrap="square" anchor="ctr" anchorCtr="1"/>
+              <a:lstStyle/>
+              <a:p>
+                <a:pPr>
+                  <a:defRPr sz="1000" b="0" i="0" u="none" strike="noStrike" kern="1200" baseline="0">
+                    <a:solidFill>
+                      <a:schemeClr val="tx1">
+                        <a:lumMod val="65000"/>
+                        <a:lumOff val="35000"/>
+                      </a:schemeClr>
+                    </a:solidFill>
+                    <a:latin typeface="+mn-lt"/>
+                    <a:ea typeface="+mn-ea"/>
+                    <a:cs typeface="+mn-cs"/>
+                  </a:defRPr>
+                </a:pPr>
+                <a:r>
+                  <a:rPr lang="en-US" baseline="0"/>
+                  <a:t>Number of pivots.</a:t>
+                </a:r>
+              </a:p>
+            </c:rich>
+          </c:tx>
+          <c:layout/>
+          <c:overlay val="0"/>
+          <c:spPr>
+            <a:noFill/>
+            <a:ln>
+              <a:noFill/>
+            </a:ln>
+            <a:effectLst/>
+          </c:spPr>
+          <c:txPr>
+            <a:bodyPr rot="0" spcFirstLastPara="1" vertOverflow="ellipsis" vert="horz" wrap="square" anchor="ctr" anchorCtr="1"/>
+            <a:lstStyle/>
+            <a:p>
+              <a:pPr>
+                <a:defRPr sz="1000" b="0" i="0" u="none" strike="noStrike" kern="1200" baseline="0">
+                  <a:solidFill>
+                    <a:schemeClr val="tx1">
+                      <a:lumMod val="65000"/>
+                      <a:lumOff val="35000"/>
+                    </a:schemeClr>
+                  </a:solidFill>
+                  <a:latin typeface="+mn-lt"/>
+                  <a:ea typeface="+mn-ea"/>
+                  <a:cs typeface="+mn-cs"/>
+                </a:defRPr>
+              </a:pPr>
+              <a:endParaRPr lang="he-IL"/>
+            </a:p>
+          </c:txPr>
+        </c:title>
+        <c:numFmt formatCode="General" sourceLinked="1"/>
+        <c:majorTickMark val="none"/>
+        <c:minorTickMark val="none"/>
+        <c:tickLblPos val="nextTo"/>
+        <c:spPr>
+          <a:noFill/>
+          <a:ln w="9525" cap="flat" cmpd="sng" algn="ctr">
+            <a:solidFill>
+              <a:schemeClr val="tx1">
+                <a:lumMod val="15000"/>
+                <a:lumOff val="85000"/>
+              </a:schemeClr>
+            </a:solidFill>
+            <a:round/>
+          </a:ln>
+          <a:effectLst/>
+        </c:spPr>
+        <c:txPr>
+          <a:bodyPr rot="-60000000" spcFirstLastPara="1" vertOverflow="ellipsis" vert="horz" wrap="square" anchor="ctr" anchorCtr="1"/>
+          <a:lstStyle/>
+          <a:p>
+            <a:pPr>
+              <a:defRPr sz="900" b="0" i="0" u="none" strike="noStrike" kern="1200" baseline="0">
+                <a:solidFill>
+                  <a:schemeClr val="tx1">
+                    <a:lumMod val="65000"/>
+                    <a:lumOff val="35000"/>
+                  </a:schemeClr>
+                </a:solidFill>
+                <a:latin typeface="+mn-lt"/>
+                <a:ea typeface="+mn-ea"/>
+                <a:cs typeface="+mn-cs"/>
+              </a:defRPr>
+            </a:pPr>
+            <a:endParaRPr lang="he-IL"/>
+          </a:p>
+        </c:txPr>
+        <c:crossAx val="715546888"/>
+        <c:crosses val="autoZero"/>
+        <c:auto val="1"/>
+        <c:lblAlgn val="ctr"/>
+        <c:lblOffset val="100"/>
+        <c:noMultiLvlLbl val="0"/>
+      </c:catAx>
+      <c:valAx>
+        <c:axId val="715546888"/>
+        <c:scaling>
+          <c:orientation val="minMax"/>
+          <c:max val="100"/>
+          <c:min val="0"/>
+        </c:scaling>
+        <c:delete val="0"/>
+        <c:axPos val="l"/>
+        <c:majorGridlines>
+          <c:spPr>
+            <a:ln w="9525" cap="flat" cmpd="sng" algn="ctr">
+              <a:solidFill>
+                <a:schemeClr val="tx1">
+                  <a:lumMod val="15000"/>
+                  <a:lumOff val="85000"/>
+                </a:schemeClr>
+              </a:solidFill>
+              <a:round/>
+            </a:ln>
+            <a:effectLst/>
+          </c:spPr>
+        </c:majorGridlines>
+        <c:title>
+          <c:tx>
+            <c:rich>
+              <a:bodyPr rot="-5400000" spcFirstLastPara="1" vertOverflow="ellipsis" vert="horz" wrap="square" anchor="ctr" anchorCtr="1"/>
+              <a:lstStyle/>
+              <a:p>
+                <a:pPr>
+                  <a:defRPr sz="1000" b="0" i="0" u="none" strike="noStrike" kern="1200" baseline="0">
+                    <a:solidFill>
+                      <a:schemeClr val="tx1">
+                        <a:lumMod val="65000"/>
+                        <a:lumOff val="35000"/>
+                      </a:schemeClr>
+                    </a:solidFill>
+                    <a:latin typeface="+mn-lt"/>
+                    <a:ea typeface="+mn-ea"/>
+                    <a:cs typeface="+mn-cs"/>
+                  </a:defRPr>
+                </a:pPr>
+                <a:r>
+                  <a:rPr lang="en-US"/>
+                  <a:t>Time (ms.)</a:t>
+                </a:r>
+              </a:p>
+            </c:rich>
+          </c:tx>
+          <c:layout/>
+          <c:overlay val="0"/>
+          <c:spPr>
+            <a:noFill/>
+            <a:ln>
+              <a:noFill/>
+            </a:ln>
+            <a:effectLst/>
+          </c:spPr>
+          <c:txPr>
+            <a:bodyPr rot="-5400000" spcFirstLastPara="1" vertOverflow="ellipsis" vert="horz" wrap="square" anchor="ctr" anchorCtr="1"/>
+            <a:lstStyle/>
+            <a:p>
+              <a:pPr>
+                <a:defRPr sz="1000" b="0" i="0" u="none" strike="noStrike" kern="1200" baseline="0">
+                  <a:solidFill>
+                    <a:schemeClr val="tx1">
+                      <a:lumMod val="65000"/>
+                      <a:lumOff val="35000"/>
+                    </a:schemeClr>
+                  </a:solidFill>
+                  <a:latin typeface="+mn-lt"/>
+                  <a:ea typeface="+mn-ea"/>
+                  <a:cs typeface="+mn-cs"/>
+                </a:defRPr>
+              </a:pPr>
+              <a:endParaRPr lang="he-IL"/>
+            </a:p>
+          </c:txPr>
+        </c:title>
+        <c:numFmt formatCode="General" sourceLinked="1"/>
+        <c:majorTickMark val="out"/>
+        <c:minorTickMark val="in"/>
+        <c:tickLblPos val="nextTo"/>
+        <c:spPr>
+          <a:noFill/>
+          <a:ln>
+            <a:solidFill>
+              <a:schemeClr val="accent1"/>
+            </a:solidFill>
+          </a:ln>
+          <a:effectLst/>
+        </c:spPr>
+        <c:txPr>
+          <a:bodyPr rot="-60000000" spcFirstLastPara="1" vertOverflow="ellipsis" vert="horz" wrap="square" anchor="ctr" anchorCtr="1"/>
+          <a:lstStyle/>
+          <a:p>
+            <a:pPr>
+              <a:defRPr sz="900" b="0" i="0" u="none" strike="noStrike" kern="1200" baseline="0">
+                <a:solidFill>
+                  <a:schemeClr val="tx1">
+                    <a:lumMod val="65000"/>
+                    <a:lumOff val="35000"/>
+                  </a:schemeClr>
+                </a:solidFill>
+                <a:latin typeface="+mn-lt"/>
+                <a:ea typeface="+mn-ea"/>
+                <a:cs typeface="+mn-cs"/>
+              </a:defRPr>
+            </a:pPr>
+            <a:endParaRPr lang="he-IL"/>
+          </a:p>
+        </c:txPr>
+        <c:crossAx val="715546560"/>
+        <c:crosses val="autoZero"/>
+        <c:crossBetween val="between"/>
+        <c:majorUnit val="10"/>
+        <c:minorUnit val="2"/>
+      </c:valAx>
+      <c:spPr>
+        <a:noFill/>
+        <a:ln>
+          <a:noFill/>
+        </a:ln>
+        <a:effectLst/>
+      </c:spPr>
+    </c:plotArea>
+    <c:plotVisOnly val="1"/>
+    <c:dispBlanksAs val="gap"/>
+    <c:showDLblsOverMax val="0"/>
+  </c:chart>
+  <c:spPr>
+    <a:noFill/>
+    <a:ln>
+      <a:noFill/>
+    </a:ln>
+    <a:effectLst/>
+  </c:spPr>
+  <c:txPr>
+    <a:bodyPr/>
+    <a:lstStyle/>
+    <a:p>
+      <a:pPr>
+        <a:defRPr/>
+      </a:pPr>
+      <a:endParaRPr lang="he-IL"/>
+    </a:p>
+  </c:txPr>
+  <c:externalData r:id="rId3">
+    <c:autoUpdate val="0"/>
+  </c:externalData>
+</c:chartSpace>
+</file>
+
+<file path=ppt/charts/chart2.xml><?xml version="1.0" encoding="utf-8"?>
+<c:chartSpace xmlns:c="http://schemas.openxmlformats.org/drawingml/2006/chart" xmlns:a="http://schemas.openxmlformats.org/drawingml/2006/main" xmlns:r="http://schemas.openxmlformats.org/officeDocument/2006/relationships" xmlns:c16r2="http://schemas.microsoft.com/office/drawing/2015/06/chart">
+  <c:date1904 val="0"/>
+  <c:lang val="en-US"/>
+  <c:roundedCorners val="0"/>
+  <mc:AlternateContent xmlns:mc="http://schemas.openxmlformats.org/markup-compatibility/2006">
+    <mc:Choice xmlns:c14="http://schemas.microsoft.com/office/drawing/2007/8/2/chart" Requires="c14">
+      <c14:style val="102"/>
+    </mc:Choice>
+    <mc:Fallback>
+      <c:style val="2"/>
+    </mc:Fallback>
+  </mc:AlternateContent>
+  <c:chart>
+    <c:title>
+      <c:tx>
+        <c:rich>
+          <a:bodyPr rot="0" spcFirstLastPara="1" vertOverflow="ellipsis" vert="horz" wrap="square" anchor="ctr" anchorCtr="1"/>
+          <a:lstStyle/>
+          <a:p>
+            <a:pPr>
+              <a:defRPr sz="1400" b="0" i="0" u="none" strike="noStrike" kern="1200" spc="0" baseline="0">
+                <a:solidFill>
+                  <a:schemeClr val="tx1">
+                    <a:lumMod val="65000"/>
+                    <a:lumOff val="35000"/>
+                  </a:schemeClr>
+                </a:solidFill>
+                <a:latin typeface="+mn-lt"/>
+                <a:ea typeface="+mn-ea"/>
+                <a:cs typeface="+mn-cs"/>
+              </a:defRPr>
+            </a:pPr>
+            <a:r>
+              <a:rPr lang="en-US"/>
+              <a:t>nGoals = 32</a:t>
+            </a:r>
+          </a:p>
+        </c:rich>
+      </c:tx>
+      <c:layout/>
+      <c:overlay val="0"/>
+      <c:spPr>
+        <a:noFill/>
+        <a:ln>
+          <a:noFill/>
+        </a:ln>
+        <a:effectLst/>
+      </c:spPr>
+      <c:txPr>
+        <a:bodyPr rot="0" spcFirstLastPara="1" vertOverflow="ellipsis" vert="horz" wrap="square" anchor="ctr" anchorCtr="1"/>
+        <a:lstStyle/>
+        <a:p>
+          <a:pPr>
+            <a:defRPr sz="1400" b="0" i="0" u="none" strike="noStrike" kern="1200" spc="0" baseline="0">
+              <a:solidFill>
+                <a:schemeClr val="tx1">
+                  <a:lumMod val="65000"/>
+                  <a:lumOff val="35000"/>
+                </a:schemeClr>
+              </a:solidFill>
+              <a:latin typeface="+mn-lt"/>
+              <a:ea typeface="+mn-ea"/>
+              <a:cs typeface="+mn-cs"/>
+            </a:defRPr>
+          </a:pPr>
+          <a:endParaRPr lang="he-IL"/>
+        </a:p>
+      </c:txPr>
+    </c:title>
+    <c:autoTitleDeleted val="0"/>
+    <c:plotArea>
+      <c:layout/>
+      <c:lineChart>
+        <c:grouping val="standard"/>
+        <c:varyColors val="0"/>
+        <c:ser>
+          <c:idx val="2"/>
+          <c:order val="0"/>
+          <c:tx>
+            <c:v>Per Goal</c:v>
+          </c:tx>
+          <c:spPr>
+            <a:ln w="28575" cap="rnd">
+              <a:solidFill>
+                <a:schemeClr val="accent3"/>
+              </a:solidFill>
+              <a:round/>
+            </a:ln>
+            <a:effectLst/>
+          </c:spPr>
+          <c:marker>
+            <c:symbol val="diamond"/>
+            <c:size val="9"/>
+            <c:spPr>
+              <a:solidFill>
+                <a:schemeClr val="accent3"/>
+              </a:solidFill>
+              <a:ln w="9525">
+                <a:solidFill>
+                  <a:schemeClr val="tx1"/>
+                </a:solidFill>
+              </a:ln>
+              <a:effectLst/>
+            </c:spPr>
+          </c:marker>
+          <c:cat>
+            <c:numRef>
+              <c:f>DH!$D$3:$D$9</c:f>
+              <c:numCache>
+                <c:formatCode>General</c:formatCode>
+                <c:ptCount val="7"/>
+                <c:pt idx="0">
+                  <c:v>0</c:v>
+                </c:pt>
+                <c:pt idx="1">
+                  <c:v>1</c:v>
+                </c:pt>
+                <c:pt idx="2">
+                  <c:v>2</c:v>
+                </c:pt>
+                <c:pt idx="3">
+                  <c:v>4</c:v>
+                </c:pt>
+                <c:pt idx="4">
+                  <c:v>8</c:v>
+                </c:pt>
+                <c:pt idx="5">
+                  <c:v>16</c:v>
+                </c:pt>
+                <c:pt idx="6">
+                  <c:v>32</c:v>
+                </c:pt>
+              </c:numCache>
+            </c:numRef>
+          </c:cat>
+          <c:val>
+            <c:numRef>
+              <c:f>DH!$E$78:$E$84</c:f>
+              <c:numCache>
+                <c:formatCode>General</c:formatCode>
+                <c:ptCount val="7"/>
+                <c:pt idx="0">
+                  <c:v>54.614400000000003</c:v>
+                </c:pt>
+                <c:pt idx="1">
+                  <c:v>32.884099999999997</c:v>
+                </c:pt>
+                <c:pt idx="2">
+                  <c:v>20.0567399</c:v>
+                </c:pt>
+                <c:pt idx="3">
+                  <c:v>12.898709999999999</c:v>
+                </c:pt>
+                <c:pt idx="4">
+                  <c:v>8.9842499</c:v>
+                </c:pt>
+                <c:pt idx="5">
+                  <c:v>6.4470299000000004</c:v>
+                </c:pt>
+                <c:pt idx="6">
+                  <c:v>5.5502599999999997</c:v>
+                </c:pt>
+              </c:numCache>
+            </c:numRef>
+          </c:val>
+          <c:smooth val="0"/>
+          <c:extLst>
+            <c:ext xmlns:c16="http://schemas.microsoft.com/office/drawing/2014/chart" uri="{C3380CC4-5D6E-409C-BE32-E72D297353CC}">
+              <c16:uniqueId val="{00000000-13A3-42B6-BAC3-0C5D3CE2136D}"/>
+            </c:ext>
+          </c:extLst>
+        </c:ser>
+        <c:ser>
+          <c:idx val="3"/>
+          <c:order val="1"/>
+          <c:tx>
+            <c:v>Uniform</c:v>
+          </c:tx>
+          <c:spPr>
+            <a:ln w="28575" cap="rnd">
+              <a:solidFill>
+                <a:schemeClr val="accent4"/>
+              </a:solidFill>
+              <a:round/>
+            </a:ln>
+            <a:effectLst/>
+          </c:spPr>
+          <c:marker>
+            <c:symbol val="circle"/>
+            <c:size val="5"/>
+            <c:spPr>
+              <a:solidFill>
+                <a:schemeClr val="accent4"/>
+              </a:solidFill>
+              <a:ln w="9525">
+                <a:solidFill>
+                  <a:schemeClr val="accent4"/>
+                </a:solidFill>
+              </a:ln>
+              <a:effectLst/>
+            </c:spPr>
+          </c:marker>
+          <c:cat>
+            <c:numRef>
+              <c:f>DH!$D$3:$D$9</c:f>
+              <c:numCache>
+                <c:formatCode>General</c:formatCode>
+                <c:ptCount val="7"/>
+                <c:pt idx="0">
+                  <c:v>0</c:v>
+                </c:pt>
+                <c:pt idx="1">
+                  <c:v>1</c:v>
+                </c:pt>
+                <c:pt idx="2">
+                  <c:v>2</c:v>
+                </c:pt>
+                <c:pt idx="3">
+                  <c:v>4</c:v>
+                </c:pt>
+                <c:pt idx="4">
+                  <c:v>8</c:v>
+                </c:pt>
+                <c:pt idx="5">
+                  <c:v>16</c:v>
+                </c:pt>
+                <c:pt idx="6">
+                  <c:v>32</c:v>
+                </c:pt>
+              </c:numCache>
+            </c:numRef>
+          </c:cat>
+          <c:val>
+            <c:numRef>
+              <c:f>DH!$K$85:$Q$85</c:f>
+              <c:numCache>
+                <c:formatCode>General</c:formatCode>
+                <c:ptCount val="7"/>
+                <c:pt idx="0">
+                  <c:v>6.1098600000000003</c:v>
+                </c:pt>
+                <c:pt idx="1">
+                  <c:v>6.1098600000000003</c:v>
+                </c:pt>
+                <c:pt idx="2">
+                  <c:v>6.1098600000000003</c:v>
+                </c:pt>
+                <c:pt idx="3">
+                  <c:v>6.1098600000000003</c:v>
+                </c:pt>
+                <c:pt idx="4">
+                  <c:v>6.1098600000000003</c:v>
+                </c:pt>
+                <c:pt idx="5">
+                  <c:v>6.1098600000000003</c:v>
+                </c:pt>
+                <c:pt idx="6">
+                  <c:v>6.1098600000000003</c:v>
+                </c:pt>
+              </c:numCache>
+            </c:numRef>
+          </c:val>
+          <c:smooth val="0"/>
+          <c:extLst>
+            <c:ext xmlns:c16="http://schemas.microsoft.com/office/drawing/2014/chart" uri="{C3380CC4-5D6E-409C-BE32-E72D297353CC}">
+              <c16:uniqueId val="{00000001-13A3-42B6-BAC3-0C5D3CE2136D}"/>
+            </c:ext>
+          </c:extLst>
+        </c:ser>
+        <c:ser>
+          <c:idx val="0"/>
+          <c:order val="2"/>
+          <c:tx>
+            <c:v>Min (Lazy Update)</c:v>
+          </c:tx>
+          <c:spPr>
+            <a:ln w="28575" cap="rnd">
+              <a:solidFill>
+                <a:schemeClr val="accent1"/>
+              </a:solidFill>
+              <a:round/>
+            </a:ln>
+            <a:effectLst/>
+          </c:spPr>
+          <c:marker>
+            <c:symbol val="square"/>
+            <c:size val="9"/>
+            <c:spPr>
+              <a:solidFill>
+                <a:schemeClr val="accent1"/>
+              </a:solidFill>
+              <a:ln w="9525">
+                <a:solidFill>
+                  <a:schemeClr val="tx1"/>
+                </a:solidFill>
+              </a:ln>
+              <a:effectLst/>
+            </c:spPr>
+          </c:marker>
+          <c:cat>
+            <c:numRef>
+              <c:f>DH!$D$3:$D$9</c:f>
+              <c:numCache>
+                <c:formatCode>General</c:formatCode>
+                <c:ptCount val="7"/>
+                <c:pt idx="0">
+                  <c:v>0</c:v>
+                </c:pt>
+                <c:pt idx="1">
+                  <c:v>1</c:v>
+                </c:pt>
+                <c:pt idx="2">
+                  <c:v>2</c:v>
+                </c:pt>
+                <c:pt idx="3">
+                  <c:v>4</c:v>
+                </c:pt>
+                <c:pt idx="4">
+                  <c:v>8</c:v>
+                </c:pt>
+                <c:pt idx="5">
+                  <c:v>16</c:v>
+                </c:pt>
+                <c:pt idx="6">
+                  <c:v>32</c:v>
+                </c:pt>
+              </c:numCache>
+            </c:numRef>
+          </c:cat>
+          <c:val>
+            <c:numRef>
+              <c:f>DH!$E$86:$E$92</c:f>
+              <c:numCache>
+                <c:formatCode>General</c:formatCode>
+                <c:ptCount val="7"/>
+                <c:pt idx="0">
+                  <c:v>9.5602499000000005</c:v>
+                </c:pt>
+                <c:pt idx="1">
+                  <c:v>8.1032198999999991</c:v>
+                </c:pt>
+                <c:pt idx="2">
+                  <c:v>7.0292098999999997</c:v>
+                </c:pt>
+                <c:pt idx="3">
+                  <c:v>6.3964990000000004</c:v>
+                </c:pt>
+                <c:pt idx="4">
+                  <c:v>6.7746499</c:v>
+                </c:pt>
+                <c:pt idx="5">
+                  <c:v>7.7064298999999998</c:v>
+                </c:pt>
+                <c:pt idx="6">
+                  <c:v>9.8323300000000007</c:v>
+                </c:pt>
+              </c:numCache>
+            </c:numRef>
+          </c:val>
+          <c:smooth val="0"/>
+          <c:extLst>
+            <c:ext xmlns:c16="http://schemas.microsoft.com/office/drawing/2014/chart" uri="{C3380CC4-5D6E-409C-BE32-E72D297353CC}">
+              <c16:uniqueId val="{00000002-13A3-42B6-BAC3-0C5D3CE2136D}"/>
+            </c:ext>
+          </c:extLst>
+        </c:ser>
+        <c:dLbls>
+          <c:showLegendKey val="0"/>
+          <c:showVal val="0"/>
+          <c:showCatName val="0"/>
+          <c:showSerName val="0"/>
+          <c:showPercent val="0"/>
+          <c:showBubbleSize val="0"/>
+        </c:dLbls>
+        <c:marker val="1"/>
+        <c:smooth val="0"/>
+        <c:axId val="715546560"/>
+        <c:axId val="715546888"/>
+      </c:lineChart>
+      <c:catAx>
+        <c:axId val="715546560"/>
+        <c:scaling>
+          <c:orientation val="minMax"/>
+        </c:scaling>
+        <c:delete val="0"/>
+        <c:axPos val="b"/>
+        <c:title>
+          <c:tx>
+            <c:rich>
+              <a:bodyPr rot="0" spcFirstLastPara="1" vertOverflow="ellipsis" vert="horz" wrap="square" anchor="ctr" anchorCtr="1"/>
+              <a:lstStyle/>
+              <a:p>
+                <a:pPr>
+                  <a:defRPr sz="1000" b="0" i="0" u="none" strike="noStrike" kern="1200" baseline="0">
+                    <a:solidFill>
+                      <a:schemeClr val="tx1">
+                        <a:lumMod val="65000"/>
+                        <a:lumOff val="35000"/>
+                      </a:schemeClr>
+                    </a:solidFill>
+                    <a:latin typeface="+mn-lt"/>
+                    <a:ea typeface="+mn-ea"/>
+                    <a:cs typeface="+mn-cs"/>
+                  </a:defRPr>
+                </a:pPr>
+                <a:r>
+                  <a:rPr lang="en-US" baseline="0"/>
+                  <a:t>Number of pivots.</a:t>
+                </a:r>
+              </a:p>
+            </c:rich>
+          </c:tx>
+          <c:layout/>
+          <c:overlay val="0"/>
+          <c:spPr>
+            <a:noFill/>
+            <a:ln>
+              <a:noFill/>
+            </a:ln>
+            <a:effectLst/>
+          </c:spPr>
+          <c:txPr>
+            <a:bodyPr rot="0" spcFirstLastPara="1" vertOverflow="ellipsis" vert="horz" wrap="square" anchor="ctr" anchorCtr="1"/>
+            <a:lstStyle/>
+            <a:p>
+              <a:pPr>
+                <a:defRPr sz="1000" b="0" i="0" u="none" strike="noStrike" kern="1200" baseline="0">
+                  <a:solidFill>
+                    <a:schemeClr val="tx1">
+                      <a:lumMod val="65000"/>
+                      <a:lumOff val="35000"/>
+                    </a:schemeClr>
+                  </a:solidFill>
+                  <a:latin typeface="+mn-lt"/>
+                  <a:ea typeface="+mn-ea"/>
+                  <a:cs typeface="+mn-cs"/>
+                </a:defRPr>
+              </a:pPr>
+              <a:endParaRPr lang="he-IL"/>
+            </a:p>
+          </c:txPr>
+        </c:title>
+        <c:numFmt formatCode="General" sourceLinked="1"/>
+        <c:majorTickMark val="none"/>
+        <c:minorTickMark val="none"/>
+        <c:tickLblPos val="nextTo"/>
+        <c:spPr>
+          <a:noFill/>
+          <a:ln w="9525" cap="flat" cmpd="sng" algn="ctr">
+            <a:solidFill>
+              <a:schemeClr val="tx1">
+                <a:lumMod val="15000"/>
+                <a:lumOff val="85000"/>
+              </a:schemeClr>
+            </a:solidFill>
+            <a:round/>
+          </a:ln>
+          <a:effectLst/>
+        </c:spPr>
+        <c:txPr>
+          <a:bodyPr rot="-60000000" spcFirstLastPara="1" vertOverflow="ellipsis" vert="horz" wrap="square" anchor="ctr" anchorCtr="1"/>
+          <a:lstStyle/>
+          <a:p>
+            <a:pPr>
+              <a:defRPr sz="900" b="0" i="0" u="none" strike="noStrike" kern="1200" baseline="0">
+                <a:solidFill>
+                  <a:schemeClr val="tx1">
+                    <a:lumMod val="65000"/>
+                    <a:lumOff val="35000"/>
+                  </a:schemeClr>
+                </a:solidFill>
+                <a:latin typeface="+mn-lt"/>
+                <a:ea typeface="+mn-ea"/>
+                <a:cs typeface="+mn-cs"/>
+              </a:defRPr>
+            </a:pPr>
+            <a:endParaRPr lang="he-IL"/>
+          </a:p>
+        </c:txPr>
+        <c:crossAx val="715546888"/>
+        <c:crosses val="autoZero"/>
+        <c:auto val="1"/>
+        <c:lblAlgn val="ctr"/>
+        <c:lblOffset val="100"/>
+        <c:noMultiLvlLbl val="0"/>
+      </c:catAx>
+      <c:valAx>
+        <c:axId val="715546888"/>
+        <c:scaling>
+          <c:orientation val="minMax"/>
+          <c:max val="10"/>
+          <c:min val="0"/>
+        </c:scaling>
+        <c:delete val="0"/>
+        <c:axPos val="l"/>
+        <c:majorGridlines>
+          <c:spPr>
+            <a:ln w="9525" cap="flat" cmpd="sng" algn="ctr">
+              <a:solidFill>
+                <a:schemeClr val="tx1">
+                  <a:lumMod val="15000"/>
+                  <a:lumOff val="85000"/>
+                </a:schemeClr>
+              </a:solidFill>
+              <a:round/>
+            </a:ln>
+            <a:effectLst/>
+          </c:spPr>
+        </c:majorGridlines>
+        <c:title>
+          <c:tx>
+            <c:rich>
+              <a:bodyPr rot="-5400000" spcFirstLastPara="1" vertOverflow="ellipsis" vert="horz" wrap="square" anchor="ctr" anchorCtr="1"/>
+              <a:lstStyle/>
+              <a:p>
+                <a:pPr>
+                  <a:defRPr sz="1000" b="0" i="0" u="none" strike="noStrike" kern="1200" baseline="0">
+                    <a:solidFill>
+                      <a:schemeClr val="tx1">
+                        <a:lumMod val="65000"/>
+                        <a:lumOff val="35000"/>
+                      </a:schemeClr>
+                    </a:solidFill>
+                    <a:latin typeface="+mn-lt"/>
+                    <a:ea typeface="+mn-ea"/>
+                    <a:cs typeface="+mn-cs"/>
+                  </a:defRPr>
+                </a:pPr>
+                <a:r>
+                  <a:rPr lang="en-US"/>
+                  <a:t>Time (ms.)</a:t>
+                </a:r>
+              </a:p>
+            </c:rich>
+          </c:tx>
+          <c:layout/>
+          <c:overlay val="0"/>
+          <c:spPr>
+            <a:noFill/>
+            <a:ln>
+              <a:noFill/>
+            </a:ln>
+            <a:effectLst/>
+          </c:spPr>
+          <c:txPr>
+            <a:bodyPr rot="-5400000" spcFirstLastPara="1" vertOverflow="ellipsis" vert="horz" wrap="square" anchor="ctr" anchorCtr="1"/>
+            <a:lstStyle/>
+            <a:p>
+              <a:pPr>
+                <a:defRPr sz="1000" b="0" i="0" u="none" strike="noStrike" kern="1200" baseline="0">
+                  <a:solidFill>
+                    <a:schemeClr val="tx1">
+                      <a:lumMod val="65000"/>
+                      <a:lumOff val="35000"/>
+                    </a:schemeClr>
+                  </a:solidFill>
+                  <a:latin typeface="+mn-lt"/>
+                  <a:ea typeface="+mn-ea"/>
+                  <a:cs typeface="+mn-cs"/>
+                </a:defRPr>
+              </a:pPr>
+              <a:endParaRPr lang="he-IL"/>
+            </a:p>
+          </c:txPr>
+        </c:title>
+        <c:numFmt formatCode="General" sourceLinked="1"/>
+        <c:majorTickMark val="out"/>
+        <c:minorTickMark val="in"/>
+        <c:tickLblPos val="nextTo"/>
+        <c:spPr>
+          <a:noFill/>
+          <a:ln>
+            <a:solidFill>
+              <a:schemeClr val="accent1"/>
+            </a:solidFill>
+          </a:ln>
+          <a:effectLst/>
+        </c:spPr>
+        <c:txPr>
+          <a:bodyPr rot="-60000000" spcFirstLastPara="1" vertOverflow="ellipsis" vert="horz" wrap="square" anchor="ctr" anchorCtr="1"/>
+          <a:lstStyle/>
+          <a:p>
+            <a:pPr>
+              <a:defRPr sz="900" b="0" i="0" u="none" strike="noStrike" kern="1200" baseline="0">
+                <a:solidFill>
+                  <a:schemeClr val="tx1">
+                    <a:lumMod val="65000"/>
+                    <a:lumOff val="35000"/>
+                  </a:schemeClr>
+                </a:solidFill>
+                <a:latin typeface="+mn-lt"/>
+                <a:ea typeface="+mn-ea"/>
+                <a:cs typeface="+mn-cs"/>
+              </a:defRPr>
+            </a:pPr>
+            <a:endParaRPr lang="he-IL"/>
+          </a:p>
+        </c:txPr>
+        <c:crossAx val="715546560"/>
+        <c:crosses val="autoZero"/>
+        <c:crossBetween val="between"/>
+        <c:majorUnit val="1"/>
+        <c:minorUnit val="0.2"/>
+      </c:valAx>
+      <c:spPr>
+        <a:noFill/>
+        <a:ln>
+          <a:noFill/>
+        </a:ln>
+        <a:effectLst/>
+      </c:spPr>
+    </c:plotArea>
+    <c:plotVisOnly val="1"/>
+    <c:dispBlanksAs val="gap"/>
+    <c:showDLblsOverMax val="0"/>
+  </c:chart>
+  <c:spPr>
+    <a:noFill/>
+    <a:ln>
+      <a:noFill/>
+    </a:ln>
+    <a:effectLst/>
+  </c:spPr>
+  <c:txPr>
+    <a:bodyPr/>
+    <a:lstStyle/>
+    <a:p>
+      <a:pPr>
+        <a:defRPr/>
+      </a:pPr>
+      <a:endParaRPr lang="he-IL"/>
+    </a:p>
+  </c:txPr>
+  <c:externalData r:id="rId3">
+    <c:autoUpdate val="0"/>
+  </c:externalData>
+</c:chartSpace>
+</file>
+
+<file path=ppt/charts/chart3.xml><?xml version="1.0" encoding="utf-8"?>
+<c:chartSpace xmlns:c="http://schemas.openxmlformats.org/drawingml/2006/chart" xmlns:a="http://schemas.openxmlformats.org/drawingml/2006/main" xmlns:r="http://schemas.openxmlformats.org/officeDocument/2006/relationships" xmlns:c16r2="http://schemas.microsoft.com/office/drawing/2015/06/chart">
+  <c:date1904 val="0"/>
+  <c:lang val="en-US"/>
+  <c:roundedCorners val="0"/>
+  <mc:AlternateContent xmlns:mc="http://schemas.openxmlformats.org/markup-compatibility/2006">
+    <mc:Choice xmlns:c14="http://schemas.microsoft.com/office/drawing/2007/8/2/chart" Requires="c14">
+      <c14:style val="102"/>
+    </mc:Choice>
+    <mc:Fallback>
+      <c:style val="2"/>
+    </mc:Fallback>
+  </mc:AlternateContent>
+  <c:chart>
+    <c:title>
+      <c:tx>
+        <c:rich>
+          <a:bodyPr rot="0" spcFirstLastPara="1" vertOverflow="ellipsis" vert="horz" wrap="square" anchor="ctr" anchorCtr="1"/>
+          <a:lstStyle/>
+          <a:p>
+            <a:pPr>
+              <a:defRPr sz="1400" b="0" i="0" u="none" strike="noStrike" kern="1200" spc="0" baseline="0">
+                <a:solidFill>
+                  <a:schemeClr val="tx1">
+                    <a:lumMod val="65000"/>
+                    <a:lumOff val="35000"/>
+                  </a:schemeClr>
+                </a:solidFill>
+                <a:latin typeface="+mn-lt"/>
+                <a:ea typeface="+mn-ea"/>
+                <a:cs typeface="+mn-cs"/>
+              </a:defRPr>
+            </a:pPr>
+            <a:r>
+              <a:rPr lang="en-US"/>
+              <a:t>nGoals = 4</a:t>
+            </a:r>
+          </a:p>
+        </c:rich>
+      </c:tx>
+      <c:layout/>
+      <c:overlay val="0"/>
+      <c:spPr>
+        <a:noFill/>
+        <a:ln>
+          <a:noFill/>
+        </a:ln>
+        <a:effectLst/>
+      </c:spPr>
+      <c:txPr>
+        <a:bodyPr rot="0" spcFirstLastPara="1" vertOverflow="ellipsis" vert="horz" wrap="square" anchor="ctr" anchorCtr="1"/>
+        <a:lstStyle/>
+        <a:p>
+          <a:pPr>
+            <a:defRPr sz="1400" b="0" i="0" u="none" strike="noStrike" kern="1200" spc="0" baseline="0">
+              <a:solidFill>
+                <a:schemeClr val="tx1">
+                  <a:lumMod val="65000"/>
+                  <a:lumOff val="35000"/>
+                </a:schemeClr>
+              </a:solidFill>
+              <a:latin typeface="+mn-lt"/>
+              <a:ea typeface="+mn-ea"/>
+              <a:cs typeface="+mn-cs"/>
+            </a:defRPr>
+          </a:pPr>
+          <a:endParaRPr lang="he-IL"/>
+        </a:p>
+      </c:txPr>
+    </c:title>
+    <c:autoTitleDeleted val="0"/>
+    <c:plotArea>
+      <c:layout/>
+      <c:lineChart>
+        <c:grouping val="standard"/>
+        <c:varyColors val="0"/>
+        <c:ser>
+          <c:idx val="2"/>
+          <c:order val="0"/>
+          <c:tx>
+            <c:v>Per Goal</c:v>
+          </c:tx>
+          <c:spPr>
+            <a:ln w="28575" cap="rnd">
+              <a:solidFill>
+                <a:schemeClr val="accent3"/>
+              </a:solidFill>
+              <a:round/>
+            </a:ln>
+            <a:effectLst/>
+          </c:spPr>
+          <c:marker>
+            <c:symbol val="diamond"/>
+            <c:size val="9"/>
+            <c:spPr>
+              <a:solidFill>
+                <a:schemeClr val="accent3"/>
+              </a:solidFill>
+              <a:ln w="9525">
+                <a:solidFill>
+                  <a:schemeClr val="tx1"/>
+                </a:solidFill>
+              </a:ln>
+              <a:effectLst/>
+            </c:spPr>
+          </c:marker>
+          <c:cat>
+            <c:numRef>
+              <c:f>DH!$D$3:$D$9</c:f>
+              <c:numCache>
+                <c:formatCode>General</c:formatCode>
+                <c:ptCount val="7"/>
+                <c:pt idx="0">
+                  <c:v>0</c:v>
+                </c:pt>
+                <c:pt idx="1">
+                  <c:v>1</c:v>
+                </c:pt>
+                <c:pt idx="2">
+                  <c:v>2</c:v>
+                </c:pt>
+                <c:pt idx="3">
+                  <c:v>4</c:v>
+                </c:pt>
+                <c:pt idx="4">
+                  <c:v>8</c:v>
+                </c:pt>
+                <c:pt idx="5">
+                  <c:v>16</c:v>
+                </c:pt>
+                <c:pt idx="6">
+                  <c:v>32</c:v>
+                </c:pt>
+              </c:numCache>
+            </c:numRef>
+          </c:cat>
+          <c:val>
+            <c:numRef>
+              <c:f>DH!$E$33:$E$39</c:f>
+              <c:numCache>
+                <c:formatCode>General</c:formatCode>
+                <c:ptCount val="7"/>
+                <c:pt idx="0">
+                  <c:v>6.8931899000000003</c:v>
+                </c:pt>
+                <c:pt idx="1">
+                  <c:v>4.0824299999999996</c:v>
+                </c:pt>
+                <c:pt idx="2">
+                  <c:v>2.7252700000000001</c:v>
+                </c:pt>
+                <c:pt idx="3">
+                  <c:v>1.6722699999999999</c:v>
+                </c:pt>
+                <c:pt idx="4">
+                  <c:v>1.1552800000000001</c:v>
+                </c:pt>
+                <c:pt idx="5">
+                  <c:v>0.85159899999999999</c:v>
+                </c:pt>
+                <c:pt idx="6">
+                  <c:v>0.71989999999999998</c:v>
+                </c:pt>
+              </c:numCache>
+            </c:numRef>
+          </c:val>
+          <c:smooth val="0"/>
+          <c:extLst>
+            <c:ext xmlns:c16="http://schemas.microsoft.com/office/drawing/2014/chart" uri="{C3380CC4-5D6E-409C-BE32-E72D297353CC}">
+              <c16:uniqueId val="{00000000-CA7F-4175-B1DC-C34292850808}"/>
+            </c:ext>
+          </c:extLst>
+        </c:ser>
+        <c:ser>
+          <c:idx val="3"/>
+          <c:order val="1"/>
+          <c:tx>
+            <c:v>Uniform</c:v>
+          </c:tx>
+          <c:spPr>
+            <a:ln w="28575" cap="rnd">
+              <a:solidFill>
+                <a:schemeClr val="accent4"/>
+              </a:solidFill>
+              <a:round/>
+            </a:ln>
+            <a:effectLst/>
+          </c:spPr>
+          <c:marker>
+            <c:symbol val="circle"/>
+            <c:size val="5"/>
+            <c:spPr>
+              <a:solidFill>
+                <a:schemeClr val="accent4"/>
+              </a:solidFill>
+              <a:ln w="9525">
+                <a:solidFill>
+                  <a:schemeClr val="accent4"/>
+                </a:solidFill>
+              </a:ln>
+              <a:effectLst/>
+            </c:spPr>
+          </c:marker>
+          <c:cat>
+            <c:numRef>
+              <c:f>DH!$D$3:$D$9</c:f>
+              <c:numCache>
+                <c:formatCode>General</c:formatCode>
+                <c:ptCount val="7"/>
+                <c:pt idx="0">
+                  <c:v>0</c:v>
+                </c:pt>
+                <c:pt idx="1">
+                  <c:v>1</c:v>
+                </c:pt>
+                <c:pt idx="2">
+                  <c:v>2</c:v>
+                </c:pt>
+                <c:pt idx="3">
+                  <c:v>4</c:v>
+                </c:pt>
+                <c:pt idx="4">
+                  <c:v>8</c:v>
+                </c:pt>
+                <c:pt idx="5">
+                  <c:v>16</c:v>
+                </c:pt>
+                <c:pt idx="6">
+                  <c:v>32</c:v>
+                </c:pt>
+              </c:numCache>
+            </c:numRef>
+          </c:cat>
+          <c:val>
+            <c:numRef>
+              <c:f>DH!$K$40:$Q$40</c:f>
+              <c:numCache>
+                <c:formatCode>General</c:formatCode>
+                <c:ptCount val="7"/>
+                <c:pt idx="0">
+                  <c:v>5.12155</c:v>
+                </c:pt>
+                <c:pt idx="1">
+                  <c:v>5.12155</c:v>
+                </c:pt>
+                <c:pt idx="2">
+                  <c:v>5.12155</c:v>
+                </c:pt>
+                <c:pt idx="3">
+                  <c:v>5.12155</c:v>
+                </c:pt>
+                <c:pt idx="4">
+                  <c:v>5.12155</c:v>
+                </c:pt>
+                <c:pt idx="5">
+                  <c:v>5.12155</c:v>
+                </c:pt>
+                <c:pt idx="6">
+                  <c:v>5.12155</c:v>
+                </c:pt>
+              </c:numCache>
+            </c:numRef>
+          </c:val>
+          <c:smooth val="0"/>
+          <c:extLst>
+            <c:ext xmlns:c16="http://schemas.microsoft.com/office/drawing/2014/chart" uri="{C3380CC4-5D6E-409C-BE32-E72D297353CC}">
+              <c16:uniqueId val="{00000001-CA7F-4175-B1DC-C34292850808}"/>
+            </c:ext>
+          </c:extLst>
+        </c:ser>
+        <c:ser>
+          <c:idx val="0"/>
+          <c:order val="2"/>
+          <c:tx>
+            <c:v>Min (Lazy Update)</c:v>
+          </c:tx>
+          <c:spPr>
+            <a:ln w="28575" cap="rnd">
+              <a:solidFill>
+                <a:schemeClr val="accent1"/>
+              </a:solidFill>
+              <a:round/>
+            </a:ln>
+            <a:effectLst/>
+          </c:spPr>
+          <c:marker>
+            <c:symbol val="square"/>
+            <c:size val="9"/>
+            <c:spPr>
+              <a:solidFill>
+                <a:schemeClr val="accent1"/>
+              </a:solidFill>
+              <a:ln w="9525">
+                <a:solidFill>
+                  <a:schemeClr val="tx1"/>
+                </a:solidFill>
+              </a:ln>
+              <a:effectLst/>
+            </c:spPr>
+          </c:marker>
+          <c:cat>
+            <c:numRef>
+              <c:f>DH!$D$3:$D$9</c:f>
+              <c:numCache>
+                <c:formatCode>General</c:formatCode>
+                <c:ptCount val="7"/>
+                <c:pt idx="0">
+                  <c:v>0</c:v>
+                </c:pt>
+                <c:pt idx="1">
+                  <c:v>1</c:v>
+                </c:pt>
+                <c:pt idx="2">
+                  <c:v>2</c:v>
+                </c:pt>
+                <c:pt idx="3">
+                  <c:v>4</c:v>
+                </c:pt>
+                <c:pt idx="4">
+                  <c:v>8</c:v>
+                </c:pt>
+                <c:pt idx="5">
+                  <c:v>16</c:v>
+                </c:pt>
+                <c:pt idx="6">
+                  <c:v>32</c:v>
+                </c:pt>
+              </c:numCache>
+            </c:numRef>
+          </c:cat>
+          <c:val>
+            <c:numRef>
+              <c:f>DH!$E$41:$E$47</c:f>
+              <c:numCache>
+                <c:formatCode>General</c:formatCode>
+                <c:ptCount val="7"/>
+                <c:pt idx="0">
+                  <c:v>4.0449298999999996</c:v>
+                </c:pt>
+                <c:pt idx="1">
+                  <c:v>2.50265</c:v>
+                </c:pt>
+                <c:pt idx="2">
+                  <c:v>1.7122200000000001</c:v>
+                </c:pt>
+                <c:pt idx="3">
+                  <c:v>1.1795599999999999</c:v>
+                </c:pt>
+                <c:pt idx="4">
+                  <c:v>0.91041000000000005</c:v>
+                </c:pt>
+                <c:pt idx="5">
+                  <c:v>0.78242990000000001</c:v>
+                </c:pt>
+                <c:pt idx="6">
+                  <c:v>0.73977990000000005</c:v>
+                </c:pt>
+              </c:numCache>
+            </c:numRef>
+          </c:val>
+          <c:smooth val="0"/>
+          <c:extLst>
+            <c:ext xmlns:c16="http://schemas.microsoft.com/office/drawing/2014/chart" uri="{C3380CC4-5D6E-409C-BE32-E72D297353CC}">
+              <c16:uniqueId val="{00000002-CA7F-4175-B1DC-C34292850808}"/>
+            </c:ext>
+          </c:extLst>
+        </c:ser>
+        <c:dLbls>
+          <c:showLegendKey val="0"/>
+          <c:showVal val="0"/>
+          <c:showCatName val="0"/>
+          <c:showSerName val="0"/>
+          <c:showPercent val="0"/>
+          <c:showBubbleSize val="0"/>
+        </c:dLbls>
+        <c:marker val="1"/>
+        <c:smooth val="0"/>
+        <c:axId val="715546560"/>
+        <c:axId val="715546888"/>
+      </c:lineChart>
+      <c:catAx>
+        <c:axId val="715546560"/>
+        <c:scaling>
+          <c:orientation val="minMax"/>
+        </c:scaling>
+        <c:delete val="0"/>
+        <c:axPos val="b"/>
+        <c:title>
+          <c:tx>
+            <c:rich>
+              <a:bodyPr rot="0" spcFirstLastPara="1" vertOverflow="ellipsis" vert="horz" wrap="square" anchor="ctr" anchorCtr="1"/>
+              <a:lstStyle/>
+              <a:p>
+                <a:pPr>
+                  <a:defRPr sz="1000" b="0" i="0" u="none" strike="noStrike" kern="1200" baseline="0">
+                    <a:solidFill>
+                      <a:schemeClr val="tx1">
+                        <a:lumMod val="65000"/>
+                        <a:lumOff val="35000"/>
+                      </a:schemeClr>
+                    </a:solidFill>
+                    <a:latin typeface="+mn-lt"/>
+                    <a:ea typeface="+mn-ea"/>
+                    <a:cs typeface="+mn-cs"/>
+                  </a:defRPr>
+                </a:pPr>
+                <a:r>
+                  <a:rPr lang="en-US" baseline="0"/>
+                  <a:t>Number of pivots.</a:t>
+                </a:r>
+              </a:p>
+            </c:rich>
+          </c:tx>
+          <c:layout/>
+          <c:overlay val="0"/>
+          <c:spPr>
+            <a:noFill/>
+            <a:ln>
+              <a:noFill/>
+            </a:ln>
+            <a:effectLst/>
+          </c:spPr>
+          <c:txPr>
+            <a:bodyPr rot="0" spcFirstLastPara="1" vertOverflow="ellipsis" vert="horz" wrap="square" anchor="ctr" anchorCtr="1"/>
+            <a:lstStyle/>
+            <a:p>
+              <a:pPr>
+                <a:defRPr sz="1000" b="0" i="0" u="none" strike="noStrike" kern="1200" baseline="0">
+                  <a:solidFill>
+                    <a:schemeClr val="tx1">
+                      <a:lumMod val="65000"/>
+                      <a:lumOff val="35000"/>
+                    </a:schemeClr>
+                  </a:solidFill>
+                  <a:latin typeface="+mn-lt"/>
+                  <a:ea typeface="+mn-ea"/>
+                  <a:cs typeface="+mn-cs"/>
+                </a:defRPr>
+              </a:pPr>
+              <a:endParaRPr lang="he-IL"/>
+            </a:p>
+          </c:txPr>
+        </c:title>
+        <c:numFmt formatCode="General" sourceLinked="1"/>
+        <c:majorTickMark val="none"/>
+        <c:minorTickMark val="none"/>
+        <c:tickLblPos val="nextTo"/>
+        <c:spPr>
+          <a:noFill/>
+          <a:ln w="9525" cap="flat" cmpd="sng" algn="ctr">
+            <a:solidFill>
+              <a:schemeClr val="tx1">
+                <a:lumMod val="15000"/>
+                <a:lumOff val="85000"/>
+              </a:schemeClr>
+            </a:solidFill>
+            <a:round/>
+          </a:ln>
+          <a:effectLst/>
+        </c:spPr>
+        <c:txPr>
+          <a:bodyPr rot="-60000000" spcFirstLastPara="1" vertOverflow="ellipsis" vert="horz" wrap="square" anchor="ctr" anchorCtr="1"/>
+          <a:lstStyle/>
+          <a:p>
+            <a:pPr>
+              <a:defRPr sz="900" b="0" i="0" u="none" strike="noStrike" kern="1200" baseline="0">
+                <a:solidFill>
+                  <a:schemeClr val="tx1">
+                    <a:lumMod val="65000"/>
+                    <a:lumOff val="35000"/>
+                  </a:schemeClr>
+                </a:solidFill>
+                <a:latin typeface="+mn-lt"/>
+                <a:ea typeface="+mn-ea"/>
+                <a:cs typeface="+mn-cs"/>
+              </a:defRPr>
+            </a:pPr>
+            <a:endParaRPr lang="he-IL"/>
+          </a:p>
+        </c:txPr>
+        <c:crossAx val="715546888"/>
+        <c:crosses val="autoZero"/>
+        <c:auto val="1"/>
+        <c:lblAlgn val="ctr"/>
+        <c:lblOffset val="100"/>
+        <c:noMultiLvlLbl val="0"/>
+      </c:catAx>
+      <c:valAx>
+        <c:axId val="715546888"/>
+        <c:scaling>
+          <c:orientation val="minMax"/>
+          <c:max val="10"/>
+          <c:min val="0"/>
+        </c:scaling>
+        <c:delete val="0"/>
+        <c:axPos val="l"/>
+        <c:majorGridlines>
+          <c:spPr>
+            <a:ln w="9525" cap="flat" cmpd="sng" algn="ctr">
+              <a:solidFill>
+                <a:schemeClr val="tx1">
+                  <a:lumMod val="15000"/>
+                  <a:lumOff val="85000"/>
+                </a:schemeClr>
+              </a:solidFill>
+              <a:round/>
+            </a:ln>
+            <a:effectLst/>
+          </c:spPr>
+        </c:majorGridlines>
+        <c:title>
+          <c:tx>
+            <c:rich>
+              <a:bodyPr rot="-5400000" spcFirstLastPara="1" vertOverflow="ellipsis" vert="horz" wrap="square" anchor="ctr" anchorCtr="1"/>
+              <a:lstStyle/>
+              <a:p>
+                <a:pPr>
+                  <a:defRPr sz="1000" b="0" i="0" u="none" strike="noStrike" kern="1200" baseline="0">
+                    <a:solidFill>
+                      <a:schemeClr val="tx1">
+                        <a:lumMod val="65000"/>
+                        <a:lumOff val="35000"/>
+                      </a:schemeClr>
+                    </a:solidFill>
+                    <a:latin typeface="+mn-lt"/>
+                    <a:ea typeface="+mn-ea"/>
+                    <a:cs typeface="+mn-cs"/>
+                  </a:defRPr>
+                </a:pPr>
+                <a:r>
+                  <a:rPr lang="en-US"/>
+                  <a:t>Time (ms.)</a:t>
+                </a:r>
+              </a:p>
+            </c:rich>
+          </c:tx>
+          <c:layout/>
+          <c:overlay val="0"/>
+          <c:spPr>
+            <a:noFill/>
+            <a:ln>
+              <a:noFill/>
+            </a:ln>
+            <a:effectLst/>
+          </c:spPr>
+          <c:txPr>
+            <a:bodyPr rot="-5400000" spcFirstLastPara="1" vertOverflow="ellipsis" vert="horz" wrap="square" anchor="ctr" anchorCtr="1"/>
+            <a:lstStyle/>
+            <a:p>
+              <a:pPr>
+                <a:defRPr sz="1000" b="0" i="0" u="none" strike="noStrike" kern="1200" baseline="0">
+                  <a:solidFill>
+                    <a:schemeClr val="tx1">
+                      <a:lumMod val="65000"/>
+                      <a:lumOff val="35000"/>
+                    </a:schemeClr>
+                  </a:solidFill>
+                  <a:latin typeface="+mn-lt"/>
+                  <a:ea typeface="+mn-ea"/>
+                  <a:cs typeface="+mn-cs"/>
+                </a:defRPr>
+              </a:pPr>
+              <a:endParaRPr lang="he-IL"/>
+            </a:p>
+          </c:txPr>
+        </c:title>
+        <c:numFmt formatCode="General" sourceLinked="1"/>
+        <c:majorTickMark val="out"/>
+        <c:minorTickMark val="in"/>
+        <c:tickLblPos val="nextTo"/>
+        <c:spPr>
+          <a:noFill/>
+          <a:ln>
+            <a:solidFill>
+              <a:schemeClr val="accent1"/>
+            </a:solidFill>
+          </a:ln>
+          <a:effectLst/>
+        </c:spPr>
+        <c:txPr>
+          <a:bodyPr rot="-60000000" spcFirstLastPara="1" vertOverflow="ellipsis" vert="horz" wrap="square" anchor="ctr" anchorCtr="1"/>
+          <a:lstStyle/>
+          <a:p>
+            <a:pPr>
+              <a:defRPr sz="900" b="0" i="0" u="none" strike="noStrike" kern="1200" baseline="0">
+                <a:solidFill>
+                  <a:schemeClr val="tx1">
+                    <a:lumMod val="65000"/>
+                    <a:lumOff val="35000"/>
+                  </a:schemeClr>
+                </a:solidFill>
+                <a:latin typeface="+mn-lt"/>
+                <a:ea typeface="+mn-ea"/>
+                <a:cs typeface="+mn-cs"/>
+              </a:defRPr>
+            </a:pPr>
+            <a:endParaRPr lang="he-IL"/>
+          </a:p>
+        </c:txPr>
+        <c:crossAx val="715546560"/>
+        <c:crosses val="autoZero"/>
+        <c:crossBetween val="between"/>
+        <c:majorUnit val="1"/>
+      </c:valAx>
+      <c:spPr>
+        <a:noFill/>
+        <a:ln>
+          <a:noFill/>
+        </a:ln>
+        <a:effectLst/>
+      </c:spPr>
+    </c:plotArea>
+    <c:plotVisOnly val="1"/>
+    <c:dispBlanksAs val="gap"/>
+    <c:showDLblsOverMax val="0"/>
+  </c:chart>
+  <c:spPr>
+    <a:noFill/>
+    <a:ln>
+      <a:noFill/>
+    </a:ln>
+    <a:effectLst/>
+  </c:spPr>
+  <c:txPr>
+    <a:bodyPr/>
+    <a:lstStyle/>
+    <a:p>
+      <a:pPr>
+        <a:defRPr/>
+      </a:pPr>
+      <a:endParaRPr lang="he-IL"/>
+    </a:p>
+  </c:txPr>
+  <c:externalData r:id="rId3">
+    <c:autoUpdate val="0"/>
+  </c:externalData>
+</c:chartSpace>
+</file>
+
+<file path=ppt/charts/chart4.xml><?xml version="1.0" encoding="utf-8"?>
+<c:chartSpace xmlns:c="http://schemas.openxmlformats.org/drawingml/2006/chart" xmlns:a="http://schemas.openxmlformats.org/drawingml/2006/main" xmlns:r="http://schemas.openxmlformats.org/officeDocument/2006/relationships" xmlns:c16r2="http://schemas.microsoft.com/office/drawing/2015/06/chart">
+  <c:date1904 val="0"/>
+  <c:lang val="en-US"/>
+  <c:roundedCorners val="0"/>
+  <mc:AlternateContent xmlns:mc="http://schemas.openxmlformats.org/markup-compatibility/2006">
+    <mc:Choice xmlns:c14="http://schemas.microsoft.com/office/drawing/2007/8/2/chart" Requires="c14">
+      <c14:style val="102"/>
+    </mc:Choice>
+    <mc:Fallback>
+      <c:style val="2"/>
+    </mc:Fallback>
+  </mc:AlternateContent>
+  <c:chart>
+    <c:title>
+      <c:tx>
+        <c:rich>
+          <a:bodyPr rot="0" spcFirstLastPara="1" vertOverflow="ellipsis" vert="horz" wrap="square" anchor="ctr" anchorCtr="1"/>
+          <a:lstStyle/>
+          <a:p>
+            <a:pPr>
+              <a:defRPr sz="1400" b="0" i="0" u="none" strike="noStrike" kern="1200" spc="0" baseline="0">
+                <a:solidFill>
+                  <a:schemeClr val="tx1">
+                    <a:lumMod val="65000"/>
+                    <a:lumOff val="35000"/>
+                  </a:schemeClr>
+                </a:solidFill>
+                <a:latin typeface="+mn-lt"/>
+                <a:ea typeface="+mn-ea"/>
+                <a:cs typeface="+mn-cs"/>
+              </a:defRPr>
+            </a:pPr>
+            <a:r>
+              <a:rPr lang="en-US"/>
+              <a:t>nGoals = 8</a:t>
+            </a:r>
+          </a:p>
+        </c:rich>
+      </c:tx>
+      <c:layout>
+        <c:manualLayout>
+          <c:xMode val="edge"/>
+          <c:yMode val="edge"/>
+          <c:x val="0.40358975415747939"/>
+          <c:y val="3.5087705449566652E-2"/>
+        </c:manualLayout>
+      </c:layout>
+      <c:overlay val="0"/>
+      <c:spPr>
+        <a:noFill/>
+        <a:ln>
+          <a:noFill/>
+        </a:ln>
+        <a:effectLst/>
+      </c:spPr>
+      <c:txPr>
+        <a:bodyPr rot="0" spcFirstLastPara="1" vertOverflow="ellipsis" vert="horz" wrap="square" anchor="ctr" anchorCtr="1"/>
+        <a:lstStyle/>
+        <a:p>
+          <a:pPr>
+            <a:defRPr sz="1400" b="0" i="0" u="none" strike="noStrike" kern="1200" spc="0" baseline="0">
+              <a:solidFill>
+                <a:schemeClr val="tx1">
+                  <a:lumMod val="65000"/>
+                  <a:lumOff val="35000"/>
+                </a:schemeClr>
+              </a:solidFill>
+              <a:latin typeface="+mn-lt"/>
+              <a:ea typeface="+mn-ea"/>
+              <a:cs typeface="+mn-cs"/>
+            </a:defRPr>
+          </a:pPr>
+          <a:endParaRPr lang="he-IL"/>
+        </a:p>
+      </c:txPr>
+    </c:title>
+    <c:autoTitleDeleted val="0"/>
+    <c:plotArea>
+      <c:layout/>
+      <c:lineChart>
+        <c:grouping val="standard"/>
+        <c:varyColors val="0"/>
+        <c:ser>
+          <c:idx val="2"/>
+          <c:order val="0"/>
+          <c:tx>
+            <c:v>Per Goal</c:v>
+          </c:tx>
+          <c:spPr>
+            <a:ln w="28575" cap="rnd">
+              <a:solidFill>
+                <a:schemeClr val="accent3"/>
+              </a:solidFill>
+              <a:round/>
+            </a:ln>
+            <a:effectLst/>
+          </c:spPr>
+          <c:marker>
+            <c:symbol val="diamond"/>
+            <c:size val="9"/>
+            <c:spPr>
+              <a:solidFill>
+                <a:schemeClr val="accent3"/>
+              </a:solidFill>
+              <a:ln w="9525">
+                <a:solidFill>
+                  <a:schemeClr val="tx1"/>
+                </a:solidFill>
+              </a:ln>
+              <a:effectLst/>
+            </c:spPr>
+          </c:marker>
+          <c:cat>
+            <c:numRef>
+              <c:f>DH!$D$3:$D$9</c:f>
+              <c:numCache>
+                <c:formatCode>General</c:formatCode>
+                <c:ptCount val="7"/>
+                <c:pt idx="0">
+                  <c:v>0</c:v>
+                </c:pt>
+                <c:pt idx="1">
+                  <c:v>1</c:v>
+                </c:pt>
+                <c:pt idx="2">
+                  <c:v>2</c:v>
+                </c:pt>
+                <c:pt idx="3">
+                  <c:v>4</c:v>
+                </c:pt>
+                <c:pt idx="4">
+                  <c:v>8</c:v>
+                </c:pt>
+                <c:pt idx="5">
+                  <c:v>16</c:v>
+                </c:pt>
+                <c:pt idx="6">
+                  <c:v>32</c:v>
+                </c:pt>
+              </c:numCache>
+            </c:numRef>
+          </c:cat>
+          <c:val>
+            <c:numRef>
+              <c:f>DH!$E$48:$E$54</c:f>
+              <c:numCache>
+                <c:formatCode>General</c:formatCode>
+                <c:ptCount val="7"/>
+                <c:pt idx="0">
+                  <c:v>13.352080000000001</c:v>
+                </c:pt>
+                <c:pt idx="1">
+                  <c:v>8.0247098999999995</c:v>
+                </c:pt>
+                <c:pt idx="2">
+                  <c:v>5.0854299000000003</c:v>
+                </c:pt>
+                <c:pt idx="3">
+                  <c:v>3.2546599000000001</c:v>
+                </c:pt>
+                <c:pt idx="4">
+                  <c:v>2.2361099000000002</c:v>
+                </c:pt>
+                <c:pt idx="5">
+                  <c:v>1.6377299999999999</c:v>
+                </c:pt>
+                <c:pt idx="6">
+                  <c:v>1.40201</c:v>
+                </c:pt>
+              </c:numCache>
+            </c:numRef>
+          </c:val>
+          <c:smooth val="0"/>
+          <c:extLst>
+            <c:ext xmlns:c16="http://schemas.microsoft.com/office/drawing/2014/chart" uri="{C3380CC4-5D6E-409C-BE32-E72D297353CC}">
+              <c16:uniqueId val="{00000000-9C40-45A2-B93D-7D62BEC063B3}"/>
+            </c:ext>
+          </c:extLst>
+        </c:ser>
+        <c:ser>
+          <c:idx val="3"/>
+          <c:order val="1"/>
+          <c:tx>
+            <c:v>Uniform</c:v>
+          </c:tx>
+          <c:spPr>
+            <a:ln w="28575" cap="rnd">
+              <a:solidFill>
+                <a:schemeClr val="accent4"/>
+              </a:solidFill>
+              <a:round/>
+            </a:ln>
+            <a:effectLst/>
+          </c:spPr>
+          <c:marker>
+            <c:symbol val="circle"/>
+            <c:size val="5"/>
+            <c:spPr>
+              <a:solidFill>
+                <a:schemeClr val="accent4"/>
+              </a:solidFill>
+              <a:ln w="9525">
+                <a:solidFill>
+                  <a:schemeClr val="accent4"/>
+                </a:solidFill>
+              </a:ln>
+              <a:effectLst/>
+            </c:spPr>
+          </c:marker>
+          <c:cat>
+            <c:numRef>
+              <c:f>DH!$D$3:$D$9</c:f>
+              <c:numCache>
+                <c:formatCode>General</c:formatCode>
+                <c:ptCount val="7"/>
+                <c:pt idx="0">
+                  <c:v>0</c:v>
+                </c:pt>
+                <c:pt idx="1">
+                  <c:v>1</c:v>
+                </c:pt>
+                <c:pt idx="2">
+                  <c:v>2</c:v>
+                </c:pt>
+                <c:pt idx="3">
+                  <c:v>4</c:v>
+                </c:pt>
+                <c:pt idx="4">
+                  <c:v>8</c:v>
+                </c:pt>
+                <c:pt idx="5">
+                  <c:v>16</c:v>
+                </c:pt>
+                <c:pt idx="6">
+                  <c:v>32</c:v>
+                </c:pt>
+              </c:numCache>
+            </c:numRef>
+          </c:cat>
+          <c:val>
+            <c:numRef>
+              <c:f>DH!$K$55:$Q$55</c:f>
+              <c:numCache>
+                <c:formatCode>General</c:formatCode>
+                <c:ptCount val="7"/>
+                <c:pt idx="0">
+                  <c:v>5.5664299000000002</c:v>
+                </c:pt>
+                <c:pt idx="1">
+                  <c:v>5.5664299000000002</c:v>
+                </c:pt>
+                <c:pt idx="2">
+                  <c:v>5.5664299000000002</c:v>
+                </c:pt>
+                <c:pt idx="3">
+                  <c:v>5.5664299000000002</c:v>
+                </c:pt>
+                <c:pt idx="4">
+                  <c:v>5.5664299000000002</c:v>
+                </c:pt>
+                <c:pt idx="5">
+                  <c:v>5.5664299000000002</c:v>
+                </c:pt>
+                <c:pt idx="6">
+                  <c:v>5.5664299000000002</c:v>
+                </c:pt>
+              </c:numCache>
+            </c:numRef>
+          </c:val>
+          <c:smooth val="0"/>
+          <c:extLst>
+            <c:ext xmlns:c16="http://schemas.microsoft.com/office/drawing/2014/chart" uri="{C3380CC4-5D6E-409C-BE32-E72D297353CC}">
+              <c16:uniqueId val="{00000001-9C40-45A2-B93D-7D62BEC063B3}"/>
+            </c:ext>
+          </c:extLst>
+        </c:ser>
+        <c:ser>
+          <c:idx val="0"/>
+          <c:order val="2"/>
+          <c:tx>
+            <c:v>Min (Lazy Update)</c:v>
+          </c:tx>
+          <c:spPr>
+            <a:ln w="28575" cap="rnd">
+              <a:solidFill>
+                <a:schemeClr val="accent1"/>
+              </a:solidFill>
+              <a:round/>
+            </a:ln>
+            <a:effectLst/>
+          </c:spPr>
+          <c:marker>
+            <c:symbol val="square"/>
+            <c:size val="9"/>
+            <c:spPr>
+              <a:solidFill>
+                <a:schemeClr val="accent1"/>
+              </a:solidFill>
+              <a:ln w="9525">
+                <a:solidFill>
+                  <a:schemeClr val="tx1"/>
+                </a:solidFill>
+              </a:ln>
+              <a:effectLst/>
+            </c:spPr>
+          </c:marker>
+          <c:cat>
+            <c:numRef>
+              <c:f>DH!$D$3:$D$9</c:f>
+              <c:numCache>
+                <c:formatCode>General</c:formatCode>
+                <c:ptCount val="7"/>
+                <c:pt idx="0">
+                  <c:v>0</c:v>
+                </c:pt>
+                <c:pt idx="1">
+                  <c:v>1</c:v>
+                </c:pt>
+                <c:pt idx="2">
+                  <c:v>2</c:v>
+                </c:pt>
+                <c:pt idx="3">
+                  <c:v>4</c:v>
+                </c:pt>
+                <c:pt idx="4">
+                  <c:v>8</c:v>
+                </c:pt>
+                <c:pt idx="5">
+                  <c:v>16</c:v>
+                </c:pt>
+                <c:pt idx="6">
+                  <c:v>32</c:v>
+                </c:pt>
+              </c:numCache>
+            </c:numRef>
+          </c:cat>
+          <c:val>
+            <c:numRef>
+              <c:f>DH!$E$56:$E$62</c:f>
+              <c:numCache>
+                <c:formatCode>General</c:formatCode>
+                <c:ptCount val="7"/>
+                <c:pt idx="0">
+                  <c:v>5.4789798999999997</c:v>
+                </c:pt>
+                <c:pt idx="1">
+                  <c:v>3.6171600000000002</c:v>
+                </c:pt>
+                <c:pt idx="2">
+                  <c:v>2.6305499999999999</c:v>
+                </c:pt>
+                <c:pt idx="3">
+                  <c:v>1.9241699999999999</c:v>
+                </c:pt>
+                <c:pt idx="4">
+                  <c:v>1.6248598999999999</c:v>
+                </c:pt>
+                <c:pt idx="5">
+                  <c:v>1.5324899000000001</c:v>
+                </c:pt>
+                <c:pt idx="6">
+                  <c:v>1.5948199000000001</c:v>
+                </c:pt>
+              </c:numCache>
+            </c:numRef>
+          </c:val>
+          <c:smooth val="0"/>
+          <c:extLst>
+            <c:ext xmlns:c16="http://schemas.microsoft.com/office/drawing/2014/chart" uri="{C3380CC4-5D6E-409C-BE32-E72D297353CC}">
+              <c16:uniqueId val="{00000002-9C40-45A2-B93D-7D62BEC063B3}"/>
+            </c:ext>
+          </c:extLst>
+        </c:ser>
+        <c:dLbls>
+          <c:showLegendKey val="0"/>
+          <c:showVal val="0"/>
+          <c:showCatName val="0"/>
+          <c:showSerName val="0"/>
+          <c:showPercent val="0"/>
+          <c:showBubbleSize val="0"/>
+        </c:dLbls>
+        <c:marker val="1"/>
+        <c:smooth val="0"/>
+        <c:axId val="715546560"/>
+        <c:axId val="715546888"/>
+      </c:lineChart>
+      <c:catAx>
+        <c:axId val="715546560"/>
+        <c:scaling>
+          <c:orientation val="minMax"/>
+        </c:scaling>
+        <c:delete val="0"/>
+        <c:axPos val="b"/>
+        <c:title>
+          <c:tx>
+            <c:rich>
+              <a:bodyPr rot="0" spcFirstLastPara="1" vertOverflow="ellipsis" vert="horz" wrap="square" anchor="ctr" anchorCtr="1"/>
+              <a:lstStyle/>
+              <a:p>
+                <a:pPr>
+                  <a:defRPr sz="1000" b="0" i="0" u="none" strike="noStrike" kern="1200" baseline="0">
+                    <a:solidFill>
+                      <a:schemeClr val="tx1">
+                        <a:lumMod val="65000"/>
+                        <a:lumOff val="35000"/>
+                      </a:schemeClr>
+                    </a:solidFill>
+                    <a:latin typeface="+mn-lt"/>
+                    <a:ea typeface="+mn-ea"/>
+                    <a:cs typeface="+mn-cs"/>
+                  </a:defRPr>
+                </a:pPr>
+                <a:r>
+                  <a:rPr lang="en-US" baseline="0"/>
+                  <a:t>Number of pivots.</a:t>
+                </a:r>
+              </a:p>
+            </c:rich>
+          </c:tx>
+          <c:layout/>
+          <c:overlay val="0"/>
+          <c:spPr>
+            <a:noFill/>
+            <a:ln>
+              <a:noFill/>
+            </a:ln>
+            <a:effectLst/>
+          </c:spPr>
+          <c:txPr>
+            <a:bodyPr rot="0" spcFirstLastPara="1" vertOverflow="ellipsis" vert="horz" wrap="square" anchor="ctr" anchorCtr="1"/>
+            <a:lstStyle/>
+            <a:p>
+              <a:pPr>
+                <a:defRPr sz="1000" b="0" i="0" u="none" strike="noStrike" kern="1200" baseline="0">
+                  <a:solidFill>
+                    <a:schemeClr val="tx1">
+                      <a:lumMod val="65000"/>
+                      <a:lumOff val="35000"/>
+                    </a:schemeClr>
+                  </a:solidFill>
+                  <a:latin typeface="+mn-lt"/>
+                  <a:ea typeface="+mn-ea"/>
+                  <a:cs typeface="+mn-cs"/>
+                </a:defRPr>
+              </a:pPr>
+              <a:endParaRPr lang="he-IL"/>
+            </a:p>
+          </c:txPr>
+        </c:title>
+        <c:numFmt formatCode="General" sourceLinked="1"/>
+        <c:majorTickMark val="none"/>
+        <c:minorTickMark val="none"/>
+        <c:tickLblPos val="nextTo"/>
+        <c:spPr>
+          <a:noFill/>
+          <a:ln w="9525" cap="flat" cmpd="sng" algn="ctr">
+            <a:solidFill>
+              <a:schemeClr val="tx1">
+                <a:lumMod val="15000"/>
+                <a:lumOff val="85000"/>
+              </a:schemeClr>
+            </a:solidFill>
+            <a:round/>
+          </a:ln>
+          <a:effectLst/>
+        </c:spPr>
+        <c:txPr>
+          <a:bodyPr rot="-60000000" spcFirstLastPara="1" vertOverflow="ellipsis" vert="horz" wrap="square" anchor="ctr" anchorCtr="1"/>
+          <a:lstStyle/>
+          <a:p>
+            <a:pPr>
+              <a:defRPr sz="900" b="0" i="0" u="none" strike="noStrike" kern="1200" baseline="0">
+                <a:solidFill>
+                  <a:schemeClr val="tx1">
+                    <a:lumMod val="65000"/>
+                    <a:lumOff val="35000"/>
+                  </a:schemeClr>
+                </a:solidFill>
+                <a:latin typeface="+mn-lt"/>
+                <a:ea typeface="+mn-ea"/>
+                <a:cs typeface="+mn-cs"/>
+              </a:defRPr>
+            </a:pPr>
+            <a:endParaRPr lang="he-IL"/>
+          </a:p>
+        </c:txPr>
+        <c:crossAx val="715546888"/>
+        <c:crosses val="autoZero"/>
+        <c:auto val="1"/>
+        <c:lblAlgn val="ctr"/>
+        <c:lblOffset val="100"/>
+        <c:noMultiLvlLbl val="0"/>
+      </c:catAx>
+      <c:valAx>
+        <c:axId val="715546888"/>
+        <c:scaling>
+          <c:orientation val="minMax"/>
+          <c:max val="10"/>
+          <c:min val="0"/>
+        </c:scaling>
+        <c:delete val="0"/>
+        <c:axPos val="l"/>
+        <c:majorGridlines>
+          <c:spPr>
+            <a:ln w="9525" cap="flat" cmpd="sng" algn="ctr">
+              <a:solidFill>
+                <a:schemeClr val="tx1">
+                  <a:lumMod val="15000"/>
+                  <a:lumOff val="85000"/>
+                </a:schemeClr>
+              </a:solidFill>
+              <a:round/>
+            </a:ln>
+            <a:effectLst/>
+          </c:spPr>
+        </c:majorGridlines>
+        <c:title>
+          <c:tx>
+            <c:rich>
+              <a:bodyPr rot="-5400000" spcFirstLastPara="1" vertOverflow="ellipsis" vert="horz" wrap="square" anchor="ctr" anchorCtr="1"/>
+              <a:lstStyle/>
+              <a:p>
+                <a:pPr>
+                  <a:defRPr sz="1000" b="0" i="0" u="none" strike="noStrike" kern="1200" baseline="0">
+                    <a:solidFill>
+                      <a:schemeClr val="tx1">
+                        <a:lumMod val="65000"/>
+                        <a:lumOff val="35000"/>
+                      </a:schemeClr>
+                    </a:solidFill>
+                    <a:latin typeface="+mn-lt"/>
+                    <a:ea typeface="+mn-ea"/>
+                    <a:cs typeface="+mn-cs"/>
+                  </a:defRPr>
+                </a:pPr>
+                <a:r>
+                  <a:rPr lang="en-US"/>
+                  <a:t>Time (ms.)</a:t>
+                </a:r>
+              </a:p>
+            </c:rich>
+          </c:tx>
+          <c:layout/>
+          <c:overlay val="0"/>
+          <c:spPr>
+            <a:noFill/>
+            <a:ln>
+              <a:noFill/>
+            </a:ln>
+            <a:effectLst/>
+          </c:spPr>
+          <c:txPr>
+            <a:bodyPr rot="-5400000" spcFirstLastPara="1" vertOverflow="ellipsis" vert="horz" wrap="square" anchor="ctr" anchorCtr="1"/>
+            <a:lstStyle/>
+            <a:p>
+              <a:pPr>
+                <a:defRPr sz="1000" b="0" i="0" u="none" strike="noStrike" kern="1200" baseline="0">
+                  <a:solidFill>
+                    <a:schemeClr val="tx1">
+                      <a:lumMod val="65000"/>
+                      <a:lumOff val="35000"/>
+                    </a:schemeClr>
+                  </a:solidFill>
+                  <a:latin typeface="+mn-lt"/>
+                  <a:ea typeface="+mn-ea"/>
+                  <a:cs typeface="+mn-cs"/>
+                </a:defRPr>
+              </a:pPr>
+              <a:endParaRPr lang="he-IL"/>
+            </a:p>
+          </c:txPr>
+        </c:title>
+        <c:numFmt formatCode="General" sourceLinked="1"/>
+        <c:majorTickMark val="out"/>
+        <c:minorTickMark val="in"/>
+        <c:tickLblPos val="nextTo"/>
+        <c:spPr>
+          <a:noFill/>
+          <a:ln>
+            <a:solidFill>
+              <a:schemeClr val="accent1"/>
+            </a:solidFill>
+          </a:ln>
+          <a:effectLst/>
+        </c:spPr>
+        <c:txPr>
+          <a:bodyPr rot="-60000000" spcFirstLastPara="1" vertOverflow="ellipsis" vert="horz" wrap="square" anchor="ctr" anchorCtr="1"/>
+          <a:lstStyle/>
+          <a:p>
+            <a:pPr>
+              <a:defRPr sz="900" b="0" i="0" u="none" strike="noStrike" kern="1200" baseline="0">
+                <a:solidFill>
+                  <a:schemeClr val="tx1">
+                    <a:lumMod val="65000"/>
+                    <a:lumOff val="35000"/>
+                  </a:schemeClr>
+                </a:solidFill>
+                <a:latin typeface="+mn-lt"/>
+                <a:ea typeface="+mn-ea"/>
+                <a:cs typeface="+mn-cs"/>
+              </a:defRPr>
+            </a:pPr>
+            <a:endParaRPr lang="he-IL"/>
+          </a:p>
+        </c:txPr>
+        <c:crossAx val="715546560"/>
+        <c:crosses val="autoZero"/>
+        <c:crossBetween val="between"/>
+        <c:majorUnit val="1"/>
+        <c:minorUnit val="0.5"/>
+      </c:valAx>
+      <c:spPr>
+        <a:noFill/>
+        <a:ln>
+          <a:noFill/>
+        </a:ln>
+        <a:effectLst/>
+      </c:spPr>
+    </c:plotArea>
+    <c:plotVisOnly val="1"/>
+    <c:dispBlanksAs val="gap"/>
+    <c:showDLblsOverMax val="0"/>
+  </c:chart>
+  <c:spPr>
+    <a:noFill/>
+    <a:ln>
+      <a:noFill/>
+    </a:ln>
+    <a:effectLst/>
+  </c:spPr>
+  <c:txPr>
+    <a:bodyPr/>
+    <a:lstStyle/>
+    <a:p>
+      <a:pPr>
+        <a:defRPr/>
+      </a:pPr>
+      <a:endParaRPr lang="he-IL"/>
+    </a:p>
+  </c:txPr>
+  <c:externalData r:id="rId3">
+    <c:autoUpdate val="0"/>
+  </c:externalData>
+</c:chartSpace>
+</file>
+
+<file path=ppt/charts/chart5.xml><?xml version="1.0" encoding="utf-8"?>
+<c:chartSpace xmlns:c="http://schemas.openxmlformats.org/drawingml/2006/chart" xmlns:a="http://schemas.openxmlformats.org/drawingml/2006/main" xmlns:r="http://schemas.openxmlformats.org/officeDocument/2006/relationships" xmlns:c16r2="http://schemas.microsoft.com/office/drawing/2015/06/chart">
+  <c:date1904 val="0"/>
+  <c:lang val="en-US"/>
+  <c:roundedCorners val="0"/>
+  <mc:AlternateContent xmlns:mc="http://schemas.openxmlformats.org/markup-compatibility/2006">
+    <mc:Choice xmlns:c14="http://schemas.microsoft.com/office/drawing/2007/8/2/chart" Requires="c14">
+      <c14:style val="102"/>
+    </mc:Choice>
+    <mc:Fallback>
+      <c:style val="2"/>
+    </mc:Fallback>
+  </mc:AlternateContent>
+  <c:chart>
+    <c:title>
+      <c:tx>
+        <c:rich>
+          <a:bodyPr rot="0" spcFirstLastPara="1" vertOverflow="ellipsis" vert="horz" wrap="square" anchor="ctr" anchorCtr="1"/>
+          <a:lstStyle/>
+          <a:p>
+            <a:pPr>
+              <a:defRPr sz="1400" b="0" i="0" u="none" strike="noStrike" kern="1200" spc="0" baseline="0">
+                <a:solidFill>
+                  <a:schemeClr val="tx1">
+                    <a:lumMod val="65000"/>
+                    <a:lumOff val="35000"/>
+                  </a:schemeClr>
+                </a:solidFill>
+                <a:latin typeface="+mn-lt"/>
+                <a:ea typeface="+mn-ea"/>
+                <a:cs typeface="+mn-cs"/>
+              </a:defRPr>
+            </a:pPr>
+            <a:r>
+              <a:rPr lang="en-US"/>
+              <a:t>nGoals = 16</a:t>
+            </a:r>
+          </a:p>
+        </c:rich>
+      </c:tx>
+      <c:layout>
+        <c:manualLayout>
+          <c:xMode val="edge"/>
+          <c:yMode val="edge"/>
+          <c:x val="0.3460818204298638"/>
+          <c:y val="3.0075176099628561E-2"/>
+        </c:manualLayout>
+      </c:layout>
+      <c:overlay val="0"/>
+      <c:spPr>
+        <a:noFill/>
+        <a:ln>
+          <a:noFill/>
+        </a:ln>
+        <a:effectLst/>
+      </c:spPr>
+      <c:txPr>
+        <a:bodyPr rot="0" spcFirstLastPara="1" vertOverflow="ellipsis" vert="horz" wrap="square" anchor="ctr" anchorCtr="1"/>
+        <a:lstStyle/>
+        <a:p>
+          <a:pPr>
+            <a:defRPr sz="1400" b="0" i="0" u="none" strike="noStrike" kern="1200" spc="0" baseline="0">
+              <a:solidFill>
+                <a:schemeClr val="tx1">
+                  <a:lumMod val="65000"/>
+                  <a:lumOff val="35000"/>
+                </a:schemeClr>
+              </a:solidFill>
+              <a:latin typeface="+mn-lt"/>
+              <a:ea typeface="+mn-ea"/>
+              <a:cs typeface="+mn-cs"/>
+            </a:defRPr>
+          </a:pPr>
+          <a:endParaRPr lang="he-IL"/>
+        </a:p>
+      </c:txPr>
+    </c:title>
+    <c:autoTitleDeleted val="0"/>
+    <c:plotArea>
+      <c:layout/>
+      <c:lineChart>
+        <c:grouping val="standard"/>
+        <c:varyColors val="0"/>
+        <c:ser>
+          <c:idx val="2"/>
+          <c:order val="0"/>
+          <c:tx>
+            <c:v>Per Goal</c:v>
+          </c:tx>
+          <c:spPr>
+            <a:ln w="28575" cap="rnd">
+              <a:solidFill>
+                <a:schemeClr val="accent3"/>
+              </a:solidFill>
+              <a:round/>
+            </a:ln>
+            <a:effectLst/>
+          </c:spPr>
+          <c:marker>
+            <c:symbol val="diamond"/>
+            <c:size val="9"/>
+            <c:spPr>
+              <a:solidFill>
+                <a:schemeClr val="accent3"/>
+              </a:solidFill>
+              <a:ln w="9525">
+                <a:solidFill>
+                  <a:schemeClr val="tx1"/>
+                </a:solidFill>
+              </a:ln>
+              <a:effectLst/>
+            </c:spPr>
+          </c:marker>
+          <c:cat>
+            <c:numRef>
+              <c:f>DH!$D$3:$D$9</c:f>
+              <c:numCache>
+                <c:formatCode>General</c:formatCode>
+                <c:ptCount val="7"/>
+                <c:pt idx="0">
+                  <c:v>0</c:v>
+                </c:pt>
+                <c:pt idx="1">
+                  <c:v>1</c:v>
+                </c:pt>
+                <c:pt idx="2">
+                  <c:v>2</c:v>
+                </c:pt>
+                <c:pt idx="3">
+                  <c:v>4</c:v>
+                </c:pt>
+                <c:pt idx="4">
+                  <c:v>8</c:v>
+                </c:pt>
+                <c:pt idx="5">
+                  <c:v>16</c:v>
+                </c:pt>
+                <c:pt idx="6">
+                  <c:v>32</c:v>
+                </c:pt>
+              </c:numCache>
+            </c:numRef>
+          </c:cat>
+          <c:val>
+            <c:numRef>
+              <c:f>DH!$E$63:$E$69</c:f>
+              <c:numCache>
+                <c:formatCode>General</c:formatCode>
+                <c:ptCount val="7"/>
+                <c:pt idx="0">
+                  <c:v>26.633699</c:v>
+                </c:pt>
+                <c:pt idx="1">
+                  <c:v>16.307680000000001</c:v>
+                </c:pt>
+                <c:pt idx="2">
+                  <c:v>9.99</c:v>
+                </c:pt>
+                <c:pt idx="3">
+                  <c:v>6.3281799999999997</c:v>
+                </c:pt>
+                <c:pt idx="4">
+                  <c:v>4.4335598999999997</c:v>
+                </c:pt>
+                <c:pt idx="5">
+                  <c:v>3.2239200000000001</c:v>
+                </c:pt>
+                <c:pt idx="6">
+                  <c:v>2.7825000000000002</c:v>
+                </c:pt>
+              </c:numCache>
+            </c:numRef>
+          </c:val>
+          <c:smooth val="0"/>
+          <c:extLst>
+            <c:ext xmlns:c16="http://schemas.microsoft.com/office/drawing/2014/chart" uri="{C3380CC4-5D6E-409C-BE32-E72D297353CC}">
+              <c16:uniqueId val="{00000000-812E-4D1A-B4D3-6727661F4409}"/>
+            </c:ext>
+          </c:extLst>
+        </c:ser>
+        <c:ser>
+          <c:idx val="3"/>
+          <c:order val="1"/>
+          <c:tx>
+            <c:v>Uniform</c:v>
+          </c:tx>
+          <c:spPr>
+            <a:ln w="28575" cap="rnd">
+              <a:solidFill>
+                <a:schemeClr val="accent4"/>
+              </a:solidFill>
+              <a:round/>
+            </a:ln>
+            <a:effectLst/>
+          </c:spPr>
+          <c:marker>
+            <c:symbol val="circle"/>
+            <c:size val="5"/>
+            <c:spPr>
+              <a:solidFill>
+                <a:schemeClr val="accent4"/>
+              </a:solidFill>
+              <a:ln w="9525">
+                <a:solidFill>
+                  <a:schemeClr val="accent4"/>
+                </a:solidFill>
+              </a:ln>
+              <a:effectLst/>
+            </c:spPr>
+          </c:marker>
+          <c:cat>
+            <c:numRef>
+              <c:f>DH!$D$3:$D$9</c:f>
+              <c:numCache>
+                <c:formatCode>General</c:formatCode>
+                <c:ptCount val="7"/>
+                <c:pt idx="0">
+                  <c:v>0</c:v>
+                </c:pt>
+                <c:pt idx="1">
+                  <c:v>1</c:v>
+                </c:pt>
+                <c:pt idx="2">
+                  <c:v>2</c:v>
+                </c:pt>
+                <c:pt idx="3">
+                  <c:v>4</c:v>
+                </c:pt>
+                <c:pt idx="4">
+                  <c:v>8</c:v>
+                </c:pt>
+                <c:pt idx="5">
+                  <c:v>16</c:v>
+                </c:pt>
+                <c:pt idx="6">
+                  <c:v>32</c:v>
+                </c:pt>
+              </c:numCache>
+            </c:numRef>
+          </c:cat>
+          <c:val>
+            <c:numRef>
+              <c:f>DH!$K$70:$Q$70</c:f>
+              <c:numCache>
+                <c:formatCode>General</c:formatCode>
+                <c:ptCount val="7"/>
+                <c:pt idx="0">
+                  <c:v>5.8702199999999998</c:v>
+                </c:pt>
+                <c:pt idx="1">
+                  <c:v>5.8702199999999998</c:v>
+                </c:pt>
+                <c:pt idx="2">
+                  <c:v>5.8702199999999998</c:v>
+                </c:pt>
+                <c:pt idx="3">
+                  <c:v>5.8702199999999998</c:v>
+                </c:pt>
+                <c:pt idx="4">
+                  <c:v>5.8702199999999998</c:v>
+                </c:pt>
+                <c:pt idx="5">
+                  <c:v>5.8702199999999998</c:v>
+                </c:pt>
+                <c:pt idx="6">
+                  <c:v>5.8702199999999998</c:v>
+                </c:pt>
+              </c:numCache>
+            </c:numRef>
+          </c:val>
+          <c:smooth val="0"/>
+          <c:extLst>
+            <c:ext xmlns:c16="http://schemas.microsoft.com/office/drawing/2014/chart" uri="{C3380CC4-5D6E-409C-BE32-E72D297353CC}">
+              <c16:uniqueId val="{00000001-812E-4D1A-B4D3-6727661F4409}"/>
+            </c:ext>
+          </c:extLst>
+        </c:ser>
+        <c:ser>
+          <c:idx val="0"/>
+          <c:order val="2"/>
+          <c:tx>
+            <c:v>Min (Lazy Update)</c:v>
+          </c:tx>
+          <c:spPr>
+            <a:ln w="28575" cap="rnd">
+              <a:solidFill>
+                <a:schemeClr val="accent1"/>
+              </a:solidFill>
+              <a:round/>
+            </a:ln>
+            <a:effectLst/>
+          </c:spPr>
+          <c:marker>
+            <c:symbol val="square"/>
+            <c:size val="9"/>
+            <c:spPr>
+              <a:solidFill>
+                <a:schemeClr val="accent1"/>
+              </a:solidFill>
+              <a:ln w="9525">
+                <a:solidFill>
+                  <a:schemeClr val="tx1"/>
+                </a:solidFill>
+              </a:ln>
+              <a:effectLst/>
+            </c:spPr>
+          </c:marker>
+          <c:cat>
+            <c:numRef>
+              <c:f>DH!$D$3:$D$9</c:f>
+              <c:numCache>
+                <c:formatCode>General</c:formatCode>
+                <c:ptCount val="7"/>
+                <c:pt idx="0">
+                  <c:v>0</c:v>
+                </c:pt>
+                <c:pt idx="1">
+                  <c:v>1</c:v>
+                </c:pt>
+                <c:pt idx="2">
+                  <c:v>2</c:v>
+                </c:pt>
+                <c:pt idx="3">
+                  <c:v>4</c:v>
+                </c:pt>
+                <c:pt idx="4">
+                  <c:v>8</c:v>
+                </c:pt>
+                <c:pt idx="5">
+                  <c:v>16</c:v>
+                </c:pt>
+                <c:pt idx="6">
+                  <c:v>32</c:v>
+                </c:pt>
+              </c:numCache>
+            </c:numRef>
+          </c:cat>
+          <c:val>
+            <c:numRef>
+              <c:f>DH!$E$71:$E$77</c:f>
+              <c:numCache>
+                <c:formatCode>General</c:formatCode>
+                <c:ptCount val="7"/>
+                <c:pt idx="0">
+                  <c:v>7.1040200000000002</c:v>
+                </c:pt>
+                <c:pt idx="1">
+                  <c:v>5.1781699999999997</c:v>
+                </c:pt>
+                <c:pt idx="2">
+                  <c:v>3.9237000000000002</c:v>
+                </c:pt>
+                <c:pt idx="3">
+                  <c:v>3.2227800000000002</c:v>
+                </c:pt>
+                <c:pt idx="4">
+                  <c:v>3.0691000000000002</c:v>
+                </c:pt>
+                <c:pt idx="5">
+                  <c:v>3.1688198999999999</c:v>
+                </c:pt>
+                <c:pt idx="6">
+                  <c:v>3.6809199000000001</c:v>
+                </c:pt>
+              </c:numCache>
+            </c:numRef>
+          </c:val>
+          <c:smooth val="0"/>
+          <c:extLst>
+            <c:ext xmlns:c16="http://schemas.microsoft.com/office/drawing/2014/chart" uri="{C3380CC4-5D6E-409C-BE32-E72D297353CC}">
+              <c16:uniqueId val="{00000002-812E-4D1A-B4D3-6727661F4409}"/>
+            </c:ext>
+          </c:extLst>
+        </c:ser>
+        <c:dLbls>
+          <c:showLegendKey val="0"/>
+          <c:showVal val="0"/>
+          <c:showCatName val="0"/>
+          <c:showSerName val="0"/>
+          <c:showPercent val="0"/>
+          <c:showBubbleSize val="0"/>
+        </c:dLbls>
+        <c:marker val="1"/>
+        <c:smooth val="0"/>
+        <c:axId val="715546560"/>
+        <c:axId val="715546888"/>
+      </c:lineChart>
+      <c:catAx>
+        <c:axId val="715546560"/>
+        <c:scaling>
+          <c:orientation val="minMax"/>
+        </c:scaling>
+        <c:delete val="0"/>
+        <c:axPos val="b"/>
+        <c:title>
+          <c:tx>
+            <c:rich>
+              <a:bodyPr rot="0" spcFirstLastPara="1" vertOverflow="ellipsis" vert="horz" wrap="square" anchor="ctr" anchorCtr="1"/>
+              <a:lstStyle/>
+              <a:p>
+                <a:pPr>
+                  <a:defRPr sz="1000" b="0" i="0" u="none" strike="noStrike" kern="1200" baseline="0">
+                    <a:solidFill>
+                      <a:schemeClr val="tx1">
+                        <a:lumMod val="65000"/>
+                        <a:lumOff val="35000"/>
+                      </a:schemeClr>
+                    </a:solidFill>
+                    <a:latin typeface="+mn-lt"/>
+                    <a:ea typeface="+mn-ea"/>
+                    <a:cs typeface="+mn-cs"/>
+                  </a:defRPr>
+                </a:pPr>
+                <a:r>
+                  <a:rPr lang="en-US" baseline="0"/>
+                  <a:t>Number of pivots.</a:t>
+                </a:r>
+              </a:p>
+            </c:rich>
+          </c:tx>
+          <c:layout/>
+          <c:overlay val="0"/>
+          <c:spPr>
+            <a:noFill/>
+            <a:ln>
+              <a:noFill/>
+            </a:ln>
+            <a:effectLst/>
+          </c:spPr>
+          <c:txPr>
+            <a:bodyPr rot="0" spcFirstLastPara="1" vertOverflow="ellipsis" vert="horz" wrap="square" anchor="ctr" anchorCtr="1"/>
+            <a:lstStyle/>
+            <a:p>
+              <a:pPr>
+                <a:defRPr sz="1000" b="0" i="0" u="none" strike="noStrike" kern="1200" baseline="0">
+                  <a:solidFill>
+                    <a:schemeClr val="tx1">
+                      <a:lumMod val="65000"/>
+                      <a:lumOff val="35000"/>
+                    </a:schemeClr>
+                  </a:solidFill>
+                  <a:latin typeface="+mn-lt"/>
+                  <a:ea typeface="+mn-ea"/>
+                  <a:cs typeface="+mn-cs"/>
+                </a:defRPr>
+              </a:pPr>
+              <a:endParaRPr lang="he-IL"/>
+            </a:p>
+          </c:txPr>
+        </c:title>
+        <c:numFmt formatCode="General" sourceLinked="1"/>
+        <c:majorTickMark val="none"/>
+        <c:minorTickMark val="none"/>
+        <c:tickLblPos val="nextTo"/>
+        <c:spPr>
+          <a:noFill/>
+          <a:ln w="9525" cap="flat" cmpd="sng" algn="ctr">
+            <a:solidFill>
+              <a:schemeClr val="tx1">
+                <a:lumMod val="15000"/>
+                <a:lumOff val="85000"/>
+              </a:schemeClr>
+            </a:solidFill>
+            <a:round/>
+          </a:ln>
+          <a:effectLst/>
+        </c:spPr>
+        <c:txPr>
+          <a:bodyPr rot="-60000000" spcFirstLastPara="1" vertOverflow="ellipsis" vert="horz" wrap="square" anchor="ctr" anchorCtr="1"/>
+          <a:lstStyle/>
+          <a:p>
+            <a:pPr>
+              <a:defRPr sz="900" b="0" i="0" u="none" strike="noStrike" kern="1200" baseline="0">
+                <a:solidFill>
+                  <a:schemeClr val="tx1">
+                    <a:lumMod val="65000"/>
+                    <a:lumOff val="35000"/>
+                  </a:schemeClr>
+                </a:solidFill>
+                <a:latin typeface="+mn-lt"/>
+                <a:ea typeface="+mn-ea"/>
+                <a:cs typeface="+mn-cs"/>
+              </a:defRPr>
+            </a:pPr>
+            <a:endParaRPr lang="he-IL"/>
+          </a:p>
+        </c:txPr>
+        <c:crossAx val="715546888"/>
+        <c:crosses val="autoZero"/>
+        <c:auto val="1"/>
+        <c:lblAlgn val="ctr"/>
+        <c:lblOffset val="100"/>
+        <c:noMultiLvlLbl val="0"/>
+      </c:catAx>
+      <c:valAx>
+        <c:axId val="715546888"/>
+        <c:scaling>
+          <c:orientation val="minMax"/>
+          <c:max val="10"/>
+          <c:min val="0"/>
+        </c:scaling>
+        <c:delete val="0"/>
+        <c:axPos val="l"/>
+        <c:majorGridlines>
+          <c:spPr>
+            <a:ln w="9525" cap="flat" cmpd="sng" algn="ctr">
+              <a:solidFill>
+                <a:schemeClr val="tx1">
+                  <a:lumMod val="15000"/>
+                  <a:lumOff val="85000"/>
+                </a:schemeClr>
+              </a:solidFill>
+              <a:round/>
+            </a:ln>
+            <a:effectLst/>
+          </c:spPr>
+        </c:majorGridlines>
+        <c:title>
+          <c:tx>
+            <c:rich>
+              <a:bodyPr rot="-5400000" spcFirstLastPara="1" vertOverflow="ellipsis" vert="horz" wrap="square" anchor="ctr" anchorCtr="1"/>
+              <a:lstStyle/>
+              <a:p>
+                <a:pPr>
+                  <a:defRPr sz="1000" b="0" i="0" u="none" strike="noStrike" kern="1200" baseline="0">
+                    <a:solidFill>
+                      <a:schemeClr val="tx1">
+                        <a:lumMod val="65000"/>
+                        <a:lumOff val="35000"/>
+                      </a:schemeClr>
+                    </a:solidFill>
+                    <a:latin typeface="+mn-lt"/>
+                    <a:ea typeface="+mn-ea"/>
+                    <a:cs typeface="+mn-cs"/>
+                  </a:defRPr>
+                </a:pPr>
+                <a:r>
+                  <a:rPr lang="en-US"/>
+                  <a:t>Time (ms.)</a:t>
+                </a:r>
+              </a:p>
+            </c:rich>
+          </c:tx>
+          <c:layout/>
+          <c:overlay val="0"/>
+          <c:spPr>
+            <a:noFill/>
+            <a:ln>
+              <a:noFill/>
+            </a:ln>
+            <a:effectLst/>
+          </c:spPr>
+          <c:txPr>
+            <a:bodyPr rot="-5400000" spcFirstLastPara="1" vertOverflow="ellipsis" vert="horz" wrap="square" anchor="ctr" anchorCtr="1"/>
+            <a:lstStyle/>
+            <a:p>
+              <a:pPr>
+                <a:defRPr sz="1000" b="0" i="0" u="none" strike="noStrike" kern="1200" baseline="0">
+                  <a:solidFill>
+                    <a:schemeClr val="tx1">
+                      <a:lumMod val="65000"/>
+                      <a:lumOff val="35000"/>
+                    </a:schemeClr>
+                  </a:solidFill>
+                  <a:latin typeface="+mn-lt"/>
+                  <a:ea typeface="+mn-ea"/>
+                  <a:cs typeface="+mn-cs"/>
+                </a:defRPr>
+              </a:pPr>
+              <a:endParaRPr lang="he-IL"/>
+            </a:p>
+          </c:txPr>
+        </c:title>
+        <c:numFmt formatCode="General" sourceLinked="1"/>
+        <c:majorTickMark val="out"/>
+        <c:minorTickMark val="in"/>
+        <c:tickLblPos val="nextTo"/>
+        <c:spPr>
+          <a:noFill/>
+          <a:ln>
+            <a:solidFill>
+              <a:schemeClr val="accent1"/>
+            </a:solidFill>
+          </a:ln>
+          <a:effectLst/>
+        </c:spPr>
+        <c:txPr>
+          <a:bodyPr rot="-60000000" spcFirstLastPara="1" vertOverflow="ellipsis" vert="horz" wrap="square" anchor="ctr" anchorCtr="1"/>
+          <a:lstStyle/>
+          <a:p>
+            <a:pPr>
+              <a:defRPr sz="900" b="0" i="0" u="none" strike="noStrike" kern="1200" baseline="0">
+                <a:solidFill>
+                  <a:schemeClr val="tx1">
+                    <a:lumMod val="65000"/>
+                    <a:lumOff val="35000"/>
+                  </a:schemeClr>
+                </a:solidFill>
+                <a:latin typeface="+mn-lt"/>
+                <a:ea typeface="+mn-ea"/>
+                <a:cs typeface="+mn-cs"/>
+              </a:defRPr>
+            </a:pPr>
+            <a:endParaRPr lang="he-IL"/>
+          </a:p>
+        </c:txPr>
+        <c:crossAx val="715546560"/>
+        <c:crosses val="autoZero"/>
+        <c:crossBetween val="between"/>
+        <c:majorUnit val="1"/>
+        <c:minorUnit val="0.2"/>
+      </c:valAx>
+      <c:spPr>
+        <a:noFill/>
+        <a:ln>
+          <a:noFill/>
+        </a:ln>
+        <a:effectLst/>
+      </c:spPr>
+    </c:plotArea>
+    <c:plotVisOnly val="1"/>
+    <c:dispBlanksAs val="gap"/>
+    <c:showDLblsOverMax val="0"/>
+  </c:chart>
+  <c:spPr>
+    <a:noFill/>
+    <a:ln>
+      <a:noFill/>
+    </a:ln>
+    <a:effectLst/>
+  </c:spPr>
+  <c:txPr>
+    <a:bodyPr/>
+    <a:lstStyle/>
+    <a:p>
+      <a:pPr>
+        <a:defRPr/>
+      </a:pPr>
+      <a:endParaRPr lang="he-IL"/>
+    </a:p>
+  </c:txPr>
+  <c:externalData r:id="rId3">
+    <c:autoUpdate val="0"/>
+  </c:externalData>
+</c:chartSpace>
+</file>
+
+<file path=ppt/charts/chart6.xml><?xml version="1.0" encoding="utf-8"?>
+<c:chartSpace xmlns:c="http://schemas.openxmlformats.org/drawingml/2006/chart" xmlns:a="http://schemas.openxmlformats.org/drawingml/2006/main" xmlns:r="http://schemas.openxmlformats.org/officeDocument/2006/relationships" xmlns:c16r2="http://schemas.microsoft.com/office/drawing/2015/06/chart">
+  <c:date1904 val="0"/>
+  <c:lang val="en-US"/>
+  <c:roundedCorners val="0"/>
+  <mc:AlternateContent xmlns:mc="http://schemas.openxmlformats.org/markup-compatibility/2006">
+    <mc:Choice xmlns:c14="http://schemas.microsoft.com/office/drawing/2007/8/2/chart" Requires="c14">
+      <c14:style val="102"/>
+    </mc:Choice>
+    <mc:Fallback>
+      <c:style val="2"/>
+    </mc:Fallback>
+  </mc:AlternateContent>
+  <c:chart>
+    <c:title>
+      <c:tx>
+        <c:rich>
+          <a:bodyPr rot="0" spcFirstLastPara="1" vertOverflow="ellipsis" vert="horz" wrap="square" anchor="ctr" anchorCtr="1"/>
+          <a:lstStyle/>
+          <a:p>
+            <a:pPr>
+              <a:defRPr sz="1400" b="0" i="0" u="none" strike="noStrike" kern="1200" spc="0" baseline="0">
+                <a:solidFill>
+                  <a:schemeClr val="tx1">
+                    <a:lumMod val="65000"/>
+                    <a:lumOff val="35000"/>
+                  </a:schemeClr>
+                </a:solidFill>
+                <a:latin typeface="+mn-lt"/>
+                <a:ea typeface="+mn-ea"/>
+                <a:cs typeface="+mn-cs"/>
+              </a:defRPr>
+            </a:pPr>
+            <a:r>
+              <a:rPr lang="en-US"/>
+              <a:t>nGoals = 4</a:t>
+            </a:r>
+          </a:p>
+        </c:rich>
+      </c:tx>
+      <c:layout/>
+      <c:overlay val="0"/>
+      <c:spPr>
+        <a:noFill/>
+        <a:ln>
+          <a:noFill/>
+        </a:ln>
+        <a:effectLst/>
+      </c:spPr>
+      <c:txPr>
+        <a:bodyPr rot="0" spcFirstLastPara="1" vertOverflow="ellipsis" vert="horz" wrap="square" anchor="ctr" anchorCtr="1"/>
+        <a:lstStyle/>
+        <a:p>
+          <a:pPr>
+            <a:defRPr sz="1400" b="0" i="0" u="none" strike="noStrike" kern="1200" spc="0" baseline="0">
+              <a:solidFill>
+                <a:schemeClr val="tx1">
+                  <a:lumMod val="65000"/>
+                  <a:lumOff val="35000"/>
+                </a:schemeClr>
+              </a:solidFill>
+              <a:latin typeface="+mn-lt"/>
+              <a:ea typeface="+mn-ea"/>
+              <a:cs typeface="+mn-cs"/>
+            </a:defRPr>
+          </a:pPr>
+          <a:endParaRPr lang="he-IL"/>
+        </a:p>
+      </c:txPr>
+    </c:title>
+    <c:autoTitleDeleted val="0"/>
+    <c:plotArea>
+      <c:layout/>
+      <c:lineChart>
+        <c:grouping val="standard"/>
+        <c:varyColors val="0"/>
+        <c:ser>
+          <c:idx val="2"/>
+          <c:order val="0"/>
+          <c:tx>
+            <c:v>Per Goal</c:v>
+          </c:tx>
+          <c:spPr>
+            <a:ln w="28575" cap="rnd">
+              <a:solidFill>
+                <a:schemeClr val="accent3"/>
+              </a:solidFill>
+              <a:round/>
+            </a:ln>
+            <a:effectLst/>
+          </c:spPr>
+          <c:marker>
+            <c:symbol val="diamond"/>
+            <c:size val="9"/>
+            <c:spPr>
+              <a:solidFill>
+                <a:schemeClr val="accent3"/>
+              </a:solidFill>
+              <a:ln w="9525">
+                <a:solidFill>
+                  <a:schemeClr val="tx1"/>
+                </a:solidFill>
+              </a:ln>
+              <a:effectLst/>
+            </c:spPr>
+          </c:marker>
+          <c:cat>
+            <c:numRef>
+              <c:f>DH!$D$3:$D$9</c:f>
+              <c:numCache>
+                <c:formatCode>General</c:formatCode>
+                <c:ptCount val="7"/>
+                <c:pt idx="0">
+                  <c:v>0</c:v>
+                </c:pt>
+                <c:pt idx="1">
+                  <c:v>1</c:v>
+                </c:pt>
+                <c:pt idx="2">
+                  <c:v>2</c:v>
+                </c:pt>
+                <c:pt idx="3">
+                  <c:v>4</c:v>
+                </c:pt>
+                <c:pt idx="4">
+                  <c:v>8</c:v>
+                </c:pt>
+                <c:pt idx="5">
+                  <c:v>16</c:v>
+                </c:pt>
+                <c:pt idx="6">
+                  <c:v>32</c:v>
+                </c:pt>
+              </c:numCache>
+            </c:numRef>
+          </c:cat>
+          <c:val>
+            <c:numRef>
+              <c:f>DH!$E$33:$E$39</c:f>
+              <c:numCache>
+                <c:formatCode>General</c:formatCode>
+                <c:ptCount val="7"/>
+                <c:pt idx="0">
+                  <c:v>6.8931899000000003</c:v>
+                </c:pt>
+                <c:pt idx="1">
+                  <c:v>4.0824299999999996</c:v>
+                </c:pt>
+                <c:pt idx="2">
+                  <c:v>2.7252700000000001</c:v>
+                </c:pt>
+                <c:pt idx="3">
+                  <c:v>1.6722699999999999</c:v>
+                </c:pt>
+                <c:pt idx="4">
+                  <c:v>1.1552800000000001</c:v>
+                </c:pt>
+                <c:pt idx="5">
+                  <c:v>0.85159899999999999</c:v>
+                </c:pt>
+                <c:pt idx="6">
+                  <c:v>0.71989999999999998</c:v>
+                </c:pt>
+              </c:numCache>
+            </c:numRef>
+          </c:val>
+          <c:smooth val="0"/>
+          <c:extLst>
+            <c:ext xmlns:c16="http://schemas.microsoft.com/office/drawing/2014/chart" uri="{C3380CC4-5D6E-409C-BE32-E72D297353CC}">
+              <c16:uniqueId val="{00000000-5976-4DFC-9F9B-01C29F7FC950}"/>
+            </c:ext>
+          </c:extLst>
+        </c:ser>
+        <c:ser>
+          <c:idx val="3"/>
+          <c:order val="1"/>
+          <c:tx>
+            <c:v>Uniform</c:v>
+          </c:tx>
+          <c:spPr>
+            <a:ln w="28575" cap="rnd">
+              <a:solidFill>
+                <a:schemeClr val="accent4"/>
+              </a:solidFill>
+              <a:round/>
+            </a:ln>
+            <a:effectLst/>
+          </c:spPr>
+          <c:marker>
+            <c:symbol val="circle"/>
+            <c:size val="5"/>
+            <c:spPr>
+              <a:solidFill>
+                <a:schemeClr val="accent4"/>
+              </a:solidFill>
+              <a:ln w="9525">
+                <a:solidFill>
+                  <a:schemeClr val="accent4"/>
+                </a:solidFill>
+              </a:ln>
+              <a:effectLst/>
+            </c:spPr>
+          </c:marker>
+          <c:cat>
+            <c:numRef>
+              <c:f>DH!$D$3:$D$9</c:f>
+              <c:numCache>
+                <c:formatCode>General</c:formatCode>
+                <c:ptCount val="7"/>
+                <c:pt idx="0">
+                  <c:v>0</c:v>
+                </c:pt>
+                <c:pt idx="1">
+                  <c:v>1</c:v>
+                </c:pt>
+                <c:pt idx="2">
+                  <c:v>2</c:v>
+                </c:pt>
+                <c:pt idx="3">
+                  <c:v>4</c:v>
+                </c:pt>
+                <c:pt idx="4">
+                  <c:v>8</c:v>
+                </c:pt>
+                <c:pt idx="5">
+                  <c:v>16</c:v>
+                </c:pt>
+                <c:pt idx="6">
+                  <c:v>32</c:v>
+                </c:pt>
+              </c:numCache>
+            </c:numRef>
+          </c:cat>
+          <c:val>
+            <c:numRef>
+              <c:f>DH!$K$40:$Q$40</c:f>
+              <c:numCache>
+                <c:formatCode>General</c:formatCode>
+                <c:ptCount val="7"/>
+                <c:pt idx="0">
+                  <c:v>5.12155</c:v>
+                </c:pt>
+                <c:pt idx="1">
+                  <c:v>5.12155</c:v>
+                </c:pt>
+                <c:pt idx="2">
+                  <c:v>5.12155</c:v>
+                </c:pt>
+                <c:pt idx="3">
+                  <c:v>5.12155</c:v>
+                </c:pt>
+                <c:pt idx="4">
+                  <c:v>5.12155</c:v>
+                </c:pt>
+                <c:pt idx="5">
+                  <c:v>5.12155</c:v>
+                </c:pt>
+                <c:pt idx="6">
+                  <c:v>5.12155</c:v>
+                </c:pt>
+              </c:numCache>
+            </c:numRef>
+          </c:val>
+          <c:smooth val="0"/>
+          <c:extLst>
+            <c:ext xmlns:c16="http://schemas.microsoft.com/office/drawing/2014/chart" uri="{C3380CC4-5D6E-409C-BE32-E72D297353CC}">
+              <c16:uniqueId val="{00000001-5976-4DFC-9F9B-01C29F7FC950}"/>
+            </c:ext>
+          </c:extLst>
+        </c:ser>
+        <c:ser>
+          <c:idx val="0"/>
+          <c:order val="2"/>
+          <c:tx>
+            <c:v>Min (Lazy Update)</c:v>
+          </c:tx>
+          <c:spPr>
+            <a:ln w="28575" cap="rnd">
+              <a:solidFill>
+                <a:schemeClr val="accent1"/>
+              </a:solidFill>
+              <a:round/>
+            </a:ln>
+            <a:effectLst/>
+          </c:spPr>
+          <c:marker>
+            <c:symbol val="square"/>
+            <c:size val="9"/>
+            <c:spPr>
+              <a:solidFill>
+                <a:schemeClr val="accent1"/>
+              </a:solidFill>
+              <a:ln w="9525">
+                <a:solidFill>
+                  <a:schemeClr val="tx1"/>
+                </a:solidFill>
+              </a:ln>
+              <a:effectLst/>
+            </c:spPr>
+          </c:marker>
+          <c:cat>
+            <c:numRef>
+              <c:f>DH!$D$3:$D$9</c:f>
+              <c:numCache>
+                <c:formatCode>General</c:formatCode>
+                <c:ptCount val="7"/>
+                <c:pt idx="0">
+                  <c:v>0</c:v>
+                </c:pt>
+                <c:pt idx="1">
+                  <c:v>1</c:v>
+                </c:pt>
+                <c:pt idx="2">
+                  <c:v>2</c:v>
+                </c:pt>
+                <c:pt idx="3">
+                  <c:v>4</c:v>
+                </c:pt>
+                <c:pt idx="4">
+                  <c:v>8</c:v>
+                </c:pt>
+                <c:pt idx="5">
+                  <c:v>16</c:v>
+                </c:pt>
+                <c:pt idx="6">
+                  <c:v>32</c:v>
+                </c:pt>
+              </c:numCache>
+            </c:numRef>
+          </c:cat>
+          <c:val>
+            <c:numRef>
+              <c:f>DH!$E$41:$E$47</c:f>
+              <c:numCache>
+                <c:formatCode>General</c:formatCode>
+                <c:ptCount val="7"/>
+                <c:pt idx="0">
+                  <c:v>4.0449298999999996</c:v>
+                </c:pt>
+                <c:pt idx="1">
+                  <c:v>2.50265</c:v>
+                </c:pt>
+                <c:pt idx="2">
+                  <c:v>1.7122200000000001</c:v>
+                </c:pt>
+                <c:pt idx="3">
+                  <c:v>1.1795599999999999</c:v>
+                </c:pt>
+                <c:pt idx="4">
+                  <c:v>0.91041000000000005</c:v>
+                </c:pt>
+                <c:pt idx="5">
+                  <c:v>0.78242990000000001</c:v>
+                </c:pt>
+                <c:pt idx="6">
+                  <c:v>0.73977990000000005</c:v>
+                </c:pt>
+              </c:numCache>
+            </c:numRef>
+          </c:val>
+          <c:smooth val="0"/>
+          <c:extLst>
+            <c:ext xmlns:c16="http://schemas.microsoft.com/office/drawing/2014/chart" uri="{C3380CC4-5D6E-409C-BE32-E72D297353CC}">
+              <c16:uniqueId val="{00000002-5976-4DFC-9F9B-01C29F7FC950}"/>
+            </c:ext>
+          </c:extLst>
+        </c:ser>
+        <c:dLbls>
+          <c:showLegendKey val="0"/>
+          <c:showVal val="0"/>
+          <c:showCatName val="0"/>
+          <c:showSerName val="0"/>
+          <c:showPercent val="0"/>
+          <c:showBubbleSize val="0"/>
+        </c:dLbls>
+        <c:marker val="1"/>
+        <c:smooth val="0"/>
+        <c:axId val="715546560"/>
+        <c:axId val="715546888"/>
+      </c:lineChart>
+      <c:catAx>
+        <c:axId val="715546560"/>
+        <c:scaling>
+          <c:orientation val="minMax"/>
+        </c:scaling>
+        <c:delete val="0"/>
+        <c:axPos val="b"/>
+        <c:title>
+          <c:tx>
+            <c:rich>
+              <a:bodyPr rot="0" spcFirstLastPara="1" vertOverflow="ellipsis" vert="horz" wrap="square" anchor="ctr" anchorCtr="1"/>
+              <a:lstStyle/>
+              <a:p>
+                <a:pPr>
+                  <a:defRPr sz="1000" b="0" i="0" u="none" strike="noStrike" kern="1200" baseline="0">
+                    <a:solidFill>
+                      <a:schemeClr val="tx1">
+                        <a:lumMod val="65000"/>
+                        <a:lumOff val="35000"/>
+                      </a:schemeClr>
+                    </a:solidFill>
+                    <a:latin typeface="+mn-lt"/>
+                    <a:ea typeface="+mn-ea"/>
+                    <a:cs typeface="+mn-cs"/>
+                  </a:defRPr>
+                </a:pPr>
+                <a:r>
+                  <a:rPr lang="en-US" baseline="0"/>
+                  <a:t>Number of pivots.</a:t>
+                </a:r>
+              </a:p>
+            </c:rich>
+          </c:tx>
+          <c:layout/>
+          <c:overlay val="0"/>
+          <c:spPr>
+            <a:noFill/>
+            <a:ln>
+              <a:noFill/>
+            </a:ln>
+            <a:effectLst/>
+          </c:spPr>
+          <c:txPr>
+            <a:bodyPr rot="0" spcFirstLastPara="1" vertOverflow="ellipsis" vert="horz" wrap="square" anchor="ctr" anchorCtr="1"/>
+            <a:lstStyle/>
+            <a:p>
+              <a:pPr>
+                <a:defRPr sz="1000" b="0" i="0" u="none" strike="noStrike" kern="1200" baseline="0">
+                  <a:solidFill>
+                    <a:schemeClr val="tx1">
+                      <a:lumMod val="65000"/>
+                      <a:lumOff val="35000"/>
+                    </a:schemeClr>
+                  </a:solidFill>
+                  <a:latin typeface="+mn-lt"/>
+                  <a:ea typeface="+mn-ea"/>
+                  <a:cs typeface="+mn-cs"/>
+                </a:defRPr>
+              </a:pPr>
+              <a:endParaRPr lang="he-IL"/>
+            </a:p>
+          </c:txPr>
+        </c:title>
+        <c:numFmt formatCode="General" sourceLinked="1"/>
+        <c:majorTickMark val="none"/>
+        <c:minorTickMark val="none"/>
+        <c:tickLblPos val="nextTo"/>
+        <c:spPr>
+          <a:noFill/>
+          <a:ln w="9525" cap="flat" cmpd="sng" algn="ctr">
+            <a:solidFill>
+              <a:schemeClr val="tx1">
+                <a:lumMod val="15000"/>
+                <a:lumOff val="85000"/>
+              </a:schemeClr>
+            </a:solidFill>
+            <a:round/>
+          </a:ln>
+          <a:effectLst/>
+        </c:spPr>
+        <c:txPr>
+          <a:bodyPr rot="-60000000" spcFirstLastPara="1" vertOverflow="ellipsis" vert="horz" wrap="square" anchor="ctr" anchorCtr="1"/>
+          <a:lstStyle/>
+          <a:p>
+            <a:pPr>
+              <a:defRPr sz="900" b="0" i="0" u="none" strike="noStrike" kern="1200" baseline="0">
+                <a:solidFill>
+                  <a:schemeClr val="tx1">
+                    <a:lumMod val="65000"/>
+                    <a:lumOff val="35000"/>
+                  </a:schemeClr>
+                </a:solidFill>
+                <a:latin typeface="+mn-lt"/>
+                <a:ea typeface="+mn-ea"/>
+                <a:cs typeface="+mn-cs"/>
+              </a:defRPr>
+            </a:pPr>
+            <a:endParaRPr lang="he-IL"/>
+          </a:p>
+        </c:txPr>
+        <c:crossAx val="715546888"/>
+        <c:crosses val="autoZero"/>
+        <c:auto val="1"/>
+        <c:lblAlgn val="ctr"/>
+        <c:lblOffset val="100"/>
+        <c:noMultiLvlLbl val="0"/>
+      </c:catAx>
+      <c:valAx>
+        <c:axId val="715546888"/>
+        <c:scaling>
+          <c:orientation val="minMax"/>
+          <c:max val="10"/>
+          <c:min val="0"/>
+        </c:scaling>
+        <c:delete val="0"/>
+        <c:axPos val="l"/>
+        <c:majorGridlines>
+          <c:spPr>
+            <a:ln w="9525" cap="flat" cmpd="sng" algn="ctr">
+              <a:solidFill>
+                <a:schemeClr val="tx1">
+                  <a:lumMod val="15000"/>
+                  <a:lumOff val="85000"/>
+                </a:schemeClr>
+              </a:solidFill>
+              <a:round/>
+            </a:ln>
+            <a:effectLst/>
+          </c:spPr>
+        </c:majorGridlines>
+        <c:title>
+          <c:tx>
+            <c:rich>
+              <a:bodyPr rot="-5400000" spcFirstLastPara="1" vertOverflow="ellipsis" vert="horz" wrap="square" anchor="ctr" anchorCtr="1"/>
+              <a:lstStyle/>
+              <a:p>
+                <a:pPr>
+                  <a:defRPr sz="1000" b="0" i="0" u="none" strike="noStrike" kern="1200" baseline="0">
+                    <a:solidFill>
+                      <a:schemeClr val="tx1">
+                        <a:lumMod val="65000"/>
+                        <a:lumOff val="35000"/>
+                      </a:schemeClr>
+                    </a:solidFill>
+                    <a:latin typeface="+mn-lt"/>
+                    <a:ea typeface="+mn-ea"/>
+                    <a:cs typeface="+mn-cs"/>
+                  </a:defRPr>
+                </a:pPr>
+                <a:r>
+                  <a:rPr lang="en-US"/>
+                  <a:t>Time (ms.)</a:t>
+                </a:r>
+              </a:p>
+            </c:rich>
+          </c:tx>
+          <c:layout/>
+          <c:overlay val="0"/>
+          <c:spPr>
+            <a:noFill/>
+            <a:ln>
+              <a:noFill/>
+            </a:ln>
+            <a:effectLst/>
+          </c:spPr>
+          <c:txPr>
+            <a:bodyPr rot="-5400000" spcFirstLastPara="1" vertOverflow="ellipsis" vert="horz" wrap="square" anchor="ctr" anchorCtr="1"/>
+            <a:lstStyle/>
+            <a:p>
+              <a:pPr>
+                <a:defRPr sz="1000" b="0" i="0" u="none" strike="noStrike" kern="1200" baseline="0">
+                  <a:solidFill>
+                    <a:schemeClr val="tx1">
+                      <a:lumMod val="65000"/>
+                      <a:lumOff val="35000"/>
+                    </a:schemeClr>
+                  </a:solidFill>
+                  <a:latin typeface="+mn-lt"/>
+                  <a:ea typeface="+mn-ea"/>
+                  <a:cs typeface="+mn-cs"/>
+                </a:defRPr>
+              </a:pPr>
+              <a:endParaRPr lang="he-IL"/>
+            </a:p>
+          </c:txPr>
+        </c:title>
+        <c:numFmt formatCode="General" sourceLinked="1"/>
+        <c:majorTickMark val="out"/>
+        <c:minorTickMark val="in"/>
+        <c:tickLblPos val="nextTo"/>
+        <c:spPr>
+          <a:noFill/>
+          <a:ln>
+            <a:solidFill>
+              <a:schemeClr val="accent1"/>
+            </a:solidFill>
+          </a:ln>
+          <a:effectLst/>
+        </c:spPr>
+        <c:txPr>
+          <a:bodyPr rot="-60000000" spcFirstLastPara="1" vertOverflow="ellipsis" vert="horz" wrap="square" anchor="ctr" anchorCtr="1"/>
+          <a:lstStyle/>
+          <a:p>
+            <a:pPr>
+              <a:defRPr sz="900" b="0" i="0" u="none" strike="noStrike" kern="1200" baseline="0">
+                <a:solidFill>
+                  <a:schemeClr val="tx1">
+                    <a:lumMod val="65000"/>
+                    <a:lumOff val="35000"/>
+                  </a:schemeClr>
+                </a:solidFill>
+                <a:latin typeface="+mn-lt"/>
+                <a:ea typeface="+mn-ea"/>
+                <a:cs typeface="+mn-cs"/>
+              </a:defRPr>
+            </a:pPr>
+            <a:endParaRPr lang="he-IL"/>
+          </a:p>
+        </c:txPr>
+        <c:crossAx val="715546560"/>
+        <c:crosses val="autoZero"/>
+        <c:crossBetween val="between"/>
+        <c:majorUnit val="1"/>
+      </c:valAx>
+      <c:spPr>
+        <a:noFill/>
+        <a:ln>
+          <a:noFill/>
+        </a:ln>
+        <a:effectLst/>
+      </c:spPr>
+    </c:plotArea>
+    <c:legend>
+      <c:legendPos val="r"/>
+      <c:layout/>
+      <c:overlay val="0"/>
+      <c:spPr>
+        <a:noFill/>
+        <a:ln>
+          <a:noFill/>
+        </a:ln>
+        <a:effectLst/>
+      </c:spPr>
+      <c:txPr>
+        <a:bodyPr rot="0" spcFirstLastPara="1" vertOverflow="ellipsis" vert="horz" wrap="square" anchor="ctr" anchorCtr="1"/>
+        <a:lstStyle/>
+        <a:p>
+          <a:pPr>
+            <a:defRPr sz="1200" b="0" i="0" u="none" strike="noStrike" kern="1200" baseline="0">
+              <a:solidFill>
+                <a:schemeClr val="tx1">
+                  <a:lumMod val="65000"/>
+                  <a:lumOff val="35000"/>
+                </a:schemeClr>
+              </a:solidFill>
+              <a:latin typeface="+mn-lt"/>
+              <a:ea typeface="+mn-ea"/>
+              <a:cs typeface="+mn-cs"/>
+            </a:defRPr>
+          </a:pPr>
+          <a:endParaRPr lang="he-IL"/>
+        </a:p>
+      </c:txPr>
+    </c:legend>
+    <c:plotVisOnly val="1"/>
+    <c:dispBlanksAs val="gap"/>
+    <c:showDLblsOverMax val="0"/>
+  </c:chart>
+  <c:spPr>
+    <a:noFill/>
+    <a:ln>
+      <a:noFill/>
+    </a:ln>
+    <a:effectLst/>
+  </c:spPr>
+  <c:txPr>
+    <a:bodyPr/>
+    <a:lstStyle/>
+    <a:p>
+      <a:pPr>
+        <a:defRPr/>
+      </a:pPr>
+      <a:endParaRPr lang="he-IL"/>
+    </a:p>
+  </c:txPr>
+  <c:externalData r:id="rId3">
+    <c:autoUpdate val="0"/>
+  </c:externalData>
+</c:chartSpace>
+</file>
+
+<file path=ppt/charts/colors1.xml><?xml version="1.0" encoding="utf-8"?>
+<cs:colorStyle xmlns:cs="http://schemas.microsoft.com/office/drawing/2012/chartStyle" xmlns:a="http://schemas.openxmlformats.org/drawingml/2006/main" meth="cycle" id="10">
+  <a:schemeClr val="accent1"/>
+  <a:schemeClr val="accent2"/>
+  <a:schemeClr val="accent3"/>
+  <a:schemeClr val="accent4"/>
+  <a:schemeClr val="accent5"/>
+  <a:schemeClr val="accent6"/>
+  <cs:variation/>
+  <cs:variation>
+    <a:lumMod val="60000"/>
+  </cs:variation>
+  <cs:variation>
+    <a:lumMod val="80000"/>
+    <a:lumOff val="20000"/>
+  </cs:variation>
+  <cs:variation>
+    <a:lumMod val="80000"/>
+  </cs:variation>
+  <cs:variation>
+    <a:lumMod val="60000"/>
+    <a:lumOff val="40000"/>
+  </cs:variation>
+  <cs:variation>
+    <a:lumMod val="50000"/>
+  </cs:variation>
+  <cs:variation>
+    <a:lumMod val="70000"/>
+    <a:lumOff val="30000"/>
+  </cs:variation>
+  <cs:variation>
+    <a:lumMod val="70000"/>
+  </cs:variation>
+  <cs:variation>
+    <a:lumMod val="50000"/>
+    <a:lumOff val="50000"/>
+  </cs:variation>
+</cs:colorStyle>
+</file>
+
+<file path=ppt/charts/colors2.xml><?xml version="1.0" encoding="utf-8"?>
+<cs:colorStyle xmlns:cs="http://schemas.microsoft.com/office/drawing/2012/chartStyle" xmlns:a="http://schemas.openxmlformats.org/drawingml/2006/main" meth="cycle" id="10">
+  <a:schemeClr val="accent1"/>
+  <a:schemeClr val="accent2"/>
+  <a:schemeClr val="accent3"/>
+  <a:schemeClr val="accent4"/>
+  <a:schemeClr val="accent5"/>
+  <a:schemeClr val="accent6"/>
+  <cs:variation/>
+  <cs:variation>
+    <a:lumMod val="60000"/>
+  </cs:variation>
+  <cs:variation>
+    <a:lumMod val="80000"/>
+    <a:lumOff val="20000"/>
+  </cs:variation>
+  <cs:variation>
+    <a:lumMod val="80000"/>
+  </cs:variation>
+  <cs:variation>
+    <a:lumMod val="60000"/>
+    <a:lumOff val="40000"/>
+  </cs:variation>
+  <cs:variation>
+    <a:lumMod val="50000"/>
+  </cs:variation>
+  <cs:variation>
+    <a:lumMod val="70000"/>
+    <a:lumOff val="30000"/>
+  </cs:variation>
+  <cs:variation>
+    <a:lumMod val="70000"/>
+  </cs:variation>
+  <cs:variation>
+    <a:lumMod val="50000"/>
+    <a:lumOff val="50000"/>
+  </cs:variation>
+</cs:colorStyle>
+</file>
+
+<file path=ppt/charts/colors3.xml><?xml version="1.0" encoding="utf-8"?>
+<cs:colorStyle xmlns:cs="http://schemas.microsoft.com/office/drawing/2012/chartStyle" xmlns:a="http://schemas.openxmlformats.org/drawingml/2006/main" meth="cycle" id="10">
+  <a:schemeClr val="accent1"/>
+  <a:schemeClr val="accent2"/>
+  <a:schemeClr val="accent3"/>
+  <a:schemeClr val="accent4"/>
+  <a:schemeClr val="accent5"/>
+  <a:schemeClr val="accent6"/>
+  <cs:variation/>
+  <cs:variation>
+    <a:lumMod val="60000"/>
+  </cs:variation>
+  <cs:variation>
+    <a:lumMod val="80000"/>
+    <a:lumOff val="20000"/>
+  </cs:variation>
+  <cs:variation>
+    <a:lumMod val="80000"/>
+  </cs:variation>
+  <cs:variation>
+    <a:lumMod val="60000"/>
+    <a:lumOff val="40000"/>
+  </cs:variation>
+  <cs:variation>
+    <a:lumMod val="50000"/>
+  </cs:variation>
+  <cs:variation>
+    <a:lumMod val="70000"/>
+    <a:lumOff val="30000"/>
+  </cs:variation>
+  <cs:variation>
+    <a:lumMod val="70000"/>
+  </cs:variation>
+  <cs:variation>
+    <a:lumMod val="50000"/>
+    <a:lumOff val="50000"/>
+  </cs:variation>
+</cs:colorStyle>
+</file>
+
+<file path=ppt/charts/colors4.xml><?xml version="1.0" encoding="utf-8"?>
+<cs:colorStyle xmlns:cs="http://schemas.microsoft.com/office/drawing/2012/chartStyle" xmlns:a="http://schemas.openxmlformats.org/drawingml/2006/main" meth="cycle" id="10">
+  <a:schemeClr val="accent1"/>
+  <a:schemeClr val="accent2"/>
+  <a:schemeClr val="accent3"/>
+  <a:schemeClr val="accent4"/>
+  <a:schemeClr val="accent5"/>
+  <a:schemeClr val="accent6"/>
+  <cs:variation/>
+  <cs:variation>
+    <a:lumMod val="60000"/>
+  </cs:variation>
+  <cs:variation>
+    <a:lumMod val="80000"/>
+    <a:lumOff val="20000"/>
+  </cs:variation>
+  <cs:variation>
+    <a:lumMod val="80000"/>
+  </cs:variation>
+  <cs:variation>
+    <a:lumMod val="60000"/>
+    <a:lumOff val="40000"/>
+  </cs:variation>
+  <cs:variation>
+    <a:lumMod val="50000"/>
+  </cs:variation>
+  <cs:variation>
+    <a:lumMod val="70000"/>
+    <a:lumOff val="30000"/>
+  </cs:variation>
+  <cs:variation>
+    <a:lumMod val="70000"/>
+  </cs:variation>
+  <cs:variation>
+    <a:lumMod val="50000"/>
+    <a:lumOff val="50000"/>
+  </cs:variation>
+</cs:colorStyle>
+</file>
+
+<file path=ppt/charts/colors5.xml><?xml version="1.0" encoding="utf-8"?>
+<cs:colorStyle xmlns:cs="http://schemas.microsoft.com/office/drawing/2012/chartStyle" xmlns:a="http://schemas.openxmlformats.org/drawingml/2006/main" meth="cycle" id="10">
+  <a:schemeClr val="accent1"/>
+  <a:schemeClr val="accent2"/>
+  <a:schemeClr val="accent3"/>
+  <a:schemeClr val="accent4"/>
+  <a:schemeClr val="accent5"/>
+  <a:schemeClr val="accent6"/>
+  <cs:variation/>
+  <cs:variation>
+    <a:lumMod val="60000"/>
+  </cs:variation>
+  <cs:variation>
+    <a:lumMod val="80000"/>
+    <a:lumOff val="20000"/>
+  </cs:variation>
+  <cs:variation>
+    <a:lumMod val="80000"/>
+  </cs:variation>
+  <cs:variation>
+    <a:lumMod val="60000"/>
+    <a:lumOff val="40000"/>
+  </cs:variation>
+  <cs:variation>
+    <a:lumMod val="50000"/>
+  </cs:variation>
+  <cs:variation>
+    <a:lumMod val="70000"/>
+    <a:lumOff val="30000"/>
+  </cs:variation>
+  <cs:variation>
+    <a:lumMod val="70000"/>
+  </cs:variation>
+  <cs:variation>
+    <a:lumMod val="50000"/>
+    <a:lumOff val="50000"/>
+  </cs:variation>
+</cs:colorStyle>
+</file>
+
+<file path=ppt/charts/colors6.xml><?xml version="1.0" encoding="utf-8"?>
+<cs:colorStyle xmlns:cs="http://schemas.microsoft.com/office/drawing/2012/chartStyle" xmlns:a="http://schemas.openxmlformats.org/drawingml/2006/main" meth="cycle" id="10">
+  <a:schemeClr val="accent1"/>
+  <a:schemeClr val="accent2"/>
+  <a:schemeClr val="accent3"/>
+  <a:schemeClr val="accent4"/>
+  <a:schemeClr val="accent5"/>
+  <a:schemeClr val="accent6"/>
+  <cs:variation/>
+  <cs:variation>
+    <a:lumMod val="60000"/>
+  </cs:variation>
+  <cs:variation>
+    <a:lumMod val="80000"/>
+    <a:lumOff val="20000"/>
+  </cs:variation>
+  <cs:variation>
+    <a:lumMod val="80000"/>
+  </cs:variation>
+  <cs:variation>
+    <a:lumMod val="60000"/>
+    <a:lumOff val="40000"/>
+  </cs:variation>
+  <cs:variation>
+    <a:lumMod val="50000"/>
+  </cs:variation>
+  <cs:variation>
+    <a:lumMod val="70000"/>
+    <a:lumOff val="30000"/>
+  </cs:variation>
+  <cs:variation>
+    <a:lumMod val="70000"/>
+  </cs:variation>
+  <cs:variation>
+    <a:lumMod val="50000"/>
+    <a:lumOff val="50000"/>
+  </cs:variation>
+</cs:colorStyle>
+</file>
+
+<file path=ppt/charts/style1.xml><?xml version="1.0" encoding="utf-8"?>
+<cs:chartStyle xmlns:cs="http://schemas.microsoft.com/office/drawing/2012/chartStyle" xmlns:a="http://schemas.openxmlformats.org/drawingml/2006/main" id="332">
+  <cs:axisTitle>
+    <cs:lnRef idx="0"/>
+    <cs:fillRef idx="0"/>
+    <cs:effectRef idx="0"/>
+    <cs:fontRef idx="minor">
+      <a:schemeClr val="tx1">
+        <a:lumMod val="65000"/>
+        <a:lumOff val="35000"/>
+      </a:schemeClr>
+    </cs:fontRef>
+    <cs:defRPr sz="1000" kern="1200"/>
+  </cs:axisTitle>
+  <cs:categoryAxis>
+    <cs:lnRef idx="0"/>
+    <cs:fillRef idx="0"/>
+    <cs:effectRef idx="0"/>
+    <cs:fontRef idx="minor">
+      <a:schemeClr val="tx1">
+        <a:lumMod val="65000"/>
+        <a:lumOff val="35000"/>
+      </a:schemeClr>
+    </cs:fontRef>
+    <cs:spPr>
+      <a:ln w="9525" cap="flat" cmpd="sng" algn="ctr">
+        <a:solidFill>
+          <a:schemeClr val="tx1">
+            <a:lumMod val="15000"/>
+            <a:lumOff val="85000"/>
+          </a:schemeClr>
+        </a:solidFill>
+        <a:round/>
+      </a:ln>
+    </cs:spPr>
+    <cs:defRPr sz="900" kern="1200"/>
+  </cs:categoryAxis>
+  <cs:chartArea mods="allowNoFillOverride allowNoLineOverride">
+    <cs:lnRef idx="0"/>
+    <cs:fillRef idx="0"/>
+    <cs:effectRef idx="0"/>
+    <cs:fontRef idx="minor">
+      <a:schemeClr val="tx1"/>
+    </cs:fontRef>
+    <cs:spPr>
+      <a:solidFill>
+        <a:schemeClr val="bg1"/>
+      </a:solidFill>
+      <a:ln w="9525" cap="flat" cmpd="sng" algn="ctr">
+        <a:solidFill>
+          <a:schemeClr val="tx1">
+            <a:lumMod val="15000"/>
+            <a:lumOff val="85000"/>
+          </a:schemeClr>
+        </a:solidFill>
+        <a:round/>
+      </a:ln>
+    </cs:spPr>
+    <cs:defRPr sz="1000" kern="1200"/>
+  </cs:chartArea>
+  <cs:dataLabel>
+    <cs:lnRef idx="0"/>
+    <cs:fillRef idx="0"/>
+    <cs:effectRef idx="0"/>
+    <cs:fontRef idx="minor">
+      <a:schemeClr val="tx1">
+        <a:lumMod val="75000"/>
+        <a:lumOff val="25000"/>
+      </a:schemeClr>
+    </cs:fontRef>
+    <cs:defRPr sz="900" kern="1200"/>
+  </cs:dataLabel>
+  <cs:dataLabelCallout>
+    <cs:lnRef idx="0"/>
+    <cs:fillRef idx="0"/>
+    <cs:effectRef idx="0"/>
+    <cs:fontRef idx="minor">
+      <a:schemeClr val="dk1">
+        <a:lumMod val="65000"/>
+        <a:lumOff val="35000"/>
+      </a:schemeClr>
+    </cs:fontRef>
+    <cs:spPr>
+      <a:solidFill>
+        <a:schemeClr val="lt1"/>
+      </a:solidFill>
+      <a:ln>
+        <a:solidFill>
+          <a:schemeClr val="dk1">
+            <a:lumMod val="25000"/>
+            <a:lumOff val="75000"/>
+          </a:schemeClr>
+        </a:solidFill>
+      </a:ln>
+    </cs:spPr>
+    <cs:defRPr sz="900" kern="1200"/>
+    <cs:bodyPr rot="0" spcFirstLastPara="1" vertOverflow="clip" horzOverflow="clip" vert="horz" wrap="square" lIns="36576" tIns="18288" rIns="36576" bIns="18288" anchor="ctr" anchorCtr="1">
+      <a:spAutoFit/>
+    </cs:bodyPr>
+  </cs:dataLabelCallout>
+  <cs:dataPoint>
+    <cs:lnRef idx="0"/>
+    <cs:fillRef idx="1">
+      <cs:styleClr val="auto"/>
+    </cs:fillRef>
+    <cs:effectRef idx="0"/>
+    <cs:fontRef idx="minor">
+      <a:schemeClr val="tx1"/>
+    </cs:fontRef>
+  </cs:dataPoint>
+  <cs:dataPoint3D>
+    <cs:lnRef idx="0"/>
+    <cs:fillRef idx="1">
+      <cs:styleClr val="auto"/>
+    </cs:fillRef>
+    <cs:effectRef idx="0"/>
+    <cs:fontRef idx="minor">
+      <a:schemeClr val="tx1"/>
+    </cs:fontRef>
+  </cs:dataPoint3D>
+  <cs:dataPointLine>
+    <cs:lnRef idx="0">
+      <cs:styleClr val="auto"/>
+    </cs:lnRef>
+    <cs:fillRef idx="1"/>
+    <cs:effectRef idx="0"/>
+    <cs:fontRef idx="minor">
+      <a:schemeClr val="tx1"/>
+    </cs:fontRef>
+    <cs:spPr>
+      <a:ln w="28575" cap="rnd">
+        <a:solidFill>
+          <a:schemeClr val="phClr"/>
+        </a:solidFill>
+        <a:round/>
+      </a:ln>
+    </cs:spPr>
+  </cs:dataPointLine>
+  <cs:dataPointMarker>
+    <cs:lnRef idx="0">
+      <cs:styleClr val="auto"/>
+    </cs:lnRef>
+    <cs:fillRef idx="1">
+      <cs:styleClr val="auto"/>
+    </cs:fillRef>
+    <cs:effectRef idx="0"/>
+    <cs:fontRef idx="minor">
+      <a:schemeClr val="tx1"/>
+    </cs:fontRef>
+    <cs:spPr>
+      <a:ln w="9525">
+        <a:solidFill>
+          <a:schemeClr val="phClr"/>
+        </a:solidFill>
+      </a:ln>
+    </cs:spPr>
+  </cs:dataPointMarker>
+  <cs:dataPointMarkerLayout symbol="circle" size="5"/>
+  <cs:dataPointWireframe>
+    <cs:lnRef idx="0">
+      <cs:styleClr val="auto"/>
+    </cs:lnRef>
+    <cs:fillRef idx="1"/>
+    <cs:effectRef idx="0"/>
+    <cs:fontRef idx="minor">
+      <a:schemeClr val="tx1"/>
+    </cs:fontRef>
+    <cs:spPr>
+      <a:ln w="9525" cap="rnd">
+        <a:solidFill>
+          <a:schemeClr val="phClr"/>
+        </a:solidFill>
+        <a:round/>
+      </a:ln>
+    </cs:spPr>
+  </cs:dataPointWireframe>
+  <cs:dataTable>
+    <cs:lnRef idx="0"/>
+    <cs:fillRef idx="0"/>
+    <cs:effectRef idx="0"/>
+    <cs:fontRef idx="minor">
+      <a:schemeClr val="tx1">
+        <a:lumMod val="65000"/>
+        <a:lumOff val="35000"/>
+      </a:schemeClr>
+    </cs:fontRef>
+    <cs:spPr>
+      <a:noFill/>
+      <a:ln w="9525" cap="flat" cmpd="sng" algn="ctr">
+        <a:solidFill>
+          <a:schemeClr val="tx1">
+            <a:lumMod val="15000"/>
+            <a:lumOff val="85000"/>
+          </a:schemeClr>
+        </a:solidFill>
+        <a:round/>
+      </a:ln>
+    </cs:spPr>
+    <cs:defRPr sz="900" kern="1200"/>
+  </cs:dataTable>
+  <cs:downBar>
+    <cs:lnRef idx="0"/>
+    <cs:fillRef idx="0"/>
+    <cs:effectRef idx="0"/>
+    <cs:fontRef idx="minor">
+      <a:schemeClr val="dk1"/>
+    </cs:fontRef>
+    <cs:spPr>
+      <a:solidFill>
+        <a:schemeClr val="dk1">
+          <a:lumMod val="65000"/>
+          <a:lumOff val="35000"/>
+        </a:schemeClr>
+      </a:solidFill>
+      <a:ln w="9525">
+        <a:solidFill>
+          <a:schemeClr val="tx1">
+            <a:lumMod val="65000"/>
+            <a:lumOff val="35000"/>
+          </a:schemeClr>
+        </a:solidFill>
+      </a:ln>
+    </cs:spPr>
+  </cs:downBar>
+  <cs:dropLine>
+    <cs:lnRef idx="0"/>
+    <cs:fillRef idx="0"/>
+    <cs:effectRef idx="0"/>
+    <cs:fontRef idx="minor">
+      <a:schemeClr val="tx1"/>
+    </cs:fontRef>
+    <cs:spPr>
+      <a:ln w="9525" cap="flat" cmpd="sng" algn="ctr">
+        <a:solidFill>
+          <a:schemeClr val="tx1">
+            <a:lumMod val="35000"/>
+            <a:lumOff val="65000"/>
+          </a:schemeClr>
+        </a:solidFill>
+        <a:round/>
+      </a:ln>
+    </cs:spPr>
+  </cs:dropLine>
+  <cs:errorBar>
+    <cs:lnRef idx="0"/>
+    <cs:fillRef idx="0"/>
+    <cs:effectRef idx="0"/>
+    <cs:fontRef idx="minor">
+      <a:schemeClr val="tx1"/>
+    </cs:fontRef>
+    <cs:spPr>
+      <a:ln w="9525" cap="flat" cmpd="sng" algn="ctr">
+        <a:solidFill>
+          <a:schemeClr val="tx1">
+            <a:lumMod val="65000"/>
+            <a:lumOff val="35000"/>
+          </a:schemeClr>
+        </a:solidFill>
+        <a:round/>
+      </a:ln>
+    </cs:spPr>
+  </cs:errorBar>
+  <cs:floor>
+    <cs:lnRef idx="0"/>
+    <cs:fillRef idx="0"/>
+    <cs:effectRef idx="0"/>
+    <cs:fontRef idx="minor">
+      <a:schemeClr val="tx1"/>
+    </cs:fontRef>
+    <cs:spPr>
+      <a:noFill/>
+      <a:ln>
+        <a:noFill/>
+      </a:ln>
+    </cs:spPr>
+  </cs:floor>
+  <cs:gridlineMajor>
+    <cs:lnRef idx="0"/>
+    <cs:fillRef idx="0"/>
+    <cs:effectRef idx="0"/>
+    <cs:fontRef idx="minor">
+      <a:schemeClr val="tx1"/>
+    </cs:fontRef>
+    <cs:spPr>
+      <a:ln w="9525" cap="flat" cmpd="sng" algn="ctr">
+        <a:solidFill>
+          <a:schemeClr val="tx1">
+            <a:lumMod val="15000"/>
+            <a:lumOff val="85000"/>
+          </a:schemeClr>
+        </a:solidFill>
+        <a:round/>
+      </a:ln>
+    </cs:spPr>
+  </cs:gridlineMajor>
+  <cs:gridlineMinor>
+    <cs:lnRef idx="0"/>
+    <cs:fillRef idx="0"/>
+    <cs:effectRef idx="0"/>
+    <cs:fontRef idx="minor">
+      <a:schemeClr val="tx1"/>
+    </cs:fontRef>
+    <cs:spPr>
+      <a:ln w="9525" cap="flat" cmpd="sng" algn="ctr">
+        <a:solidFill>
+          <a:schemeClr val="tx1">
+            <a:lumMod val="5000"/>
+            <a:lumOff val="95000"/>
+          </a:schemeClr>
+        </a:solidFill>
+        <a:round/>
+      </a:ln>
+    </cs:spPr>
+  </cs:gridlineMinor>
+  <cs:hiLoLine>
+    <cs:lnRef idx="0"/>
+    <cs:fillRef idx="0"/>
+    <cs:effectRef idx="0"/>
+    <cs:fontRef idx="minor">
+      <a:schemeClr val="tx1"/>
+    </cs:fontRef>
+    <cs:spPr>
+      <a:ln w="9525" cap="flat" cmpd="sng" algn="ctr">
+        <a:solidFill>
+          <a:schemeClr val="tx1">
+            <a:lumMod val="75000"/>
+            <a:lumOff val="25000"/>
+          </a:schemeClr>
+        </a:solidFill>
+        <a:round/>
+      </a:ln>
+    </cs:spPr>
+  </cs:hiLoLine>
+  <cs:leaderLine>
+    <cs:lnRef idx="0"/>
+    <cs:fillRef idx="0"/>
+    <cs:effectRef idx="0"/>
+    <cs:fontRef idx="minor">
+      <a:schemeClr val="tx1"/>
+    </cs:fontRef>
+    <cs:spPr>
+      <a:ln w="9525" cap="flat" cmpd="sng" algn="ctr">
+        <a:solidFill>
+          <a:schemeClr val="tx1">
+            <a:lumMod val="35000"/>
+            <a:lumOff val="65000"/>
+          </a:schemeClr>
+        </a:solidFill>
+        <a:round/>
+      </a:ln>
+    </cs:spPr>
+  </cs:leaderLine>
+  <cs:legend>
+    <cs:lnRef idx="0"/>
+    <cs:fillRef idx="0"/>
+    <cs:effectRef idx="0"/>
+    <cs:fontRef idx="minor">
+      <a:schemeClr val="tx1">
+        <a:lumMod val="65000"/>
+        <a:lumOff val="35000"/>
+      </a:schemeClr>
+    </cs:fontRef>
+    <cs:defRPr sz="900" kern="1200"/>
+  </cs:legend>
+  <cs:plotArea mods="allowNoFillOverride allowNoLineOverride">
+    <cs:lnRef idx="0"/>
+    <cs:fillRef idx="0"/>
+    <cs:effectRef idx="0"/>
+    <cs:fontRef idx="minor">
+      <a:schemeClr val="tx1"/>
+    </cs:fontRef>
+  </cs:plotArea>
+  <cs:plotArea3D mods="allowNoFillOverride allowNoLineOverride">
+    <cs:lnRef idx="0"/>
+    <cs:fillRef idx="0"/>
+    <cs:effectRef idx="0"/>
+    <cs:fontRef idx="minor">
+      <a:schemeClr val="tx1"/>
+    </cs:fontRef>
+  </cs:plotArea3D>
+  <cs:seriesAxis>
+    <cs:lnRef idx="0"/>
+    <cs:fillRef idx="0"/>
+    <cs:effectRef idx="0"/>
+    <cs:fontRef idx="minor">
+      <a:schemeClr val="tx1">
+        <a:lumMod val="65000"/>
+        <a:lumOff val="35000"/>
+      </a:schemeClr>
+    </cs:fontRef>
+    <cs:defRPr sz="900" kern="1200"/>
+  </cs:seriesAxis>
+  <cs:seriesLine>
+    <cs:lnRef idx="0"/>
+    <cs:fillRef idx="0"/>
+    <cs:effectRef idx="0"/>
+    <cs:fontRef idx="minor">
+      <a:schemeClr val="tx1"/>
+    </cs:fontRef>
+    <cs:spPr>
+      <a:ln w="9525" cap="flat" cmpd="sng" algn="ctr">
+        <a:solidFill>
+          <a:schemeClr val="tx1">
+            <a:lumMod val="35000"/>
+            <a:lumOff val="65000"/>
+          </a:schemeClr>
+        </a:solidFill>
+        <a:round/>
+      </a:ln>
+    </cs:spPr>
+  </cs:seriesLine>
+  <cs:title>
+    <cs:lnRef idx="0"/>
+    <cs:fillRef idx="0"/>
+    <cs:effectRef idx="0"/>
+    <cs:fontRef idx="minor">
+      <a:schemeClr val="tx1">
+        <a:lumMod val="65000"/>
+        <a:lumOff val="35000"/>
+      </a:schemeClr>
+    </cs:fontRef>
+    <cs:defRPr sz="1400" b="0" kern="1200" spc="0" baseline="0"/>
+  </cs:title>
+  <cs:trendline>
+    <cs:lnRef idx="0">
+      <cs:styleClr val="auto"/>
+    </cs:lnRef>
+    <cs:fillRef idx="0"/>
+    <cs:effectRef idx="0"/>
+    <cs:fontRef idx="minor">
+      <a:schemeClr val="tx1"/>
+    </cs:fontRef>
+    <cs:spPr>
+      <a:ln w="19050" cap="rnd">
+        <a:solidFill>
+          <a:schemeClr val="phClr"/>
+        </a:solidFill>
+        <a:prstDash val="sysDot"/>
+      </a:ln>
+    </cs:spPr>
+  </cs:trendline>
+  <cs:trendlineLabel>
+    <cs:lnRef idx="0"/>
+    <cs:fillRef idx="0"/>
+    <cs:effectRef idx="0"/>
+    <cs:fontRef idx="minor">
+      <a:schemeClr val="tx1">
+        <a:lumMod val="65000"/>
+        <a:lumOff val="35000"/>
+      </a:schemeClr>
+    </cs:fontRef>
+    <cs:defRPr sz="900" kern="1200"/>
+  </cs:trendlineLabel>
+  <cs:upBar>
+    <cs:lnRef idx="0"/>
+    <cs:fillRef idx="0"/>
+    <cs:effectRef idx="0"/>
+    <cs:fontRef idx="minor">
+      <a:schemeClr val="dk1"/>
+    </cs:fontRef>
+    <cs:spPr>
+      <a:solidFill>
+        <a:schemeClr val="lt1"/>
+      </a:solidFill>
+      <a:ln w="9525">
+        <a:solidFill>
+          <a:schemeClr val="tx1">
+            <a:lumMod val="15000"/>
+            <a:lumOff val="85000"/>
+          </a:schemeClr>
+        </a:solidFill>
+      </a:ln>
+    </cs:spPr>
+  </cs:upBar>
+  <cs:valueAxis>
+    <cs:lnRef idx="0"/>
+    <cs:fillRef idx="0"/>
+    <cs:effectRef idx="0"/>
+    <cs:fontRef idx="minor">
+      <a:schemeClr val="tx1">
+        <a:lumMod val="65000"/>
+        <a:lumOff val="35000"/>
+      </a:schemeClr>
+    </cs:fontRef>
+    <cs:defRPr sz="900" kern="1200"/>
+  </cs:valueAxis>
+  <cs:wall>
+    <cs:lnRef idx="0"/>
+    <cs:fillRef idx="0"/>
+    <cs:effectRef idx="0"/>
+    <cs:fontRef idx="minor">
+      <a:schemeClr val="tx1"/>
+    </cs:fontRef>
+    <cs:spPr>
+      <a:noFill/>
+      <a:ln>
+        <a:noFill/>
+      </a:ln>
+    </cs:spPr>
+  </cs:wall>
+</cs:chartStyle>
+</file>
+
+<file path=ppt/charts/style2.xml><?xml version="1.0" encoding="utf-8"?>
+<cs:chartStyle xmlns:cs="http://schemas.microsoft.com/office/drawing/2012/chartStyle" xmlns:a="http://schemas.openxmlformats.org/drawingml/2006/main" id="332">
+  <cs:axisTitle>
+    <cs:lnRef idx="0"/>
+    <cs:fillRef idx="0"/>
+    <cs:effectRef idx="0"/>
+    <cs:fontRef idx="minor">
+      <a:schemeClr val="tx1">
+        <a:lumMod val="65000"/>
+        <a:lumOff val="35000"/>
+      </a:schemeClr>
+    </cs:fontRef>
+    <cs:defRPr sz="1000" kern="1200"/>
+  </cs:axisTitle>
+  <cs:categoryAxis>
+    <cs:lnRef idx="0"/>
+    <cs:fillRef idx="0"/>
+    <cs:effectRef idx="0"/>
+    <cs:fontRef idx="minor">
+      <a:schemeClr val="tx1">
+        <a:lumMod val="65000"/>
+        <a:lumOff val="35000"/>
+      </a:schemeClr>
+    </cs:fontRef>
+    <cs:spPr>
+      <a:ln w="9525" cap="flat" cmpd="sng" algn="ctr">
+        <a:solidFill>
+          <a:schemeClr val="tx1">
+            <a:lumMod val="15000"/>
+            <a:lumOff val="85000"/>
+          </a:schemeClr>
+        </a:solidFill>
+        <a:round/>
+      </a:ln>
+    </cs:spPr>
+    <cs:defRPr sz="900" kern="1200"/>
+  </cs:categoryAxis>
+  <cs:chartArea mods="allowNoFillOverride allowNoLineOverride">
+    <cs:lnRef idx="0"/>
+    <cs:fillRef idx="0"/>
+    <cs:effectRef idx="0"/>
+    <cs:fontRef idx="minor">
+      <a:schemeClr val="tx1"/>
+    </cs:fontRef>
+    <cs:spPr>
+      <a:solidFill>
+        <a:schemeClr val="bg1"/>
+      </a:solidFill>
+      <a:ln w="9525" cap="flat" cmpd="sng" algn="ctr">
+        <a:solidFill>
+          <a:schemeClr val="tx1">
+            <a:lumMod val="15000"/>
+            <a:lumOff val="85000"/>
+          </a:schemeClr>
+        </a:solidFill>
+        <a:round/>
+      </a:ln>
+    </cs:spPr>
+    <cs:defRPr sz="1000" kern="1200"/>
+  </cs:chartArea>
+  <cs:dataLabel>
+    <cs:lnRef idx="0"/>
+    <cs:fillRef idx="0"/>
+    <cs:effectRef idx="0"/>
+    <cs:fontRef idx="minor">
+      <a:schemeClr val="tx1">
+        <a:lumMod val="75000"/>
+        <a:lumOff val="25000"/>
+      </a:schemeClr>
+    </cs:fontRef>
+    <cs:defRPr sz="900" kern="1200"/>
+  </cs:dataLabel>
+  <cs:dataLabelCallout>
+    <cs:lnRef idx="0"/>
+    <cs:fillRef idx="0"/>
+    <cs:effectRef idx="0"/>
+    <cs:fontRef idx="minor">
+      <a:schemeClr val="dk1">
+        <a:lumMod val="65000"/>
+        <a:lumOff val="35000"/>
+      </a:schemeClr>
+    </cs:fontRef>
+    <cs:spPr>
+      <a:solidFill>
+        <a:schemeClr val="lt1"/>
+      </a:solidFill>
+      <a:ln>
+        <a:solidFill>
+          <a:schemeClr val="dk1">
+            <a:lumMod val="25000"/>
+            <a:lumOff val="75000"/>
+          </a:schemeClr>
+        </a:solidFill>
+      </a:ln>
+    </cs:spPr>
+    <cs:defRPr sz="900" kern="1200"/>
+    <cs:bodyPr rot="0" spcFirstLastPara="1" vertOverflow="clip" horzOverflow="clip" vert="horz" wrap="square" lIns="36576" tIns="18288" rIns="36576" bIns="18288" anchor="ctr" anchorCtr="1">
+      <a:spAutoFit/>
+    </cs:bodyPr>
+  </cs:dataLabelCallout>
+  <cs:dataPoint>
+    <cs:lnRef idx="0"/>
+    <cs:fillRef idx="1">
+      <cs:styleClr val="auto"/>
+    </cs:fillRef>
+    <cs:effectRef idx="0"/>
+    <cs:fontRef idx="minor">
+      <a:schemeClr val="tx1"/>
+    </cs:fontRef>
+  </cs:dataPoint>
+  <cs:dataPoint3D>
+    <cs:lnRef idx="0"/>
+    <cs:fillRef idx="1">
+      <cs:styleClr val="auto"/>
+    </cs:fillRef>
+    <cs:effectRef idx="0"/>
+    <cs:fontRef idx="minor">
+      <a:schemeClr val="tx1"/>
+    </cs:fontRef>
+  </cs:dataPoint3D>
+  <cs:dataPointLine>
+    <cs:lnRef idx="0">
+      <cs:styleClr val="auto"/>
+    </cs:lnRef>
+    <cs:fillRef idx="1"/>
+    <cs:effectRef idx="0"/>
+    <cs:fontRef idx="minor">
+      <a:schemeClr val="tx1"/>
+    </cs:fontRef>
+    <cs:spPr>
+      <a:ln w="28575" cap="rnd">
+        <a:solidFill>
+          <a:schemeClr val="phClr"/>
+        </a:solidFill>
+        <a:round/>
+      </a:ln>
+    </cs:spPr>
+  </cs:dataPointLine>
+  <cs:dataPointMarker>
+    <cs:lnRef idx="0">
+      <cs:styleClr val="auto"/>
+    </cs:lnRef>
+    <cs:fillRef idx="1">
+      <cs:styleClr val="auto"/>
+    </cs:fillRef>
+    <cs:effectRef idx="0"/>
+    <cs:fontRef idx="minor">
+      <a:schemeClr val="tx1"/>
+    </cs:fontRef>
+    <cs:spPr>
+      <a:ln w="9525">
+        <a:solidFill>
+          <a:schemeClr val="phClr"/>
+        </a:solidFill>
+      </a:ln>
+    </cs:spPr>
+  </cs:dataPointMarker>
+  <cs:dataPointMarkerLayout symbol="circle" size="5"/>
+  <cs:dataPointWireframe>
+    <cs:lnRef idx="0">
+      <cs:styleClr val="auto"/>
+    </cs:lnRef>
+    <cs:fillRef idx="1"/>
+    <cs:effectRef idx="0"/>
+    <cs:fontRef idx="minor">
+      <a:schemeClr val="tx1"/>
+    </cs:fontRef>
+    <cs:spPr>
+      <a:ln w="9525" cap="rnd">
+        <a:solidFill>
+          <a:schemeClr val="phClr"/>
+        </a:solidFill>
+        <a:round/>
+      </a:ln>
+    </cs:spPr>
+  </cs:dataPointWireframe>
+  <cs:dataTable>
+    <cs:lnRef idx="0"/>
+    <cs:fillRef idx="0"/>
+    <cs:effectRef idx="0"/>
+    <cs:fontRef idx="minor">
+      <a:schemeClr val="tx1">
+        <a:lumMod val="65000"/>
+        <a:lumOff val="35000"/>
+      </a:schemeClr>
+    </cs:fontRef>
+    <cs:spPr>
+      <a:noFill/>
+      <a:ln w="9525" cap="flat" cmpd="sng" algn="ctr">
+        <a:solidFill>
+          <a:schemeClr val="tx1">
+            <a:lumMod val="15000"/>
+            <a:lumOff val="85000"/>
+          </a:schemeClr>
+        </a:solidFill>
+        <a:round/>
+      </a:ln>
+    </cs:spPr>
+    <cs:defRPr sz="900" kern="1200"/>
+  </cs:dataTable>
+  <cs:downBar>
+    <cs:lnRef idx="0"/>
+    <cs:fillRef idx="0"/>
+    <cs:effectRef idx="0"/>
+    <cs:fontRef idx="minor">
+      <a:schemeClr val="dk1"/>
+    </cs:fontRef>
+    <cs:spPr>
+      <a:solidFill>
+        <a:schemeClr val="dk1">
+          <a:lumMod val="65000"/>
+          <a:lumOff val="35000"/>
+        </a:schemeClr>
+      </a:solidFill>
+      <a:ln w="9525">
+        <a:solidFill>
+          <a:schemeClr val="tx1">
+            <a:lumMod val="65000"/>
+            <a:lumOff val="35000"/>
+          </a:schemeClr>
+        </a:solidFill>
+      </a:ln>
+    </cs:spPr>
+  </cs:downBar>
+  <cs:dropLine>
+    <cs:lnRef idx="0"/>
+    <cs:fillRef idx="0"/>
+    <cs:effectRef idx="0"/>
+    <cs:fontRef idx="minor">
+      <a:schemeClr val="tx1"/>
+    </cs:fontRef>
+    <cs:spPr>
+      <a:ln w="9525" cap="flat" cmpd="sng" algn="ctr">
+        <a:solidFill>
+          <a:schemeClr val="tx1">
+            <a:lumMod val="35000"/>
+            <a:lumOff val="65000"/>
+          </a:schemeClr>
+        </a:solidFill>
+        <a:round/>
+      </a:ln>
+    </cs:spPr>
+  </cs:dropLine>
+  <cs:errorBar>
+    <cs:lnRef idx="0"/>
+    <cs:fillRef idx="0"/>
+    <cs:effectRef idx="0"/>
+    <cs:fontRef idx="minor">
+      <a:schemeClr val="tx1"/>
+    </cs:fontRef>
+    <cs:spPr>
+      <a:ln w="9525" cap="flat" cmpd="sng" algn="ctr">
+        <a:solidFill>
+          <a:schemeClr val="tx1">
+            <a:lumMod val="65000"/>
+            <a:lumOff val="35000"/>
+          </a:schemeClr>
+        </a:solidFill>
+        <a:round/>
+      </a:ln>
+    </cs:spPr>
+  </cs:errorBar>
+  <cs:floor>
+    <cs:lnRef idx="0"/>
+    <cs:fillRef idx="0"/>
+    <cs:effectRef idx="0"/>
+    <cs:fontRef idx="minor">
+      <a:schemeClr val="tx1"/>
+    </cs:fontRef>
+    <cs:spPr>
+      <a:noFill/>
+      <a:ln>
+        <a:noFill/>
+      </a:ln>
+    </cs:spPr>
+  </cs:floor>
+  <cs:gridlineMajor>
+    <cs:lnRef idx="0"/>
+    <cs:fillRef idx="0"/>
+    <cs:effectRef idx="0"/>
+    <cs:fontRef idx="minor">
+      <a:schemeClr val="tx1"/>
+    </cs:fontRef>
+    <cs:spPr>
+      <a:ln w="9525" cap="flat" cmpd="sng" algn="ctr">
+        <a:solidFill>
+          <a:schemeClr val="tx1">
+            <a:lumMod val="15000"/>
+            <a:lumOff val="85000"/>
+          </a:schemeClr>
+        </a:solidFill>
+        <a:round/>
+      </a:ln>
+    </cs:spPr>
+  </cs:gridlineMajor>
+  <cs:gridlineMinor>
+    <cs:lnRef idx="0"/>
+    <cs:fillRef idx="0"/>
+    <cs:effectRef idx="0"/>
+    <cs:fontRef idx="minor">
+      <a:schemeClr val="tx1"/>
+    </cs:fontRef>
+    <cs:spPr>
+      <a:ln w="9525" cap="flat" cmpd="sng" algn="ctr">
+        <a:solidFill>
+          <a:schemeClr val="tx1">
+            <a:lumMod val="5000"/>
+            <a:lumOff val="95000"/>
+          </a:schemeClr>
+        </a:solidFill>
+        <a:round/>
+      </a:ln>
+    </cs:spPr>
+  </cs:gridlineMinor>
+  <cs:hiLoLine>
+    <cs:lnRef idx="0"/>
+    <cs:fillRef idx="0"/>
+    <cs:effectRef idx="0"/>
+    <cs:fontRef idx="minor">
+      <a:schemeClr val="tx1"/>
+    </cs:fontRef>
+    <cs:spPr>
+      <a:ln w="9525" cap="flat" cmpd="sng" algn="ctr">
+        <a:solidFill>
+          <a:schemeClr val="tx1">
+            <a:lumMod val="75000"/>
+            <a:lumOff val="25000"/>
+          </a:schemeClr>
+        </a:solidFill>
+        <a:round/>
+      </a:ln>
+    </cs:spPr>
+  </cs:hiLoLine>
+  <cs:leaderLine>
+    <cs:lnRef idx="0"/>
+    <cs:fillRef idx="0"/>
+    <cs:effectRef idx="0"/>
+    <cs:fontRef idx="minor">
+      <a:schemeClr val="tx1"/>
+    </cs:fontRef>
+    <cs:spPr>
+      <a:ln w="9525" cap="flat" cmpd="sng" algn="ctr">
+        <a:solidFill>
+          <a:schemeClr val="tx1">
+            <a:lumMod val="35000"/>
+            <a:lumOff val="65000"/>
+          </a:schemeClr>
+        </a:solidFill>
+        <a:round/>
+      </a:ln>
+    </cs:spPr>
+  </cs:leaderLine>
+  <cs:legend>
+    <cs:lnRef idx="0"/>
+    <cs:fillRef idx="0"/>
+    <cs:effectRef idx="0"/>
+    <cs:fontRef idx="minor">
+      <a:schemeClr val="tx1">
+        <a:lumMod val="65000"/>
+        <a:lumOff val="35000"/>
+      </a:schemeClr>
+    </cs:fontRef>
+    <cs:defRPr sz="900" kern="1200"/>
+  </cs:legend>
+  <cs:plotArea mods="allowNoFillOverride allowNoLineOverride">
+    <cs:lnRef idx="0"/>
+    <cs:fillRef idx="0"/>
+    <cs:effectRef idx="0"/>
+    <cs:fontRef idx="minor">
+      <a:schemeClr val="tx1"/>
+    </cs:fontRef>
+  </cs:plotArea>
+  <cs:plotArea3D mods="allowNoFillOverride allowNoLineOverride">
+    <cs:lnRef idx="0"/>
+    <cs:fillRef idx="0"/>
+    <cs:effectRef idx="0"/>
+    <cs:fontRef idx="minor">
+      <a:schemeClr val="tx1"/>
+    </cs:fontRef>
+  </cs:plotArea3D>
+  <cs:seriesAxis>
+    <cs:lnRef idx="0"/>
+    <cs:fillRef idx="0"/>
+    <cs:effectRef idx="0"/>
+    <cs:fontRef idx="minor">
+      <a:schemeClr val="tx1">
+        <a:lumMod val="65000"/>
+        <a:lumOff val="35000"/>
+      </a:schemeClr>
+    </cs:fontRef>
+    <cs:defRPr sz="900" kern="1200"/>
+  </cs:seriesAxis>
+  <cs:seriesLine>
+    <cs:lnRef idx="0"/>
+    <cs:fillRef idx="0"/>
+    <cs:effectRef idx="0"/>
+    <cs:fontRef idx="minor">
+      <a:schemeClr val="tx1"/>
+    </cs:fontRef>
+    <cs:spPr>
+      <a:ln w="9525" cap="flat" cmpd="sng" algn="ctr">
+        <a:solidFill>
+          <a:schemeClr val="tx1">
+            <a:lumMod val="35000"/>
+            <a:lumOff val="65000"/>
+          </a:schemeClr>
+        </a:solidFill>
+        <a:round/>
+      </a:ln>
+    </cs:spPr>
+  </cs:seriesLine>
+  <cs:title>
+    <cs:lnRef idx="0"/>
+    <cs:fillRef idx="0"/>
+    <cs:effectRef idx="0"/>
+    <cs:fontRef idx="minor">
+      <a:schemeClr val="tx1">
+        <a:lumMod val="65000"/>
+        <a:lumOff val="35000"/>
+      </a:schemeClr>
+    </cs:fontRef>
+    <cs:defRPr sz="1400" b="0" kern="1200" spc="0" baseline="0"/>
+  </cs:title>
+  <cs:trendline>
+    <cs:lnRef idx="0">
+      <cs:styleClr val="auto"/>
+    </cs:lnRef>
+    <cs:fillRef idx="0"/>
+    <cs:effectRef idx="0"/>
+    <cs:fontRef idx="minor">
+      <a:schemeClr val="tx1"/>
+    </cs:fontRef>
+    <cs:spPr>
+      <a:ln w="19050" cap="rnd">
+        <a:solidFill>
+          <a:schemeClr val="phClr"/>
+        </a:solidFill>
+        <a:prstDash val="sysDot"/>
+      </a:ln>
+    </cs:spPr>
+  </cs:trendline>
+  <cs:trendlineLabel>
+    <cs:lnRef idx="0"/>
+    <cs:fillRef idx="0"/>
+    <cs:effectRef idx="0"/>
+    <cs:fontRef idx="minor">
+      <a:schemeClr val="tx1">
+        <a:lumMod val="65000"/>
+        <a:lumOff val="35000"/>
+      </a:schemeClr>
+    </cs:fontRef>
+    <cs:defRPr sz="900" kern="1200"/>
+  </cs:trendlineLabel>
+  <cs:upBar>
+    <cs:lnRef idx="0"/>
+    <cs:fillRef idx="0"/>
+    <cs:effectRef idx="0"/>
+    <cs:fontRef idx="minor">
+      <a:schemeClr val="dk1"/>
+    </cs:fontRef>
+    <cs:spPr>
+      <a:solidFill>
+        <a:schemeClr val="lt1"/>
+      </a:solidFill>
+      <a:ln w="9525">
+        <a:solidFill>
+          <a:schemeClr val="tx1">
+            <a:lumMod val="15000"/>
+            <a:lumOff val="85000"/>
+          </a:schemeClr>
+        </a:solidFill>
+      </a:ln>
+    </cs:spPr>
+  </cs:upBar>
+  <cs:valueAxis>
+    <cs:lnRef idx="0"/>
+    <cs:fillRef idx="0"/>
+    <cs:effectRef idx="0"/>
+    <cs:fontRef idx="minor">
+      <a:schemeClr val="tx1">
+        <a:lumMod val="65000"/>
+        <a:lumOff val="35000"/>
+      </a:schemeClr>
+    </cs:fontRef>
+    <cs:defRPr sz="900" kern="1200"/>
+  </cs:valueAxis>
+  <cs:wall>
+    <cs:lnRef idx="0"/>
+    <cs:fillRef idx="0"/>
+    <cs:effectRef idx="0"/>
+    <cs:fontRef idx="minor">
+      <a:schemeClr val="tx1"/>
+    </cs:fontRef>
+    <cs:spPr>
+      <a:noFill/>
+      <a:ln>
+        <a:noFill/>
+      </a:ln>
+    </cs:spPr>
+  </cs:wall>
+</cs:chartStyle>
+</file>
+
+<file path=ppt/charts/style3.xml><?xml version="1.0" encoding="utf-8"?>
+<cs:chartStyle xmlns:cs="http://schemas.microsoft.com/office/drawing/2012/chartStyle" xmlns:a="http://schemas.openxmlformats.org/drawingml/2006/main" id="332">
+  <cs:axisTitle>
+    <cs:lnRef idx="0"/>
+    <cs:fillRef idx="0"/>
+    <cs:effectRef idx="0"/>
+    <cs:fontRef idx="minor">
+      <a:schemeClr val="tx1">
+        <a:lumMod val="65000"/>
+        <a:lumOff val="35000"/>
+      </a:schemeClr>
+    </cs:fontRef>
+    <cs:defRPr sz="1000" kern="1200"/>
+  </cs:axisTitle>
+  <cs:categoryAxis>
+    <cs:lnRef idx="0"/>
+    <cs:fillRef idx="0"/>
+    <cs:effectRef idx="0"/>
+    <cs:fontRef idx="minor">
+      <a:schemeClr val="tx1">
+        <a:lumMod val="65000"/>
+        <a:lumOff val="35000"/>
+      </a:schemeClr>
+    </cs:fontRef>
+    <cs:spPr>
+      <a:ln w="9525" cap="flat" cmpd="sng" algn="ctr">
+        <a:solidFill>
+          <a:schemeClr val="tx1">
+            <a:lumMod val="15000"/>
+            <a:lumOff val="85000"/>
+          </a:schemeClr>
+        </a:solidFill>
+        <a:round/>
+      </a:ln>
+    </cs:spPr>
+    <cs:defRPr sz="900" kern="1200"/>
+  </cs:categoryAxis>
+  <cs:chartArea mods="allowNoFillOverride allowNoLineOverride">
+    <cs:lnRef idx="0"/>
+    <cs:fillRef idx="0"/>
+    <cs:effectRef idx="0"/>
+    <cs:fontRef idx="minor">
+      <a:schemeClr val="tx1"/>
+    </cs:fontRef>
+    <cs:spPr>
+      <a:solidFill>
+        <a:schemeClr val="bg1"/>
+      </a:solidFill>
+      <a:ln w="9525" cap="flat" cmpd="sng" algn="ctr">
+        <a:solidFill>
+          <a:schemeClr val="tx1">
+            <a:lumMod val="15000"/>
+            <a:lumOff val="85000"/>
+          </a:schemeClr>
+        </a:solidFill>
+        <a:round/>
+      </a:ln>
+    </cs:spPr>
+    <cs:defRPr sz="1000" kern="1200"/>
+  </cs:chartArea>
+  <cs:dataLabel>
+    <cs:lnRef idx="0"/>
+    <cs:fillRef idx="0"/>
+    <cs:effectRef idx="0"/>
+    <cs:fontRef idx="minor">
+      <a:schemeClr val="tx1">
+        <a:lumMod val="75000"/>
+        <a:lumOff val="25000"/>
+      </a:schemeClr>
+    </cs:fontRef>
+    <cs:defRPr sz="900" kern="1200"/>
+  </cs:dataLabel>
+  <cs:dataLabelCallout>
+    <cs:lnRef idx="0"/>
+    <cs:fillRef idx="0"/>
+    <cs:effectRef idx="0"/>
+    <cs:fontRef idx="minor">
+      <a:schemeClr val="dk1">
+        <a:lumMod val="65000"/>
+        <a:lumOff val="35000"/>
+      </a:schemeClr>
+    </cs:fontRef>
+    <cs:spPr>
+      <a:solidFill>
+        <a:schemeClr val="lt1"/>
+      </a:solidFill>
+      <a:ln>
+        <a:solidFill>
+          <a:schemeClr val="dk1">
+            <a:lumMod val="25000"/>
+            <a:lumOff val="75000"/>
+          </a:schemeClr>
+        </a:solidFill>
+      </a:ln>
+    </cs:spPr>
+    <cs:defRPr sz="900" kern="1200"/>
+    <cs:bodyPr rot="0" spcFirstLastPara="1" vertOverflow="clip" horzOverflow="clip" vert="horz" wrap="square" lIns="36576" tIns="18288" rIns="36576" bIns="18288" anchor="ctr" anchorCtr="1">
+      <a:spAutoFit/>
+    </cs:bodyPr>
+  </cs:dataLabelCallout>
+  <cs:dataPoint>
+    <cs:lnRef idx="0"/>
+    <cs:fillRef idx="1">
+      <cs:styleClr val="auto"/>
+    </cs:fillRef>
+    <cs:effectRef idx="0"/>
+    <cs:fontRef idx="minor">
+      <a:schemeClr val="tx1"/>
+    </cs:fontRef>
+  </cs:dataPoint>
+  <cs:dataPoint3D>
+    <cs:lnRef idx="0"/>
+    <cs:fillRef idx="1">
+      <cs:styleClr val="auto"/>
+    </cs:fillRef>
+    <cs:effectRef idx="0"/>
+    <cs:fontRef idx="minor">
+      <a:schemeClr val="tx1"/>
+    </cs:fontRef>
+  </cs:dataPoint3D>
+  <cs:dataPointLine>
+    <cs:lnRef idx="0">
+      <cs:styleClr val="auto"/>
+    </cs:lnRef>
+    <cs:fillRef idx="1"/>
+    <cs:effectRef idx="0"/>
+    <cs:fontRef idx="minor">
+      <a:schemeClr val="tx1"/>
+    </cs:fontRef>
+    <cs:spPr>
+      <a:ln w="28575" cap="rnd">
+        <a:solidFill>
+          <a:schemeClr val="phClr"/>
+        </a:solidFill>
+        <a:round/>
+      </a:ln>
+    </cs:spPr>
+  </cs:dataPointLine>
+  <cs:dataPointMarker>
+    <cs:lnRef idx="0">
+      <cs:styleClr val="auto"/>
+    </cs:lnRef>
+    <cs:fillRef idx="1">
+      <cs:styleClr val="auto"/>
+    </cs:fillRef>
+    <cs:effectRef idx="0"/>
+    <cs:fontRef idx="minor">
+      <a:schemeClr val="tx1"/>
+    </cs:fontRef>
+    <cs:spPr>
+      <a:ln w="9525">
+        <a:solidFill>
+          <a:schemeClr val="phClr"/>
+        </a:solidFill>
+      </a:ln>
+    </cs:spPr>
+  </cs:dataPointMarker>
+  <cs:dataPointMarkerLayout symbol="circle" size="5"/>
+  <cs:dataPointWireframe>
+    <cs:lnRef idx="0">
+      <cs:styleClr val="auto"/>
+    </cs:lnRef>
+    <cs:fillRef idx="1"/>
+    <cs:effectRef idx="0"/>
+    <cs:fontRef idx="minor">
+      <a:schemeClr val="tx1"/>
+    </cs:fontRef>
+    <cs:spPr>
+      <a:ln w="9525" cap="rnd">
+        <a:solidFill>
+          <a:schemeClr val="phClr"/>
+        </a:solidFill>
+        <a:round/>
+      </a:ln>
+    </cs:spPr>
+  </cs:dataPointWireframe>
+  <cs:dataTable>
+    <cs:lnRef idx="0"/>
+    <cs:fillRef idx="0"/>
+    <cs:effectRef idx="0"/>
+    <cs:fontRef idx="minor">
+      <a:schemeClr val="tx1">
+        <a:lumMod val="65000"/>
+        <a:lumOff val="35000"/>
+      </a:schemeClr>
+    </cs:fontRef>
+    <cs:spPr>
+      <a:noFill/>
+      <a:ln w="9525" cap="flat" cmpd="sng" algn="ctr">
+        <a:solidFill>
+          <a:schemeClr val="tx1">
+            <a:lumMod val="15000"/>
+            <a:lumOff val="85000"/>
+          </a:schemeClr>
+        </a:solidFill>
+        <a:round/>
+      </a:ln>
+    </cs:spPr>
+    <cs:defRPr sz="900" kern="1200"/>
+  </cs:dataTable>
+  <cs:downBar>
+    <cs:lnRef idx="0"/>
+    <cs:fillRef idx="0"/>
+    <cs:effectRef idx="0"/>
+    <cs:fontRef idx="minor">
+      <a:schemeClr val="dk1"/>
+    </cs:fontRef>
+    <cs:spPr>
+      <a:solidFill>
+        <a:schemeClr val="dk1">
+          <a:lumMod val="65000"/>
+          <a:lumOff val="35000"/>
+        </a:schemeClr>
+      </a:solidFill>
+      <a:ln w="9525">
+        <a:solidFill>
+          <a:schemeClr val="tx1">
+            <a:lumMod val="65000"/>
+            <a:lumOff val="35000"/>
+          </a:schemeClr>
+        </a:solidFill>
+      </a:ln>
+    </cs:spPr>
+  </cs:downBar>
+  <cs:dropLine>
+    <cs:lnRef idx="0"/>
+    <cs:fillRef idx="0"/>
+    <cs:effectRef idx="0"/>
+    <cs:fontRef idx="minor">
+      <a:schemeClr val="tx1"/>
+    </cs:fontRef>
+    <cs:spPr>
+      <a:ln w="9525" cap="flat" cmpd="sng" algn="ctr">
+        <a:solidFill>
+          <a:schemeClr val="tx1">
+            <a:lumMod val="35000"/>
+            <a:lumOff val="65000"/>
+          </a:schemeClr>
+        </a:solidFill>
+        <a:round/>
+      </a:ln>
+    </cs:spPr>
+  </cs:dropLine>
+  <cs:errorBar>
+    <cs:lnRef idx="0"/>
+    <cs:fillRef idx="0"/>
+    <cs:effectRef idx="0"/>
+    <cs:fontRef idx="minor">
+      <a:schemeClr val="tx1"/>
+    </cs:fontRef>
+    <cs:spPr>
+      <a:ln w="9525" cap="flat" cmpd="sng" algn="ctr">
+        <a:solidFill>
+          <a:schemeClr val="tx1">
+            <a:lumMod val="65000"/>
+            <a:lumOff val="35000"/>
+          </a:schemeClr>
+        </a:solidFill>
+        <a:round/>
+      </a:ln>
+    </cs:spPr>
+  </cs:errorBar>
+  <cs:floor>
+    <cs:lnRef idx="0"/>
+    <cs:fillRef idx="0"/>
+    <cs:effectRef idx="0"/>
+    <cs:fontRef idx="minor">
+      <a:schemeClr val="tx1"/>
+    </cs:fontRef>
+    <cs:spPr>
+      <a:noFill/>
+      <a:ln>
+        <a:noFill/>
+      </a:ln>
+    </cs:spPr>
+  </cs:floor>
+  <cs:gridlineMajor>
+    <cs:lnRef idx="0"/>
+    <cs:fillRef idx="0"/>
+    <cs:effectRef idx="0"/>
+    <cs:fontRef idx="minor">
+      <a:schemeClr val="tx1"/>
+    </cs:fontRef>
+    <cs:spPr>
+      <a:ln w="9525" cap="flat" cmpd="sng" algn="ctr">
+        <a:solidFill>
+          <a:schemeClr val="tx1">
+            <a:lumMod val="15000"/>
+            <a:lumOff val="85000"/>
+          </a:schemeClr>
+        </a:solidFill>
+        <a:round/>
+      </a:ln>
+    </cs:spPr>
+  </cs:gridlineMajor>
+  <cs:gridlineMinor>
+    <cs:lnRef idx="0"/>
+    <cs:fillRef idx="0"/>
+    <cs:effectRef idx="0"/>
+    <cs:fontRef idx="minor">
+      <a:schemeClr val="tx1"/>
+    </cs:fontRef>
+    <cs:spPr>
+      <a:ln w="9525" cap="flat" cmpd="sng" algn="ctr">
+        <a:solidFill>
+          <a:schemeClr val="tx1">
+            <a:lumMod val="5000"/>
+            <a:lumOff val="95000"/>
+          </a:schemeClr>
+        </a:solidFill>
+        <a:round/>
+      </a:ln>
+    </cs:spPr>
+  </cs:gridlineMinor>
+  <cs:hiLoLine>
+    <cs:lnRef idx="0"/>
+    <cs:fillRef idx="0"/>
+    <cs:effectRef idx="0"/>
+    <cs:fontRef idx="minor">
+      <a:schemeClr val="tx1"/>
+    </cs:fontRef>
+    <cs:spPr>
+      <a:ln w="9525" cap="flat" cmpd="sng" algn="ctr">
+        <a:solidFill>
+          <a:schemeClr val="tx1">
+            <a:lumMod val="75000"/>
+            <a:lumOff val="25000"/>
+          </a:schemeClr>
+        </a:solidFill>
+        <a:round/>
+      </a:ln>
+    </cs:spPr>
+  </cs:hiLoLine>
+  <cs:leaderLine>
+    <cs:lnRef idx="0"/>
+    <cs:fillRef idx="0"/>
+    <cs:effectRef idx="0"/>
+    <cs:fontRef idx="minor">
+      <a:schemeClr val="tx1"/>
+    </cs:fontRef>
+    <cs:spPr>
+      <a:ln w="9525" cap="flat" cmpd="sng" algn="ctr">
+        <a:solidFill>
+          <a:schemeClr val="tx1">
+            <a:lumMod val="35000"/>
+            <a:lumOff val="65000"/>
+          </a:schemeClr>
+        </a:solidFill>
+        <a:round/>
+      </a:ln>
+    </cs:spPr>
+  </cs:leaderLine>
+  <cs:legend>
+    <cs:lnRef idx="0"/>
+    <cs:fillRef idx="0"/>
+    <cs:effectRef idx="0"/>
+    <cs:fontRef idx="minor">
+      <a:schemeClr val="tx1">
+        <a:lumMod val="65000"/>
+        <a:lumOff val="35000"/>
+      </a:schemeClr>
+    </cs:fontRef>
+    <cs:defRPr sz="900" kern="1200"/>
+  </cs:legend>
+  <cs:plotArea mods="allowNoFillOverride allowNoLineOverride">
+    <cs:lnRef idx="0"/>
+    <cs:fillRef idx="0"/>
+    <cs:effectRef idx="0"/>
+    <cs:fontRef idx="minor">
+      <a:schemeClr val="tx1"/>
+    </cs:fontRef>
+  </cs:plotArea>
+  <cs:plotArea3D mods="allowNoFillOverride allowNoLineOverride">
+    <cs:lnRef idx="0"/>
+    <cs:fillRef idx="0"/>
+    <cs:effectRef idx="0"/>
+    <cs:fontRef idx="minor">
+      <a:schemeClr val="tx1"/>
+    </cs:fontRef>
+  </cs:plotArea3D>
+  <cs:seriesAxis>
+    <cs:lnRef idx="0"/>
+    <cs:fillRef idx="0"/>
+    <cs:effectRef idx="0"/>
+    <cs:fontRef idx="minor">
+      <a:schemeClr val="tx1">
+        <a:lumMod val="65000"/>
+        <a:lumOff val="35000"/>
+      </a:schemeClr>
+    </cs:fontRef>
+    <cs:defRPr sz="900" kern="1200"/>
+  </cs:seriesAxis>
+  <cs:seriesLine>
+    <cs:lnRef idx="0"/>
+    <cs:fillRef idx="0"/>
+    <cs:effectRef idx="0"/>
+    <cs:fontRef idx="minor">
+      <a:schemeClr val="tx1"/>
+    </cs:fontRef>
+    <cs:spPr>
+      <a:ln w="9525" cap="flat" cmpd="sng" algn="ctr">
+        <a:solidFill>
+          <a:schemeClr val="tx1">
+            <a:lumMod val="35000"/>
+            <a:lumOff val="65000"/>
+          </a:schemeClr>
+        </a:solidFill>
+        <a:round/>
+      </a:ln>
+    </cs:spPr>
+  </cs:seriesLine>
+  <cs:title>
+    <cs:lnRef idx="0"/>
+    <cs:fillRef idx="0"/>
+    <cs:effectRef idx="0"/>
+    <cs:fontRef idx="minor">
+      <a:schemeClr val="tx1">
+        <a:lumMod val="65000"/>
+        <a:lumOff val="35000"/>
+      </a:schemeClr>
+    </cs:fontRef>
+    <cs:defRPr sz="1400" b="0" kern="1200" spc="0" baseline="0"/>
+  </cs:title>
+  <cs:trendline>
+    <cs:lnRef idx="0">
+      <cs:styleClr val="auto"/>
+    </cs:lnRef>
+    <cs:fillRef idx="0"/>
+    <cs:effectRef idx="0"/>
+    <cs:fontRef idx="minor">
+      <a:schemeClr val="tx1"/>
+    </cs:fontRef>
+    <cs:spPr>
+      <a:ln w="19050" cap="rnd">
+        <a:solidFill>
+          <a:schemeClr val="phClr"/>
+        </a:solidFill>
+        <a:prstDash val="sysDot"/>
+      </a:ln>
+    </cs:spPr>
+  </cs:trendline>
+  <cs:trendlineLabel>
+    <cs:lnRef idx="0"/>
+    <cs:fillRef idx="0"/>
+    <cs:effectRef idx="0"/>
+    <cs:fontRef idx="minor">
+      <a:schemeClr val="tx1">
+        <a:lumMod val="65000"/>
+        <a:lumOff val="35000"/>
+      </a:schemeClr>
+    </cs:fontRef>
+    <cs:defRPr sz="900" kern="1200"/>
+  </cs:trendlineLabel>
+  <cs:upBar>
+    <cs:lnRef idx="0"/>
+    <cs:fillRef idx="0"/>
+    <cs:effectRef idx="0"/>
+    <cs:fontRef idx="minor">
+      <a:schemeClr val="dk1"/>
+    </cs:fontRef>
+    <cs:spPr>
+      <a:solidFill>
+        <a:schemeClr val="lt1"/>
+      </a:solidFill>
+      <a:ln w="9525">
+        <a:solidFill>
+          <a:schemeClr val="tx1">
+            <a:lumMod val="15000"/>
+            <a:lumOff val="85000"/>
+          </a:schemeClr>
+        </a:solidFill>
+      </a:ln>
+    </cs:spPr>
+  </cs:upBar>
+  <cs:valueAxis>
+    <cs:lnRef idx="0"/>
+    <cs:fillRef idx="0"/>
+    <cs:effectRef idx="0"/>
+    <cs:fontRef idx="minor">
+      <a:schemeClr val="tx1">
+        <a:lumMod val="65000"/>
+        <a:lumOff val="35000"/>
+      </a:schemeClr>
+    </cs:fontRef>
+    <cs:defRPr sz="900" kern="1200"/>
+  </cs:valueAxis>
+  <cs:wall>
+    <cs:lnRef idx="0"/>
+    <cs:fillRef idx="0"/>
+    <cs:effectRef idx="0"/>
+    <cs:fontRef idx="minor">
+      <a:schemeClr val="tx1"/>
+    </cs:fontRef>
+    <cs:spPr>
+      <a:noFill/>
+      <a:ln>
+        <a:noFill/>
+      </a:ln>
+    </cs:spPr>
+  </cs:wall>
+</cs:chartStyle>
+</file>
+
+<file path=ppt/charts/style4.xml><?xml version="1.0" encoding="utf-8"?>
+<cs:chartStyle xmlns:cs="http://schemas.microsoft.com/office/drawing/2012/chartStyle" xmlns:a="http://schemas.openxmlformats.org/drawingml/2006/main" id="332">
+  <cs:axisTitle>
+    <cs:lnRef idx="0"/>
+    <cs:fillRef idx="0"/>
+    <cs:effectRef idx="0"/>
+    <cs:fontRef idx="minor">
+      <a:schemeClr val="tx1">
+        <a:lumMod val="65000"/>
+        <a:lumOff val="35000"/>
+      </a:schemeClr>
+    </cs:fontRef>
+    <cs:defRPr sz="1000" kern="1200"/>
+  </cs:axisTitle>
+  <cs:categoryAxis>
+    <cs:lnRef idx="0"/>
+    <cs:fillRef idx="0"/>
+    <cs:effectRef idx="0"/>
+    <cs:fontRef idx="minor">
+      <a:schemeClr val="tx1">
+        <a:lumMod val="65000"/>
+        <a:lumOff val="35000"/>
+      </a:schemeClr>
+    </cs:fontRef>
+    <cs:spPr>
+      <a:ln w="9525" cap="flat" cmpd="sng" algn="ctr">
+        <a:solidFill>
+          <a:schemeClr val="tx1">
+            <a:lumMod val="15000"/>
+            <a:lumOff val="85000"/>
+          </a:schemeClr>
+        </a:solidFill>
+        <a:round/>
+      </a:ln>
+    </cs:spPr>
+    <cs:defRPr sz="900" kern="1200"/>
+  </cs:categoryAxis>
+  <cs:chartArea mods="allowNoFillOverride allowNoLineOverride">
+    <cs:lnRef idx="0"/>
+    <cs:fillRef idx="0"/>
+    <cs:effectRef idx="0"/>
+    <cs:fontRef idx="minor">
+      <a:schemeClr val="tx1"/>
+    </cs:fontRef>
+    <cs:spPr>
+      <a:solidFill>
+        <a:schemeClr val="bg1"/>
+      </a:solidFill>
+      <a:ln w="9525" cap="flat" cmpd="sng" algn="ctr">
+        <a:solidFill>
+          <a:schemeClr val="tx1">
+            <a:lumMod val="15000"/>
+            <a:lumOff val="85000"/>
+          </a:schemeClr>
+        </a:solidFill>
+        <a:round/>
+      </a:ln>
+    </cs:spPr>
+    <cs:defRPr sz="1000" kern="1200"/>
+  </cs:chartArea>
+  <cs:dataLabel>
+    <cs:lnRef idx="0"/>
+    <cs:fillRef idx="0"/>
+    <cs:effectRef idx="0"/>
+    <cs:fontRef idx="minor">
+      <a:schemeClr val="tx1">
+        <a:lumMod val="75000"/>
+        <a:lumOff val="25000"/>
+      </a:schemeClr>
+    </cs:fontRef>
+    <cs:defRPr sz="900" kern="1200"/>
+  </cs:dataLabel>
+  <cs:dataLabelCallout>
+    <cs:lnRef idx="0"/>
+    <cs:fillRef idx="0"/>
+    <cs:effectRef idx="0"/>
+    <cs:fontRef idx="minor">
+      <a:schemeClr val="dk1">
+        <a:lumMod val="65000"/>
+        <a:lumOff val="35000"/>
+      </a:schemeClr>
+    </cs:fontRef>
+    <cs:spPr>
+      <a:solidFill>
+        <a:schemeClr val="lt1"/>
+      </a:solidFill>
+      <a:ln>
+        <a:solidFill>
+          <a:schemeClr val="dk1">
+            <a:lumMod val="25000"/>
+            <a:lumOff val="75000"/>
+          </a:schemeClr>
+        </a:solidFill>
+      </a:ln>
+    </cs:spPr>
+    <cs:defRPr sz="900" kern="1200"/>
+    <cs:bodyPr rot="0" spcFirstLastPara="1" vertOverflow="clip" horzOverflow="clip" vert="horz" wrap="square" lIns="36576" tIns="18288" rIns="36576" bIns="18288" anchor="ctr" anchorCtr="1">
+      <a:spAutoFit/>
+    </cs:bodyPr>
+  </cs:dataLabelCallout>
+  <cs:dataPoint>
+    <cs:lnRef idx="0"/>
+    <cs:fillRef idx="1">
+      <cs:styleClr val="auto"/>
+    </cs:fillRef>
+    <cs:effectRef idx="0"/>
+    <cs:fontRef idx="minor">
+      <a:schemeClr val="tx1"/>
+    </cs:fontRef>
+  </cs:dataPoint>
+  <cs:dataPoint3D>
+    <cs:lnRef idx="0"/>
+    <cs:fillRef idx="1">
+      <cs:styleClr val="auto"/>
+    </cs:fillRef>
+    <cs:effectRef idx="0"/>
+    <cs:fontRef idx="minor">
+      <a:schemeClr val="tx1"/>
+    </cs:fontRef>
+  </cs:dataPoint3D>
+  <cs:dataPointLine>
+    <cs:lnRef idx="0">
+      <cs:styleClr val="auto"/>
+    </cs:lnRef>
+    <cs:fillRef idx="1"/>
+    <cs:effectRef idx="0"/>
+    <cs:fontRef idx="minor">
+      <a:schemeClr val="tx1"/>
+    </cs:fontRef>
+    <cs:spPr>
+      <a:ln w="28575" cap="rnd">
+        <a:solidFill>
+          <a:schemeClr val="phClr"/>
+        </a:solidFill>
+        <a:round/>
+      </a:ln>
+    </cs:spPr>
+  </cs:dataPointLine>
+  <cs:dataPointMarker>
+    <cs:lnRef idx="0">
+      <cs:styleClr val="auto"/>
+    </cs:lnRef>
+    <cs:fillRef idx="1">
+      <cs:styleClr val="auto"/>
+    </cs:fillRef>
+    <cs:effectRef idx="0"/>
+    <cs:fontRef idx="minor">
+      <a:schemeClr val="tx1"/>
+    </cs:fontRef>
+    <cs:spPr>
+      <a:ln w="9525">
+        <a:solidFill>
+          <a:schemeClr val="phClr"/>
+        </a:solidFill>
+      </a:ln>
+    </cs:spPr>
+  </cs:dataPointMarker>
+  <cs:dataPointMarkerLayout symbol="circle" size="5"/>
+  <cs:dataPointWireframe>
+    <cs:lnRef idx="0">
+      <cs:styleClr val="auto"/>
+    </cs:lnRef>
+    <cs:fillRef idx="1"/>
+    <cs:effectRef idx="0"/>
+    <cs:fontRef idx="minor">
+      <a:schemeClr val="tx1"/>
+    </cs:fontRef>
+    <cs:spPr>
+      <a:ln w="9525" cap="rnd">
+        <a:solidFill>
+          <a:schemeClr val="phClr"/>
+        </a:solidFill>
+        <a:round/>
+      </a:ln>
+    </cs:spPr>
+  </cs:dataPointWireframe>
+  <cs:dataTable>
+    <cs:lnRef idx="0"/>
+    <cs:fillRef idx="0"/>
+    <cs:effectRef idx="0"/>
+    <cs:fontRef idx="minor">
+      <a:schemeClr val="tx1">
+        <a:lumMod val="65000"/>
+        <a:lumOff val="35000"/>
+      </a:schemeClr>
+    </cs:fontRef>
+    <cs:spPr>
+      <a:noFill/>
+      <a:ln w="9525" cap="flat" cmpd="sng" algn="ctr">
+        <a:solidFill>
+          <a:schemeClr val="tx1">
+            <a:lumMod val="15000"/>
+            <a:lumOff val="85000"/>
+          </a:schemeClr>
+        </a:solidFill>
+        <a:round/>
+      </a:ln>
+    </cs:spPr>
+    <cs:defRPr sz="900" kern="1200"/>
+  </cs:dataTable>
+  <cs:downBar>
+    <cs:lnRef idx="0"/>
+    <cs:fillRef idx="0"/>
+    <cs:effectRef idx="0"/>
+    <cs:fontRef idx="minor">
+      <a:schemeClr val="dk1"/>
+    </cs:fontRef>
+    <cs:spPr>
+      <a:solidFill>
+        <a:schemeClr val="dk1">
+          <a:lumMod val="65000"/>
+          <a:lumOff val="35000"/>
+        </a:schemeClr>
+      </a:solidFill>
+      <a:ln w="9525">
+        <a:solidFill>
+          <a:schemeClr val="tx1">
+            <a:lumMod val="65000"/>
+            <a:lumOff val="35000"/>
+          </a:schemeClr>
+        </a:solidFill>
+      </a:ln>
+    </cs:spPr>
+  </cs:downBar>
+  <cs:dropLine>
+    <cs:lnRef idx="0"/>
+    <cs:fillRef idx="0"/>
+    <cs:effectRef idx="0"/>
+    <cs:fontRef idx="minor">
+      <a:schemeClr val="tx1"/>
+    </cs:fontRef>
+    <cs:spPr>
+      <a:ln w="9525" cap="flat" cmpd="sng" algn="ctr">
+        <a:solidFill>
+          <a:schemeClr val="tx1">
+            <a:lumMod val="35000"/>
+            <a:lumOff val="65000"/>
+          </a:schemeClr>
+        </a:solidFill>
+        <a:round/>
+      </a:ln>
+    </cs:spPr>
+  </cs:dropLine>
+  <cs:errorBar>
+    <cs:lnRef idx="0"/>
+    <cs:fillRef idx="0"/>
+    <cs:effectRef idx="0"/>
+    <cs:fontRef idx="minor">
+      <a:schemeClr val="tx1"/>
+    </cs:fontRef>
+    <cs:spPr>
+      <a:ln w="9525" cap="flat" cmpd="sng" algn="ctr">
+        <a:solidFill>
+          <a:schemeClr val="tx1">
+            <a:lumMod val="65000"/>
+            <a:lumOff val="35000"/>
+          </a:schemeClr>
+        </a:solidFill>
+        <a:round/>
+      </a:ln>
+    </cs:spPr>
+  </cs:errorBar>
+  <cs:floor>
+    <cs:lnRef idx="0"/>
+    <cs:fillRef idx="0"/>
+    <cs:effectRef idx="0"/>
+    <cs:fontRef idx="minor">
+      <a:schemeClr val="tx1"/>
+    </cs:fontRef>
+    <cs:spPr>
+      <a:noFill/>
+      <a:ln>
+        <a:noFill/>
+      </a:ln>
+    </cs:spPr>
+  </cs:floor>
+  <cs:gridlineMajor>
+    <cs:lnRef idx="0"/>
+    <cs:fillRef idx="0"/>
+    <cs:effectRef idx="0"/>
+    <cs:fontRef idx="minor">
+      <a:schemeClr val="tx1"/>
+    </cs:fontRef>
+    <cs:spPr>
+      <a:ln w="9525" cap="flat" cmpd="sng" algn="ctr">
+        <a:solidFill>
+          <a:schemeClr val="tx1">
+            <a:lumMod val="15000"/>
+            <a:lumOff val="85000"/>
+          </a:schemeClr>
+        </a:solidFill>
+        <a:round/>
+      </a:ln>
+    </cs:spPr>
+  </cs:gridlineMajor>
+  <cs:gridlineMinor>
+    <cs:lnRef idx="0"/>
+    <cs:fillRef idx="0"/>
+    <cs:effectRef idx="0"/>
+    <cs:fontRef idx="minor">
+      <a:schemeClr val="tx1"/>
+    </cs:fontRef>
+    <cs:spPr>
+      <a:ln w="9525" cap="flat" cmpd="sng" algn="ctr">
+        <a:solidFill>
+          <a:schemeClr val="tx1">
+            <a:lumMod val="5000"/>
+            <a:lumOff val="95000"/>
+          </a:schemeClr>
+        </a:solidFill>
+        <a:round/>
+      </a:ln>
+    </cs:spPr>
+  </cs:gridlineMinor>
+  <cs:hiLoLine>
+    <cs:lnRef idx="0"/>
+    <cs:fillRef idx="0"/>
+    <cs:effectRef idx="0"/>
+    <cs:fontRef idx="minor">
+      <a:schemeClr val="tx1"/>
+    </cs:fontRef>
+    <cs:spPr>
+      <a:ln w="9525" cap="flat" cmpd="sng" algn="ctr">
+        <a:solidFill>
+          <a:schemeClr val="tx1">
+            <a:lumMod val="75000"/>
+            <a:lumOff val="25000"/>
+          </a:schemeClr>
+        </a:solidFill>
+        <a:round/>
+      </a:ln>
+    </cs:spPr>
+  </cs:hiLoLine>
+  <cs:leaderLine>
+    <cs:lnRef idx="0"/>
+    <cs:fillRef idx="0"/>
+    <cs:effectRef idx="0"/>
+    <cs:fontRef idx="minor">
+      <a:schemeClr val="tx1"/>
+    </cs:fontRef>
+    <cs:spPr>
+      <a:ln w="9525" cap="flat" cmpd="sng" algn="ctr">
+        <a:solidFill>
+          <a:schemeClr val="tx1">
+            <a:lumMod val="35000"/>
+            <a:lumOff val="65000"/>
+          </a:schemeClr>
+        </a:solidFill>
+        <a:round/>
+      </a:ln>
+    </cs:spPr>
+  </cs:leaderLine>
+  <cs:legend>
+    <cs:lnRef idx="0"/>
+    <cs:fillRef idx="0"/>
+    <cs:effectRef idx="0"/>
+    <cs:fontRef idx="minor">
+      <a:schemeClr val="tx1">
+        <a:lumMod val="65000"/>
+        <a:lumOff val="35000"/>
+      </a:schemeClr>
+    </cs:fontRef>
+    <cs:defRPr sz="900" kern="1200"/>
+  </cs:legend>
+  <cs:plotArea mods="allowNoFillOverride allowNoLineOverride">
+    <cs:lnRef idx="0"/>
+    <cs:fillRef idx="0"/>
+    <cs:effectRef idx="0"/>
+    <cs:fontRef idx="minor">
+      <a:schemeClr val="tx1"/>
+    </cs:fontRef>
+  </cs:plotArea>
+  <cs:plotArea3D mods="allowNoFillOverride allowNoLineOverride">
+    <cs:lnRef idx="0"/>
+    <cs:fillRef idx="0"/>
+    <cs:effectRef idx="0"/>
+    <cs:fontRef idx="minor">
+      <a:schemeClr val="tx1"/>
+    </cs:fontRef>
+  </cs:plotArea3D>
+  <cs:seriesAxis>
+    <cs:lnRef idx="0"/>
+    <cs:fillRef idx="0"/>
+    <cs:effectRef idx="0"/>
+    <cs:fontRef idx="minor">
+      <a:schemeClr val="tx1">
+        <a:lumMod val="65000"/>
+        <a:lumOff val="35000"/>
+      </a:schemeClr>
+    </cs:fontRef>
+    <cs:defRPr sz="900" kern="1200"/>
+  </cs:seriesAxis>
+  <cs:seriesLine>
+    <cs:lnRef idx="0"/>
+    <cs:fillRef idx="0"/>
+    <cs:effectRef idx="0"/>
+    <cs:fontRef idx="minor">
+      <a:schemeClr val="tx1"/>
+    </cs:fontRef>
+    <cs:spPr>
+      <a:ln w="9525" cap="flat" cmpd="sng" algn="ctr">
+        <a:solidFill>
+          <a:schemeClr val="tx1">
+            <a:lumMod val="35000"/>
+            <a:lumOff val="65000"/>
+          </a:schemeClr>
+        </a:solidFill>
+        <a:round/>
+      </a:ln>
+    </cs:spPr>
+  </cs:seriesLine>
+  <cs:title>
+    <cs:lnRef idx="0"/>
+    <cs:fillRef idx="0"/>
+    <cs:effectRef idx="0"/>
+    <cs:fontRef idx="minor">
+      <a:schemeClr val="tx1">
+        <a:lumMod val="65000"/>
+        <a:lumOff val="35000"/>
+      </a:schemeClr>
+    </cs:fontRef>
+    <cs:defRPr sz="1400" b="0" kern="1200" spc="0" baseline="0"/>
+  </cs:title>
+  <cs:trendline>
+    <cs:lnRef idx="0">
+      <cs:styleClr val="auto"/>
+    </cs:lnRef>
+    <cs:fillRef idx="0"/>
+    <cs:effectRef idx="0"/>
+    <cs:fontRef idx="minor">
+      <a:schemeClr val="tx1"/>
+    </cs:fontRef>
+    <cs:spPr>
+      <a:ln w="19050" cap="rnd">
+        <a:solidFill>
+          <a:schemeClr val="phClr"/>
+        </a:solidFill>
+        <a:prstDash val="sysDot"/>
+      </a:ln>
+    </cs:spPr>
+  </cs:trendline>
+  <cs:trendlineLabel>
+    <cs:lnRef idx="0"/>
+    <cs:fillRef idx="0"/>
+    <cs:effectRef idx="0"/>
+    <cs:fontRef idx="minor">
+      <a:schemeClr val="tx1">
+        <a:lumMod val="65000"/>
+        <a:lumOff val="35000"/>
+      </a:schemeClr>
+    </cs:fontRef>
+    <cs:defRPr sz="900" kern="1200"/>
+  </cs:trendlineLabel>
+  <cs:upBar>
+    <cs:lnRef idx="0"/>
+    <cs:fillRef idx="0"/>
+    <cs:effectRef idx="0"/>
+    <cs:fontRef idx="minor">
+      <a:schemeClr val="dk1"/>
+    </cs:fontRef>
+    <cs:spPr>
+      <a:solidFill>
+        <a:schemeClr val="lt1"/>
+      </a:solidFill>
+      <a:ln w="9525">
+        <a:solidFill>
+          <a:schemeClr val="tx1">
+            <a:lumMod val="15000"/>
+            <a:lumOff val="85000"/>
+          </a:schemeClr>
+        </a:solidFill>
+      </a:ln>
+    </cs:spPr>
+  </cs:upBar>
+  <cs:valueAxis>
+    <cs:lnRef idx="0"/>
+    <cs:fillRef idx="0"/>
+    <cs:effectRef idx="0"/>
+    <cs:fontRef idx="minor">
+      <a:schemeClr val="tx1">
+        <a:lumMod val="65000"/>
+        <a:lumOff val="35000"/>
+      </a:schemeClr>
+    </cs:fontRef>
+    <cs:defRPr sz="900" kern="1200"/>
+  </cs:valueAxis>
+  <cs:wall>
+    <cs:lnRef idx="0"/>
+    <cs:fillRef idx="0"/>
+    <cs:effectRef idx="0"/>
+    <cs:fontRef idx="minor">
+      <a:schemeClr val="tx1"/>
+    </cs:fontRef>
+    <cs:spPr>
+      <a:noFill/>
+      <a:ln>
+        <a:noFill/>
+      </a:ln>
+    </cs:spPr>
+  </cs:wall>
+</cs:chartStyle>
+</file>
+
+<file path=ppt/charts/style5.xml><?xml version="1.0" encoding="utf-8"?>
+<cs:chartStyle xmlns:cs="http://schemas.microsoft.com/office/drawing/2012/chartStyle" xmlns:a="http://schemas.openxmlformats.org/drawingml/2006/main" id="332">
+  <cs:axisTitle>
+    <cs:lnRef idx="0"/>
+    <cs:fillRef idx="0"/>
+    <cs:effectRef idx="0"/>
+    <cs:fontRef idx="minor">
+      <a:schemeClr val="tx1">
+        <a:lumMod val="65000"/>
+        <a:lumOff val="35000"/>
+      </a:schemeClr>
+    </cs:fontRef>
+    <cs:defRPr sz="1000" kern="1200"/>
+  </cs:axisTitle>
+  <cs:categoryAxis>
+    <cs:lnRef idx="0"/>
+    <cs:fillRef idx="0"/>
+    <cs:effectRef idx="0"/>
+    <cs:fontRef idx="minor">
+      <a:schemeClr val="tx1">
+        <a:lumMod val="65000"/>
+        <a:lumOff val="35000"/>
+      </a:schemeClr>
+    </cs:fontRef>
+    <cs:spPr>
+      <a:ln w="9525" cap="flat" cmpd="sng" algn="ctr">
+        <a:solidFill>
+          <a:schemeClr val="tx1">
+            <a:lumMod val="15000"/>
+            <a:lumOff val="85000"/>
+          </a:schemeClr>
+        </a:solidFill>
+        <a:round/>
+      </a:ln>
+    </cs:spPr>
+    <cs:defRPr sz="900" kern="1200"/>
+  </cs:categoryAxis>
+  <cs:chartArea mods="allowNoFillOverride allowNoLineOverride">
+    <cs:lnRef idx="0"/>
+    <cs:fillRef idx="0"/>
+    <cs:effectRef idx="0"/>
+    <cs:fontRef idx="minor">
+      <a:schemeClr val="tx1"/>
+    </cs:fontRef>
+    <cs:spPr>
+      <a:solidFill>
+        <a:schemeClr val="bg1"/>
+      </a:solidFill>
+      <a:ln w="9525" cap="flat" cmpd="sng" algn="ctr">
+        <a:solidFill>
+          <a:schemeClr val="tx1">
+            <a:lumMod val="15000"/>
+            <a:lumOff val="85000"/>
+          </a:schemeClr>
+        </a:solidFill>
+        <a:round/>
+      </a:ln>
+    </cs:spPr>
+    <cs:defRPr sz="1000" kern="1200"/>
+  </cs:chartArea>
+  <cs:dataLabel>
+    <cs:lnRef idx="0"/>
+    <cs:fillRef idx="0"/>
+    <cs:effectRef idx="0"/>
+    <cs:fontRef idx="minor">
+      <a:schemeClr val="tx1">
+        <a:lumMod val="75000"/>
+        <a:lumOff val="25000"/>
+      </a:schemeClr>
+    </cs:fontRef>
+    <cs:defRPr sz="900" kern="1200"/>
+  </cs:dataLabel>
+  <cs:dataLabelCallout>
+    <cs:lnRef idx="0"/>
+    <cs:fillRef idx="0"/>
+    <cs:effectRef idx="0"/>
+    <cs:fontRef idx="minor">
+      <a:schemeClr val="dk1">
+        <a:lumMod val="65000"/>
+        <a:lumOff val="35000"/>
+      </a:schemeClr>
+    </cs:fontRef>
+    <cs:spPr>
+      <a:solidFill>
+        <a:schemeClr val="lt1"/>
+      </a:solidFill>
+      <a:ln>
+        <a:solidFill>
+          <a:schemeClr val="dk1">
+            <a:lumMod val="25000"/>
+            <a:lumOff val="75000"/>
+          </a:schemeClr>
+        </a:solidFill>
+      </a:ln>
+    </cs:spPr>
+    <cs:defRPr sz="900" kern="1200"/>
+    <cs:bodyPr rot="0" spcFirstLastPara="1" vertOverflow="clip" horzOverflow="clip" vert="horz" wrap="square" lIns="36576" tIns="18288" rIns="36576" bIns="18288" anchor="ctr" anchorCtr="1">
+      <a:spAutoFit/>
+    </cs:bodyPr>
+  </cs:dataLabelCallout>
+  <cs:dataPoint>
+    <cs:lnRef idx="0"/>
+    <cs:fillRef idx="1">
+      <cs:styleClr val="auto"/>
+    </cs:fillRef>
+    <cs:effectRef idx="0"/>
+    <cs:fontRef idx="minor">
+      <a:schemeClr val="tx1"/>
+    </cs:fontRef>
+  </cs:dataPoint>
+  <cs:dataPoint3D>
+    <cs:lnRef idx="0"/>
+    <cs:fillRef idx="1">
+      <cs:styleClr val="auto"/>
+    </cs:fillRef>
+    <cs:effectRef idx="0"/>
+    <cs:fontRef idx="minor">
+      <a:schemeClr val="tx1"/>
+    </cs:fontRef>
+  </cs:dataPoint3D>
+  <cs:dataPointLine>
+    <cs:lnRef idx="0">
+      <cs:styleClr val="auto"/>
+    </cs:lnRef>
+    <cs:fillRef idx="1"/>
+    <cs:effectRef idx="0"/>
+    <cs:fontRef idx="minor">
+      <a:schemeClr val="tx1"/>
+    </cs:fontRef>
+    <cs:spPr>
+      <a:ln w="28575" cap="rnd">
+        <a:solidFill>
+          <a:schemeClr val="phClr"/>
+        </a:solidFill>
+        <a:round/>
+      </a:ln>
+    </cs:spPr>
+  </cs:dataPointLine>
+  <cs:dataPointMarker>
+    <cs:lnRef idx="0">
+      <cs:styleClr val="auto"/>
+    </cs:lnRef>
+    <cs:fillRef idx="1">
+      <cs:styleClr val="auto"/>
+    </cs:fillRef>
+    <cs:effectRef idx="0"/>
+    <cs:fontRef idx="minor">
+      <a:schemeClr val="tx1"/>
+    </cs:fontRef>
+    <cs:spPr>
+      <a:ln w="9525">
+        <a:solidFill>
+          <a:schemeClr val="phClr"/>
+        </a:solidFill>
+      </a:ln>
+    </cs:spPr>
+  </cs:dataPointMarker>
+  <cs:dataPointMarkerLayout symbol="circle" size="5"/>
+  <cs:dataPointWireframe>
+    <cs:lnRef idx="0">
+      <cs:styleClr val="auto"/>
+    </cs:lnRef>
+    <cs:fillRef idx="1"/>
+    <cs:effectRef idx="0"/>
+    <cs:fontRef idx="minor">
+      <a:schemeClr val="tx1"/>
+    </cs:fontRef>
+    <cs:spPr>
+      <a:ln w="9525" cap="rnd">
+        <a:solidFill>
+          <a:schemeClr val="phClr"/>
+        </a:solidFill>
+        <a:round/>
+      </a:ln>
+    </cs:spPr>
+  </cs:dataPointWireframe>
+  <cs:dataTable>
+    <cs:lnRef idx="0"/>
+    <cs:fillRef idx="0"/>
+    <cs:effectRef idx="0"/>
+    <cs:fontRef idx="minor">
+      <a:schemeClr val="tx1">
+        <a:lumMod val="65000"/>
+        <a:lumOff val="35000"/>
+      </a:schemeClr>
+    </cs:fontRef>
+    <cs:spPr>
+      <a:noFill/>
+      <a:ln w="9525" cap="flat" cmpd="sng" algn="ctr">
+        <a:solidFill>
+          <a:schemeClr val="tx1">
+            <a:lumMod val="15000"/>
+            <a:lumOff val="85000"/>
+          </a:schemeClr>
+        </a:solidFill>
+        <a:round/>
+      </a:ln>
+    </cs:spPr>
+    <cs:defRPr sz="900" kern="1200"/>
+  </cs:dataTable>
+  <cs:downBar>
+    <cs:lnRef idx="0"/>
+    <cs:fillRef idx="0"/>
+    <cs:effectRef idx="0"/>
+    <cs:fontRef idx="minor">
+      <a:schemeClr val="dk1"/>
+    </cs:fontRef>
+    <cs:spPr>
+      <a:solidFill>
+        <a:schemeClr val="dk1">
+          <a:lumMod val="65000"/>
+          <a:lumOff val="35000"/>
+        </a:schemeClr>
+      </a:solidFill>
+      <a:ln w="9525">
+        <a:solidFill>
+          <a:schemeClr val="tx1">
+            <a:lumMod val="65000"/>
+            <a:lumOff val="35000"/>
+          </a:schemeClr>
+        </a:solidFill>
+      </a:ln>
+    </cs:spPr>
+  </cs:downBar>
+  <cs:dropLine>
+    <cs:lnRef idx="0"/>
+    <cs:fillRef idx="0"/>
+    <cs:effectRef idx="0"/>
+    <cs:fontRef idx="minor">
+      <a:schemeClr val="tx1"/>
+    </cs:fontRef>
+    <cs:spPr>
+      <a:ln w="9525" cap="flat" cmpd="sng" algn="ctr">
+        <a:solidFill>
+          <a:schemeClr val="tx1">
+            <a:lumMod val="35000"/>
+            <a:lumOff val="65000"/>
+          </a:schemeClr>
+        </a:solidFill>
+        <a:round/>
+      </a:ln>
+    </cs:spPr>
+  </cs:dropLine>
+  <cs:errorBar>
+    <cs:lnRef idx="0"/>
+    <cs:fillRef idx="0"/>
+    <cs:effectRef idx="0"/>
+    <cs:fontRef idx="minor">
+      <a:schemeClr val="tx1"/>
+    </cs:fontRef>
+    <cs:spPr>
+      <a:ln w="9525" cap="flat" cmpd="sng" algn="ctr">
+        <a:solidFill>
+          <a:schemeClr val="tx1">
+            <a:lumMod val="65000"/>
+            <a:lumOff val="35000"/>
+          </a:schemeClr>
+        </a:solidFill>
+        <a:round/>
+      </a:ln>
+    </cs:spPr>
+  </cs:errorBar>
+  <cs:floor>
+    <cs:lnRef idx="0"/>
+    <cs:fillRef idx="0"/>
+    <cs:effectRef idx="0"/>
+    <cs:fontRef idx="minor">
+      <a:schemeClr val="tx1"/>
+    </cs:fontRef>
+    <cs:spPr>
+      <a:noFill/>
+      <a:ln>
+        <a:noFill/>
+      </a:ln>
+    </cs:spPr>
+  </cs:floor>
+  <cs:gridlineMajor>
+    <cs:lnRef idx="0"/>
+    <cs:fillRef idx="0"/>
+    <cs:effectRef idx="0"/>
+    <cs:fontRef idx="minor">
+      <a:schemeClr val="tx1"/>
+    </cs:fontRef>
+    <cs:spPr>
+      <a:ln w="9525" cap="flat" cmpd="sng" algn="ctr">
+        <a:solidFill>
+          <a:schemeClr val="tx1">
+            <a:lumMod val="15000"/>
+            <a:lumOff val="85000"/>
+          </a:schemeClr>
+        </a:solidFill>
+        <a:round/>
+      </a:ln>
+    </cs:spPr>
+  </cs:gridlineMajor>
+  <cs:gridlineMinor>
+    <cs:lnRef idx="0"/>
+    <cs:fillRef idx="0"/>
+    <cs:effectRef idx="0"/>
+    <cs:fontRef idx="minor">
+      <a:schemeClr val="tx1"/>
+    </cs:fontRef>
+    <cs:spPr>
+      <a:ln w="9525" cap="flat" cmpd="sng" algn="ctr">
+        <a:solidFill>
+          <a:schemeClr val="tx1">
+            <a:lumMod val="5000"/>
+            <a:lumOff val="95000"/>
+          </a:schemeClr>
+        </a:solidFill>
+        <a:round/>
+      </a:ln>
+    </cs:spPr>
+  </cs:gridlineMinor>
+  <cs:hiLoLine>
+    <cs:lnRef idx="0"/>
+    <cs:fillRef idx="0"/>
+    <cs:effectRef idx="0"/>
+    <cs:fontRef idx="minor">
+      <a:schemeClr val="tx1"/>
+    </cs:fontRef>
+    <cs:spPr>
+      <a:ln w="9525" cap="flat" cmpd="sng" algn="ctr">
+        <a:solidFill>
+          <a:schemeClr val="tx1">
+            <a:lumMod val="75000"/>
+            <a:lumOff val="25000"/>
+          </a:schemeClr>
+        </a:solidFill>
+        <a:round/>
+      </a:ln>
+    </cs:spPr>
+  </cs:hiLoLine>
+  <cs:leaderLine>
+    <cs:lnRef idx="0"/>
+    <cs:fillRef idx="0"/>
+    <cs:effectRef idx="0"/>
+    <cs:fontRef idx="minor">
+      <a:schemeClr val="tx1"/>
+    </cs:fontRef>
+    <cs:spPr>
+      <a:ln w="9525" cap="flat" cmpd="sng" algn="ctr">
+        <a:solidFill>
+          <a:schemeClr val="tx1">
+            <a:lumMod val="35000"/>
+            <a:lumOff val="65000"/>
+          </a:schemeClr>
+        </a:solidFill>
+        <a:round/>
+      </a:ln>
+    </cs:spPr>
+  </cs:leaderLine>
+  <cs:legend>
+    <cs:lnRef idx="0"/>
+    <cs:fillRef idx="0"/>
+    <cs:effectRef idx="0"/>
+    <cs:fontRef idx="minor">
+      <a:schemeClr val="tx1">
+        <a:lumMod val="65000"/>
+        <a:lumOff val="35000"/>
+      </a:schemeClr>
+    </cs:fontRef>
+    <cs:defRPr sz="900" kern="1200"/>
+  </cs:legend>
+  <cs:plotArea mods="allowNoFillOverride allowNoLineOverride">
+    <cs:lnRef idx="0"/>
+    <cs:fillRef idx="0"/>
+    <cs:effectRef idx="0"/>
+    <cs:fontRef idx="minor">
+      <a:schemeClr val="tx1"/>
+    </cs:fontRef>
+  </cs:plotArea>
+  <cs:plotArea3D mods="allowNoFillOverride allowNoLineOverride">
+    <cs:lnRef idx="0"/>
+    <cs:fillRef idx="0"/>
+    <cs:effectRef idx="0"/>
+    <cs:fontRef idx="minor">
+      <a:schemeClr val="tx1"/>
+    </cs:fontRef>
+  </cs:plotArea3D>
+  <cs:seriesAxis>
+    <cs:lnRef idx="0"/>
+    <cs:fillRef idx="0"/>
+    <cs:effectRef idx="0"/>
+    <cs:fontRef idx="minor">
+      <a:schemeClr val="tx1">
+        <a:lumMod val="65000"/>
+        <a:lumOff val="35000"/>
+      </a:schemeClr>
+    </cs:fontRef>
+    <cs:defRPr sz="900" kern="1200"/>
+  </cs:seriesAxis>
+  <cs:seriesLine>
+    <cs:lnRef idx="0"/>
+    <cs:fillRef idx="0"/>
+    <cs:effectRef idx="0"/>
+    <cs:fontRef idx="minor">
+      <a:schemeClr val="tx1"/>
+    </cs:fontRef>
+    <cs:spPr>
+      <a:ln w="9525" cap="flat" cmpd="sng" algn="ctr">
+        <a:solidFill>
+          <a:schemeClr val="tx1">
+            <a:lumMod val="35000"/>
+            <a:lumOff val="65000"/>
+          </a:schemeClr>
+        </a:solidFill>
+        <a:round/>
+      </a:ln>
+    </cs:spPr>
+  </cs:seriesLine>
+  <cs:title>
+    <cs:lnRef idx="0"/>
+    <cs:fillRef idx="0"/>
+    <cs:effectRef idx="0"/>
+    <cs:fontRef idx="minor">
+      <a:schemeClr val="tx1">
+        <a:lumMod val="65000"/>
+        <a:lumOff val="35000"/>
+      </a:schemeClr>
+    </cs:fontRef>
+    <cs:defRPr sz="1400" b="0" kern="1200" spc="0" baseline="0"/>
+  </cs:title>
+  <cs:trendline>
+    <cs:lnRef idx="0">
+      <cs:styleClr val="auto"/>
+    </cs:lnRef>
+    <cs:fillRef idx="0"/>
+    <cs:effectRef idx="0"/>
+    <cs:fontRef idx="minor">
+      <a:schemeClr val="tx1"/>
+    </cs:fontRef>
+    <cs:spPr>
+      <a:ln w="19050" cap="rnd">
+        <a:solidFill>
+          <a:schemeClr val="phClr"/>
+        </a:solidFill>
+        <a:prstDash val="sysDot"/>
+      </a:ln>
+    </cs:spPr>
+  </cs:trendline>
+  <cs:trendlineLabel>
+    <cs:lnRef idx="0"/>
+    <cs:fillRef idx="0"/>
+    <cs:effectRef idx="0"/>
+    <cs:fontRef idx="minor">
+      <a:schemeClr val="tx1">
+        <a:lumMod val="65000"/>
+        <a:lumOff val="35000"/>
+      </a:schemeClr>
+    </cs:fontRef>
+    <cs:defRPr sz="900" kern="1200"/>
+  </cs:trendlineLabel>
+  <cs:upBar>
+    <cs:lnRef idx="0"/>
+    <cs:fillRef idx="0"/>
+    <cs:effectRef idx="0"/>
+    <cs:fontRef idx="minor">
+      <a:schemeClr val="dk1"/>
+    </cs:fontRef>
+    <cs:spPr>
+      <a:solidFill>
+        <a:schemeClr val="lt1"/>
+      </a:solidFill>
+      <a:ln w="9525">
+        <a:solidFill>
+          <a:schemeClr val="tx1">
+            <a:lumMod val="15000"/>
+            <a:lumOff val="85000"/>
+          </a:schemeClr>
+        </a:solidFill>
+      </a:ln>
+    </cs:spPr>
+  </cs:upBar>
+  <cs:valueAxis>
+    <cs:lnRef idx="0"/>
+    <cs:fillRef idx="0"/>
+    <cs:effectRef idx="0"/>
+    <cs:fontRef idx="minor">
+      <a:schemeClr val="tx1">
+        <a:lumMod val="65000"/>
+        <a:lumOff val="35000"/>
+      </a:schemeClr>
+    </cs:fontRef>
+    <cs:defRPr sz="900" kern="1200"/>
+  </cs:valueAxis>
+  <cs:wall>
+    <cs:lnRef idx="0"/>
+    <cs:fillRef idx="0"/>
+    <cs:effectRef idx="0"/>
+    <cs:fontRef idx="minor">
+      <a:schemeClr val="tx1"/>
+    </cs:fontRef>
+    <cs:spPr>
+      <a:noFill/>
+      <a:ln>
+        <a:noFill/>
+      </a:ln>
+    </cs:spPr>
+  </cs:wall>
+</cs:chartStyle>
+</file>
+
+<file path=ppt/charts/style6.xml><?xml version="1.0" encoding="utf-8"?>
+<cs:chartStyle xmlns:cs="http://schemas.microsoft.com/office/drawing/2012/chartStyle" xmlns:a="http://schemas.openxmlformats.org/drawingml/2006/main" id="332">
+  <cs:axisTitle>
+    <cs:lnRef idx="0"/>
+    <cs:fillRef idx="0"/>
+    <cs:effectRef idx="0"/>
+    <cs:fontRef idx="minor">
+      <a:schemeClr val="tx1">
+        <a:lumMod val="65000"/>
+        <a:lumOff val="35000"/>
+      </a:schemeClr>
+    </cs:fontRef>
+    <cs:defRPr sz="1000" kern="1200"/>
+  </cs:axisTitle>
+  <cs:categoryAxis>
+    <cs:lnRef idx="0"/>
+    <cs:fillRef idx="0"/>
+    <cs:effectRef idx="0"/>
+    <cs:fontRef idx="minor">
+      <a:schemeClr val="tx1">
+        <a:lumMod val="65000"/>
+        <a:lumOff val="35000"/>
+      </a:schemeClr>
+    </cs:fontRef>
+    <cs:spPr>
+      <a:ln w="9525" cap="flat" cmpd="sng" algn="ctr">
+        <a:solidFill>
+          <a:schemeClr val="tx1">
+            <a:lumMod val="15000"/>
+            <a:lumOff val="85000"/>
+          </a:schemeClr>
+        </a:solidFill>
+        <a:round/>
+      </a:ln>
+    </cs:spPr>
+    <cs:defRPr sz="900" kern="1200"/>
+  </cs:categoryAxis>
+  <cs:chartArea mods="allowNoFillOverride allowNoLineOverride">
+    <cs:lnRef idx="0"/>
+    <cs:fillRef idx="0"/>
+    <cs:effectRef idx="0"/>
+    <cs:fontRef idx="minor">
+      <a:schemeClr val="tx1"/>
+    </cs:fontRef>
+    <cs:spPr>
+      <a:solidFill>
+        <a:schemeClr val="bg1"/>
+      </a:solidFill>
+      <a:ln w="9525" cap="flat" cmpd="sng" algn="ctr">
+        <a:solidFill>
+          <a:schemeClr val="tx1">
+            <a:lumMod val="15000"/>
+            <a:lumOff val="85000"/>
+          </a:schemeClr>
+        </a:solidFill>
+        <a:round/>
+      </a:ln>
+    </cs:spPr>
+    <cs:defRPr sz="1000" kern="1200"/>
+  </cs:chartArea>
+  <cs:dataLabel>
+    <cs:lnRef idx="0"/>
+    <cs:fillRef idx="0"/>
+    <cs:effectRef idx="0"/>
+    <cs:fontRef idx="minor">
+      <a:schemeClr val="tx1">
+        <a:lumMod val="75000"/>
+        <a:lumOff val="25000"/>
+      </a:schemeClr>
+    </cs:fontRef>
+    <cs:defRPr sz="900" kern="1200"/>
+  </cs:dataLabel>
+  <cs:dataLabelCallout>
+    <cs:lnRef idx="0"/>
+    <cs:fillRef idx="0"/>
+    <cs:effectRef idx="0"/>
+    <cs:fontRef idx="minor">
+      <a:schemeClr val="dk1">
+        <a:lumMod val="65000"/>
+        <a:lumOff val="35000"/>
+      </a:schemeClr>
+    </cs:fontRef>
+    <cs:spPr>
+      <a:solidFill>
+        <a:schemeClr val="lt1"/>
+      </a:solidFill>
+      <a:ln>
+        <a:solidFill>
+          <a:schemeClr val="dk1">
+            <a:lumMod val="25000"/>
+            <a:lumOff val="75000"/>
+          </a:schemeClr>
+        </a:solidFill>
+      </a:ln>
+    </cs:spPr>
+    <cs:defRPr sz="900" kern="1200"/>
+    <cs:bodyPr rot="0" spcFirstLastPara="1" vertOverflow="clip" horzOverflow="clip" vert="horz" wrap="square" lIns="36576" tIns="18288" rIns="36576" bIns="18288" anchor="ctr" anchorCtr="1">
+      <a:spAutoFit/>
+    </cs:bodyPr>
+  </cs:dataLabelCallout>
+  <cs:dataPoint>
+    <cs:lnRef idx="0"/>
+    <cs:fillRef idx="1">
+      <cs:styleClr val="auto"/>
+    </cs:fillRef>
+    <cs:effectRef idx="0"/>
+    <cs:fontRef idx="minor">
+      <a:schemeClr val="tx1"/>
+    </cs:fontRef>
+  </cs:dataPoint>
+  <cs:dataPoint3D>
+    <cs:lnRef idx="0"/>
+    <cs:fillRef idx="1">
+      <cs:styleClr val="auto"/>
+    </cs:fillRef>
+    <cs:effectRef idx="0"/>
+    <cs:fontRef idx="minor">
+      <a:schemeClr val="tx1"/>
+    </cs:fontRef>
+  </cs:dataPoint3D>
+  <cs:dataPointLine>
+    <cs:lnRef idx="0">
+      <cs:styleClr val="auto"/>
+    </cs:lnRef>
+    <cs:fillRef idx="1"/>
+    <cs:effectRef idx="0"/>
+    <cs:fontRef idx="minor">
+      <a:schemeClr val="tx1"/>
+    </cs:fontRef>
+    <cs:spPr>
+      <a:ln w="28575" cap="rnd">
+        <a:solidFill>
+          <a:schemeClr val="phClr"/>
+        </a:solidFill>
+        <a:round/>
+      </a:ln>
+    </cs:spPr>
+  </cs:dataPointLine>
+  <cs:dataPointMarker>
+    <cs:lnRef idx="0">
+      <cs:styleClr val="auto"/>
+    </cs:lnRef>
+    <cs:fillRef idx="1">
+      <cs:styleClr val="auto"/>
+    </cs:fillRef>
+    <cs:effectRef idx="0"/>
+    <cs:fontRef idx="minor">
+      <a:schemeClr val="tx1"/>
+    </cs:fontRef>
+    <cs:spPr>
+      <a:ln w="9525">
+        <a:solidFill>
+          <a:schemeClr val="phClr"/>
+        </a:solidFill>
+      </a:ln>
+    </cs:spPr>
+  </cs:dataPointMarker>
+  <cs:dataPointMarkerLayout symbol="circle" size="5"/>
+  <cs:dataPointWireframe>
+    <cs:lnRef idx="0">
+      <cs:styleClr val="auto"/>
+    </cs:lnRef>
+    <cs:fillRef idx="1"/>
+    <cs:effectRef idx="0"/>
+    <cs:fontRef idx="minor">
+      <a:schemeClr val="tx1"/>
+    </cs:fontRef>
+    <cs:spPr>
+      <a:ln w="9525" cap="rnd">
+        <a:solidFill>
+          <a:schemeClr val="phClr"/>
+        </a:solidFill>
+        <a:round/>
+      </a:ln>
+    </cs:spPr>
+  </cs:dataPointWireframe>
+  <cs:dataTable>
+    <cs:lnRef idx="0"/>
+    <cs:fillRef idx="0"/>
+    <cs:effectRef idx="0"/>
+    <cs:fontRef idx="minor">
+      <a:schemeClr val="tx1">
+        <a:lumMod val="65000"/>
+        <a:lumOff val="35000"/>
+      </a:schemeClr>
+    </cs:fontRef>
+    <cs:spPr>
+      <a:noFill/>
+      <a:ln w="9525" cap="flat" cmpd="sng" algn="ctr">
+        <a:solidFill>
+          <a:schemeClr val="tx1">
+            <a:lumMod val="15000"/>
+            <a:lumOff val="85000"/>
+          </a:schemeClr>
+        </a:solidFill>
+        <a:round/>
+      </a:ln>
+    </cs:spPr>
+    <cs:defRPr sz="900" kern="1200"/>
+  </cs:dataTable>
+  <cs:downBar>
+    <cs:lnRef idx="0"/>
+    <cs:fillRef idx="0"/>
+    <cs:effectRef idx="0"/>
+    <cs:fontRef idx="minor">
+      <a:schemeClr val="dk1"/>
+    </cs:fontRef>
+    <cs:spPr>
+      <a:solidFill>
+        <a:schemeClr val="dk1">
+          <a:lumMod val="65000"/>
+          <a:lumOff val="35000"/>
+        </a:schemeClr>
+      </a:solidFill>
+      <a:ln w="9525">
+        <a:solidFill>
+          <a:schemeClr val="tx1">
+            <a:lumMod val="65000"/>
+            <a:lumOff val="35000"/>
+          </a:schemeClr>
+        </a:solidFill>
+      </a:ln>
+    </cs:spPr>
+  </cs:downBar>
+  <cs:dropLine>
+    <cs:lnRef idx="0"/>
+    <cs:fillRef idx="0"/>
+    <cs:effectRef idx="0"/>
+    <cs:fontRef idx="minor">
+      <a:schemeClr val="tx1"/>
+    </cs:fontRef>
+    <cs:spPr>
+      <a:ln w="9525" cap="flat" cmpd="sng" algn="ctr">
+        <a:solidFill>
+          <a:schemeClr val="tx1">
+            <a:lumMod val="35000"/>
+            <a:lumOff val="65000"/>
+          </a:schemeClr>
+        </a:solidFill>
+        <a:round/>
+      </a:ln>
+    </cs:spPr>
+  </cs:dropLine>
+  <cs:errorBar>
+    <cs:lnRef idx="0"/>
+    <cs:fillRef idx="0"/>
+    <cs:effectRef idx="0"/>
+    <cs:fontRef idx="minor">
+      <a:schemeClr val="tx1"/>
+    </cs:fontRef>
+    <cs:spPr>
+      <a:ln w="9525" cap="flat" cmpd="sng" algn="ctr">
+        <a:solidFill>
+          <a:schemeClr val="tx1">
+            <a:lumMod val="65000"/>
+            <a:lumOff val="35000"/>
+          </a:schemeClr>
+        </a:solidFill>
+        <a:round/>
+      </a:ln>
+    </cs:spPr>
+  </cs:errorBar>
+  <cs:floor>
+    <cs:lnRef idx="0"/>
+    <cs:fillRef idx="0"/>
+    <cs:effectRef idx="0"/>
+    <cs:fontRef idx="minor">
+      <a:schemeClr val="tx1"/>
+    </cs:fontRef>
+    <cs:spPr>
+      <a:noFill/>
+      <a:ln>
+        <a:noFill/>
+      </a:ln>
+    </cs:spPr>
+  </cs:floor>
+  <cs:gridlineMajor>
+    <cs:lnRef idx="0"/>
+    <cs:fillRef idx="0"/>
+    <cs:effectRef idx="0"/>
+    <cs:fontRef idx="minor">
+      <a:schemeClr val="tx1"/>
+    </cs:fontRef>
+    <cs:spPr>
+      <a:ln w="9525" cap="flat" cmpd="sng" algn="ctr">
+        <a:solidFill>
+          <a:schemeClr val="tx1">
+            <a:lumMod val="15000"/>
+            <a:lumOff val="85000"/>
+          </a:schemeClr>
+        </a:solidFill>
+        <a:round/>
+      </a:ln>
+    </cs:spPr>
+  </cs:gridlineMajor>
+  <cs:gridlineMinor>
+    <cs:lnRef idx="0"/>
+    <cs:fillRef idx="0"/>
+    <cs:effectRef idx="0"/>
+    <cs:fontRef idx="minor">
+      <a:schemeClr val="tx1"/>
+    </cs:fontRef>
+    <cs:spPr>
+      <a:ln w="9525" cap="flat" cmpd="sng" algn="ctr">
+        <a:solidFill>
+          <a:schemeClr val="tx1">
+            <a:lumMod val="5000"/>
+            <a:lumOff val="95000"/>
+          </a:schemeClr>
+        </a:solidFill>
+        <a:round/>
+      </a:ln>
+    </cs:spPr>
+  </cs:gridlineMinor>
+  <cs:hiLoLine>
+    <cs:lnRef idx="0"/>
+    <cs:fillRef idx="0"/>
+    <cs:effectRef idx="0"/>
+    <cs:fontRef idx="minor">
+      <a:schemeClr val="tx1"/>
+    </cs:fontRef>
+    <cs:spPr>
+      <a:ln w="9525" cap="flat" cmpd="sng" algn="ctr">
+        <a:solidFill>
+          <a:schemeClr val="tx1">
+            <a:lumMod val="75000"/>
+            <a:lumOff val="25000"/>
+          </a:schemeClr>
+        </a:solidFill>
+        <a:round/>
+      </a:ln>
+    </cs:spPr>
+  </cs:hiLoLine>
+  <cs:leaderLine>
+    <cs:lnRef idx="0"/>
+    <cs:fillRef idx="0"/>
+    <cs:effectRef idx="0"/>
+    <cs:fontRef idx="minor">
+      <a:schemeClr val="tx1"/>
+    </cs:fontRef>
+    <cs:spPr>
+      <a:ln w="9525" cap="flat" cmpd="sng" algn="ctr">
+        <a:solidFill>
+          <a:schemeClr val="tx1">
+            <a:lumMod val="35000"/>
+            <a:lumOff val="65000"/>
+          </a:schemeClr>
+        </a:solidFill>
+        <a:round/>
+      </a:ln>
+    </cs:spPr>
+  </cs:leaderLine>
+  <cs:legend>
+    <cs:lnRef idx="0"/>
+    <cs:fillRef idx="0"/>
+    <cs:effectRef idx="0"/>
+    <cs:fontRef idx="minor">
+      <a:schemeClr val="tx1">
+        <a:lumMod val="65000"/>
+        <a:lumOff val="35000"/>
+      </a:schemeClr>
+    </cs:fontRef>
+    <cs:defRPr sz="900" kern="1200"/>
+  </cs:legend>
+  <cs:plotArea mods="allowNoFillOverride allowNoLineOverride">
+    <cs:lnRef idx="0"/>
+    <cs:fillRef idx="0"/>
+    <cs:effectRef idx="0"/>
+    <cs:fontRef idx="minor">
+      <a:schemeClr val="tx1"/>
+    </cs:fontRef>
+  </cs:plotArea>
+  <cs:plotArea3D mods="allowNoFillOverride allowNoLineOverride">
+    <cs:lnRef idx="0"/>
+    <cs:fillRef idx="0"/>
+    <cs:effectRef idx="0"/>
+    <cs:fontRef idx="minor">
+      <a:schemeClr val="tx1"/>
+    </cs:fontRef>
+  </cs:plotArea3D>
+  <cs:seriesAxis>
+    <cs:lnRef idx="0"/>
+    <cs:fillRef idx="0"/>
+    <cs:effectRef idx="0"/>
+    <cs:fontRef idx="minor">
+      <a:schemeClr val="tx1">
+        <a:lumMod val="65000"/>
+        <a:lumOff val="35000"/>
+      </a:schemeClr>
+    </cs:fontRef>
+    <cs:defRPr sz="900" kern="1200"/>
+  </cs:seriesAxis>
+  <cs:seriesLine>
+    <cs:lnRef idx="0"/>
+    <cs:fillRef idx="0"/>
+    <cs:effectRef idx="0"/>
+    <cs:fontRef idx="minor">
+      <a:schemeClr val="tx1"/>
+    </cs:fontRef>
+    <cs:spPr>
+      <a:ln w="9525" cap="flat" cmpd="sng" algn="ctr">
+        <a:solidFill>
+          <a:schemeClr val="tx1">
+            <a:lumMod val="35000"/>
+            <a:lumOff val="65000"/>
+          </a:schemeClr>
+        </a:solidFill>
+        <a:round/>
+      </a:ln>
+    </cs:spPr>
+  </cs:seriesLine>
+  <cs:title>
+    <cs:lnRef idx="0"/>
+    <cs:fillRef idx="0"/>
+    <cs:effectRef idx="0"/>
+    <cs:fontRef idx="minor">
+      <a:schemeClr val="tx1">
+        <a:lumMod val="65000"/>
+        <a:lumOff val="35000"/>
+      </a:schemeClr>
+    </cs:fontRef>
+    <cs:defRPr sz="1400" b="0" kern="1200" spc="0" baseline="0"/>
+  </cs:title>
+  <cs:trendline>
+    <cs:lnRef idx="0">
+      <cs:styleClr val="auto"/>
+    </cs:lnRef>
+    <cs:fillRef idx="0"/>
+    <cs:effectRef idx="0"/>
+    <cs:fontRef idx="minor">
+      <a:schemeClr val="tx1"/>
+    </cs:fontRef>
+    <cs:spPr>
+      <a:ln w="19050" cap="rnd">
+        <a:solidFill>
+          <a:schemeClr val="phClr"/>
+        </a:solidFill>
+        <a:prstDash val="sysDot"/>
+      </a:ln>
+    </cs:spPr>
+  </cs:trendline>
+  <cs:trendlineLabel>
+    <cs:lnRef idx="0"/>
+    <cs:fillRef idx="0"/>
+    <cs:effectRef idx="0"/>
+    <cs:fontRef idx="minor">
+      <a:schemeClr val="tx1">
+        <a:lumMod val="65000"/>
+        <a:lumOff val="35000"/>
+      </a:schemeClr>
+    </cs:fontRef>
+    <cs:defRPr sz="900" kern="1200"/>
+  </cs:trendlineLabel>
+  <cs:upBar>
+    <cs:lnRef idx="0"/>
+    <cs:fillRef idx="0"/>
+    <cs:effectRef idx="0"/>
+    <cs:fontRef idx="minor">
+      <a:schemeClr val="dk1"/>
+    </cs:fontRef>
+    <cs:spPr>
+      <a:solidFill>
+        <a:schemeClr val="lt1"/>
+      </a:solidFill>
+      <a:ln w="9525">
+        <a:solidFill>
+          <a:schemeClr val="tx1">
+            <a:lumMod val="15000"/>
+            <a:lumOff val="85000"/>
+          </a:schemeClr>
+        </a:solidFill>
+      </a:ln>
+    </cs:spPr>
+  </cs:upBar>
+  <cs:valueAxis>
+    <cs:lnRef idx="0"/>
+    <cs:fillRef idx="0"/>
+    <cs:effectRef idx="0"/>
+    <cs:fontRef idx="minor">
+      <a:schemeClr val="tx1">
+        <a:lumMod val="65000"/>
+        <a:lumOff val="35000"/>
+      </a:schemeClr>
+    </cs:fontRef>
+    <cs:defRPr sz="900" kern="1200"/>
+  </cs:valueAxis>
+  <cs:wall>
+    <cs:lnRef idx="0"/>
+    <cs:fillRef idx="0"/>
+    <cs:effectRef idx="0"/>
+    <cs:fontRef idx="minor">
+      <a:schemeClr val="tx1"/>
+    </cs:fontRef>
+    <cs:spPr>
+      <a:noFill/>
+      <a:ln>
+        <a:noFill/>
+      </a:ln>
+    </cs:spPr>
+  </cs:wall>
+</cs:chartStyle>
+</file>
+
 <file path=ppt/slideLayouts/slideLayout1.xml><?xml version="1.0" encoding="utf-8"?>
 <p:sldLayout xmlns:a="http://schemas.openxmlformats.org/drawingml/2006/main" xmlns:r="http://schemas.openxmlformats.org/officeDocument/2006/relationships" xmlns:p="http://schemas.openxmlformats.org/presentationml/2006/main" type="title" preserve="1">
   <p:cSld name="Title Slide">
@@ -258,7 +7411,7 @@
           <a:p>
             <a:fld id="{2D53BDBD-A251-4BA0-ADCA-71664ACBDFF8}" type="datetimeFigureOut">
               <a:rPr lang="he-IL" smtClean="0"/>
-              <a:t>כ"ד/טבת/תשע"ז</a:t>
+              <a:t>כ"ז/טבת/תשע"ז</a:t>
             </a:fld>
             <a:endParaRPr lang="he-IL"/>
           </a:p>
@@ -428,7 +7581,7 @@
           <a:p>
             <a:fld id="{2D53BDBD-A251-4BA0-ADCA-71664ACBDFF8}" type="datetimeFigureOut">
               <a:rPr lang="he-IL" smtClean="0"/>
-              <a:t>כ"ד/טבת/תשע"ז</a:t>
+              <a:t>כ"ז/טבת/תשע"ז</a:t>
             </a:fld>
             <a:endParaRPr lang="he-IL"/>
           </a:p>
@@ -608,7 +7761,7 @@
           <a:p>
             <a:fld id="{2D53BDBD-A251-4BA0-ADCA-71664ACBDFF8}" type="datetimeFigureOut">
               <a:rPr lang="he-IL" smtClean="0"/>
-              <a:t>כ"ד/טבת/תשע"ז</a:t>
+              <a:t>כ"ז/טבת/תשע"ז</a:t>
             </a:fld>
             <a:endParaRPr lang="he-IL"/>
           </a:p>
@@ -778,7 +7931,7 @@
           <a:p>
             <a:fld id="{2D53BDBD-A251-4BA0-ADCA-71664ACBDFF8}" type="datetimeFigureOut">
               <a:rPr lang="he-IL" smtClean="0"/>
-              <a:t>כ"ד/טבת/תשע"ז</a:t>
+              <a:t>כ"ז/טבת/תשע"ז</a:t>
             </a:fld>
             <a:endParaRPr lang="he-IL"/>
           </a:p>
@@ -1024,7 +8177,7 @@
           <a:p>
             <a:fld id="{2D53BDBD-A251-4BA0-ADCA-71664ACBDFF8}" type="datetimeFigureOut">
               <a:rPr lang="he-IL" smtClean="0"/>
-              <a:t>כ"ד/טבת/תשע"ז</a:t>
+              <a:t>כ"ז/טבת/תשע"ז</a:t>
             </a:fld>
             <a:endParaRPr lang="he-IL"/>
           </a:p>
@@ -1256,7 +8409,7 @@
           <a:p>
             <a:fld id="{2D53BDBD-A251-4BA0-ADCA-71664ACBDFF8}" type="datetimeFigureOut">
               <a:rPr lang="he-IL" smtClean="0"/>
-              <a:t>כ"ד/טבת/תשע"ז</a:t>
+              <a:t>כ"ז/טבת/תשע"ז</a:t>
             </a:fld>
             <a:endParaRPr lang="he-IL"/>
           </a:p>
@@ -1623,7 +8776,7 @@
           <a:p>
             <a:fld id="{2D53BDBD-A251-4BA0-ADCA-71664ACBDFF8}" type="datetimeFigureOut">
               <a:rPr lang="he-IL" smtClean="0"/>
-              <a:t>כ"ד/טבת/תשע"ז</a:t>
+              <a:t>כ"ז/טבת/תשע"ז</a:t>
             </a:fld>
             <a:endParaRPr lang="he-IL"/>
           </a:p>
@@ -1741,7 +8894,7 @@
           <a:p>
             <a:fld id="{2D53BDBD-A251-4BA0-ADCA-71664ACBDFF8}" type="datetimeFigureOut">
               <a:rPr lang="he-IL" smtClean="0"/>
-              <a:t>כ"ד/טבת/תשע"ז</a:t>
+              <a:t>כ"ז/טבת/תשע"ז</a:t>
             </a:fld>
             <a:endParaRPr lang="he-IL"/>
           </a:p>
@@ -1836,7 +8989,7 @@
           <a:p>
             <a:fld id="{2D53BDBD-A251-4BA0-ADCA-71664ACBDFF8}" type="datetimeFigureOut">
               <a:rPr lang="he-IL" smtClean="0"/>
-              <a:t>כ"ד/טבת/תשע"ז</a:t>
+              <a:t>כ"ז/טבת/תשע"ז</a:t>
             </a:fld>
             <a:endParaRPr lang="he-IL"/>
           </a:p>
@@ -2113,7 +9266,7 @@
           <a:p>
             <a:fld id="{2D53BDBD-A251-4BA0-ADCA-71664ACBDFF8}" type="datetimeFigureOut">
               <a:rPr lang="he-IL" smtClean="0"/>
-              <a:t>כ"ד/טבת/תשע"ז</a:t>
+              <a:t>כ"ז/טבת/תשע"ז</a:t>
             </a:fld>
             <a:endParaRPr lang="he-IL"/>
           </a:p>
@@ -2366,7 +9519,7 @@
           <a:p>
             <a:fld id="{2D53BDBD-A251-4BA0-ADCA-71664ACBDFF8}" type="datetimeFigureOut">
               <a:rPr lang="he-IL" smtClean="0"/>
-              <a:t>כ"ד/טבת/תשע"ז</a:t>
+              <a:t>כ"ז/טבת/תשע"ז</a:t>
             </a:fld>
             <a:endParaRPr lang="he-IL"/>
           </a:p>
@@ -2579,7 +9732,7 @@
           <a:p>
             <a:fld id="{2D53BDBD-A251-4BA0-ADCA-71664ACBDFF8}" type="datetimeFigureOut">
               <a:rPr lang="he-IL" smtClean="0"/>
-              <a:t>כ"ד/טבת/תשע"ז</a:t>
+              <a:t>כ"ז/טבת/תשע"ז</a:t>
             </a:fld>
             <a:endParaRPr lang="he-IL"/>
           </a:p>
@@ -4615,8 +11768,8 @@
           </a:fontRef>
         </p:style>
       </p:cxnSp>
-      <mc:AlternateContent xmlns:mc="http://schemas.openxmlformats.org/markup-compatibility/2006">
-        <mc:Choice xmlns:a14="http://schemas.microsoft.com/office/drawing/2010/main" Requires="a14">
+      <mc:AlternateContent xmlns:mc="http://schemas.openxmlformats.org/markup-compatibility/2006" xmlns:a14="http://schemas.microsoft.com/office/drawing/2010/main">
+        <mc:Choice Requires="a14">
           <p:sp>
             <p:nvSpPr>
               <p:cNvPr id="79" name="TextBox 78"/>
@@ -4726,7 +11879,7 @@
             </p:txBody>
           </p:sp>
         </mc:Choice>
-        <mc:Fallback>
+        <mc:Fallback xmlns="">
           <p:sp>
             <p:nvSpPr>
               <p:cNvPr id="79" name="TextBox 78"/>
@@ -4948,8 +12101,8 @@
           </a:fontRef>
         </p:style>
       </p:cxnSp>
-      <mc:AlternateContent xmlns:mc="http://schemas.openxmlformats.org/markup-compatibility/2006">
-        <mc:Choice xmlns:a14="http://schemas.microsoft.com/office/drawing/2010/main" Requires="a14">
+      <mc:AlternateContent xmlns:mc="http://schemas.openxmlformats.org/markup-compatibility/2006" xmlns:a14="http://schemas.microsoft.com/office/drawing/2010/main">
+        <mc:Choice Requires="a14">
           <p:sp>
             <p:nvSpPr>
               <p:cNvPr id="101" name="TextBox 100"/>
@@ -5059,7 +12212,7 @@
             </p:txBody>
           </p:sp>
         </mc:Choice>
-        <mc:Fallback>
+        <mc:Fallback xmlns="">
           <p:sp>
             <p:nvSpPr>
               <p:cNvPr id="101" name="TextBox 100"/>
@@ -5098,8 +12251,8 @@
           </p:sp>
         </mc:Fallback>
       </mc:AlternateContent>
-      <mc:AlternateContent xmlns:mc="http://schemas.openxmlformats.org/markup-compatibility/2006">
-        <mc:Choice xmlns:a14="http://schemas.microsoft.com/office/drawing/2010/main" Requires="a14">
+      <mc:AlternateContent xmlns:mc="http://schemas.openxmlformats.org/markup-compatibility/2006" xmlns:a14="http://schemas.microsoft.com/office/drawing/2010/main">
+        <mc:Choice Requires="a14">
           <p:sp>
             <p:nvSpPr>
               <p:cNvPr id="102" name="TextBox 101"/>
@@ -5209,7 +12362,7 @@
             </p:txBody>
           </p:sp>
         </mc:Choice>
-        <mc:Fallback>
+        <mc:Fallback xmlns="">
           <p:sp>
             <p:nvSpPr>
               <p:cNvPr id="102" name="TextBox 101"/>
@@ -5248,8 +12401,8 @@
           </p:sp>
         </mc:Fallback>
       </mc:AlternateContent>
-      <mc:AlternateContent xmlns:mc="http://schemas.openxmlformats.org/markup-compatibility/2006">
-        <mc:Choice xmlns:a14="http://schemas.microsoft.com/office/drawing/2010/main" Requires="a14">
+      <mc:AlternateContent xmlns:mc="http://schemas.openxmlformats.org/markup-compatibility/2006" xmlns:a14="http://schemas.microsoft.com/office/drawing/2010/main">
+        <mc:Choice Requires="a14">
           <p:sp>
             <p:nvSpPr>
               <p:cNvPr id="116" name="TextBox 115"/>
@@ -5374,7 +12527,7 @@
             </p:txBody>
           </p:sp>
         </mc:Choice>
-        <mc:Fallback>
+        <mc:Fallback xmlns="">
           <p:sp>
             <p:nvSpPr>
               <p:cNvPr id="116" name="TextBox 115"/>
@@ -5413,8 +12566,8 @@
           </p:sp>
         </mc:Fallback>
       </mc:AlternateContent>
-      <mc:AlternateContent xmlns:mc="http://schemas.openxmlformats.org/markup-compatibility/2006">
-        <mc:Choice xmlns:a14="http://schemas.microsoft.com/office/drawing/2010/main" Requires="a14">
+      <mc:AlternateContent xmlns:mc="http://schemas.openxmlformats.org/markup-compatibility/2006" xmlns:a14="http://schemas.microsoft.com/office/drawing/2010/main">
+        <mc:Choice Requires="a14">
           <p:sp>
             <p:nvSpPr>
               <p:cNvPr id="117" name="TextBox 116"/>
@@ -5539,7 +12692,7 @@
             </p:txBody>
           </p:sp>
         </mc:Choice>
-        <mc:Fallback>
+        <mc:Fallback xmlns="">
           <p:sp>
             <p:nvSpPr>
               <p:cNvPr id="117" name="TextBox 116"/>
@@ -6033,8 +13186,8 @@
           </a:fontRef>
         </p:style>
       </p:cxnSp>
-      <mc:AlternateContent xmlns:mc="http://schemas.openxmlformats.org/markup-compatibility/2006">
-        <mc:Choice xmlns:a14="http://schemas.microsoft.com/office/drawing/2010/main" Requires="a14">
+      <mc:AlternateContent xmlns:mc="http://schemas.openxmlformats.org/markup-compatibility/2006" xmlns:a14="http://schemas.microsoft.com/office/drawing/2010/main">
+        <mc:Choice Requires="a14">
           <p:sp>
             <p:nvSpPr>
               <p:cNvPr id="79" name="TextBox 78"/>
@@ -6144,7 +13297,7 @@
             </p:txBody>
           </p:sp>
         </mc:Choice>
-        <mc:Fallback>
+        <mc:Fallback xmlns="">
           <p:sp>
             <p:nvSpPr>
               <p:cNvPr id="79" name="TextBox 78"/>
@@ -6366,8 +13519,8 @@
           </a:fontRef>
         </p:style>
       </p:cxnSp>
-      <mc:AlternateContent xmlns:mc="http://schemas.openxmlformats.org/markup-compatibility/2006">
-        <mc:Choice xmlns:a14="http://schemas.microsoft.com/office/drawing/2010/main" Requires="a14">
+      <mc:AlternateContent xmlns:mc="http://schemas.openxmlformats.org/markup-compatibility/2006" xmlns:a14="http://schemas.microsoft.com/office/drawing/2010/main">
+        <mc:Choice Requires="a14">
           <p:sp>
             <p:nvSpPr>
               <p:cNvPr id="101" name="TextBox 100"/>
@@ -6479,7 +13632,7 @@
             </p:txBody>
           </p:sp>
         </mc:Choice>
-        <mc:Fallback>
+        <mc:Fallback xmlns="">
           <p:sp>
             <p:nvSpPr>
               <p:cNvPr id="101" name="TextBox 100"/>
@@ -6518,8 +13671,8 @@
           </p:sp>
         </mc:Fallback>
       </mc:AlternateContent>
-      <mc:AlternateContent xmlns:mc="http://schemas.openxmlformats.org/markup-compatibility/2006">
-        <mc:Choice xmlns:a14="http://schemas.microsoft.com/office/drawing/2010/main" Requires="a14">
+      <mc:AlternateContent xmlns:mc="http://schemas.openxmlformats.org/markup-compatibility/2006" xmlns:a14="http://schemas.microsoft.com/office/drawing/2010/main">
+        <mc:Choice Requires="a14">
           <p:sp>
             <p:nvSpPr>
               <p:cNvPr id="102" name="TextBox 101"/>
@@ -6629,7 +13782,7 @@
             </p:txBody>
           </p:sp>
         </mc:Choice>
-        <mc:Fallback>
+        <mc:Fallback xmlns="">
           <p:sp>
             <p:nvSpPr>
               <p:cNvPr id="102" name="TextBox 101"/>
@@ -6668,8 +13821,8 @@
           </p:sp>
         </mc:Fallback>
       </mc:AlternateContent>
-      <mc:AlternateContent xmlns:mc="http://schemas.openxmlformats.org/markup-compatibility/2006">
-        <mc:Choice xmlns:a14="http://schemas.microsoft.com/office/drawing/2010/main" Requires="a14">
+      <mc:AlternateContent xmlns:mc="http://schemas.openxmlformats.org/markup-compatibility/2006" xmlns:a14="http://schemas.microsoft.com/office/drawing/2010/main">
+        <mc:Choice Requires="a14">
           <p:sp>
             <p:nvSpPr>
               <p:cNvPr id="116" name="TextBox 115"/>
@@ -6794,7 +13947,7 @@
             </p:txBody>
           </p:sp>
         </mc:Choice>
-        <mc:Fallback>
+        <mc:Fallback xmlns="">
           <p:sp>
             <p:nvSpPr>
               <p:cNvPr id="116" name="TextBox 115"/>
@@ -6833,8 +13986,8 @@
           </p:sp>
         </mc:Fallback>
       </mc:AlternateContent>
-      <mc:AlternateContent xmlns:mc="http://schemas.openxmlformats.org/markup-compatibility/2006">
-        <mc:Choice xmlns:a14="http://schemas.microsoft.com/office/drawing/2010/main" Requires="a14">
+      <mc:AlternateContent xmlns:mc="http://schemas.openxmlformats.org/markup-compatibility/2006" xmlns:a14="http://schemas.microsoft.com/office/drawing/2010/main">
+        <mc:Choice Requires="a14">
           <p:sp>
             <p:nvSpPr>
               <p:cNvPr id="117" name="TextBox 116"/>
@@ -6959,7 +14112,7 @@
             </p:txBody>
           </p:sp>
         </mc:Choice>
-        <mc:Fallback>
+        <mc:Fallback xmlns="">
           <p:sp>
             <p:nvSpPr>
               <p:cNvPr id="117" name="TextBox 116"/>
@@ -7453,8 +14606,8 @@
           </a:fontRef>
         </p:style>
       </p:cxnSp>
-      <mc:AlternateContent xmlns:mc="http://schemas.openxmlformats.org/markup-compatibility/2006">
-        <mc:Choice xmlns:a14="http://schemas.microsoft.com/office/drawing/2010/main" Requires="a14">
+      <mc:AlternateContent xmlns:mc="http://schemas.openxmlformats.org/markup-compatibility/2006" xmlns:a14="http://schemas.microsoft.com/office/drawing/2010/main">
+        <mc:Choice Requires="a14">
           <p:sp>
             <p:nvSpPr>
               <p:cNvPr id="79" name="TextBox 78"/>
@@ -7564,7 +14717,7 @@
             </p:txBody>
           </p:sp>
         </mc:Choice>
-        <mc:Fallback>
+        <mc:Fallback xmlns="">
           <p:sp>
             <p:nvSpPr>
               <p:cNvPr id="79" name="TextBox 78"/>
@@ -7786,8 +14939,8 @@
           </a:fontRef>
         </p:style>
       </p:cxnSp>
-      <mc:AlternateContent xmlns:mc="http://schemas.openxmlformats.org/markup-compatibility/2006">
-        <mc:Choice xmlns:a14="http://schemas.microsoft.com/office/drawing/2010/main" Requires="a14">
+      <mc:AlternateContent xmlns:mc="http://schemas.openxmlformats.org/markup-compatibility/2006" xmlns:a14="http://schemas.microsoft.com/office/drawing/2010/main">
+        <mc:Choice Requires="a14">
           <p:sp>
             <p:nvSpPr>
               <p:cNvPr id="101" name="TextBox 100"/>
@@ -7897,7 +15050,7 @@
             </p:txBody>
           </p:sp>
         </mc:Choice>
-        <mc:Fallback>
+        <mc:Fallback xmlns="">
           <p:sp>
             <p:nvSpPr>
               <p:cNvPr id="101" name="TextBox 100"/>
@@ -7936,8 +15089,8 @@
           </p:sp>
         </mc:Fallback>
       </mc:AlternateContent>
-      <mc:AlternateContent xmlns:mc="http://schemas.openxmlformats.org/markup-compatibility/2006">
-        <mc:Choice xmlns:a14="http://schemas.microsoft.com/office/drawing/2010/main" Requires="a14">
+      <mc:AlternateContent xmlns:mc="http://schemas.openxmlformats.org/markup-compatibility/2006" xmlns:a14="http://schemas.microsoft.com/office/drawing/2010/main">
+        <mc:Choice Requires="a14">
           <p:sp>
             <p:nvSpPr>
               <p:cNvPr id="102" name="TextBox 101"/>
@@ -8047,7 +15200,7 @@
             </p:txBody>
           </p:sp>
         </mc:Choice>
-        <mc:Fallback>
+        <mc:Fallback xmlns="">
           <p:sp>
             <p:nvSpPr>
               <p:cNvPr id="102" name="TextBox 101"/>
@@ -8575,8 +15728,8 @@
           </a:fontRef>
         </p:style>
       </p:cxnSp>
-      <mc:AlternateContent xmlns:mc="http://schemas.openxmlformats.org/markup-compatibility/2006">
-        <mc:Choice xmlns:a14="http://schemas.microsoft.com/office/drawing/2010/main" Requires="a14">
+      <mc:AlternateContent xmlns:mc="http://schemas.openxmlformats.org/markup-compatibility/2006" xmlns:a14="http://schemas.microsoft.com/office/drawing/2010/main">
+        <mc:Choice Requires="a14">
           <p:sp>
             <p:nvSpPr>
               <p:cNvPr id="79" name="TextBox 78"/>
@@ -8691,7 +15844,7 @@
             </p:txBody>
           </p:sp>
         </mc:Choice>
-        <mc:Fallback>
+        <mc:Fallback xmlns="">
           <p:sp>
             <p:nvSpPr>
               <p:cNvPr id="79" name="TextBox 78"/>
@@ -9347,8 +16500,8 @@
           </a:p>
         </p:txBody>
       </p:sp>
-      <mc:AlternateContent xmlns:mc="http://schemas.openxmlformats.org/markup-compatibility/2006">
-        <mc:Choice xmlns:a14="http://schemas.microsoft.com/office/drawing/2010/main" Requires="a14">
+      <mc:AlternateContent xmlns:mc="http://schemas.openxmlformats.org/markup-compatibility/2006" xmlns:a14="http://schemas.microsoft.com/office/drawing/2010/main">
+        <mc:Choice Requires="a14">
           <p:sp>
             <p:nvSpPr>
               <p:cNvPr id="47" name="TextBox 46"/>
@@ -9463,7 +16616,7 @@
             </p:txBody>
           </p:sp>
         </mc:Choice>
-        <mc:Fallback>
+        <mc:Fallback xmlns="">
           <p:sp>
             <p:nvSpPr>
               <p:cNvPr id="47" name="TextBox 46"/>
@@ -9502,8 +16655,8 @@
           </p:sp>
         </mc:Fallback>
       </mc:AlternateContent>
-      <mc:AlternateContent xmlns:mc="http://schemas.openxmlformats.org/markup-compatibility/2006">
-        <mc:Choice xmlns:a14="http://schemas.microsoft.com/office/drawing/2010/main" Requires="a14">
+      <mc:AlternateContent xmlns:mc="http://schemas.openxmlformats.org/markup-compatibility/2006" xmlns:a14="http://schemas.microsoft.com/office/drawing/2010/main">
+        <mc:Choice Requires="a14">
           <p:sp>
             <p:nvSpPr>
               <p:cNvPr id="48" name="TextBox 47"/>
@@ -9618,7 +16771,7 @@
             </p:txBody>
           </p:sp>
         </mc:Choice>
-        <mc:Fallback>
+        <mc:Fallback xmlns="">
           <p:sp>
             <p:nvSpPr>
               <p:cNvPr id="48" name="TextBox 47"/>
@@ -9657,8 +16810,8 @@
           </p:sp>
         </mc:Fallback>
       </mc:AlternateContent>
-      <mc:AlternateContent xmlns:mc="http://schemas.openxmlformats.org/markup-compatibility/2006">
-        <mc:Choice xmlns:a14="http://schemas.microsoft.com/office/drawing/2010/main" Requires="a14">
+      <mc:AlternateContent xmlns:mc="http://schemas.openxmlformats.org/markup-compatibility/2006" xmlns:a14="http://schemas.microsoft.com/office/drawing/2010/main">
+        <mc:Choice Requires="a14">
           <p:sp>
             <p:nvSpPr>
               <p:cNvPr id="49" name="TextBox 48"/>
@@ -9773,7 +16926,7 @@
             </p:txBody>
           </p:sp>
         </mc:Choice>
-        <mc:Fallback>
+        <mc:Fallback xmlns="">
           <p:sp>
             <p:nvSpPr>
               <p:cNvPr id="49" name="TextBox 48"/>
@@ -13301,6 +20454,260 @@
           <a:chExt cx="0" cy="0"/>
         </a:xfrm>
       </p:grpSpPr>
+      <p:graphicFrame>
+        <p:nvGraphicFramePr>
+          <p:cNvPr id="2" name="Chart 1"/>
+          <p:cNvGraphicFramePr>
+            <a:graphicFrameLocks/>
+          </p:cNvGraphicFramePr>
+          <p:nvPr>
+            <p:extLst>
+              <p:ext uri="{D42A27DB-BD31-4B8C-83A1-F6EECF244321}">
+                <p14:modId xmlns:p14="http://schemas.microsoft.com/office/powerpoint/2010/main" val="934431332"/>
+              </p:ext>
+            </p:extLst>
+          </p:nvPr>
+        </p:nvGraphicFramePr>
+        <p:xfrm>
+          <a:off x="8931478" y="0"/>
+          <a:ext cx="2329295" cy="2533650"/>
+        </p:xfrm>
+        <a:graphic>
+          <a:graphicData uri="http://schemas.openxmlformats.org/drawingml/2006/chart">
+            <c:chart xmlns:c="http://schemas.openxmlformats.org/drawingml/2006/chart" xmlns:r="http://schemas.openxmlformats.org/officeDocument/2006/relationships" r:id="rId2"/>
+          </a:graphicData>
+        </a:graphic>
+      </p:graphicFrame>
+      <p:graphicFrame>
+        <p:nvGraphicFramePr>
+          <p:cNvPr id="3" name="Chart 2"/>
+          <p:cNvGraphicFramePr>
+            <a:graphicFrameLocks/>
+          </p:cNvGraphicFramePr>
+          <p:nvPr>
+            <p:extLst>
+              <p:ext uri="{D42A27DB-BD31-4B8C-83A1-F6EECF244321}">
+                <p14:modId xmlns:p14="http://schemas.microsoft.com/office/powerpoint/2010/main" val="1234474094"/>
+              </p:ext>
+            </p:extLst>
+          </p:nvPr>
+        </p:nvGraphicFramePr>
+        <p:xfrm>
+          <a:off x="6602183" y="39833"/>
+          <a:ext cx="2329295" cy="2550968"/>
+        </p:xfrm>
+        <a:graphic>
+          <a:graphicData uri="http://schemas.openxmlformats.org/drawingml/2006/chart">
+            <c:chart xmlns:c="http://schemas.openxmlformats.org/drawingml/2006/chart" xmlns:r="http://schemas.openxmlformats.org/officeDocument/2006/relationships" r:id="rId3"/>
+          </a:graphicData>
+        </a:graphic>
+      </p:graphicFrame>
+      <p:graphicFrame>
+        <p:nvGraphicFramePr>
+          <p:cNvPr id="4" name="Chart 3"/>
+          <p:cNvGraphicFramePr>
+            <a:graphicFrameLocks/>
+          </p:cNvGraphicFramePr>
+          <p:nvPr>
+            <p:extLst>
+              <p:ext uri="{D42A27DB-BD31-4B8C-83A1-F6EECF244321}">
+                <p14:modId xmlns:p14="http://schemas.microsoft.com/office/powerpoint/2010/main" val="2851239086"/>
+              </p:ext>
+            </p:extLst>
+          </p:nvPr>
+        </p:nvGraphicFramePr>
+        <p:xfrm>
+          <a:off x="0" y="0"/>
+          <a:ext cx="2416133" cy="2533650"/>
+        </p:xfrm>
+        <a:graphic>
+          <a:graphicData uri="http://schemas.openxmlformats.org/drawingml/2006/chart">
+            <c:chart xmlns:c="http://schemas.openxmlformats.org/drawingml/2006/chart" xmlns:r="http://schemas.openxmlformats.org/officeDocument/2006/relationships" r:id="rId4"/>
+          </a:graphicData>
+        </a:graphic>
+      </p:graphicFrame>
+      <p:graphicFrame>
+        <p:nvGraphicFramePr>
+          <p:cNvPr id="5" name="Chart 4"/>
+          <p:cNvGraphicFramePr>
+            <a:graphicFrameLocks/>
+          </p:cNvGraphicFramePr>
+          <p:nvPr>
+            <p:extLst>
+              <p:ext uri="{D42A27DB-BD31-4B8C-83A1-F6EECF244321}">
+                <p14:modId xmlns:p14="http://schemas.microsoft.com/office/powerpoint/2010/main" val="132837563"/>
+              </p:ext>
+            </p:extLst>
+          </p:nvPr>
+        </p:nvGraphicFramePr>
+        <p:xfrm>
+          <a:off x="2224189" y="19050"/>
+          <a:ext cx="2329296" cy="2533651"/>
+        </p:xfrm>
+        <a:graphic>
+          <a:graphicData uri="http://schemas.openxmlformats.org/drawingml/2006/chart">
+            <c:chart xmlns:c="http://schemas.openxmlformats.org/drawingml/2006/chart" xmlns:r="http://schemas.openxmlformats.org/officeDocument/2006/relationships" r:id="rId5"/>
+          </a:graphicData>
+        </a:graphic>
+      </p:graphicFrame>
+      <p:graphicFrame>
+        <p:nvGraphicFramePr>
+          <p:cNvPr id="6" name="Chart 5"/>
+          <p:cNvGraphicFramePr>
+            <a:graphicFrameLocks/>
+          </p:cNvGraphicFramePr>
+          <p:nvPr>
+            <p:extLst>
+              <p:ext uri="{D42A27DB-BD31-4B8C-83A1-F6EECF244321}">
+                <p14:modId xmlns:p14="http://schemas.microsoft.com/office/powerpoint/2010/main" val="2751661477"/>
+              </p:ext>
+            </p:extLst>
+          </p:nvPr>
+        </p:nvGraphicFramePr>
+        <p:xfrm>
+          <a:off x="4346778" y="38100"/>
+          <a:ext cx="2329296" cy="2533651"/>
+        </p:xfrm>
+        <a:graphic>
+          <a:graphicData uri="http://schemas.openxmlformats.org/drawingml/2006/chart">
+            <c:chart xmlns:c="http://schemas.openxmlformats.org/drawingml/2006/chart" xmlns:r="http://schemas.openxmlformats.org/officeDocument/2006/relationships" r:id="rId6"/>
+          </a:graphicData>
+        </a:graphic>
+      </p:graphicFrame>
+      <p:graphicFrame>
+        <p:nvGraphicFramePr>
+          <p:cNvPr id="8" name="Chart 7"/>
+          <p:cNvGraphicFramePr>
+            <a:graphicFrameLocks/>
+          </p:cNvGraphicFramePr>
+          <p:nvPr>
+            <p:extLst>
+              <p:ext uri="{D42A27DB-BD31-4B8C-83A1-F6EECF244321}">
+                <p14:modId xmlns:p14="http://schemas.microsoft.com/office/powerpoint/2010/main" val="3077152076"/>
+              </p:ext>
+            </p:extLst>
+          </p:nvPr>
+        </p:nvGraphicFramePr>
+        <p:xfrm>
+          <a:off x="368301" y="2768600"/>
+          <a:ext cx="5168900" cy="3079750"/>
+        </p:xfrm>
+        <a:graphic>
+          <a:graphicData uri="http://schemas.openxmlformats.org/drawingml/2006/chart">
+            <c:chart xmlns:c="http://schemas.openxmlformats.org/drawingml/2006/chart" xmlns:r="http://schemas.openxmlformats.org/officeDocument/2006/relationships" r:id="rId7"/>
+          </a:graphicData>
+        </a:graphic>
+      </p:graphicFrame>
+      <p:sp>
+        <p:nvSpPr>
+          <p:cNvPr id="10" name="Rectangle 9"/>
+          <p:cNvSpPr/>
+          <p:nvPr/>
+        </p:nvSpPr>
+        <p:spPr>
+          <a:xfrm>
+            <a:off x="4283278" y="4562478"/>
+            <a:ext cx="1854200" cy="304800"/>
+          </a:xfrm>
+          <a:prstGeom prst="rect">
+            <a:avLst/>
+          </a:prstGeom>
+          <a:solidFill>
+            <a:schemeClr val="bg1"/>
+          </a:solidFill>
+          <a:ln>
+            <a:solidFill>
+              <a:schemeClr val="bg1"/>
+            </a:solidFill>
+          </a:ln>
+        </p:spPr>
+        <p:style>
+          <a:lnRef idx="2">
+            <a:schemeClr val="accent1">
+              <a:shade val="50000"/>
+            </a:schemeClr>
+          </a:lnRef>
+          <a:fillRef idx="1">
+            <a:schemeClr val="accent1"/>
+          </a:fillRef>
+          <a:effectRef idx="0">
+            <a:schemeClr val="accent1"/>
+          </a:effectRef>
+          <a:fontRef idx="minor">
+            <a:schemeClr val="lt1"/>
+          </a:fontRef>
+        </p:style>
+        <p:txBody>
+          <a:bodyPr rtlCol="1" anchor="ctr"/>
+          <a:lstStyle/>
+          <a:p>
+            <a:pPr algn="ctr"/>
+            <a:endParaRPr lang="he-IL"/>
+          </a:p>
+        </p:txBody>
+      </p:sp>
+      <p:sp>
+        <p:nvSpPr>
+          <p:cNvPr id="9" name="TextBox 8"/>
+          <p:cNvSpPr txBox="1"/>
+          <p:nvPr/>
+        </p:nvSpPr>
+        <p:spPr>
+          <a:xfrm>
+            <a:off x="4210456" y="4590279"/>
+            <a:ext cx="1380174" cy="276999"/>
+          </a:xfrm>
+          <a:prstGeom prst="rect">
+            <a:avLst/>
+          </a:prstGeom>
+          <a:noFill/>
+        </p:spPr>
+        <p:txBody>
+          <a:bodyPr wrap="square" rtlCol="1">
+            <a:spAutoFit/>
+          </a:bodyPr>
+          <a:lstStyle/>
+          <a:p>
+            <a:r>
+              <a:rPr lang="en-US" sz="1200" dirty="0" smtClean="0">
+                <a:solidFill>
+                  <a:schemeClr val="tx2"/>
+                </a:solidFill>
+              </a:rPr>
+              <a:t>Lazy kA*min</a:t>
+            </a:r>
+            <a:endParaRPr lang="he-IL" sz="1200" dirty="0">
+              <a:solidFill>
+                <a:schemeClr val="tx2"/>
+              </a:solidFill>
+            </a:endParaRPr>
+          </a:p>
+        </p:txBody>
+      </p:sp>
+      <p:pic>
+        <p:nvPicPr>
+          <p:cNvPr id="11" name="Picture 10"/>
+          <p:cNvPicPr>
+            <a:picLocks noChangeAspect="1"/>
+          </p:cNvPicPr>
+          <p:nvPr/>
+        </p:nvPicPr>
+        <p:blipFill>
+          <a:blip r:embed="rId8"/>
+          <a:stretch>
+            <a:fillRect/>
+          </a:stretch>
+        </p:blipFill>
+        <p:spPr>
+          <a:xfrm>
+            <a:off x="970102" y="471055"/>
+            <a:ext cx="1047381" cy="662709"/>
+          </a:xfrm>
+          <a:prstGeom prst="rect">
+            <a:avLst/>
+          </a:prstGeom>
+        </p:spPr>
+      </p:pic>
     </p:spTree>
     <p:extLst>
       <p:ext uri="{BB962C8B-B14F-4D97-AF65-F5344CB8AC3E}">
@@ -16772,7 +24179,7 @@
             <a:pPr algn="ctr"/>
             <a:r>
               <a:rPr lang="en-US" dirty="0" smtClean="0"/>
-              <a:t>G</a:t>
+              <a:t>g</a:t>
             </a:r>
             <a:r>
               <a:rPr lang="en-US" baseline="-25000" dirty="0" smtClean="0"/>
@@ -16819,7 +24226,7 @@
             <a:pPr algn="ctr"/>
             <a:r>
               <a:rPr lang="en-US" dirty="0" smtClean="0"/>
-              <a:t>G</a:t>
+              <a:t>g</a:t>
             </a:r>
             <a:r>
               <a:rPr lang="en-US" baseline="-25000" dirty="0" smtClean="0"/>
@@ -16866,7 +24273,7 @@
             <a:pPr algn="ctr"/>
             <a:r>
               <a:rPr lang="en-US" dirty="0" smtClean="0"/>
-              <a:t>G</a:t>
+              <a:t>g</a:t>
             </a:r>
             <a:r>
               <a:rPr lang="en-US" baseline="-25000" dirty="0" smtClean="0"/>
@@ -16913,7 +24320,7 @@
             <a:pPr algn="ctr"/>
             <a:r>
               <a:rPr lang="en-US" dirty="0" err="1" smtClean="0"/>
-              <a:t>G</a:t>
+              <a:t>g</a:t>
             </a:r>
             <a:r>
               <a:rPr lang="en-US" baseline="-25000" dirty="0" err="1" smtClean="0"/>
@@ -18876,8 +26283,8 @@
           </a:p>
         </p:txBody>
       </p:sp>
-      <mc:AlternateContent xmlns:mc="http://schemas.openxmlformats.org/markup-compatibility/2006">
-        <mc:Choice xmlns:a14="http://schemas.microsoft.com/office/drawing/2010/main" Requires="a14">
+      <mc:AlternateContent xmlns:mc="http://schemas.openxmlformats.org/markup-compatibility/2006" xmlns:a14="http://schemas.microsoft.com/office/drawing/2010/main">
+        <mc:Choice Requires="a14">
           <p:sp>
             <p:nvSpPr>
               <p:cNvPr id="19" name="TextBox 18"/>
@@ -19188,7 +26595,7 @@
             </p:txBody>
           </p:sp>
         </mc:Choice>
-        <mc:Fallback>
+        <mc:Fallback xmlns="">
           <p:sp>
             <p:nvSpPr>
               <p:cNvPr id="19" name="TextBox 18"/>
@@ -19227,8 +26634,8 @@
           </p:sp>
         </mc:Fallback>
       </mc:AlternateContent>
-      <mc:AlternateContent xmlns:mc="http://schemas.openxmlformats.org/markup-compatibility/2006">
-        <mc:Choice xmlns:a14="http://schemas.microsoft.com/office/drawing/2010/main" Requires="a14">
+      <mc:AlternateContent xmlns:mc="http://schemas.openxmlformats.org/markup-compatibility/2006" xmlns:a14="http://schemas.microsoft.com/office/drawing/2010/main">
+        <mc:Choice Requires="a14">
           <p:sp>
             <p:nvSpPr>
               <p:cNvPr id="20" name="TextBox 19"/>
@@ -19539,7 +26946,7 @@
             </p:txBody>
           </p:sp>
         </mc:Choice>
-        <mc:Fallback>
+        <mc:Fallback xmlns="">
           <p:sp>
             <p:nvSpPr>
               <p:cNvPr id="20" name="TextBox 19"/>
@@ -20157,8 +27564,8 @@
           </a:fontRef>
         </p:style>
       </p:cxnSp>
-      <mc:AlternateContent xmlns:mc="http://schemas.openxmlformats.org/markup-compatibility/2006">
-        <mc:Choice xmlns:a14="http://schemas.microsoft.com/office/drawing/2010/main" Requires="a14">
+      <mc:AlternateContent xmlns:mc="http://schemas.openxmlformats.org/markup-compatibility/2006" xmlns:a14="http://schemas.microsoft.com/office/drawing/2010/main">
+        <mc:Choice Requires="a14">
           <p:sp>
             <p:nvSpPr>
               <p:cNvPr id="79" name="TextBox 78"/>
@@ -20268,7 +27675,7 @@
             </p:txBody>
           </p:sp>
         </mc:Choice>
-        <mc:Fallback>
+        <mc:Fallback xmlns="">
           <p:sp>
             <p:nvSpPr>
               <p:cNvPr id="79" name="TextBox 78"/>
@@ -20490,8 +27897,8 @@
           </a:fontRef>
         </p:style>
       </p:cxnSp>
-      <mc:AlternateContent xmlns:mc="http://schemas.openxmlformats.org/markup-compatibility/2006">
-        <mc:Choice xmlns:a14="http://schemas.microsoft.com/office/drawing/2010/main" Requires="a14">
+      <mc:AlternateContent xmlns:mc="http://schemas.openxmlformats.org/markup-compatibility/2006" xmlns:a14="http://schemas.microsoft.com/office/drawing/2010/main">
+        <mc:Choice Requires="a14">
           <p:sp>
             <p:nvSpPr>
               <p:cNvPr id="101" name="TextBox 100"/>
@@ -20616,7 +28023,7 @@
             </p:txBody>
           </p:sp>
         </mc:Choice>
-        <mc:Fallback>
+        <mc:Fallback xmlns="">
           <p:sp>
             <p:nvSpPr>
               <p:cNvPr id="101" name="TextBox 100"/>
@@ -20655,8 +28062,8 @@
           </p:sp>
         </mc:Fallback>
       </mc:AlternateContent>
-      <mc:AlternateContent xmlns:mc="http://schemas.openxmlformats.org/markup-compatibility/2006">
-        <mc:Choice xmlns:a14="http://schemas.microsoft.com/office/drawing/2010/main" Requires="a14">
+      <mc:AlternateContent xmlns:mc="http://schemas.openxmlformats.org/markup-compatibility/2006" xmlns:a14="http://schemas.microsoft.com/office/drawing/2010/main">
+        <mc:Choice Requires="a14">
           <p:sp>
             <p:nvSpPr>
               <p:cNvPr id="102" name="TextBox 101"/>
@@ -20766,7 +28173,7 @@
             </p:txBody>
           </p:sp>
         </mc:Choice>
-        <mc:Fallback>
+        <mc:Fallback xmlns="">
           <p:sp>
             <p:nvSpPr>
               <p:cNvPr id="102" name="TextBox 101"/>
@@ -20805,8 +28212,8 @@
           </p:sp>
         </mc:Fallback>
       </mc:AlternateContent>
-      <mc:AlternateContent xmlns:mc="http://schemas.openxmlformats.org/markup-compatibility/2006">
-        <mc:Choice xmlns:a14="http://schemas.microsoft.com/office/drawing/2010/main" Requires="a14">
+      <mc:AlternateContent xmlns:mc="http://schemas.openxmlformats.org/markup-compatibility/2006" xmlns:a14="http://schemas.microsoft.com/office/drawing/2010/main">
+        <mc:Choice Requires="a14">
           <p:sp>
             <p:nvSpPr>
               <p:cNvPr id="116" name="TextBox 115"/>
@@ -20931,7 +28338,7 @@
             </p:txBody>
           </p:sp>
         </mc:Choice>
-        <mc:Fallback>
+        <mc:Fallback xmlns="">
           <p:sp>
             <p:nvSpPr>
               <p:cNvPr id="116" name="TextBox 115"/>
@@ -20970,8 +28377,8 @@
           </p:sp>
         </mc:Fallback>
       </mc:AlternateContent>
-      <mc:AlternateContent xmlns:mc="http://schemas.openxmlformats.org/markup-compatibility/2006">
-        <mc:Choice xmlns:a14="http://schemas.microsoft.com/office/drawing/2010/main" Requires="a14">
+      <mc:AlternateContent xmlns:mc="http://schemas.openxmlformats.org/markup-compatibility/2006" xmlns:a14="http://schemas.microsoft.com/office/drawing/2010/main">
+        <mc:Choice Requires="a14">
           <p:sp>
             <p:nvSpPr>
               <p:cNvPr id="117" name="TextBox 116"/>
@@ -21096,7 +28503,7 @@
             </p:txBody>
           </p:sp>
         </mc:Choice>
-        <mc:Fallback>
+        <mc:Fallback xmlns="">
           <p:sp>
             <p:nvSpPr>
               <p:cNvPr id="117" name="TextBox 116"/>
@@ -21135,8 +28542,8 @@
           </p:sp>
         </mc:Fallback>
       </mc:AlternateContent>
-      <mc:AlternateContent xmlns:mc="http://schemas.openxmlformats.org/markup-compatibility/2006">
-        <mc:Choice xmlns:a14="http://schemas.microsoft.com/office/drawing/2010/main" Requires="a14">
+      <mc:AlternateContent xmlns:mc="http://schemas.openxmlformats.org/markup-compatibility/2006" xmlns:a14="http://schemas.microsoft.com/office/drawing/2010/main">
+        <mc:Choice Requires="a14">
           <p:sp>
             <p:nvSpPr>
               <p:cNvPr id="22" name="TextBox 21"/>
@@ -21247,7 +28654,7 @@
             </p:txBody>
           </p:sp>
         </mc:Choice>
-        <mc:Fallback>
+        <mc:Fallback xmlns="">
           <p:sp>
             <p:nvSpPr>
               <p:cNvPr id="22" name="TextBox 21"/>
@@ -21286,8 +28693,8 @@
           </p:sp>
         </mc:Fallback>
       </mc:AlternateContent>
-      <mc:AlternateContent xmlns:mc="http://schemas.openxmlformats.org/markup-compatibility/2006">
-        <mc:Choice xmlns:a14="http://schemas.microsoft.com/office/drawing/2010/main" Requires="a14">
+      <mc:AlternateContent xmlns:mc="http://schemas.openxmlformats.org/markup-compatibility/2006" xmlns:a14="http://schemas.microsoft.com/office/drawing/2010/main">
+        <mc:Choice Requires="a14">
           <p:sp>
             <p:nvSpPr>
               <p:cNvPr id="23" name="TextBox 22"/>
@@ -21398,7 +28805,7 @@
             </p:txBody>
           </p:sp>
         </mc:Choice>
-        <mc:Fallback>
+        <mc:Fallback xmlns="">
           <p:sp>
             <p:nvSpPr>
               <p:cNvPr id="23" name="TextBox 22"/>
@@ -21437,8 +28844,8 @@
           </p:sp>
         </mc:Fallback>
       </mc:AlternateContent>
-      <mc:AlternateContent xmlns:mc="http://schemas.openxmlformats.org/markup-compatibility/2006">
-        <mc:Choice xmlns:a14="http://schemas.microsoft.com/office/drawing/2010/main" Requires="a14">
+      <mc:AlternateContent xmlns:mc="http://schemas.openxmlformats.org/markup-compatibility/2006" xmlns:a14="http://schemas.microsoft.com/office/drawing/2010/main">
+        <mc:Choice Requires="a14">
           <p:sp>
             <p:nvSpPr>
               <p:cNvPr id="24" name="TextBox 23"/>
@@ -21564,7 +28971,7 @@
             </p:txBody>
           </p:sp>
         </mc:Choice>
-        <mc:Fallback>
+        <mc:Fallback xmlns="">
           <p:sp>
             <p:nvSpPr>
               <p:cNvPr id="24" name="TextBox 23"/>
@@ -22745,8 +30152,8 @@
           </a:fontRef>
         </p:style>
       </p:cxnSp>
-      <mc:AlternateContent xmlns:mc="http://schemas.openxmlformats.org/markup-compatibility/2006">
-        <mc:Choice xmlns:a14="http://schemas.microsoft.com/office/drawing/2010/main" Requires="a14">
+      <mc:AlternateContent xmlns:mc="http://schemas.openxmlformats.org/markup-compatibility/2006" xmlns:a14="http://schemas.microsoft.com/office/drawing/2010/main">
+        <mc:Choice Requires="a14">
           <p:sp>
             <p:nvSpPr>
               <p:cNvPr id="79" name="TextBox 78"/>
@@ -22856,7 +30263,7 @@
             </p:txBody>
           </p:sp>
         </mc:Choice>
-        <mc:Fallback>
+        <mc:Fallback xmlns="">
           <p:sp>
             <p:nvSpPr>
               <p:cNvPr id="79" name="TextBox 78"/>
@@ -23078,8 +30485,8 @@
           </a:fontRef>
         </p:style>
       </p:cxnSp>
-      <mc:AlternateContent xmlns:mc="http://schemas.openxmlformats.org/markup-compatibility/2006">
-        <mc:Choice xmlns:a14="http://schemas.microsoft.com/office/drawing/2010/main" Requires="a14">
+      <mc:AlternateContent xmlns:mc="http://schemas.openxmlformats.org/markup-compatibility/2006" xmlns:a14="http://schemas.microsoft.com/office/drawing/2010/main">
+        <mc:Choice Requires="a14">
           <p:sp>
             <p:nvSpPr>
               <p:cNvPr id="101" name="TextBox 100"/>
@@ -23204,7 +30611,7 @@
             </p:txBody>
           </p:sp>
         </mc:Choice>
-        <mc:Fallback>
+        <mc:Fallback xmlns="">
           <p:sp>
             <p:nvSpPr>
               <p:cNvPr id="101" name="TextBox 100"/>
@@ -23243,8 +30650,8 @@
           </p:sp>
         </mc:Fallback>
       </mc:AlternateContent>
-      <mc:AlternateContent xmlns:mc="http://schemas.openxmlformats.org/markup-compatibility/2006">
-        <mc:Choice xmlns:a14="http://schemas.microsoft.com/office/drawing/2010/main" Requires="a14">
+      <mc:AlternateContent xmlns:mc="http://schemas.openxmlformats.org/markup-compatibility/2006" xmlns:a14="http://schemas.microsoft.com/office/drawing/2010/main">
+        <mc:Choice Requires="a14">
           <p:sp>
             <p:nvSpPr>
               <p:cNvPr id="102" name="TextBox 101"/>
@@ -23354,7 +30761,7 @@
             </p:txBody>
           </p:sp>
         </mc:Choice>
-        <mc:Fallback>
+        <mc:Fallback xmlns="">
           <p:sp>
             <p:nvSpPr>
               <p:cNvPr id="102" name="TextBox 101"/>
@@ -23393,8 +30800,8 @@
           </p:sp>
         </mc:Fallback>
       </mc:AlternateContent>
-      <mc:AlternateContent xmlns:mc="http://schemas.openxmlformats.org/markup-compatibility/2006">
-        <mc:Choice xmlns:a14="http://schemas.microsoft.com/office/drawing/2010/main" Requires="a14">
+      <mc:AlternateContent xmlns:mc="http://schemas.openxmlformats.org/markup-compatibility/2006" xmlns:a14="http://schemas.microsoft.com/office/drawing/2010/main">
+        <mc:Choice Requires="a14">
           <p:sp>
             <p:nvSpPr>
               <p:cNvPr id="116" name="TextBox 115"/>
@@ -23519,7 +30926,7 @@
             </p:txBody>
           </p:sp>
         </mc:Choice>
-        <mc:Fallback>
+        <mc:Fallback xmlns="">
           <p:sp>
             <p:nvSpPr>
               <p:cNvPr id="116" name="TextBox 115"/>
@@ -23558,8 +30965,8 @@
           </p:sp>
         </mc:Fallback>
       </mc:AlternateContent>
-      <mc:AlternateContent xmlns:mc="http://schemas.openxmlformats.org/markup-compatibility/2006">
-        <mc:Choice xmlns:a14="http://schemas.microsoft.com/office/drawing/2010/main" Requires="a14">
+      <mc:AlternateContent xmlns:mc="http://schemas.openxmlformats.org/markup-compatibility/2006" xmlns:a14="http://schemas.microsoft.com/office/drawing/2010/main">
+        <mc:Choice Requires="a14">
           <p:sp>
             <p:nvSpPr>
               <p:cNvPr id="117" name="TextBox 116"/>
@@ -23684,7 +31091,7 @@
             </p:txBody>
           </p:sp>
         </mc:Choice>
-        <mc:Fallback>
+        <mc:Fallback xmlns="">
           <p:sp>
             <p:nvSpPr>
               <p:cNvPr id="117" name="TextBox 116"/>
@@ -23723,8 +31130,8 @@
           </p:sp>
         </mc:Fallback>
       </mc:AlternateContent>
-      <mc:AlternateContent xmlns:mc="http://schemas.openxmlformats.org/markup-compatibility/2006">
-        <mc:Choice xmlns:a14="http://schemas.microsoft.com/office/drawing/2010/main" Requires="a14">
+      <mc:AlternateContent xmlns:mc="http://schemas.openxmlformats.org/markup-compatibility/2006" xmlns:a14="http://schemas.microsoft.com/office/drawing/2010/main">
+        <mc:Choice Requires="a14">
           <p:sp>
             <p:nvSpPr>
               <p:cNvPr id="22" name="TextBox 21"/>
@@ -23835,7 +31242,7 @@
             </p:txBody>
           </p:sp>
         </mc:Choice>
-        <mc:Fallback>
+        <mc:Fallback xmlns="">
           <p:sp>
             <p:nvSpPr>
               <p:cNvPr id="22" name="TextBox 21"/>
@@ -23874,8 +31281,8 @@
           </p:sp>
         </mc:Fallback>
       </mc:AlternateContent>
-      <mc:AlternateContent xmlns:mc="http://schemas.openxmlformats.org/markup-compatibility/2006">
-        <mc:Choice xmlns:a14="http://schemas.microsoft.com/office/drawing/2010/main" Requires="a14">
+      <mc:AlternateContent xmlns:mc="http://schemas.openxmlformats.org/markup-compatibility/2006" xmlns:a14="http://schemas.microsoft.com/office/drawing/2010/main">
+        <mc:Choice Requires="a14">
           <p:sp>
             <p:nvSpPr>
               <p:cNvPr id="23" name="TextBox 22"/>
@@ -23986,7 +31393,7 @@
             </p:txBody>
           </p:sp>
         </mc:Choice>
-        <mc:Fallback>
+        <mc:Fallback xmlns="">
           <p:sp>
             <p:nvSpPr>
               <p:cNvPr id="23" name="TextBox 22"/>
@@ -24025,8 +31432,8 @@
           </p:sp>
         </mc:Fallback>
       </mc:AlternateContent>
-      <mc:AlternateContent xmlns:mc="http://schemas.openxmlformats.org/markup-compatibility/2006">
-        <mc:Choice xmlns:a14="http://schemas.microsoft.com/office/drawing/2010/main" Requires="a14">
+      <mc:AlternateContent xmlns:mc="http://schemas.openxmlformats.org/markup-compatibility/2006" xmlns:a14="http://schemas.microsoft.com/office/drawing/2010/main">
+        <mc:Choice Requires="a14">
           <p:sp>
             <p:nvSpPr>
               <p:cNvPr id="24" name="TextBox 23"/>
@@ -24152,7 +31559,7 @@
             </p:txBody>
           </p:sp>
         </mc:Choice>
-        <mc:Fallback>
+        <mc:Fallback xmlns="">
           <p:sp>
             <p:nvSpPr>
               <p:cNvPr id="24" name="TextBox 23"/>
@@ -25333,8 +32740,8 @@
           </a:fontRef>
         </p:style>
       </p:cxnSp>
-      <mc:AlternateContent xmlns:mc="http://schemas.openxmlformats.org/markup-compatibility/2006">
-        <mc:Choice xmlns:a14="http://schemas.microsoft.com/office/drawing/2010/main" Requires="a14">
+      <mc:AlternateContent xmlns:mc="http://schemas.openxmlformats.org/markup-compatibility/2006" xmlns:a14="http://schemas.microsoft.com/office/drawing/2010/main">
+        <mc:Choice Requires="a14">
           <p:sp>
             <p:nvSpPr>
               <p:cNvPr id="79" name="TextBox 78"/>
@@ -25444,7 +32851,7 @@
             </p:txBody>
           </p:sp>
         </mc:Choice>
-        <mc:Fallback>
+        <mc:Fallback xmlns="">
           <p:sp>
             <p:nvSpPr>
               <p:cNvPr id="79" name="TextBox 78"/>
@@ -25666,8 +33073,8 @@
           </a:fontRef>
         </p:style>
       </p:cxnSp>
-      <mc:AlternateContent xmlns:mc="http://schemas.openxmlformats.org/markup-compatibility/2006">
-        <mc:Choice xmlns:a14="http://schemas.microsoft.com/office/drawing/2010/main" Requires="a14">
+      <mc:AlternateContent xmlns:mc="http://schemas.openxmlformats.org/markup-compatibility/2006" xmlns:a14="http://schemas.microsoft.com/office/drawing/2010/main">
+        <mc:Choice Requires="a14">
           <p:sp>
             <p:nvSpPr>
               <p:cNvPr id="101" name="TextBox 100"/>
@@ -25792,7 +33199,7 @@
             </p:txBody>
           </p:sp>
         </mc:Choice>
-        <mc:Fallback>
+        <mc:Fallback xmlns="">
           <p:sp>
             <p:nvSpPr>
               <p:cNvPr id="101" name="TextBox 100"/>
@@ -25831,8 +33238,8 @@
           </p:sp>
         </mc:Fallback>
       </mc:AlternateContent>
-      <mc:AlternateContent xmlns:mc="http://schemas.openxmlformats.org/markup-compatibility/2006">
-        <mc:Choice xmlns:a14="http://schemas.microsoft.com/office/drawing/2010/main" Requires="a14">
+      <mc:AlternateContent xmlns:mc="http://schemas.openxmlformats.org/markup-compatibility/2006" xmlns:a14="http://schemas.microsoft.com/office/drawing/2010/main">
+        <mc:Choice Requires="a14">
           <p:sp>
             <p:nvSpPr>
               <p:cNvPr id="102" name="TextBox 101"/>
@@ -25942,7 +33349,7 @@
             </p:txBody>
           </p:sp>
         </mc:Choice>
-        <mc:Fallback>
+        <mc:Fallback xmlns="">
           <p:sp>
             <p:nvSpPr>
               <p:cNvPr id="102" name="TextBox 101"/>
@@ -25981,8 +33388,8 @@
           </p:sp>
         </mc:Fallback>
       </mc:AlternateContent>
-      <mc:AlternateContent xmlns:mc="http://schemas.openxmlformats.org/markup-compatibility/2006">
-        <mc:Choice xmlns:a14="http://schemas.microsoft.com/office/drawing/2010/main" Requires="a14">
+      <mc:AlternateContent xmlns:mc="http://schemas.openxmlformats.org/markup-compatibility/2006" xmlns:a14="http://schemas.microsoft.com/office/drawing/2010/main">
+        <mc:Choice Requires="a14">
           <p:sp>
             <p:nvSpPr>
               <p:cNvPr id="116" name="TextBox 115"/>
@@ -26107,7 +33514,7 @@
             </p:txBody>
           </p:sp>
         </mc:Choice>
-        <mc:Fallback>
+        <mc:Fallback xmlns="">
           <p:sp>
             <p:nvSpPr>
               <p:cNvPr id="116" name="TextBox 115"/>
@@ -26146,8 +33553,8 @@
           </p:sp>
         </mc:Fallback>
       </mc:AlternateContent>
-      <mc:AlternateContent xmlns:mc="http://schemas.openxmlformats.org/markup-compatibility/2006">
-        <mc:Choice xmlns:a14="http://schemas.microsoft.com/office/drawing/2010/main" Requires="a14">
+      <mc:AlternateContent xmlns:mc="http://schemas.openxmlformats.org/markup-compatibility/2006" xmlns:a14="http://schemas.microsoft.com/office/drawing/2010/main">
+        <mc:Choice Requires="a14">
           <p:sp>
             <p:nvSpPr>
               <p:cNvPr id="117" name="TextBox 116"/>
@@ -26272,7 +33679,7 @@
             </p:txBody>
           </p:sp>
         </mc:Choice>
-        <mc:Fallback>
+        <mc:Fallback xmlns="">
           <p:sp>
             <p:nvSpPr>
               <p:cNvPr id="117" name="TextBox 116"/>
@@ -26311,8 +33718,8 @@
           </p:sp>
         </mc:Fallback>
       </mc:AlternateContent>
-      <mc:AlternateContent xmlns:mc="http://schemas.openxmlformats.org/markup-compatibility/2006">
-        <mc:Choice xmlns:a14="http://schemas.microsoft.com/office/drawing/2010/main" Requires="a14">
+      <mc:AlternateContent xmlns:mc="http://schemas.openxmlformats.org/markup-compatibility/2006" xmlns:a14="http://schemas.microsoft.com/office/drawing/2010/main">
+        <mc:Choice Requires="a14">
           <p:sp>
             <p:nvSpPr>
               <p:cNvPr id="22" name="TextBox 21"/>
@@ -26423,7 +33830,7 @@
             </p:txBody>
           </p:sp>
         </mc:Choice>
-        <mc:Fallback>
+        <mc:Fallback xmlns="">
           <p:sp>
             <p:nvSpPr>
               <p:cNvPr id="22" name="TextBox 21"/>
@@ -26462,8 +33869,8 @@
           </p:sp>
         </mc:Fallback>
       </mc:AlternateContent>
-      <mc:AlternateContent xmlns:mc="http://schemas.openxmlformats.org/markup-compatibility/2006">
-        <mc:Choice xmlns:a14="http://schemas.microsoft.com/office/drawing/2010/main" Requires="a14">
+      <mc:AlternateContent xmlns:mc="http://schemas.openxmlformats.org/markup-compatibility/2006" xmlns:a14="http://schemas.microsoft.com/office/drawing/2010/main">
+        <mc:Choice Requires="a14">
           <p:sp>
             <p:nvSpPr>
               <p:cNvPr id="23" name="TextBox 22"/>
@@ -26574,7 +33981,7 @@
             </p:txBody>
           </p:sp>
         </mc:Choice>
-        <mc:Fallback>
+        <mc:Fallback xmlns="">
           <p:sp>
             <p:nvSpPr>
               <p:cNvPr id="23" name="TextBox 22"/>
@@ -26613,8 +34020,8 @@
           </p:sp>
         </mc:Fallback>
       </mc:AlternateContent>
-      <mc:AlternateContent xmlns:mc="http://schemas.openxmlformats.org/markup-compatibility/2006">
-        <mc:Choice xmlns:a14="http://schemas.microsoft.com/office/drawing/2010/main" Requires="a14">
+      <mc:AlternateContent xmlns:mc="http://schemas.openxmlformats.org/markup-compatibility/2006" xmlns:a14="http://schemas.microsoft.com/office/drawing/2010/main">
+        <mc:Choice Requires="a14">
           <p:sp>
             <p:nvSpPr>
               <p:cNvPr id="24" name="TextBox 23"/>
@@ -26740,7 +34147,7 @@
             </p:txBody>
           </p:sp>
         </mc:Choice>
-        <mc:Fallback>
+        <mc:Fallback xmlns="">
           <p:sp>
             <p:nvSpPr>
               <p:cNvPr id="24" name="TextBox 23"/>

--- a/Figures.pptx
+++ b/Figures.pptx
@@ -25,6 +25,8 @@
     <p:sldId id="261" r:id="rId19"/>
     <p:sldId id="262" r:id="rId20"/>
     <p:sldId id="274" r:id="rId21"/>
+    <p:sldId id="276" r:id="rId22"/>
+    <p:sldId id="277" r:id="rId23"/>
   </p:sldIdLst>
   <p:sldSz cx="12192000" cy="6858000"/>
   <p:notesSz cx="6858000" cy="9144000"/>
@@ -555,7 +557,6 @@
               </a:p>
             </c:rich>
           </c:tx>
-          <c:layout/>
           <c:overlay val="0"/>
           <c:spPr>
             <a:noFill/>
@@ -678,7 +679,6 @@
               </a:p>
             </c:rich>
           </c:tx>
-          <c:layout/>
           <c:overlay val="0"/>
           <c:spPr>
             <a:noFill/>
@@ -3171,7 +3171,14 @@
           </a:p>
         </c:rich>
       </c:tx>
-      <c:layout/>
+      <c:layout>
+        <c:manualLayout>
+          <c:xMode val="edge"/>
+          <c:yMode val="edge"/>
+          <c:x val="0.33676197940583652"/>
+          <c:y val="6.3788300335982803E-2"/>
+        </c:manualLayout>
+      </c:layout>
       <c:overlay val="0"/>
       <c:spPr>
         <a:noFill/>
@@ -3203,7 +3210,17 @@
     </c:title>
     <c:autoTitleDeleted val="0"/>
     <c:plotArea>
-      <c:layout/>
+      <c:layout>
+        <c:manualLayout>
+          <c:layoutTarget val="inner"/>
+          <c:xMode val="edge"/>
+          <c:yMode val="edge"/>
+          <c:x val="0.18196959024792952"/>
+          <c:y val="0.20183096678491197"/>
+          <c:w val="0.78112351808524516"/>
+          <c:h val="0.56002423464414364"/>
+        </c:manualLayout>
+      </c:layout>
       <c:lineChart>
         <c:grouping val="standard"/>
         <c:varyColors val="0"/>
@@ -3211,7 +3228,7 @@
           <c:idx val="2"/>
           <c:order val="0"/>
           <c:tx>
-            <c:v>Per Goal</c:v>
+            <c:v>k x A*</c:v>
           </c:tx>
           <c:spPr>
             <a:ln w="28575" cap="rnd">
@@ -3300,7 +3317,7 @@
           <c:smooth val="0"/>
           <c:extLst>
             <c:ext xmlns:c16="http://schemas.microsoft.com/office/drawing/2014/chart" uri="{C3380CC4-5D6E-409C-BE32-E72D297353CC}">
-              <c16:uniqueId val="{00000000-17DA-41F5-A5F1-DCC192195DAF}"/>
+              <c16:uniqueId val="{00000000-B41C-4087-8B35-B77FF7525C32}"/>
             </c:ext>
           </c:extLst>
         </c:ser>
@@ -3308,7 +3325,7 @@
           <c:idx val="3"/>
           <c:order val="1"/>
           <c:tx>
-            <c:v>Uniform</c:v>
+            <c:v>UCS</c:v>
           </c:tx>
           <c:spPr>
             <a:ln w="28575" cap="rnd">
@@ -3397,7 +3414,7 @@
           <c:smooth val="0"/>
           <c:extLst>
             <c:ext xmlns:c16="http://schemas.microsoft.com/office/drawing/2014/chart" uri="{C3380CC4-5D6E-409C-BE32-E72D297353CC}">
-              <c16:uniqueId val="{00000001-17DA-41F5-A5F1-DCC192195DAF}"/>
+              <c16:uniqueId val="{00000001-B41C-4087-8B35-B77FF7525C32}"/>
             </c:ext>
           </c:extLst>
         </c:ser>
@@ -3405,7 +3422,7 @@
           <c:idx val="0"/>
           <c:order val="2"/>
           <c:tx>
-            <c:v>Min (Lazy Update)</c:v>
+            <c:v>Lazy kA*min</c:v>
           </c:tx>
           <c:spPr>
             <a:ln w="28575" cap="rnd">
@@ -3418,7 +3435,7 @@
           </c:spPr>
           <c:marker>
             <c:symbol val="square"/>
-            <c:size val="8"/>
+            <c:size val="9"/>
             <c:spPr>
               <a:solidFill>
                 <a:schemeClr val="accent1"/>
@@ -3494,7 +3511,7 @@
           <c:smooth val="0"/>
           <c:extLst>
             <c:ext xmlns:c16="http://schemas.microsoft.com/office/drawing/2014/chart" uri="{C3380CC4-5D6E-409C-BE32-E72D297353CC}">
-              <c16:uniqueId val="{00000002-17DA-41F5-A5F1-DCC192195DAF}"/>
+              <c16:uniqueId val="{00000002-B41C-4087-8B35-B77FF7525C32}"/>
             </c:ext>
           </c:extLst>
         </c:ser>
@@ -3743,6 +3760,49 @@
         <a:effectLst/>
       </c:spPr>
     </c:plotArea>
+    <c:legend>
+      <c:legendPos val="r"/>
+      <c:layout>
+        <c:manualLayout>
+          <c:xMode val="edge"/>
+          <c:yMode val="edge"/>
+          <c:x val="0.24719960886225995"/>
+          <c:y val="0.23013154094667149"/>
+          <c:w val="0.51957493387770315"/>
+          <c:h val="0.2042413097616918"/>
+        </c:manualLayout>
+      </c:layout>
+      <c:overlay val="0"/>
+      <c:spPr>
+        <a:solidFill>
+          <a:schemeClr val="bg1"/>
+        </a:solidFill>
+        <a:ln>
+          <a:noFill/>
+        </a:ln>
+        <a:effectLst/>
+      </c:spPr>
+      <c:txPr>
+        <a:bodyPr rot="0" spcFirstLastPara="1" vertOverflow="ellipsis" vert="horz" wrap="square" anchor="ctr" anchorCtr="1"/>
+        <a:lstStyle/>
+        <a:p>
+          <a:pPr>
+            <a:defRPr sz="1050" b="0" i="0" u="none" strike="noStrike" kern="1200" baseline="0">
+              <a:solidFill>
+                <a:schemeClr val="tx1">
+                  <a:lumMod val="65000"/>
+                  <a:lumOff val="35000"/>
+                </a:schemeClr>
+              </a:solidFill>
+              <a:latin typeface="+mn-lt"/>
+              <a:ea typeface="+mn-ea"/>
+              <a:cs typeface="+mn-cs"/>
+            </a:defRPr>
+          </a:pPr>
+          <a:endParaRPr lang="he-IL"/>
+        </a:p>
+      </c:txPr>
+    </c:legend>
     <c:plotVisOnly val="1"/>
     <c:dispBlanksAs val="gap"/>
     <c:showDLblsOverMax val="0"/>
@@ -3767,7 +3827,1516 @@
   <c:externalData r:id="rId3">
     <c:autoUpdate val="0"/>
   </c:externalData>
-  <c:userShapes r:id="rId4"/>
+</c:chartSpace>
+</file>
+
+<file path=ppt/charts/chart15.xml><?xml version="1.0" encoding="utf-8"?>
+<c:chartSpace xmlns:c="http://schemas.openxmlformats.org/drawingml/2006/chart" xmlns:a="http://schemas.openxmlformats.org/drawingml/2006/main" xmlns:r="http://schemas.openxmlformats.org/officeDocument/2006/relationships" xmlns:c16r2="http://schemas.microsoft.com/office/drawing/2015/06/chart">
+  <c:date1904 val="0"/>
+  <c:lang val="en-US"/>
+  <c:roundedCorners val="0"/>
+  <mc:AlternateContent xmlns:mc="http://schemas.openxmlformats.org/markup-compatibility/2006">
+    <mc:Choice xmlns:c14="http://schemas.microsoft.com/office/drawing/2007/8/2/chart" Requires="c14">
+      <c14:style val="102"/>
+    </mc:Choice>
+    <mc:Fallback>
+      <c:style val="2"/>
+    </mc:Fallback>
+  </mc:AlternateContent>
+  <c:chart>
+    <c:autoTitleDeleted val="1"/>
+    <c:plotArea>
+      <c:layout>
+        <c:manualLayout>
+          <c:layoutTarget val="inner"/>
+          <c:xMode val="edge"/>
+          <c:yMode val="edge"/>
+          <c:x val="0.11106491435406017"/>
+          <c:y val="4.3521266073194856E-2"/>
+          <c:w val="0.82599326982861321"/>
+          <c:h val="0.78333014011230795"/>
+        </c:manualLayout>
+      </c:layout>
+      <c:lineChart>
+        <c:grouping val="standard"/>
+        <c:varyColors val="0"/>
+        <c:ser>
+          <c:idx val="0"/>
+          <c:order val="0"/>
+          <c:tx>
+            <c:v>kA*min</c:v>
+          </c:tx>
+          <c:spPr>
+            <a:ln w="28575" cap="rnd">
+              <a:solidFill>
+                <a:schemeClr val="accent1"/>
+              </a:solidFill>
+              <a:round/>
+            </a:ln>
+            <a:effectLst/>
+          </c:spPr>
+          <c:marker>
+            <c:symbol val="triangle"/>
+            <c:size val="10"/>
+            <c:spPr>
+              <a:solidFill>
+                <a:schemeClr val="accent1"/>
+              </a:solidFill>
+              <a:ln w="9525">
+                <a:solidFill>
+                  <a:schemeClr val="tx1"/>
+                </a:solidFill>
+              </a:ln>
+              <a:effectLst/>
+            </c:spPr>
+          </c:marker>
+          <c:cat>
+            <c:numRef>
+              <c:f>[1]Results!$E$8:$E$17</c:f>
+              <c:numCache>
+                <c:formatCode>General</c:formatCode>
+                <c:ptCount val="10"/>
+                <c:pt idx="0">
+                  <c:v>17</c:v>
+                </c:pt>
+                <c:pt idx="1">
+                  <c:v>40</c:v>
+                </c:pt>
+                <c:pt idx="2">
+                  <c:v>66</c:v>
+                </c:pt>
+                <c:pt idx="3">
+                  <c:v>91</c:v>
+                </c:pt>
+                <c:pt idx="4">
+                  <c:v>116</c:v>
+                </c:pt>
+                <c:pt idx="5">
+                  <c:v>142</c:v>
+                </c:pt>
+                <c:pt idx="6">
+                  <c:v>168</c:v>
+                </c:pt>
+                <c:pt idx="7">
+                  <c:v>192</c:v>
+                </c:pt>
+                <c:pt idx="8">
+                  <c:v>216</c:v>
+                </c:pt>
+                <c:pt idx="9">
+                  <c:v>243</c:v>
+                </c:pt>
+              </c:numCache>
+            </c:numRef>
+          </c:cat>
+          <c:val>
+            <c:numRef>
+              <c:f>[1]Results!$G$8:$G$17</c:f>
+              <c:numCache>
+                <c:formatCode>General</c:formatCode>
+                <c:ptCount val="10"/>
+                <c:pt idx="0">
+                  <c:v>2.72</c:v>
+                </c:pt>
+                <c:pt idx="1">
+                  <c:v>2.92</c:v>
+                </c:pt>
+                <c:pt idx="2">
+                  <c:v>3.28</c:v>
+                </c:pt>
+                <c:pt idx="3">
+                  <c:v>3.55</c:v>
+                </c:pt>
+                <c:pt idx="4">
+                  <c:v>3.88</c:v>
+                </c:pt>
+                <c:pt idx="5">
+                  <c:v>4.54</c:v>
+                </c:pt>
+                <c:pt idx="6">
+                  <c:v>5.13</c:v>
+                </c:pt>
+                <c:pt idx="7">
+                  <c:v>5.99</c:v>
+                </c:pt>
+                <c:pt idx="8">
+                  <c:v>6.46</c:v>
+                </c:pt>
+                <c:pt idx="9">
+                  <c:v>7.65</c:v>
+                </c:pt>
+              </c:numCache>
+            </c:numRef>
+          </c:val>
+          <c:smooth val="0"/>
+          <c:extLst>
+            <c:ext xmlns:c16="http://schemas.microsoft.com/office/drawing/2014/chart" uri="{C3380CC4-5D6E-409C-BE32-E72D297353CC}">
+              <c16:uniqueId val="{00000000-AA29-4ACF-8742-C5CC4CAA95AC}"/>
+            </c:ext>
+          </c:extLst>
+        </c:ser>
+        <c:ser>
+          <c:idx val="1"/>
+          <c:order val="1"/>
+          <c:tx>
+            <c:v>kA*max</c:v>
+          </c:tx>
+          <c:spPr>
+            <a:ln w="28575" cap="rnd">
+              <a:solidFill>
+                <a:schemeClr val="accent2"/>
+              </a:solidFill>
+              <a:round/>
+            </a:ln>
+            <a:effectLst/>
+          </c:spPr>
+          <c:marker>
+            <c:symbol val="square"/>
+            <c:size val="10"/>
+            <c:spPr>
+              <a:solidFill>
+                <a:schemeClr val="accent2"/>
+              </a:solidFill>
+              <a:ln w="9525">
+                <a:solidFill>
+                  <a:schemeClr val="tx1"/>
+                </a:solidFill>
+              </a:ln>
+              <a:effectLst/>
+            </c:spPr>
+          </c:marker>
+          <c:cat>
+            <c:numRef>
+              <c:f>[1]Results!$E$8:$E$17</c:f>
+              <c:numCache>
+                <c:formatCode>General</c:formatCode>
+                <c:ptCount val="10"/>
+                <c:pt idx="0">
+                  <c:v>17</c:v>
+                </c:pt>
+                <c:pt idx="1">
+                  <c:v>40</c:v>
+                </c:pt>
+                <c:pt idx="2">
+                  <c:v>66</c:v>
+                </c:pt>
+                <c:pt idx="3">
+                  <c:v>91</c:v>
+                </c:pt>
+                <c:pt idx="4">
+                  <c:v>116</c:v>
+                </c:pt>
+                <c:pt idx="5">
+                  <c:v>142</c:v>
+                </c:pt>
+                <c:pt idx="6">
+                  <c:v>168</c:v>
+                </c:pt>
+                <c:pt idx="7">
+                  <c:v>192</c:v>
+                </c:pt>
+                <c:pt idx="8">
+                  <c:v>216</c:v>
+                </c:pt>
+                <c:pt idx="9">
+                  <c:v>243</c:v>
+                </c:pt>
+              </c:numCache>
+            </c:numRef>
+          </c:cat>
+          <c:val>
+            <c:numRef>
+              <c:f>[1]Results!$H$8:$H$17</c:f>
+              <c:numCache>
+                <c:formatCode>General</c:formatCode>
+                <c:ptCount val="10"/>
+                <c:pt idx="0">
+                  <c:v>3.38</c:v>
+                </c:pt>
+                <c:pt idx="1">
+                  <c:v>3.81</c:v>
+                </c:pt>
+                <c:pt idx="2">
+                  <c:v>4.29</c:v>
+                </c:pt>
+                <c:pt idx="3">
+                  <c:v>4.62</c:v>
+                </c:pt>
+                <c:pt idx="4">
+                  <c:v>5.16</c:v>
+                </c:pt>
+                <c:pt idx="5">
+                  <c:v>6.08</c:v>
+                </c:pt>
+                <c:pt idx="6">
+                  <c:v>6.57</c:v>
+                </c:pt>
+                <c:pt idx="7">
+                  <c:v>7.73</c:v>
+                </c:pt>
+                <c:pt idx="8">
+                  <c:v>8.52</c:v>
+                </c:pt>
+                <c:pt idx="9">
+                  <c:v>9.19</c:v>
+                </c:pt>
+              </c:numCache>
+            </c:numRef>
+          </c:val>
+          <c:smooth val="0"/>
+          <c:extLst>
+            <c:ext xmlns:c16="http://schemas.microsoft.com/office/drawing/2014/chart" uri="{C3380CC4-5D6E-409C-BE32-E72D297353CC}">
+              <c16:uniqueId val="{00000001-AA29-4ACF-8742-C5CC4CAA95AC}"/>
+            </c:ext>
+          </c:extLst>
+        </c:ser>
+        <c:ser>
+          <c:idx val="2"/>
+          <c:order val="2"/>
+          <c:tx>
+            <c:v>k x A*</c:v>
+          </c:tx>
+          <c:spPr>
+            <a:ln w="28575" cap="rnd">
+              <a:solidFill>
+                <a:schemeClr val="accent3"/>
+              </a:solidFill>
+              <a:round/>
+            </a:ln>
+            <a:effectLst/>
+          </c:spPr>
+          <c:marker>
+            <c:symbol val="diamond"/>
+            <c:size val="10"/>
+            <c:spPr>
+              <a:solidFill>
+                <a:schemeClr val="accent3"/>
+              </a:solidFill>
+              <a:ln w="9525">
+                <a:solidFill>
+                  <a:schemeClr val="tx1"/>
+                </a:solidFill>
+              </a:ln>
+              <a:effectLst/>
+            </c:spPr>
+          </c:marker>
+          <c:cat>
+            <c:numRef>
+              <c:f>[1]Results!$E$8:$E$17</c:f>
+              <c:numCache>
+                <c:formatCode>General</c:formatCode>
+                <c:ptCount val="10"/>
+                <c:pt idx="0">
+                  <c:v>17</c:v>
+                </c:pt>
+                <c:pt idx="1">
+                  <c:v>40</c:v>
+                </c:pt>
+                <c:pt idx="2">
+                  <c:v>66</c:v>
+                </c:pt>
+                <c:pt idx="3">
+                  <c:v>91</c:v>
+                </c:pt>
+                <c:pt idx="4">
+                  <c:v>116</c:v>
+                </c:pt>
+                <c:pt idx="5">
+                  <c:v>142</c:v>
+                </c:pt>
+                <c:pt idx="6">
+                  <c:v>168</c:v>
+                </c:pt>
+                <c:pt idx="7">
+                  <c:v>192</c:v>
+                </c:pt>
+                <c:pt idx="8">
+                  <c:v>216</c:v>
+                </c:pt>
+                <c:pt idx="9">
+                  <c:v>243</c:v>
+                </c:pt>
+              </c:numCache>
+            </c:numRef>
+          </c:cat>
+          <c:val>
+            <c:numRef>
+              <c:f>[1]Results!$I$8:$I$17</c:f>
+              <c:numCache>
+                <c:formatCode>General</c:formatCode>
+                <c:ptCount val="10"/>
+                <c:pt idx="0">
+                  <c:v>4.4400000000000004</c:v>
+                </c:pt>
+                <c:pt idx="1">
+                  <c:v>4.21</c:v>
+                </c:pt>
+                <c:pt idx="2">
+                  <c:v>4.22</c:v>
+                </c:pt>
+                <c:pt idx="3">
+                  <c:v>4.1500000000000004</c:v>
+                </c:pt>
+                <c:pt idx="4">
+                  <c:v>4.24</c:v>
+                </c:pt>
+                <c:pt idx="5">
+                  <c:v>4.84</c:v>
+                </c:pt>
+                <c:pt idx="6">
+                  <c:v>5.47</c:v>
+                </c:pt>
+                <c:pt idx="7">
+                  <c:v>6.21</c:v>
+                </c:pt>
+                <c:pt idx="8">
+                  <c:v>6.76</c:v>
+                </c:pt>
+                <c:pt idx="9">
+                  <c:v>7.73</c:v>
+                </c:pt>
+              </c:numCache>
+            </c:numRef>
+          </c:val>
+          <c:smooth val="0"/>
+          <c:extLst>
+            <c:ext xmlns:c16="http://schemas.microsoft.com/office/drawing/2014/chart" uri="{C3380CC4-5D6E-409C-BE32-E72D297353CC}">
+              <c16:uniqueId val="{00000002-AA29-4ACF-8742-C5CC4CAA95AC}"/>
+            </c:ext>
+          </c:extLst>
+        </c:ser>
+        <c:ser>
+          <c:idx val="3"/>
+          <c:order val="3"/>
+          <c:tx>
+            <c:v>UCS</c:v>
+          </c:tx>
+          <c:spPr>
+            <a:ln w="28575" cap="rnd">
+              <a:solidFill>
+                <a:schemeClr val="accent4"/>
+              </a:solidFill>
+              <a:round/>
+            </a:ln>
+            <a:effectLst/>
+          </c:spPr>
+          <c:marker>
+            <c:symbol val="circle"/>
+            <c:size val="9"/>
+            <c:spPr>
+              <a:solidFill>
+                <a:schemeClr val="accent4"/>
+              </a:solidFill>
+              <a:ln w="9525">
+                <a:solidFill>
+                  <a:schemeClr val="tx1"/>
+                </a:solidFill>
+              </a:ln>
+              <a:effectLst/>
+            </c:spPr>
+          </c:marker>
+          <c:cat>
+            <c:numRef>
+              <c:f>[1]Results!$E$8:$E$17</c:f>
+              <c:numCache>
+                <c:formatCode>General</c:formatCode>
+                <c:ptCount val="10"/>
+                <c:pt idx="0">
+                  <c:v>17</c:v>
+                </c:pt>
+                <c:pt idx="1">
+                  <c:v>40</c:v>
+                </c:pt>
+                <c:pt idx="2">
+                  <c:v>66</c:v>
+                </c:pt>
+                <c:pt idx="3">
+                  <c:v>91</c:v>
+                </c:pt>
+                <c:pt idx="4">
+                  <c:v>116</c:v>
+                </c:pt>
+                <c:pt idx="5">
+                  <c:v>142</c:v>
+                </c:pt>
+                <c:pt idx="6">
+                  <c:v>168</c:v>
+                </c:pt>
+                <c:pt idx="7">
+                  <c:v>192</c:v>
+                </c:pt>
+                <c:pt idx="8">
+                  <c:v>216</c:v>
+                </c:pt>
+                <c:pt idx="9">
+                  <c:v>243</c:v>
+                </c:pt>
+              </c:numCache>
+            </c:numRef>
+          </c:cat>
+          <c:val>
+            <c:numRef>
+              <c:f>[1]Results!$J$8:$J$17</c:f>
+              <c:numCache>
+                <c:formatCode>General</c:formatCode>
+                <c:ptCount val="10"/>
+                <c:pt idx="0">
+                  <c:v>5.36</c:v>
+                </c:pt>
+                <c:pt idx="1">
+                  <c:v>5.51</c:v>
+                </c:pt>
+                <c:pt idx="2">
+                  <c:v>5.82</c:v>
+                </c:pt>
+                <c:pt idx="3">
+                  <c:v>6.4</c:v>
+                </c:pt>
+                <c:pt idx="4">
+                  <c:v>7.24</c:v>
+                </c:pt>
+                <c:pt idx="5">
+                  <c:v>7.66</c:v>
+                </c:pt>
+                <c:pt idx="6">
+                  <c:v>7.95</c:v>
+                </c:pt>
+                <c:pt idx="7">
+                  <c:v>8.67</c:v>
+                </c:pt>
+                <c:pt idx="8">
+                  <c:v>9.17</c:v>
+                </c:pt>
+                <c:pt idx="9">
+                  <c:v>9.73</c:v>
+                </c:pt>
+              </c:numCache>
+            </c:numRef>
+          </c:val>
+          <c:smooth val="0"/>
+          <c:extLst>
+            <c:ext xmlns:c16="http://schemas.microsoft.com/office/drawing/2014/chart" uri="{C3380CC4-5D6E-409C-BE32-E72D297353CC}">
+              <c16:uniqueId val="{00000003-AA29-4ACF-8742-C5CC4CAA95AC}"/>
+            </c:ext>
+          </c:extLst>
+        </c:ser>
+        <c:dLbls>
+          <c:showLegendKey val="0"/>
+          <c:showVal val="0"/>
+          <c:showCatName val="0"/>
+          <c:showSerName val="0"/>
+          <c:showPercent val="0"/>
+          <c:showBubbleSize val="0"/>
+        </c:dLbls>
+        <c:marker val="1"/>
+        <c:smooth val="0"/>
+        <c:axId val="715546560"/>
+        <c:axId val="715546888"/>
+      </c:lineChart>
+      <c:catAx>
+        <c:axId val="715546560"/>
+        <c:scaling>
+          <c:orientation val="minMax"/>
+        </c:scaling>
+        <c:delete val="0"/>
+        <c:axPos val="b"/>
+        <c:title>
+          <c:tx>
+            <c:rich>
+              <a:bodyPr rot="0" spcFirstLastPara="1" vertOverflow="ellipsis" vert="horz" wrap="square" anchor="ctr" anchorCtr="1"/>
+              <a:lstStyle/>
+              <a:p>
+                <a:pPr>
+                  <a:defRPr sz="1400" b="0" i="0" u="none" strike="noStrike" kern="1200" baseline="0">
+                    <a:solidFill>
+                      <a:schemeClr val="tx1">
+                        <a:lumMod val="65000"/>
+                        <a:lumOff val="35000"/>
+                      </a:schemeClr>
+                    </a:solidFill>
+                    <a:latin typeface="+mn-lt"/>
+                    <a:ea typeface="+mn-ea"/>
+                    <a:cs typeface="+mn-cs"/>
+                  </a:defRPr>
+                </a:pPr>
+                <a:r>
+                  <a:rPr lang="en-US"/>
+                  <a:t>Distance between two goals.</a:t>
+                </a:r>
+              </a:p>
+            </c:rich>
+          </c:tx>
+          <c:layout/>
+          <c:overlay val="0"/>
+          <c:spPr>
+            <a:noFill/>
+            <a:ln>
+              <a:noFill/>
+            </a:ln>
+            <a:effectLst/>
+          </c:spPr>
+          <c:txPr>
+            <a:bodyPr rot="0" spcFirstLastPara="1" vertOverflow="ellipsis" vert="horz" wrap="square" anchor="ctr" anchorCtr="1"/>
+            <a:lstStyle/>
+            <a:p>
+              <a:pPr>
+                <a:defRPr sz="1400" b="0" i="0" u="none" strike="noStrike" kern="1200" baseline="0">
+                  <a:solidFill>
+                    <a:schemeClr val="tx1">
+                      <a:lumMod val="65000"/>
+                      <a:lumOff val="35000"/>
+                    </a:schemeClr>
+                  </a:solidFill>
+                  <a:latin typeface="+mn-lt"/>
+                  <a:ea typeface="+mn-ea"/>
+                  <a:cs typeface="+mn-cs"/>
+                </a:defRPr>
+              </a:pPr>
+              <a:endParaRPr lang="he-IL"/>
+            </a:p>
+          </c:txPr>
+        </c:title>
+        <c:numFmt formatCode="General" sourceLinked="1"/>
+        <c:majorTickMark val="none"/>
+        <c:minorTickMark val="none"/>
+        <c:tickLblPos val="nextTo"/>
+        <c:spPr>
+          <a:noFill/>
+          <a:ln w="9525" cap="flat" cmpd="sng" algn="ctr">
+            <a:solidFill>
+              <a:schemeClr val="tx1">
+                <a:lumMod val="15000"/>
+                <a:lumOff val="85000"/>
+              </a:schemeClr>
+            </a:solidFill>
+            <a:round/>
+          </a:ln>
+          <a:effectLst/>
+        </c:spPr>
+        <c:txPr>
+          <a:bodyPr rot="-60000000" spcFirstLastPara="1" vertOverflow="ellipsis" vert="horz" wrap="square" anchor="ctr" anchorCtr="1"/>
+          <a:lstStyle/>
+          <a:p>
+            <a:pPr>
+              <a:defRPr sz="1400" b="0" i="0" u="none" strike="noStrike" kern="1200" baseline="0">
+                <a:solidFill>
+                  <a:schemeClr val="tx1">
+                    <a:lumMod val="65000"/>
+                    <a:lumOff val="35000"/>
+                  </a:schemeClr>
+                </a:solidFill>
+                <a:latin typeface="+mn-lt"/>
+                <a:ea typeface="+mn-ea"/>
+                <a:cs typeface="+mn-cs"/>
+              </a:defRPr>
+            </a:pPr>
+            <a:endParaRPr lang="he-IL"/>
+          </a:p>
+        </c:txPr>
+        <c:crossAx val="715546888"/>
+        <c:crosses val="autoZero"/>
+        <c:auto val="1"/>
+        <c:lblAlgn val="ctr"/>
+        <c:lblOffset val="100"/>
+        <c:noMultiLvlLbl val="0"/>
+      </c:catAx>
+      <c:valAx>
+        <c:axId val="715546888"/>
+        <c:scaling>
+          <c:orientation val="minMax"/>
+          <c:max val="10"/>
+          <c:min val="2"/>
+        </c:scaling>
+        <c:delete val="0"/>
+        <c:axPos val="l"/>
+        <c:majorGridlines>
+          <c:spPr>
+            <a:ln w="9525" cap="flat" cmpd="sng" algn="ctr">
+              <a:solidFill>
+                <a:schemeClr val="tx1">
+                  <a:lumMod val="15000"/>
+                  <a:lumOff val="85000"/>
+                </a:schemeClr>
+              </a:solidFill>
+              <a:round/>
+            </a:ln>
+            <a:effectLst/>
+          </c:spPr>
+        </c:majorGridlines>
+        <c:title>
+          <c:tx>
+            <c:rich>
+              <a:bodyPr rot="-5400000" spcFirstLastPara="1" vertOverflow="ellipsis" vert="horz" wrap="square" anchor="ctr" anchorCtr="1"/>
+              <a:lstStyle/>
+              <a:p>
+                <a:pPr>
+                  <a:defRPr sz="1400" b="0" i="0" u="none" strike="noStrike" kern="1200" baseline="0">
+                    <a:solidFill>
+                      <a:schemeClr val="tx1">
+                        <a:lumMod val="65000"/>
+                        <a:lumOff val="35000"/>
+                      </a:schemeClr>
+                    </a:solidFill>
+                    <a:latin typeface="+mn-lt"/>
+                    <a:ea typeface="+mn-ea"/>
+                    <a:cs typeface="+mn-cs"/>
+                  </a:defRPr>
+                </a:pPr>
+                <a:r>
+                  <a:rPr lang="en-US"/>
+                  <a:t>Time (ms.)</a:t>
+                </a:r>
+              </a:p>
+            </c:rich>
+          </c:tx>
+          <c:layout/>
+          <c:overlay val="0"/>
+          <c:spPr>
+            <a:noFill/>
+            <a:ln>
+              <a:noFill/>
+            </a:ln>
+            <a:effectLst/>
+          </c:spPr>
+          <c:txPr>
+            <a:bodyPr rot="-5400000" spcFirstLastPara="1" vertOverflow="ellipsis" vert="horz" wrap="square" anchor="ctr" anchorCtr="1"/>
+            <a:lstStyle/>
+            <a:p>
+              <a:pPr>
+                <a:defRPr sz="1400" b="0" i="0" u="none" strike="noStrike" kern="1200" baseline="0">
+                  <a:solidFill>
+                    <a:schemeClr val="tx1">
+                      <a:lumMod val="65000"/>
+                      <a:lumOff val="35000"/>
+                    </a:schemeClr>
+                  </a:solidFill>
+                  <a:latin typeface="+mn-lt"/>
+                  <a:ea typeface="+mn-ea"/>
+                  <a:cs typeface="+mn-cs"/>
+                </a:defRPr>
+              </a:pPr>
+              <a:endParaRPr lang="he-IL"/>
+            </a:p>
+          </c:txPr>
+        </c:title>
+        <c:numFmt formatCode="General" sourceLinked="1"/>
+        <c:majorTickMark val="out"/>
+        <c:minorTickMark val="in"/>
+        <c:tickLblPos val="nextTo"/>
+        <c:spPr>
+          <a:noFill/>
+          <a:ln>
+            <a:solidFill>
+              <a:schemeClr val="accent1"/>
+            </a:solidFill>
+          </a:ln>
+          <a:effectLst/>
+        </c:spPr>
+        <c:txPr>
+          <a:bodyPr rot="-60000000" spcFirstLastPara="1" vertOverflow="ellipsis" vert="horz" wrap="square" anchor="ctr" anchorCtr="1"/>
+          <a:lstStyle/>
+          <a:p>
+            <a:pPr>
+              <a:defRPr sz="1400" b="0" i="0" u="none" strike="noStrike" kern="1200" baseline="0">
+                <a:solidFill>
+                  <a:schemeClr val="tx1">
+                    <a:lumMod val="65000"/>
+                    <a:lumOff val="35000"/>
+                  </a:schemeClr>
+                </a:solidFill>
+                <a:latin typeface="+mn-lt"/>
+                <a:ea typeface="+mn-ea"/>
+                <a:cs typeface="+mn-cs"/>
+              </a:defRPr>
+            </a:pPr>
+            <a:endParaRPr lang="he-IL"/>
+          </a:p>
+        </c:txPr>
+        <c:crossAx val="715546560"/>
+        <c:crosses val="autoZero"/>
+        <c:crossBetween val="between"/>
+        <c:minorUnit val="0.5"/>
+      </c:valAx>
+      <c:spPr>
+        <a:noFill/>
+        <a:ln>
+          <a:noFill/>
+        </a:ln>
+        <a:effectLst/>
+      </c:spPr>
+    </c:plotArea>
+    <c:legend>
+      <c:legendPos val="r"/>
+      <c:layout>
+        <c:manualLayout>
+          <c:xMode val="edge"/>
+          <c:yMode val="edge"/>
+          <c:x val="0.12522702220244894"/>
+          <c:y val="5.3905932381597702E-2"/>
+          <c:w val="0.27354692574563405"/>
+          <c:h val="0.29475953488009843"/>
+        </c:manualLayout>
+      </c:layout>
+      <c:overlay val="0"/>
+      <c:spPr>
+        <a:solidFill>
+          <a:schemeClr val="bg1"/>
+        </a:solidFill>
+        <a:ln>
+          <a:noFill/>
+        </a:ln>
+        <a:effectLst/>
+      </c:spPr>
+      <c:txPr>
+        <a:bodyPr rot="0" spcFirstLastPara="1" vertOverflow="ellipsis" vert="horz" wrap="square" anchor="ctr" anchorCtr="1"/>
+        <a:lstStyle/>
+        <a:p>
+          <a:pPr>
+            <a:defRPr sz="1400" b="0" i="0" u="none" strike="noStrike" kern="1200" baseline="0">
+              <a:solidFill>
+                <a:schemeClr val="tx1">
+                  <a:lumMod val="65000"/>
+                  <a:lumOff val="35000"/>
+                </a:schemeClr>
+              </a:solidFill>
+              <a:latin typeface="+mn-lt"/>
+              <a:ea typeface="+mn-ea"/>
+              <a:cs typeface="+mn-cs"/>
+            </a:defRPr>
+          </a:pPr>
+          <a:endParaRPr lang="he-IL"/>
+        </a:p>
+      </c:txPr>
+    </c:legend>
+    <c:plotVisOnly val="1"/>
+    <c:dispBlanksAs val="gap"/>
+    <c:showDLblsOverMax val="0"/>
+  </c:chart>
+  <c:spPr>
+    <a:noFill/>
+    <a:ln>
+      <a:noFill/>
+    </a:ln>
+    <a:effectLst/>
+  </c:spPr>
+  <c:txPr>
+    <a:bodyPr/>
+    <a:lstStyle/>
+    <a:p>
+      <a:pPr>
+        <a:defRPr sz="1400"/>
+      </a:pPr>
+      <a:endParaRPr lang="he-IL"/>
+    </a:p>
+  </c:txPr>
+  <c:externalData r:id="rId3">
+    <c:autoUpdate val="0"/>
+  </c:externalData>
+</c:chartSpace>
+</file>
+
+<file path=ppt/charts/chart16.xml><?xml version="1.0" encoding="utf-8"?>
+<c:chartSpace xmlns:c="http://schemas.openxmlformats.org/drawingml/2006/chart" xmlns:a="http://schemas.openxmlformats.org/drawingml/2006/main" xmlns:r="http://schemas.openxmlformats.org/officeDocument/2006/relationships" xmlns:c16r2="http://schemas.microsoft.com/office/drawing/2015/06/chart">
+  <c:date1904 val="0"/>
+  <c:lang val="en-US"/>
+  <c:roundedCorners val="0"/>
+  <mc:AlternateContent xmlns:mc="http://schemas.openxmlformats.org/markup-compatibility/2006">
+    <mc:Choice xmlns:c14="http://schemas.microsoft.com/office/drawing/2007/8/2/chart" Requires="c14">
+      <c14:style val="102"/>
+    </mc:Choice>
+    <mc:Fallback>
+      <c:style val="2"/>
+    </mc:Fallback>
+  </mc:AlternateContent>
+  <c:chart>
+    <c:autoTitleDeleted val="1"/>
+    <c:plotArea>
+      <c:layout>
+        <c:manualLayout>
+          <c:layoutTarget val="inner"/>
+          <c:xMode val="edge"/>
+          <c:yMode val="edge"/>
+          <c:x val="0.18588711204913819"/>
+          <c:y val="5.3527980535279802E-2"/>
+          <c:w val="0.75661525556728093"/>
+          <c:h val="0.73351188765637876"/>
+        </c:manualLayout>
+      </c:layout>
+      <c:lineChart>
+        <c:grouping val="standard"/>
+        <c:varyColors val="0"/>
+        <c:ser>
+          <c:idx val="0"/>
+          <c:order val="0"/>
+          <c:tx>
+            <c:v>k x A*</c:v>
+          </c:tx>
+          <c:spPr>
+            <a:ln w="28575" cap="rnd">
+              <a:solidFill>
+                <a:schemeClr val="accent3"/>
+              </a:solidFill>
+              <a:round/>
+            </a:ln>
+            <a:effectLst/>
+          </c:spPr>
+          <c:marker>
+            <c:symbol val="diamond"/>
+            <c:size val="8"/>
+            <c:spPr>
+              <a:solidFill>
+                <a:schemeClr val="accent3"/>
+              </a:solidFill>
+              <a:ln w="9525">
+                <a:solidFill>
+                  <a:schemeClr val="tx1"/>
+                </a:solidFill>
+              </a:ln>
+              <a:effectLst/>
+            </c:spPr>
+          </c:marker>
+          <c:cat>
+            <c:numRef>
+              <c:f>Pancake20.Analysis!$A$2:$A$22</c:f>
+              <c:numCache>
+                <c:formatCode>General</c:formatCode>
+                <c:ptCount val="21"/>
+                <c:pt idx="0">
+                  <c:v>1</c:v>
+                </c:pt>
+                <c:pt idx="1">
+                  <c:v>2</c:v>
+                </c:pt>
+                <c:pt idx="2">
+                  <c:v>3</c:v>
+                </c:pt>
+                <c:pt idx="3">
+                  <c:v>4</c:v>
+                </c:pt>
+                <c:pt idx="4">
+                  <c:v>5</c:v>
+                </c:pt>
+                <c:pt idx="5">
+                  <c:v>6</c:v>
+                </c:pt>
+                <c:pt idx="6">
+                  <c:v>7</c:v>
+                </c:pt>
+                <c:pt idx="7">
+                  <c:v>8</c:v>
+                </c:pt>
+                <c:pt idx="8">
+                  <c:v>9</c:v>
+                </c:pt>
+                <c:pt idx="9">
+                  <c:v>10</c:v>
+                </c:pt>
+                <c:pt idx="10">
+                  <c:v>11</c:v>
+                </c:pt>
+                <c:pt idx="11">
+                  <c:v>12</c:v>
+                </c:pt>
+                <c:pt idx="12">
+                  <c:v>13</c:v>
+                </c:pt>
+                <c:pt idx="13">
+                  <c:v>14</c:v>
+                </c:pt>
+                <c:pt idx="14">
+                  <c:v>15</c:v>
+                </c:pt>
+                <c:pt idx="15">
+                  <c:v>16</c:v>
+                </c:pt>
+                <c:pt idx="16">
+                  <c:v>17</c:v>
+                </c:pt>
+                <c:pt idx="17">
+                  <c:v>18</c:v>
+                </c:pt>
+                <c:pt idx="18">
+                  <c:v>19</c:v>
+                </c:pt>
+                <c:pt idx="19">
+                  <c:v>20</c:v>
+                </c:pt>
+                <c:pt idx="20">
+                  <c:v>21</c:v>
+                </c:pt>
+              </c:numCache>
+            </c:numRef>
+          </c:cat>
+          <c:val>
+            <c:numRef>
+              <c:f>Pancake20.Analysis!$C$25:$C$45</c:f>
+              <c:numCache>
+                <c:formatCode>General</c:formatCode>
+                <c:ptCount val="21"/>
+                <c:pt idx="0">
+                  <c:v>1</c:v>
+                </c:pt>
+                <c:pt idx="1">
+                  <c:v>1</c:v>
+                </c:pt>
+                <c:pt idx="2">
+                  <c:v>1</c:v>
+                </c:pt>
+                <c:pt idx="3">
+                  <c:v>1</c:v>
+                </c:pt>
+                <c:pt idx="4">
+                  <c:v>1</c:v>
+                </c:pt>
+                <c:pt idx="5">
+                  <c:v>1</c:v>
+                </c:pt>
+                <c:pt idx="6">
+                  <c:v>1</c:v>
+                </c:pt>
+                <c:pt idx="7">
+                  <c:v>1</c:v>
+                </c:pt>
+                <c:pt idx="8">
+                  <c:v>1</c:v>
+                </c:pt>
+                <c:pt idx="9">
+                  <c:v>1</c:v>
+                </c:pt>
+                <c:pt idx="10">
+                  <c:v>1</c:v>
+                </c:pt>
+                <c:pt idx="11">
+                  <c:v>1</c:v>
+                </c:pt>
+                <c:pt idx="12">
+                  <c:v>1</c:v>
+                </c:pt>
+                <c:pt idx="13">
+                  <c:v>1</c:v>
+                </c:pt>
+                <c:pt idx="14">
+                  <c:v>1</c:v>
+                </c:pt>
+                <c:pt idx="15">
+                  <c:v>1</c:v>
+                </c:pt>
+                <c:pt idx="16">
+                  <c:v>1</c:v>
+                </c:pt>
+                <c:pt idx="17">
+                  <c:v>1</c:v>
+                </c:pt>
+                <c:pt idx="18">
+                  <c:v>1</c:v>
+                </c:pt>
+                <c:pt idx="19">
+                  <c:v>1</c:v>
+                </c:pt>
+                <c:pt idx="20">
+                  <c:v>1</c:v>
+                </c:pt>
+              </c:numCache>
+            </c:numRef>
+          </c:val>
+          <c:smooth val="0"/>
+          <c:extLst>
+            <c:ext xmlns:c16="http://schemas.microsoft.com/office/drawing/2014/chart" uri="{C3380CC4-5D6E-409C-BE32-E72D297353CC}">
+              <c16:uniqueId val="{00000000-1E4F-4464-89E8-B87935114CC8}"/>
+            </c:ext>
+          </c:extLst>
+        </c:ser>
+        <c:ser>
+          <c:idx val="6"/>
+          <c:order val="1"/>
+          <c:tx>
+            <c:v>Lazy kA*min</c:v>
+          </c:tx>
+          <c:spPr>
+            <a:ln w="31750" cap="rnd">
+              <a:solidFill>
+                <a:schemeClr val="accent1"/>
+              </a:solidFill>
+              <a:round/>
+            </a:ln>
+            <a:effectLst/>
+          </c:spPr>
+          <c:marker>
+            <c:symbol val="triangle"/>
+            <c:size val="9"/>
+            <c:spPr>
+              <a:solidFill>
+                <a:schemeClr val="accent1"/>
+              </a:solidFill>
+              <a:ln w="9525">
+                <a:solidFill>
+                  <a:schemeClr val="tx1"/>
+                </a:solidFill>
+              </a:ln>
+              <a:effectLst/>
+            </c:spPr>
+          </c:marker>
+          <c:cat>
+            <c:numRef>
+              <c:f>Pancake20.Analysis!$A$2:$A$22</c:f>
+              <c:numCache>
+                <c:formatCode>General</c:formatCode>
+                <c:ptCount val="21"/>
+                <c:pt idx="0">
+                  <c:v>1</c:v>
+                </c:pt>
+                <c:pt idx="1">
+                  <c:v>2</c:v>
+                </c:pt>
+                <c:pt idx="2">
+                  <c:v>3</c:v>
+                </c:pt>
+                <c:pt idx="3">
+                  <c:v>4</c:v>
+                </c:pt>
+                <c:pt idx="4">
+                  <c:v>5</c:v>
+                </c:pt>
+                <c:pt idx="5">
+                  <c:v>6</c:v>
+                </c:pt>
+                <c:pt idx="6">
+                  <c:v>7</c:v>
+                </c:pt>
+                <c:pt idx="7">
+                  <c:v>8</c:v>
+                </c:pt>
+                <c:pt idx="8">
+                  <c:v>9</c:v>
+                </c:pt>
+                <c:pt idx="9">
+                  <c:v>10</c:v>
+                </c:pt>
+                <c:pt idx="10">
+                  <c:v>11</c:v>
+                </c:pt>
+                <c:pt idx="11">
+                  <c:v>12</c:v>
+                </c:pt>
+                <c:pt idx="12">
+                  <c:v>13</c:v>
+                </c:pt>
+                <c:pt idx="13">
+                  <c:v>14</c:v>
+                </c:pt>
+                <c:pt idx="14">
+                  <c:v>15</c:v>
+                </c:pt>
+                <c:pt idx="15">
+                  <c:v>16</c:v>
+                </c:pt>
+                <c:pt idx="16">
+                  <c:v>17</c:v>
+                </c:pt>
+                <c:pt idx="17">
+                  <c:v>18</c:v>
+                </c:pt>
+                <c:pt idx="18">
+                  <c:v>19</c:v>
+                </c:pt>
+                <c:pt idx="19">
+                  <c:v>20</c:v>
+                </c:pt>
+                <c:pt idx="20">
+                  <c:v>21</c:v>
+                </c:pt>
+              </c:numCache>
+            </c:numRef>
+          </c:cat>
+          <c:val>
+            <c:numRef>
+              <c:f>Pancake20.Analysis!$E$25:$E$45</c:f>
+              <c:numCache>
+                <c:formatCode>General</c:formatCode>
+                <c:ptCount val="21"/>
+                <c:pt idx="0">
+                  <c:v>0.82720140407150522</c:v>
+                </c:pt>
+                <c:pt idx="1">
+                  <c:v>0.83146387104492681</c:v>
+                </c:pt>
+                <c:pt idx="2">
+                  <c:v>1.0117627095592143</c:v>
+                </c:pt>
+                <c:pt idx="3">
+                  <c:v>0.9849922548532859</c:v>
+                </c:pt>
+                <c:pt idx="4">
+                  <c:v>1.0099235076547639</c:v>
+                </c:pt>
+                <c:pt idx="5">
+                  <c:v>1.0438892437965179</c:v>
+                </c:pt>
+                <c:pt idx="6">
+                  <c:v>1.0966182200158598</c:v>
+                </c:pt>
+                <c:pt idx="7">
+                  <c:v>1.0854552496931307</c:v>
+                </c:pt>
+                <c:pt idx="8">
+                  <c:v>1.1474339882947839</c:v>
+                </c:pt>
+                <c:pt idx="9">
+                  <c:v>1.1027975370061891</c:v>
+                </c:pt>
+                <c:pt idx="10">
+                  <c:v>1.0940044470566257</c:v>
+                </c:pt>
+                <c:pt idx="11">
+                  <c:v>1.1046301421419289</c:v>
+                </c:pt>
+                <c:pt idx="12">
+                  <c:v>1.1424394417253878</c:v>
+                </c:pt>
+                <c:pt idx="13">
+                  <c:v>1.1093587183224702</c:v>
+                </c:pt>
+                <c:pt idx="14">
+                  <c:v>1.0791856128523913</c:v>
+                </c:pt>
+                <c:pt idx="15">
+                  <c:v>1.1163336170440044</c:v>
+                </c:pt>
+                <c:pt idx="16">
+                  <c:v>1.1396613091854981</c:v>
+                </c:pt>
+                <c:pt idx="17">
+                  <c:v>1.1782667649621499</c:v>
+                </c:pt>
+                <c:pt idx="18">
+                  <c:v>1.1980038930541728</c:v>
+                </c:pt>
+                <c:pt idx="19">
+                  <c:v>1.1843411323649851</c:v>
+                </c:pt>
+                <c:pt idx="20">
+                  <c:v>1.1927365870682474</c:v>
+                </c:pt>
+              </c:numCache>
+            </c:numRef>
+          </c:val>
+          <c:smooth val="0"/>
+          <c:extLst>
+            <c:ext xmlns:c16="http://schemas.microsoft.com/office/drawing/2014/chart" uri="{C3380CC4-5D6E-409C-BE32-E72D297353CC}">
+              <c16:uniqueId val="{00000001-1E4F-4464-89E8-B87935114CC8}"/>
+            </c:ext>
+          </c:extLst>
+        </c:ser>
+        <c:dLbls>
+          <c:showLegendKey val="0"/>
+          <c:showVal val="0"/>
+          <c:showCatName val="0"/>
+          <c:showSerName val="0"/>
+          <c:showPercent val="0"/>
+          <c:showBubbleSize val="0"/>
+        </c:dLbls>
+        <c:marker val="1"/>
+        <c:smooth val="0"/>
+        <c:axId val="715546560"/>
+        <c:axId val="715546888"/>
+      </c:lineChart>
+      <c:catAx>
+        <c:axId val="715546560"/>
+        <c:scaling>
+          <c:orientation val="minMax"/>
+        </c:scaling>
+        <c:delete val="0"/>
+        <c:axPos val="b"/>
+        <c:title>
+          <c:tx>
+            <c:rich>
+              <a:bodyPr rot="0" spcFirstLastPara="1" vertOverflow="ellipsis" vert="horz" wrap="square" anchor="ctr" anchorCtr="1"/>
+              <a:lstStyle/>
+              <a:p>
+                <a:pPr>
+                  <a:defRPr sz="1400" b="0" i="0" u="none" strike="noStrike" kern="1200" baseline="0">
+                    <a:solidFill>
+                      <a:schemeClr val="tx1">
+                        <a:lumMod val="65000"/>
+                        <a:lumOff val="35000"/>
+                      </a:schemeClr>
+                    </a:solidFill>
+                    <a:latin typeface="+mn-lt"/>
+                    <a:ea typeface="+mn-ea"/>
+                    <a:cs typeface="+mn-cs"/>
+                  </a:defRPr>
+                </a:pPr>
+                <a:r>
+                  <a:rPr lang="en-US"/>
+                  <a:t>Distance between two goals</a:t>
+                </a:r>
+              </a:p>
+            </c:rich>
+          </c:tx>
+          <c:layout/>
+          <c:overlay val="0"/>
+          <c:spPr>
+            <a:noFill/>
+            <a:ln>
+              <a:noFill/>
+            </a:ln>
+            <a:effectLst/>
+          </c:spPr>
+          <c:txPr>
+            <a:bodyPr rot="0" spcFirstLastPara="1" vertOverflow="ellipsis" vert="horz" wrap="square" anchor="ctr" anchorCtr="1"/>
+            <a:lstStyle/>
+            <a:p>
+              <a:pPr>
+                <a:defRPr sz="1400" b="0" i="0" u="none" strike="noStrike" kern="1200" baseline="0">
+                  <a:solidFill>
+                    <a:schemeClr val="tx1">
+                      <a:lumMod val="65000"/>
+                      <a:lumOff val="35000"/>
+                    </a:schemeClr>
+                  </a:solidFill>
+                  <a:latin typeface="+mn-lt"/>
+                  <a:ea typeface="+mn-ea"/>
+                  <a:cs typeface="+mn-cs"/>
+                </a:defRPr>
+              </a:pPr>
+              <a:endParaRPr lang="he-IL"/>
+            </a:p>
+          </c:txPr>
+        </c:title>
+        <c:numFmt formatCode="General" sourceLinked="1"/>
+        <c:majorTickMark val="none"/>
+        <c:minorTickMark val="none"/>
+        <c:tickLblPos val="nextTo"/>
+        <c:spPr>
+          <a:noFill/>
+          <a:ln w="9525" cap="flat" cmpd="sng" algn="ctr">
+            <a:solidFill>
+              <a:schemeClr val="tx1">
+                <a:lumMod val="15000"/>
+                <a:lumOff val="85000"/>
+              </a:schemeClr>
+            </a:solidFill>
+            <a:round/>
+          </a:ln>
+          <a:effectLst/>
+        </c:spPr>
+        <c:txPr>
+          <a:bodyPr rot="-60000000" spcFirstLastPara="1" vertOverflow="ellipsis" vert="horz" wrap="square" anchor="ctr" anchorCtr="1"/>
+          <a:lstStyle/>
+          <a:p>
+            <a:pPr>
+              <a:defRPr sz="1400" b="0" i="0" u="none" strike="noStrike" kern="1200" baseline="0">
+                <a:solidFill>
+                  <a:schemeClr val="tx1">
+                    <a:lumMod val="65000"/>
+                    <a:lumOff val="35000"/>
+                  </a:schemeClr>
+                </a:solidFill>
+                <a:latin typeface="+mn-lt"/>
+                <a:ea typeface="+mn-ea"/>
+                <a:cs typeface="+mn-cs"/>
+              </a:defRPr>
+            </a:pPr>
+            <a:endParaRPr lang="he-IL"/>
+          </a:p>
+        </c:txPr>
+        <c:crossAx val="715546888"/>
+        <c:crosses val="autoZero"/>
+        <c:auto val="1"/>
+        <c:lblAlgn val="ctr"/>
+        <c:lblOffset val="100"/>
+        <c:noMultiLvlLbl val="0"/>
+      </c:catAx>
+      <c:valAx>
+        <c:axId val="715546888"/>
+        <c:scaling>
+          <c:orientation val="minMax"/>
+          <c:max val="1.4"/>
+          <c:min val="0.8"/>
+        </c:scaling>
+        <c:delete val="0"/>
+        <c:axPos val="l"/>
+        <c:majorGridlines>
+          <c:spPr>
+            <a:ln w="9525" cap="flat" cmpd="sng" algn="ctr">
+              <a:solidFill>
+                <a:schemeClr val="tx1">
+                  <a:lumMod val="15000"/>
+                  <a:lumOff val="85000"/>
+                </a:schemeClr>
+              </a:solidFill>
+              <a:round/>
+            </a:ln>
+            <a:effectLst/>
+          </c:spPr>
+        </c:majorGridlines>
+        <c:title>
+          <c:tx>
+            <c:rich>
+              <a:bodyPr rot="-5400000" spcFirstLastPara="1" vertOverflow="ellipsis" vert="horz" wrap="square" anchor="ctr" anchorCtr="1"/>
+              <a:lstStyle/>
+              <a:p>
+                <a:pPr>
+                  <a:defRPr sz="1400" b="0" i="0" u="none" strike="noStrike" kern="1200" baseline="0">
+                    <a:solidFill>
+                      <a:schemeClr val="tx1">
+                        <a:lumMod val="65000"/>
+                        <a:lumOff val="35000"/>
+                      </a:schemeClr>
+                    </a:solidFill>
+                    <a:latin typeface="+mn-lt"/>
+                    <a:ea typeface="+mn-ea"/>
+                    <a:cs typeface="+mn-cs"/>
+                  </a:defRPr>
+                </a:pPr>
+                <a:r>
+                  <a:rPr lang="en-US"/>
+                  <a:t>Time relative to Per Goal</a:t>
+                </a:r>
+              </a:p>
+            </c:rich>
+          </c:tx>
+          <c:layout/>
+          <c:overlay val="0"/>
+          <c:spPr>
+            <a:noFill/>
+            <a:ln>
+              <a:noFill/>
+            </a:ln>
+            <a:effectLst/>
+          </c:spPr>
+          <c:txPr>
+            <a:bodyPr rot="-5400000" spcFirstLastPara="1" vertOverflow="ellipsis" vert="horz" wrap="square" anchor="ctr" anchorCtr="1"/>
+            <a:lstStyle/>
+            <a:p>
+              <a:pPr>
+                <a:defRPr sz="1400" b="0" i="0" u="none" strike="noStrike" kern="1200" baseline="0">
+                  <a:solidFill>
+                    <a:schemeClr val="tx1">
+                      <a:lumMod val="65000"/>
+                      <a:lumOff val="35000"/>
+                    </a:schemeClr>
+                  </a:solidFill>
+                  <a:latin typeface="+mn-lt"/>
+                  <a:ea typeface="+mn-ea"/>
+                  <a:cs typeface="+mn-cs"/>
+                </a:defRPr>
+              </a:pPr>
+              <a:endParaRPr lang="he-IL"/>
+            </a:p>
+          </c:txPr>
+        </c:title>
+        <c:numFmt formatCode="General" sourceLinked="1"/>
+        <c:majorTickMark val="out"/>
+        <c:minorTickMark val="in"/>
+        <c:tickLblPos val="nextTo"/>
+        <c:spPr>
+          <a:noFill/>
+          <a:ln>
+            <a:solidFill>
+              <a:schemeClr val="accent1"/>
+            </a:solidFill>
+          </a:ln>
+          <a:effectLst/>
+        </c:spPr>
+        <c:txPr>
+          <a:bodyPr rot="-60000000" spcFirstLastPara="1" vertOverflow="ellipsis" vert="horz" wrap="square" anchor="ctr" anchorCtr="1"/>
+          <a:lstStyle/>
+          <a:p>
+            <a:pPr>
+              <a:defRPr sz="1400" b="0" i="0" u="none" strike="noStrike" kern="1200" baseline="0">
+                <a:solidFill>
+                  <a:schemeClr val="tx1">
+                    <a:lumMod val="65000"/>
+                    <a:lumOff val="35000"/>
+                  </a:schemeClr>
+                </a:solidFill>
+                <a:latin typeface="+mn-lt"/>
+                <a:ea typeface="+mn-ea"/>
+                <a:cs typeface="+mn-cs"/>
+              </a:defRPr>
+            </a:pPr>
+            <a:endParaRPr lang="he-IL"/>
+          </a:p>
+        </c:txPr>
+        <c:crossAx val="715546560"/>
+        <c:crossesAt val="1"/>
+        <c:crossBetween val="between"/>
+        <c:majorUnit val="0.1"/>
+      </c:valAx>
+      <c:spPr>
+        <a:noFill/>
+        <a:ln>
+          <a:noFill/>
+        </a:ln>
+        <a:effectLst/>
+      </c:spPr>
+    </c:plotArea>
+    <c:legend>
+      <c:legendPos val="r"/>
+      <c:layout>
+        <c:manualLayout>
+          <c:xMode val="edge"/>
+          <c:yMode val="edge"/>
+          <c:x val="0.18999648239846309"/>
+          <c:y val="7.2383853478169252E-2"/>
+          <c:w val="0.40175338907378844"/>
+          <c:h val="0.22749506676628925"/>
+        </c:manualLayout>
+      </c:layout>
+      <c:overlay val="0"/>
+      <c:spPr>
+        <a:noFill/>
+        <a:ln>
+          <a:noFill/>
+        </a:ln>
+        <a:effectLst/>
+      </c:spPr>
+      <c:txPr>
+        <a:bodyPr rot="0" spcFirstLastPara="1" vertOverflow="ellipsis" vert="horz" wrap="square" anchor="ctr" anchorCtr="1"/>
+        <a:lstStyle/>
+        <a:p>
+          <a:pPr>
+            <a:defRPr sz="1400" b="0" i="0" u="none" strike="noStrike" kern="1200" baseline="0">
+              <a:solidFill>
+                <a:schemeClr val="tx1">
+                  <a:lumMod val="65000"/>
+                  <a:lumOff val="35000"/>
+                </a:schemeClr>
+              </a:solidFill>
+              <a:latin typeface="+mn-lt"/>
+              <a:ea typeface="+mn-ea"/>
+              <a:cs typeface="+mn-cs"/>
+            </a:defRPr>
+          </a:pPr>
+          <a:endParaRPr lang="he-IL"/>
+        </a:p>
+      </c:txPr>
+    </c:legend>
+    <c:plotVisOnly val="1"/>
+    <c:dispBlanksAs val="gap"/>
+    <c:showDLblsOverMax val="0"/>
+  </c:chart>
+  <c:spPr>
+    <a:noFill/>
+    <a:ln>
+      <a:noFill/>
+    </a:ln>
+    <a:effectLst/>
+  </c:spPr>
+  <c:txPr>
+    <a:bodyPr/>
+    <a:lstStyle/>
+    <a:p>
+      <a:pPr>
+        <a:defRPr sz="1400"/>
+      </a:pPr>
+      <a:endParaRPr lang="he-IL"/>
+    </a:p>
+  </c:txPr>
+  <c:externalData r:id="rId3">
+    <c:autoUpdate val="0"/>
+  </c:externalData>
 </c:chartSpace>
 </file>
 
@@ -3811,7 +5380,6 @@
           </a:p>
         </c:rich>
       </c:tx>
-      <c:layout/>
       <c:overlay val="0"/>
       <c:spPr>
         <a:noFill/>
@@ -4184,7 +5752,6 @@
               </a:p>
             </c:rich>
           </c:tx>
-          <c:layout/>
           <c:overlay val="0"/>
           <c:spPr>
             <a:noFill/>
@@ -4307,7 +5874,6 @@
               </a:p>
             </c:rich>
           </c:tx>
-          <c:layout/>
           <c:overlay val="0"/>
           <c:spPr>
             <a:noFill/>
@@ -4451,7 +6017,6 @@
           </a:p>
         </c:rich>
       </c:tx>
-      <c:layout/>
       <c:overlay val="0"/>
       <c:spPr>
         <a:noFill/>
@@ -4824,7 +6389,6 @@
               </a:p>
             </c:rich>
           </c:tx>
-          <c:layout/>
           <c:overlay val="0"/>
           <c:spPr>
             <a:noFill/>
@@ -4947,7 +6511,6 @@
               </a:p>
             </c:rich>
           </c:tx>
-          <c:layout/>
           <c:overlay val="0"/>
           <c:spPr>
             <a:noFill/>
@@ -5470,7 +7033,6 @@
               </a:p>
             </c:rich>
           </c:tx>
-          <c:layout/>
           <c:overlay val="0"/>
           <c:spPr>
             <a:noFill/>
@@ -5593,7 +7155,6 @@
               </a:p>
             </c:rich>
           </c:tx>
-          <c:layout/>
           <c:overlay val="0"/>
           <c:spPr>
             <a:noFill/>
@@ -6117,7 +7678,6 @@
               </a:p>
             </c:rich>
           </c:tx>
-          <c:layout/>
           <c:overlay val="0"/>
           <c:spPr>
             <a:noFill/>
@@ -6240,7 +7800,6 @@
               </a:p>
             </c:rich>
           </c:tx>
-          <c:layout/>
           <c:overlay val="0"/>
           <c:spPr>
             <a:noFill/>
@@ -6384,7 +7943,6 @@
           </a:p>
         </c:rich>
       </c:tx>
-      <c:layout/>
       <c:overlay val="0"/>
       <c:spPr>
         <a:noFill/>
@@ -6757,7 +8315,6 @@
               </a:p>
             </c:rich>
           </c:tx>
-          <c:layout/>
           <c:overlay val="0"/>
           <c:spPr>
             <a:noFill/>
@@ -6880,7 +8437,6 @@
               </a:p>
             </c:rich>
           </c:tx>
-          <c:layout/>
           <c:overlay val="0"/>
           <c:spPr>
             <a:noFill/>
@@ -6958,7 +8514,6 @@
     </c:plotArea>
     <c:legend>
       <c:legendPos val="r"/>
-      <c:layout/>
       <c:overlay val="0"/>
       <c:spPr>
         <a:noFill/>
@@ -7055,7 +8610,6 @@
           </a:p>
         </c:rich>
       </c:tx>
-      <c:layout/>
       <c:overlay val="0"/>
       <c:spPr>
         <a:noFill/>
@@ -7461,7 +9015,6 @@
               </a:p>
             </c:rich>
           </c:tx>
-          <c:layout/>
           <c:overlay val="0"/>
           <c:spPr>
             <a:noFill/>
@@ -7584,7 +9137,6 @@
               </a:p>
             </c:rich>
           </c:tx>
-          <c:layout/>
           <c:overlay val="0"/>
           <c:spPr>
             <a:noFill/>
@@ -7662,7 +9214,6 @@
     </c:plotArea>
     <c:legend>
       <c:legendPos val="r"/>
-      <c:layout/>
       <c:overlay val="0"/>
       <c:spPr>
         <a:noFill/>
@@ -7759,7 +9310,6 @@
           </a:p>
         </c:rich>
       </c:tx>
-      <c:layout/>
       <c:overlay val="0"/>
       <c:spPr>
         <a:noFill/>
@@ -8132,7 +9682,6 @@
               </a:p>
             </c:rich>
           </c:tx>
-          <c:layout/>
           <c:overlay val="0"/>
           <c:spPr>
             <a:noFill/>
@@ -8255,7 +9804,6 @@
               </a:p>
             </c:rich>
           </c:tx>
-          <c:layout/>
           <c:overlay val="0"/>
           <c:spPr>
             <a:noFill/>
@@ -8333,7 +9881,6 @@
     </c:plotArea>
     <c:legend>
       <c:legendPos val="r"/>
-      <c:layout/>
       <c:overlay val="0"/>
       <c:spPr>
         <a:noFill/>
@@ -8438,8 +9985,8 @@
         <c:manualLayout>
           <c:xMode val="edge"/>
           <c:yMode val="edge"/>
-          <c:x val="0.33764422282278544"/>
-          <c:y val="1.5037593984962405E-2"/>
+          <c:x val="0.30672672333455703"/>
+          <c:y val="2.4847937558998067E-2"/>
         </c:manualLayout>
       </c:layout>
       <c:overlay val="0"/>
@@ -9186,6 +10733,86 @@
 </file>
 
 <file path=ppt/charts/colors14.xml><?xml version="1.0" encoding="utf-8"?>
+<cs:colorStyle xmlns:cs="http://schemas.microsoft.com/office/drawing/2012/chartStyle" xmlns:a="http://schemas.openxmlformats.org/drawingml/2006/main" meth="cycle" id="10">
+  <a:schemeClr val="accent1"/>
+  <a:schemeClr val="accent2"/>
+  <a:schemeClr val="accent3"/>
+  <a:schemeClr val="accent4"/>
+  <a:schemeClr val="accent5"/>
+  <a:schemeClr val="accent6"/>
+  <cs:variation/>
+  <cs:variation>
+    <a:lumMod val="60000"/>
+  </cs:variation>
+  <cs:variation>
+    <a:lumMod val="80000"/>
+    <a:lumOff val="20000"/>
+  </cs:variation>
+  <cs:variation>
+    <a:lumMod val="80000"/>
+  </cs:variation>
+  <cs:variation>
+    <a:lumMod val="60000"/>
+    <a:lumOff val="40000"/>
+  </cs:variation>
+  <cs:variation>
+    <a:lumMod val="50000"/>
+  </cs:variation>
+  <cs:variation>
+    <a:lumMod val="70000"/>
+    <a:lumOff val="30000"/>
+  </cs:variation>
+  <cs:variation>
+    <a:lumMod val="70000"/>
+  </cs:variation>
+  <cs:variation>
+    <a:lumMod val="50000"/>
+    <a:lumOff val="50000"/>
+  </cs:variation>
+</cs:colorStyle>
+</file>
+
+<file path=ppt/charts/colors15.xml><?xml version="1.0" encoding="utf-8"?>
+<cs:colorStyle xmlns:cs="http://schemas.microsoft.com/office/drawing/2012/chartStyle" xmlns:a="http://schemas.openxmlformats.org/drawingml/2006/main" meth="cycle" id="10">
+  <a:schemeClr val="accent1"/>
+  <a:schemeClr val="accent2"/>
+  <a:schemeClr val="accent3"/>
+  <a:schemeClr val="accent4"/>
+  <a:schemeClr val="accent5"/>
+  <a:schemeClr val="accent6"/>
+  <cs:variation/>
+  <cs:variation>
+    <a:lumMod val="60000"/>
+  </cs:variation>
+  <cs:variation>
+    <a:lumMod val="80000"/>
+    <a:lumOff val="20000"/>
+  </cs:variation>
+  <cs:variation>
+    <a:lumMod val="80000"/>
+  </cs:variation>
+  <cs:variation>
+    <a:lumMod val="60000"/>
+    <a:lumOff val="40000"/>
+  </cs:variation>
+  <cs:variation>
+    <a:lumMod val="50000"/>
+  </cs:variation>
+  <cs:variation>
+    <a:lumMod val="70000"/>
+    <a:lumOff val="30000"/>
+  </cs:variation>
+  <cs:variation>
+    <a:lumMod val="70000"/>
+  </cs:variation>
+  <cs:variation>
+    <a:lumMod val="50000"/>
+    <a:lumOff val="50000"/>
+  </cs:variation>
+</cs:colorStyle>
+</file>
+
+<file path=ppt/charts/colors16.xml><?xml version="1.0" encoding="utf-8"?>
 <cs:colorStyle xmlns:cs="http://schemas.microsoft.com/office/drawing/2012/chartStyle" xmlns:a="http://schemas.openxmlformats.org/drawingml/2006/main" meth="cycle" id="10">
   <a:schemeClr val="accent1"/>
   <a:schemeClr val="accent2"/>
@@ -12061,6 +13688,1012 @@
 </file>
 
 <file path=ppt/charts/style14.xml><?xml version="1.0" encoding="utf-8"?>
+<cs:chartStyle xmlns:cs="http://schemas.microsoft.com/office/drawing/2012/chartStyle" xmlns:a="http://schemas.openxmlformats.org/drawingml/2006/main" id="332">
+  <cs:axisTitle>
+    <cs:lnRef idx="0"/>
+    <cs:fillRef idx="0"/>
+    <cs:effectRef idx="0"/>
+    <cs:fontRef idx="minor">
+      <a:schemeClr val="tx1">
+        <a:lumMod val="65000"/>
+        <a:lumOff val="35000"/>
+      </a:schemeClr>
+    </cs:fontRef>
+    <cs:defRPr sz="1000" kern="1200"/>
+  </cs:axisTitle>
+  <cs:categoryAxis>
+    <cs:lnRef idx="0"/>
+    <cs:fillRef idx="0"/>
+    <cs:effectRef idx="0"/>
+    <cs:fontRef idx="minor">
+      <a:schemeClr val="tx1">
+        <a:lumMod val="65000"/>
+        <a:lumOff val="35000"/>
+      </a:schemeClr>
+    </cs:fontRef>
+    <cs:spPr>
+      <a:ln w="9525" cap="flat" cmpd="sng" algn="ctr">
+        <a:solidFill>
+          <a:schemeClr val="tx1">
+            <a:lumMod val="15000"/>
+            <a:lumOff val="85000"/>
+          </a:schemeClr>
+        </a:solidFill>
+        <a:round/>
+      </a:ln>
+    </cs:spPr>
+    <cs:defRPr sz="900" kern="1200"/>
+  </cs:categoryAxis>
+  <cs:chartArea mods="allowNoFillOverride allowNoLineOverride">
+    <cs:lnRef idx="0"/>
+    <cs:fillRef idx="0"/>
+    <cs:effectRef idx="0"/>
+    <cs:fontRef idx="minor">
+      <a:schemeClr val="tx1"/>
+    </cs:fontRef>
+    <cs:spPr>
+      <a:solidFill>
+        <a:schemeClr val="bg1"/>
+      </a:solidFill>
+      <a:ln w="9525" cap="flat" cmpd="sng" algn="ctr">
+        <a:solidFill>
+          <a:schemeClr val="tx1">
+            <a:lumMod val="15000"/>
+            <a:lumOff val="85000"/>
+          </a:schemeClr>
+        </a:solidFill>
+        <a:round/>
+      </a:ln>
+    </cs:spPr>
+    <cs:defRPr sz="1000" kern="1200"/>
+  </cs:chartArea>
+  <cs:dataLabel>
+    <cs:lnRef idx="0"/>
+    <cs:fillRef idx="0"/>
+    <cs:effectRef idx="0"/>
+    <cs:fontRef idx="minor">
+      <a:schemeClr val="tx1">
+        <a:lumMod val="75000"/>
+        <a:lumOff val="25000"/>
+      </a:schemeClr>
+    </cs:fontRef>
+    <cs:defRPr sz="900" kern="1200"/>
+  </cs:dataLabel>
+  <cs:dataLabelCallout>
+    <cs:lnRef idx="0"/>
+    <cs:fillRef idx="0"/>
+    <cs:effectRef idx="0"/>
+    <cs:fontRef idx="minor">
+      <a:schemeClr val="dk1">
+        <a:lumMod val="65000"/>
+        <a:lumOff val="35000"/>
+      </a:schemeClr>
+    </cs:fontRef>
+    <cs:spPr>
+      <a:solidFill>
+        <a:schemeClr val="lt1"/>
+      </a:solidFill>
+      <a:ln>
+        <a:solidFill>
+          <a:schemeClr val="dk1">
+            <a:lumMod val="25000"/>
+            <a:lumOff val="75000"/>
+          </a:schemeClr>
+        </a:solidFill>
+      </a:ln>
+    </cs:spPr>
+    <cs:defRPr sz="900" kern="1200"/>
+    <cs:bodyPr rot="0" spcFirstLastPara="1" vertOverflow="clip" horzOverflow="clip" vert="horz" wrap="square" lIns="36576" tIns="18288" rIns="36576" bIns="18288" anchor="ctr" anchorCtr="1">
+      <a:spAutoFit/>
+    </cs:bodyPr>
+  </cs:dataLabelCallout>
+  <cs:dataPoint>
+    <cs:lnRef idx="0"/>
+    <cs:fillRef idx="1">
+      <cs:styleClr val="auto"/>
+    </cs:fillRef>
+    <cs:effectRef idx="0"/>
+    <cs:fontRef idx="minor">
+      <a:schemeClr val="tx1"/>
+    </cs:fontRef>
+  </cs:dataPoint>
+  <cs:dataPoint3D>
+    <cs:lnRef idx="0"/>
+    <cs:fillRef idx="1">
+      <cs:styleClr val="auto"/>
+    </cs:fillRef>
+    <cs:effectRef idx="0"/>
+    <cs:fontRef idx="minor">
+      <a:schemeClr val="tx1"/>
+    </cs:fontRef>
+  </cs:dataPoint3D>
+  <cs:dataPointLine>
+    <cs:lnRef idx="0">
+      <cs:styleClr val="auto"/>
+    </cs:lnRef>
+    <cs:fillRef idx="1"/>
+    <cs:effectRef idx="0"/>
+    <cs:fontRef idx="minor">
+      <a:schemeClr val="tx1"/>
+    </cs:fontRef>
+    <cs:spPr>
+      <a:ln w="28575" cap="rnd">
+        <a:solidFill>
+          <a:schemeClr val="phClr"/>
+        </a:solidFill>
+        <a:round/>
+      </a:ln>
+    </cs:spPr>
+  </cs:dataPointLine>
+  <cs:dataPointMarker>
+    <cs:lnRef idx="0">
+      <cs:styleClr val="auto"/>
+    </cs:lnRef>
+    <cs:fillRef idx="1">
+      <cs:styleClr val="auto"/>
+    </cs:fillRef>
+    <cs:effectRef idx="0"/>
+    <cs:fontRef idx="minor">
+      <a:schemeClr val="tx1"/>
+    </cs:fontRef>
+    <cs:spPr>
+      <a:ln w="9525">
+        <a:solidFill>
+          <a:schemeClr val="phClr"/>
+        </a:solidFill>
+      </a:ln>
+    </cs:spPr>
+  </cs:dataPointMarker>
+  <cs:dataPointMarkerLayout symbol="circle" size="5"/>
+  <cs:dataPointWireframe>
+    <cs:lnRef idx="0">
+      <cs:styleClr val="auto"/>
+    </cs:lnRef>
+    <cs:fillRef idx="1"/>
+    <cs:effectRef idx="0"/>
+    <cs:fontRef idx="minor">
+      <a:schemeClr val="tx1"/>
+    </cs:fontRef>
+    <cs:spPr>
+      <a:ln w="9525" cap="rnd">
+        <a:solidFill>
+          <a:schemeClr val="phClr"/>
+        </a:solidFill>
+        <a:round/>
+      </a:ln>
+    </cs:spPr>
+  </cs:dataPointWireframe>
+  <cs:dataTable>
+    <cs:lnRef idx="0"/>
+    <cs:fillRef idx="0"/>
+    <cs:effectRef idx="0"/>
+    <cs:fontRef idx="minor">
+      <a:schemeClr val="tx1">
+        <a:lumMod val="65000"/>
+        <a:lumOff val="35000"/>
+      </a:schemeClr>
+    </cs:fontRef>
+    <cs:spPr>
+      <a:noFill/>
+      <a:ln w="9525" cap="flat" cmpd="sng" algn="ctr">
+        <a:solidFill>
+          <a:schemeClr val="tx1">
+            <a:lumMod val="15000"/>
+            <a:lumOff val="85000"/>
+          </a:schemeClr>
+        </a:solidFill>
+        <a:round/>
+      </a:ln>
+    </cs:spPr>
+    <cs:defRPr sz="900" kern="1200"/>
+  </cs:dataTable>
+  <cs:downBar>
+    <cs:lnRef idx="0"/>
+    <cs:fillRef idx="0"/>
+    <cs:effectRef idx="0"/>
+    <cs:fontRef idx="minor">
+      <a:schemeClr val="dk1"/>
+    </cs:fontRef>
+    <cs:spPr>
+      <a:solidFill>
+        <a:schemeClr val="dk1">
+          <a:lumMod val="65000"/>
+          <a:lumOff val="35000"/>
+        </a:schemeClr>
+      </a:solidFill>
+      <a:ln w="9525">
+        <a:solidFill>
+          <a:schemeClr val="tx1">
+            <a:lumMod val="65000"/>
+            <a:lumOff val="35000"/>
+          </a:schemeClr>
+        </a:solidFill>
+      </a:ln>
+    </cs:spPr>
+  </cs:downBar>
+  <cs:dropLine>
+    <cs:lnRef idx="0"/>
+    <cs:fillRef idx="0"/>
+    <cs:effectRef idx="0"/>
+    <cs:fontRef idx="minor">
+      <a:schemeClr val="tx1"/>
+    </cs:fontRef>
+    <cs:spPr>
+      <a:ln w="9525" cap="flat" cmpd="sng" algn="ctr">
+        <a:solidFill>
+          <a:schemeClr val="tx1">
+            <a:lumMod val="35000"/>
+            <a:lumOff val="65000"/>
+          </a:schemeClr>
+        </a:solidFill>
+        <a:round/>
+      </a:ln>
+    </cs:spPr>
+  </cs:dropLine>
+  <cs:errorBar>
+    <cs:lnRef idx="0"/>
+    <cs:fillRef idx="0"/>
+    <cs:effectRef idx="0"/>
+    <cs:fontRef idx="minor">
+      <a:schemeClr val="tx1"/>
+    </cs:fontRef>
+    <cs:spPr>
+      <a:ln w="9525" cap="flat" cmpd="sng" algn="ctr">
+        <a:solidFill>
+          <a:schemeClr val="tx1">
+            <a:lumMod val="65000"/>
+            <a:lumOff val="35000"/>
+          </a:schemeClr>
+        </a:solidFill>
+        <a:round/>
+      </a:ln>
+    </cs:spPr>
+  </cs:errorBar>
+  <cs:floor>
+    <cs:lnRef idx="0"/>
+    <cs:fillRef idx="0"/>
+    <cs:effectRef idx="0"/>
+    <cs:fontRef idx="minor">
+      <a:schemeClr val="tx1"/>
+    </cs:fontRef>
+    <cs:spPr>
+      <a:noFill/>
+      <a:ln>
+        <a:noFill/>
+      </a:ln>
+    </cs:spPr>
+  </cs:floor>
+  <cs:gridlineMajor>
+    <cs:lnRef idx="0"/>
+    <cs:fillRef idx="0"/>
+    <cs:effectRef idx="0"/>
+    <cs:fontRef idx="minor">
+      <a:schemeClr val="tx1"/>
+    </cs:fontRef>
+    <cs:spPr>
+      <a:ln w="9525" cap="flat" cmpd="sng" algn="ctr">
+        <a:solidFill>
+          <a:schemeClr val="tx1">
+            <a:lumMod val="15000"/>
+            <a:lumOff val="85000"/>
+          </a:schemeClr>
+        </a:solidFill>
+        <a:round/>
+      </a:ln>
+    </cs:spPr>
+  </cs:gridlineMajor>
+  <cs:gridlineMinor>
+    <cs:lnRef idx="0"/>
+    <cs:fillRef idx="0"/>
+    <cs:effectRef idx="0"/>
+    <cs:fontRef idx="minor">
+      <a:schemeClr val="tx1"/>
+    </cs:fontRef>
+    <cs:spPr>
+      <a:ln w="9525" cap="flat" cmpd="sng" algn="ctr">
+        <a:solidFill>
+          <a:schemeClr val="tx1">
+            <a:lumMod val="5000"/>
+            <a:lumOff val="95000"/>
+          </a:schemeClr>
+        </a:solidFill>
+        <a:round/>
+      </a:ln>
+    </cs:spPr>
+  </cs:gridlineMinor>
+  <cs:hiLoLine>
+    <cs:lnRef idx="0"/>
+    <cs:fillRef idx="0"/>
+    <cs:effectRef idx="0"/>
+    <cs:fontRef idx="minor">
+      <a:schemeClr val="tx1"/>
+    </cs:fontRef>
+    <cs:spPr>
+      <a:ln w="9525" cap="flat" cmpd="sng" algn="ctr">
+        <a:solidFill>
+          <a:schemeClr val="tx1">
+            <a:lumMod val="75000"/>
+            <a:lumOff val="25000"/>
+          </a:schemeClr>
+        </a:solidFill>
+        <a:round/>
+      </a:ln>
+    </cs:spPr>
+  </cs:hiLoLine>
+  <cs:leaderLine>
+    <cs:lnRef idx="0"/>
+    <cs:fillRef idx="0"/>
+    <cs:effectRef idx="0"/>
+    <cs:fontRef idx="minor">
+      <a:schemeClr val="tx1"/>
+    </cs:fontRef>
+    <cs:spPr>
+      <a:ln w="9525" cap="flat" cmpd="sng" algn="ctr">
+        <a:solidFill>
+          <a:schemeClr val="tx1">
+            <a:lumMod val="35000"/>
+            <a:lumOff val="65000"/>
+          </a:schemeClr>
+        </a:solidFill>
+        <a:round/>
+      </a:ln>
+    </cs:spPr>
+  </cs:leaderLine>
+  <cs:legend>
+    <cs:lnRef idx="0"/>
+    <cs:fillRef idx="0"/>
+    <cs:effectRef idx="0"/>
+    <cs:fontRef idx="minor">
+      <a:schemeClr val="tx1">
+        <a:lumMod val="65000"/>
+        <a:lumOff val="35000"/>
+      </a:schemeClr>
+    </cs:fontRef>
+    <cs:defRPr sz="900" kern="1200"/>
+  </cs:legend>
+  <cs:plotArea mods="allowNoFillOverride allowNoLineOverride">
+    <cs:lnRef idx="0"/>
+    <cs:fillRef idx="0"/>
+    <cs:effectRef idx="0"/>
+    <cs:fontRef idx="minor">
+      <a:schemeClr val="tx1"/>
+    </cs:fontRef>
+  </cs:plotArea>
+  <cs:plotArea3D mods="allowNoFillOverride allowNoLineOverride">
+    <cs:lnRef idx="0"/>
+    <cs:fillRef idx="0"/>
+    <cs:effectRef idx="0"/>
+    <cs:fontRef idx="minor">
+      <a:schemeClr val="tx1"/>
+    </cs:fontRef>
+  </cs:plotArea3D>
+  <cs:seriesAxis>
+    <cs:lnRef idx="0"/>
+    <cs:fillRef idx="0"/>
+    <cs:effectRef idx="0"/>
+    <cs:fontRef idx="minor">
+      <a:schemeClr val="tx1">
+        <a:lumMod val="65000"/>
+        <a:lumOff val="35000"/>
+      </a:schemeClr>
+    </cs:fontRef>
+    <cs:defRPr sz="900" kern="1200"/>
+  </cs:seriesAxis>
+  <cs:seriesLine>
+    <cs:lnRef idx="0"/>
+    <cs:fillRef idx="0"/>
+    <cs:effectRef idx="0"/>
+    <cs:fontRef idx="minor">
+      <a:schemeClr val="tx1"/>
+    </cs:fontRef>
+    <cs:spPr>
+      <a:ln w="9525" cap="flat" cmpd="sng" algn="ctr">
+        <a:solidFill>
+          <a:schemeClr val="tx1">
+            <a:lumMod val="35000"/>
+            <a:lumOff val="65000"/>
+          </a:schemeClr>
+        </a:solidFill>
+        <a:round/>
+      </a:ln>
+    </cs:spPr>
+  </cs:seriesLine>
+  <cs:title>
+    <cs:lnRef idx="0"/>
+    <cs:fillRef idx="0"/>
+    <cs:effectRef idx="0"/>
+    <cs:fontRef idx="minor">
+      <a:schemeClr val="tx1">
+        <a:lumMod val="65000"/>
+        <a:lumOff val="35000"/>
+      </a:schemeClr>
+    </cs:fontRef>
+    <cs:defRPr sz="1400" b="0" kern="1200" spc="0" baseline="0"/>
+  </cs:title>
+  <cs:trendline>
+    <cs:lnRef idx="0">
+      <cs:styleClr val="auto"/>
+    </cs:lnRef>
+    <cs:fillRef idx="0"/>
+    <cs:effectRef idx="0"/>
+    <cs:fontRef idx="minor">
+      <a:schemeClr val="tx1"/>
+    </cs:fontRef>
+    <cs:spPr>
+      <a:ln w="19050" cap="rnd">
+        <a:solidFill>
+          <a:schemeClr val="phClr"/>
+        </a:solidFill>
+        <a:prstDash val="sysDot"/>
+      </a:ln>
+    </cs:spPr>
+  </cs:trendline>
+  <cs:trendlineLabel>
+    <cs:lnRef idx="0"/>
+    <cs:fillRef idx="0"/>
+    <cs:effectRef idx="0"/>
+    <cs:fontRef idx="minor">
+      <a:schemeClr val="tx1">
+        <a:lumMod val="65000"/>
+        <a:lumOff val="35000"/>
+      </a:schemeClr>
+    </cs:fontRef>
+    <cs:defRPr sz="900" kern="1200"/>
+  </cs:trendlineLabel>
+  <cs:upBar>
+    <cs:lnRef idx="0"/>
+    <cs:fillRef idx="0"/>
+    <cs:effectRef idx="0"/>
+    <cs:fontRef idx="minor">
+      <a:schemeClr val="dk1"/>
+    </cs:fontRef>
+    <cs:spPr>
+      <a:solidFill>
+        <a:schemeClr val="lt1"/>
+      </a:solidFill>
+      <a:ln w="9525">
+        <a:solidFill>
+          <a:schemeClr val="tx1">
+            <a:lumMod val="15000"/>
+            <a:lumOff val="85000"/>
+          </a:schemeClr>
+        </a:solidFill>
+      </a:ln>
+    </cs:spPr>
+  </cs:upBar>
+  <cs:valueAxis>
+    <cs:lnRef idx="0"/>
+    <cs:fillRef idx="0"/>
+    <cs:effectRef idx="0"/>
+    <cs:fontRef idx="minor">
+      <a:schemeClr val="tx1">
+        <a:lumMod val="65000"/>
+        <a:lumOff val="35000"/>
+      </a:schemeClr>
+    </cs:fontRef>
+    <cs:defRPr sz="900" kern="1200"/>
+  </cs:valueAxis>
+  <cs:wall>
+    <cs:lnRef idx="0"/>
+    <cs:fillRef idx="0"/>
+    <cs:effectRef idx="0"/>
+    <cs:fontRef idx="minor">
+      <a:schemeClr val="tx1"/>
+    </cs:fontRef>
+    <cs:spPr>
+      <a:noFill/>
+      <a:ln>
+        <a:noFill/>
+      </a:ln>
+    </cs:spPr>
+  </cs:wall>
+</cs:chartStyle>
+</file>
+
+<file path=ppt/charts/style15.xml><?xml version="1.0" encoding="utf-8"?>
+<cs:chartStyle xmlns:cs="http://schemas.microsoft.com/office/drawing/2012/chartStyle" xmlns:a="http://schemas.openxmlformats.org/drawingml/2006/main" id="332">
+  <cs:axisTitle>
+    <cs:lnRef idx="0"/>
+    <cs:fillRef idx="0"/>
+    <cs:effectRef idx="0"/>
+    <cs:fontRef idx="minor">
+      <a:schemeClr val="tx1">
+        <a:lumMod val="65000"/>
+        <a:lumOff val="35000"/>
+      </a:schemeClr>
+    </cs:fontRef>
+    <cs:defRPr sz="1000" kern="1200"/>
+  </cs:axisTitle>
+  <cs:categoryAxis>
+    <cs:lnRef idx="0"/>
+    <cs:fillRef idx="0"/>
+    <cs:effectRef idx="0"/>
+    <cs:fontRef idx="minor">
+      <a:schemeClr val="tx1">
+        <a:lumMod val="65000"/>
+        <a:lumOff val="35000"/>
+      </a:schemeClr>
+    </cs:fontRef>
+    <cs:spPr>
+      <a:ln w="9525" cap="flat" cmpd="sng" algn="ctr">
+        <a:solidFill>
+          <a:schemeClr val="tx1">
+            <a:lumMod val="15000"/>
+            <a:lumOff val="85000"/>
+          </a:schemeClr>
+        </a:solidFill>
+        <a:round/>
+      </a:ln>
+    </cs:spPr>
+    <cs:defRPr sz="900" kern="1200"/>
+  </cs:categoryAxis>
+  <cs:chartArea mods="allowNoFillOverride allowNoLineOverride">
+    <cs:lnRef idx="0"/>
+    <cs:fillRef idx="0"/>
+    <cs:effectRef idx="0"/>
+    <cs:fontRef idx="minor">
+      <a:schemeClr val="tx1"/>
+    </cs:fontRef>
+    <cs:spPr>
+      <a:solidFill>
+        <a:schemeClr val="bg1"/>
+      </a:solidFill>
+      <a:ln w="9525" cap="flat" cmpd="sng" algn="ctr">
+        <a:solidFill>
+          <a:schemeClr val="tx1">
+            <a:lumMod val="15000"/>
+            <a:lumOff val="85000"/>
+          </a:schemeClr>
+        </a:solidFill>
+        <a:round/>
+      </a:ln>
+    </cs:spPr>
+    <cs:defRPr sz="1000" kern="1200"/>
+  </cs:chartArea>
+  <cs:dataLabel>
+    <cs:lnRef idx="0"/>
+    <cs:fillRef idx="0"/>
+    <cs:effectRef idx="0"/>
+    <cs:fontRef idx="minor">
+      <a:schemeClr val="tx1">
+        <a:lumMod val="75000"/>
+        <a:lumOff val="25000"/>
+      </a:schemeClr>
+    </cs:fontRef>
+    <cs:defRPr sz="900" kern="1200"/>
+  </cs:dataLabel>
+  <cs:dataLabelCallout>
+    <cs:lnRef idx="0"/>
+    <cs:fillRef idx="0"/>
+    <cs:effectRef idx="0"/>
+    <cs:fontRef idx="minor">
+      <a:schemeClr val="dk1">
+        <a:lumMod val="65000"/>
+        <a:lumOff val="35000"/>
+      </a:schemeClr>
+    </cs:fontRef>
+    <cs:spPr>
+      <a:solidFill>
+        <a:schemeClr val="lt1"/>
+      </a:solidFill>
+      <a:ln>
+        <a:solidFill>
+          <a:schemeClr val="dk1">
+            <a:lumMod val="25000"/>
+            <a:lumOff val="75000"/>
+          </a:schemeClr>
+        </a:solidFill>
+      </a:ln>
+    </cs:spPr>
+    <cs:defRPr sz="900" kern="1200"/>
+    <cs:bodyPr rot="0" spcFirstLastPara="1" vertOverflow="clip" horzOverflow="clip" vert="horz" wrap="square" lIns="36576" tIns="18288" rIns="36576" bIns="18288" anchor="ctr" anchorCtr="1">
+      <a:spAutoFit/>
+    </cs:bodyPr>
+  </cs:dataLabelCallout>
+  <cs:dataPoint>
+    <cs:lnRef idx="0"/>
+    <cs:fillRef idx="1">
+      <cs:styleClr val="auto"/>
+    </cs:fillRef>
+    <cs:effectRef idx="0"/>
+    <cs:fontRef idx="minor">
+      <a:schemeClr val="tx1"/>
+    </cs:fontRef>
+  </cs:dataPoint>
+  <cs:dataPoint3D>
+    <cs:lnRef idx="0"/>
+    <cs:fillRef idx="1">
+      <cs:styleClr val="auto"/>
+    </cs:fillRef>
+    <cs:effectRef idx="0"/>
+    <cs:fontRef idx="minor">
+      <a:schemeClr val="tx1"/>
+    </cs:fontRef>
+  </cs:dataPoint3D>
+  <cs:dataPointLine>
+    <cs:lnRef idx="0">
+      <cs:styleClr val="auto"/>
+    </cs:lnRef>
+    <cs:fillRef idx="1"/>
+    <cs:effectRef idx="0"/>
+    <cs:fontRef idx="minor">
+      <a:schemeClr val="tx1"/>
+    </cs:fontRef>
+    <cs:spPr>
+      <a:ln w="28575" cap="rnd">
+        <a:solidFill>
+          <a:schemeClr val="phClr"/>
+        </a:solidFill>
+        <a:round/>
+      </a:ln>
+    </cs:spPr>
+  </cs:dataPointLine>
+  <cs:dataPointMarker>
+    <cs:lnRef idx="0">
+      <cs:styleClr val="auto"/>
+    </cs:lnRef>
+    <cs:fillRef idx="1">
+      <cs:styleClr val="auto"/>
+    </cs:fillRef>
+    <cs:effectRef idx="0"/>
+    <cs:fontRef idx="minor">
+      <a:schemeClr val="tx1"/>
+    </cs:fontRef>
+    <cs:spPr>
+      <a:ln w="9525">
+        <a:solidFill>
+          <a:schemeClr val="phClr"/>
+        </a:solidFill>
+      </a:ln>
+    </cs:spPr>
+  </cs:dataPointMarker>
+  <cs:dataPointMarkerLayout symbol="circle" size="5"/>
+  <cs:dataPointWireframe>
+    <cs:lnRef idx="0">
+      <cs:styleClr val="auto"/>
+    </cs:lnRef>
+    <cs:fillRef idx="1"/>
+    <cs:effectRef idx="0"/>
+    <cs:fontRef idx="minor">
+      <a:schemeClr val="tx1"/>
+    </cs:fontRef>
+    <cs:spPr>
+      <a:ln w="9525" cap="rnd">
+        <a:solidFill>
+          <a:schemeClr val="phClr"/>
+        </a:solidFill>
+        <a:round/>
+      </a:ln>
+    </cs:spPr>
+  </cs:dataPointWireframe>
+  <cs:dataTable>
+    <cs:lnRef idx="0"/>
+    <cs:fillRef idx="0"/>
+    <cs:effectRef idx="0"/>
+    <cs:fontRef idx="minor">
+      <a:schemeClr val="tx1">
+        <a:lumMod val="65000"/>
+        <a:lumOff val="35000"/>
+      </a:schemeClr>
+    </cs:fontRef>
+    <cs:spPr>
+      <a:noFill/>
+      <a:ln w="9525" cap="flat" cmpd="sng" algn="ctr">
+        <a:solidFill>
+          <a:schemeClr val="tx1">
+            <a:lumMod val="15000"/>
+            <a:lumOff val="85000"/>
+          </a:schemeClr>
+        </a:solidFill>
+        <a:round/>
+      </a:ln>
+    </cs:spPr>
+    <cs:defRPr sz="900" kern="1200"/>
+  </cs:dataTable>
+  <cs:downBar>
+    <cs:lnRef idx="0"/>
+    <cs:fillRef idx="0"/>
+    <cs:effectRef idx="0"/>
+    <cs:fontRef idx="minor">
+      <a:schemeClr val="dk1"/>
+    </cs:fontRef>
+    <cs:spPr>
+      <a:solidFill>
+        <a:schemeClr val="dk1">
+          <a:lumMod val="65000"/>
+          <a:lumOff val="35000"/>
+        </a:schemeClr>
+      </a:solidFill>
+      <a:ln w="9525">
+        <a:solidFill>
+          <a:schemeClr val="tx1">
+            <a:lumMod val="65000"/>
+            <a:lumOff val="35000"/>
+          </a:schemeClr>
+        </a:solidFill>
+      </a:ln>
+    </cs:spPr>
+  </cs:downBar>
+  <cs:dropLine>
+    <cs:lnRef idx="0"/>
+    <cs:fillRef idx="0"/>
+    <cs:effectRef idx="0"/>
+    <cs:fontRef idx="minor">
+      <a:schemeClr val="tx1"/>
+    </cs:fontRef>
+    <cs:spPr>
+      <a:ln w="9525" cap="flat" cmpd="sng" algn="ctr">
+        <a:solidFill>
+          <a:schemeClr val="tx1">
+            <a:lumMod val="35000"/>
+            <a:lumOff val="65000"/>
+          </a:schemeClr>
+        </a:solidFill>
+        <a:round/>
+      </a:ln>
+    </cs:spPr>
+  </cs:dropLine>
+  <cs:errorBar>
+    <cs:lnRef idx="0"/>
+    <cs:fillRef idx="0"/>
+    <cs:effectRef idx="0"/>
+    <cs:fontRef idx="minor">
+      <a:schemeClr val="tx1"/>
+    </cs:fontRef>
+    <cs:spPr>
+      <a:ln w="9525" cap="flat" cmpd="sng" algn="ctr">
+        <a:solidFill>
+          <a:schemeClr val="tx1">
+            <a:lumMod val="65000"/>
+            <a:lumOff val="35000"/>
+          </a:schemeClr>
+        </a:solidFill>
+        <a:round/>
+      </a:ln>
+    </cs:spPr>
+  </cs:errorBar>
+  <cs:floor>
+    <cs:lnRef idx="0"/>
+    <cs:fillRef idx="0"/>
+    <cs:effectRef idx="0"/>
+    <cs:fontRef idx="minor">
+      <a:schemeClr val="tx1"/>
+    </cs:fontRef>
+    <cs:spPr>
+      <a:noFill/>
+      <a:ln>
+        <a:noFill/>
+      </a:ln>
+    </cs:spPr>
+  </cs:floor>
+  <cs:gridlineMajor>
+    <cs:lnRef idx="0"/>
+    <cs:fillRef idx="0"/>
+    <cs:effectRef idx="0"/>
+    <cs:fontRef idx="minor">
+      <a:schemeClr val="tx1"/>
+    </cs:fontRef>
+    <cs:spPr>
+      <a:ln w="9525" cap="flat" cmpd="sng" algn="ctr">
+        <a:solidFill>
+          <a:schemeClr val="tx1">
+            <a:lumMod val="15000"/>
+            <a:lumOff val="85000"/>
+          </a:schemeClr>
+        </a:solidFill>
+        <a:round/>
+      </a:ln>
+    </cs:spPr>
+  </cs:gridlineMajor>
+  <cs:gridlineMinor>
+    <cs:lnRef idx="0"/>
+    <cs:fillRef idx="0"/>
+    <cs:effectRef idx="0"/>
+    <cs:fontRef idx="minor">
+      <a:schemeClr val="tx1"/>
+    </cs:fontRef>
+    <cs:spPr>
+      <a:ln w="9525" cap="flat" cmpd="sng" algn="ctr">
+        <a:solidFill>
+          <a:schemeClr val="tx1">
+            <a:lumMod val="5000"/>
+            <a:lumOff val="95000"/>
+          </a:schemeClr>
+        </a:solidFill>
+        <a:round/>
+      </a:ln>
+    </cs:spPr>
+  </cs:gridlineMinor>
+  <cs:hiLoLine>
+    <cs:lnRef idx="0"/>
+    <cs:fillRef idx="0"/>
+    <cs:effectRef idx="0"/>
+    <cs:fontRef idx="minor">
+      <a:schemeClr val="tx1"/>
+    </cs:fontRef>
+    <cs:spPr>
+      <a:ln w="9525" cap="flat" cmpd="sng" algn="ctr">
+        <a:solidFill>
+          <a:schemeClr val="tx1">
+            <a:lumMod val="75000"/>
+            <a:lumOff val="25000"/>
+          </a:schemeClr>
+        </a:solidFill>
+        <a:round/>
+      </a:ln>
+    </cs:spPr>
+  </cs:hiLoLine>
+  <cs:leaderLine>
+    <cs:lnRef idx="0"/>
+    <cs:fillRef idx="0"/>
+    <cs:effectRef idx="0"/>
+    <cs:fontRef idx="minor">
+      <a:schemeClr val="tx1"/>
+    </cs:fontRef>
+    <cs:spPr>
+      <a:ln w="9525" cap="flat" cmpd="sng" algn="ctr">
+        <a:solidFill>
+          <a:schemeClr val="tx1">
+            <a:lumMod val="35000"/>
+            <a:lumOff val="65000"/>
+          </a:schemeClr>
+        </a:solidFill>
+        <a:round/>
+      </a:ln>
+    </cs:spPr>
+  </cs:leaderLine>
+  <cs:legend>
+    <cs:lnRef idx="0"/>
+    <cs:fillRef idx="0"/>
+    <cs:effectRef idx="0"/>
+    <cs:fontRef idx="minor">
+      <a:schemeClr val="tx1">
+        <a:lumMod val="65000"/>
+        <a:lumOff val="35000"/>
+      </a:schemeClr>
+    </cs:fontRef>
+    <cs:defRPr sz="900" kern="1200"/>
+  </cs:legend>
+  <cs:plotArea mods="allowNoFillOverride allowNoLineOverride">
+    <cs:lnRef idx="0"/>
+    <cs:fillRef idx="0"/>
+    <cs:effectRef idx="0"/>
+    <cs:fontRef idx="minor">
+      <a:schemeClr val="tx1"/>
+    </cs:fontRef>
+  </cs:plotArea>
+  <cs:plotArea3D mods="allowNoFillOverride allowNoLineOverride">
+    <cs:lnRef idx="0"/>
+    <cs:fillRef idx="0"/>
+    <cs:effectRef idx="0"/>
+    <cs:fontRef idx="minor">
+      <a:schemeClr val="tx1"/>
+    </cs:fontRef>
+  </cs:plotArea3D>
+  <cs:seriesAxis>
+    <cs:lnRef idx="0"/>
+    <cs:fillRef idx="0"/>
+    <cs:effectRef idx="0"/>
+    <cs:fontRef idx="minor">
+      <a:schemeClr val="tx1">
+        <a:lumMod val="65000"/>
+        <a:lumOff val="35000"/>
+      </a:schemeClr>
+    </cs:fontRef>
+    <cs:defRPr sz="900" kern="1200"/>
+  </cs:seriesAxis>
+  <cs:seriesLine>
+    <cs:lnRef idx="0"/>
+    <cs:fillRef idx="0"/>
+    <cs:effectRef idx="0"/>
+    <cs:fontRef idx="minor">
+      <a:schemeClr val="tx1"/>
+    </cs:fontRef>
+    <cs:spPr>
+      <a:ln w="9525" cap="flat" cmpd="sng" algn="ctr">
+        <a:solidFill>
+          <a:schemeClr val="tx1">
+            <a:lumMod val="35000"/>
+            <a:lumOff val="65000"/>
+          </a:schemeClr>
+        </a:solidFill>
+        <a:round/>
+      </a:ln>
+    </cs:spPr>
+  </cs:seriesLine>
+  <cs:title>
+    <cs:lnRef idx="0"/>
+    <cs:fillRef idx="0"/>
+    <cs:effectRef idx="0"/>
+    <cs:fontRef idx="minor">
+      <a:schemeClr val="tx1">
+        <a:lumMod val="65000"/>
+        <a:lumOff val="35000"/>
+      </a:schemeClr>
+    </cs:fontRef>
+    <cs:defRPr sz="1400" b="0" kern="1200" spc="0" baseline="0"/>
+  </cs:title>
+  <cs:trendline>
+    <cs:lnRef idx="0">
+      <cs:styleClr val="auto"/>
+    </cs:lnRef>
+    <cs:fillRef idx="0"/>
+    <cs:effectRef idx="0"/>
+    <cs:fontRef idx="minor">
+      <a:schemeClr val="tx1"/>
+    </cs:fontRef>
+    <cs:spPr>
+      <a:ln w="19050" cap="rnd">
+        <a:solidFill>
+          <a:schemeClr val="phClr"/>
+        </a:solidFill>
+        <a:prstDash val="sysDot"/>
+      </a:ln>
+    </cs:spPr>
+  </cs:trendline>
+  <cs:trendlineLabel>
+    <cs:lnRef idx="0"/>
+    <cs:fillRef idx="0"/>
+    <cs:effectRef idx="0"/>
+    <cs:fontRef idx="minor">
+      <a:schemeClr val="tx1">
+        <a:lumMod val="65000"/>
+        <a:lumOff val="35000"/>
+      </a:schemeClr>
+    </cs:fontRef>
+    <cs:defRPr sz="900" kern="1200"/>
+  </cs:trendlineLabel>
+  <cs:upBar>
+    <cs:lnRef idx="0"/>
+    <cs:fillRef idx="0"/>
+    <cs:effectRef idx="0"/>
+    <cs:fontRef idx="minor">
+      <a:schemeClr val="dk1"/>
+    </cs:fontRef>
+    <cs:spPr>
+      <a:solidFill>
+        <a:schemeClr val="lt1"/>
+      </a:solidFill>
+      <a:ln w="9525">
+        <a:solidFill>
+          <a:schemeClr val="tx1">
+            <a:lumMod val="15000"/>
+            <a:lumOff val="85000"/>
+          </a:schemeClr>
+        </a:solidFill>
+      </a:ln>
+    </cs:spPr>
+  </cs:upBar>
+  <cs:valueAxis>
+    <cs:lnRef idx="0"/>
+    <cs:fillRef idx="0"/>
+    <cs:effectRef idx="0"/>
+    <cs:fontRef idx="minor">
+      <a:schemeClr val="tx1">
+        <a:lumMod val="65000"/>
+        <a:lumOff val="35000"/>
+      </a:schemeClr>
+    </cs:fontRef>
+    <cs:defRPr sz="900" kern="1200"/>
+  </cs:valueAxis>
+  <cs:wall>
+    <cs:lnRef idx="0"/>
+    <cs:fillRef idx="0"/>
+    <cs:effectRef idx="0"/>
+    <cs:fontRef idx="minor">
+      <a:schemeClr val="tx1"/>
+    </cs:fontRef>
+    <cs:spPr>
+      <a:noFill/>
+      <a:ln>
+        <a:noFill/>
+      </a:ln>
+    </cs:spPr>
+  </cs:wall>
+</cs:chartStyle>
+</file>
+
+<file path=ppt/charts/style16.xml><?xml version="1.0" encoding="utf-8"?>
 <cs:chartStyle xmlns:cs="http://schemas.microsoft.com/office/drawing/2012/chartStyle" xmlns:a="http://schemas.openxmlformats.org/drawingml/2006/main" id="332">
   <cs:axisTitle>
     <cs:lnRef idx="0"/>
@@ -16587,44 +19220,6 @@
 </cs:chartStyle>
 </file>
 
-<file path=ppt/drawings/drawing1.xml><?xml version="1.0" encoding="utf-8"?>
-<c:userShapes xmlns:c="http://schemas.openxmlformats.org/drawingml/2006/chart">
-  <cdr:relSizeAnchor xmlns:cdr="http://schemas.openxmlformats.org/drawingml/2006/chartDrawing">
-    <cdr:from>
-      <cdr:x>0.42254</cdr:x>
-      <cdr:y>0.2012</cdr:y>
-    </cdr:from>
-    <cdr:to>
-      <cdr:x>0.85603</cdr:x>
-      <cdr:y>0.45671</cdr:y>
-    </cdr:to>
-    <cdr:pic>
-      <cdr:nvPicPr>
-        <cdr:cNvPr id="2" name="Picture 1"/>
-        <cdr:cNvPicPr>
-          <a:picLocks xmlns:a="http://schemas.openxmlformats.org/drawingml/2006/main" noChangeAspect="1"/>
-        </cdr:cNvPicPr>
-      </cdr:nvPicPr>
-      <cdr:blipFill>
-        <a:blip xmlns:a="http://schemas.openxmlformats.org/drawingml/2006/main" xmlns:r="http://schemas.openxmlformats.org/officeDocument/2006/relationships" r:embed="rId1"/>
-        <a:stretch xmlns:a="http://schemas.openxmlformats.org/drawingml/2006/main">
-          <a:fillRect/>
-        </a:stretch>
-      </cdr:blipFill>
-      <cdr:spPr>
-        <a:xfrm xmlns:a="http://schemas.openxmlformats.org/drawingml/2006/main">
-          <a:off x="1020902" y="521855"/>
-          <a:ext cx="1047381" cy="662709"/>
-        </a:xfrm>
-        <a:prstGeom xmlns:a="http://schemas.openxmlformats.org/drawingml/2006/main" prst="rect">
-          <a:avLst/>
-        </a:prstGeom>
-      </cdr:spPr>
-    </cdr:pic>
-  </cdr:relSizeAnchor>
-</c:userShapes>
-</file>
-
 <file path=ppt/slideLayouts/slideLayout1.xml><?xml version="1.0" encoding="utf-8"?>
 <p:sldLayout xmlns:a="http://schemas.openxmlformats.org/drawingml/2006/main" xmlns:r="http://schemas.openxmlformats.org/officeDocument/2006/relationships" xmlns:p="http://schemas.openxmlformats.org/presentationml/2006/main" type="title" preserve="1">
   <p:cSld name="Title Slide">
@@ -16756,7 +19351,7 @@
           <a:p>
             <a:fld id="{2D53BDBD-A251-4BA0-ADCA-71664ACBDFF8}" type="datetimeFigureOut">
               <a:rPr lang="he-IL" smtClean="0"/>
-              <a:t>ב'/שבט/תשע"ז</a:t>
+              <a:t>ג'/שבט/תשע"ז</a:t>
             </a:fld>
             <a:endParaRPr lang="he-IL"/>
           </a:p>
@@ -16926,7 +19521,7 @@
           <a:p>
             <a:fld id="{2D53BDBD-A251-4BA0-ADCA-71664ACBDFF8}" type="datetimeFigureOut">
               <a:rPr lang="he-IL" smtClean="0"/>
-              <a:t>ב'/שבט/תשע"ז</a:t>
+              <a:t>ג'/שבט/תשע"ז</a:t>
             </a:fld>
             <a:endParaRPr lang="he-IL"/>
           </a:p>
@@ -17106,7 +19701,7 @@
           <a:p>
             <a:fld id="{2D53BDBD-A251-4BA0-ADCA-71664ACBDFF8}" type="datetimeFigureOut">
               <a:rPr lang="he-IL" smtClean="0"/>
-              <a:t>ב'/שבט/תשע"ז</a:t>
+              <a:t>ג'/שבט/תשע"ז</a:t>
             </a:fld>
             <a:endParaRPr lang="he-IL"/>
           </a:p>
@@ -17276,7 +19871,7 @@
           <a:p>
             <a:fld id="{2D53BDBD-A251-4BA0-ADCA-71664ACBDFF8}" type="datetimeFigureOut">
               <a:rPr lang="he-IL" smtClean="0"/>
-              <a:t>ב'/שבט/תשע"ז</a:t>
+              <a:t>ג'/שבט/תשע"ז</a:t>
             </a:fld>
             <a:endParaRPr lang="he-IL"/>
           </a:p>
@@ -17522,7 +20117,7 @@
           <a:p>
             <a:fld id="{2D53BDBD-A251-4BA0-ADCA-71664ACBDFF8}" type="datetimeFigureOut">
               <a:rPr lang="he-IL" smtClean="0"/>
-              <a:t>ב'/שבט/תשע"ז</a:t>
+              <a:t>ג'/שבט/תשע"ז</a:t>
             </a:fld>
             <a:endParaRPr lang="he-IL"/>
           </a:p>
@@ -17754,7 +20349,7 @@
           <a:p>
             <a:fld id="{2D53BDBD-A251-4BA0-ADCA-71664ACBDFF8}" type="datetimeFigureOut">
               <a:rPr lang="he-IL" smtClean="0"/>
-              <a:t>ב'/שבט/תשע"ז</a:t>
+              <a:t>ג'/שבט/תשע"ז</a:t>
             </a:fld>
             <a:endParaRPr lang="he-IL"/>
           </a:p>
@@ -18121,7 +20716,7 @@
           <a:p>
             <a:fld id="{2D53BDBD-A251-4BA0-ADCA-71664ACBDFF8}" type="datetimeFigureOut">
               <a:rPr lang="he-IL" smtClean="0"/>
-              <a:t>ב'/שבט/תשע"ז</a:t>
+              <a:t>ג'/שבט/תשע"ז</a:t>
             </a:fld>
             <a:endParaRPr lang="he-IL"/>
           </a:p>
@@ -18239,7 +20834,7 @@
           <a:p>
             <a:fld id="{2D53BDBD-A251-4BA0-ADCA-71664ACBDFF8}" type="datetimeFigureOut">
               <a:rPr lang="he-IL" smtClean="0"/>
-              <a:t>ב'/שבט/תשע"ז</a:t>
+              <a:t>ג'/שבט/תשע"ז</a:t>
             </a:fld>
             <a:endParaRPr lang="he-IL"/>
           </a:p>
@@ -18334,7 +20929,7 @@
           <a:p>
             <a:fld id="{2D53BDBD-A251-4BA0-ADCA-71664ACBDFF8}" type="datetimeFigureOut">
               <a:rPr lang="he-IL" smtClean="0"/>
-              <a:t>ב'/שבט/תשע"ז</a:t>
+              <a:t>ג'/שבט/תשע"ז</a:t>
             </a:fld>
             <a:endParaRPr lang="he-IL"/>
           </a:p>
@@ -18611,7 +21206,7 @@
           <a:p>
             <a:fld id="{2D53BDBD-A251-4BA0-ADCA-71664ACBDFF8}" type="datetimeFigureOut">
               <a:rPr lang="he-IL" smtClean="0"/>
-              <a:t>ב'/שבט/תשע"ז</a:t>
+              <a:t>ג'/שבט/תשע"ז</a:t>
             </a:fld>
             <a:endParaRPr lang="he-IL"/>
           </a:p>
@@ -18864,7 +21459,7 @@
           <a:p>
             <a:fld id="{2D53BDBD-A251-4BA0-ADCA-71664ACBDFF8}" type="datetimeFigureOut">
               <a:rPr lang="he-IL" smtClean="0"/>
-              <a:t>ב'/שבט/תשע"ז</a:t>
+              <a:t>ג'/שבט/תשע"ז</a:t>
             </a:fld>
             <a:endParaRPr lang="he-IL"/>
           </a:p>
@@ -19077,7 +21672,7 @@
           <a:p>
             <a:fld id="{2D53BDBD-A251-4BA0-ADCA-71664ACBDFF8}" type="datetimeFigureOut">
               <a:rPr lang="he-IL" smtClean="0"/>
-              <a:t>ב'/שבט/תשע"ז</a:t>
+              <a:t>ג'/שבט/תשע"ז</a:t>
             </a:fld>
             <a:endParaRPr lang="he-IL"/>
           </a:p>
@@ -26475,8 +29070,8 @@
           </a:fontRef>
         </p:style>
       </p:cxnSp>
-      <mc:AlternateContent xmlns:mc="http://schemas.openxmlformats.org/markup-compatibility/2006">
-        <mc:Choice xmlns:a14="http://schemas.microsoft.com/office/drawing/2010/main" Requires="a14">
+      <mc:AlternateContent xmlns:mc="http://schemas.openxmlformats.org/markup-compatibility/2006" xmlns:a14="http://schemas.microsoft.com/office/drawing/2010/main">
+        <mc:Choice Requires="a14">
           <p:sp>
             <p:nvSpPr>
               <p:cNvPr id="33" name="TextBox 32"/>
@@ -26586,7 +29181,7 @@
             </p:txBody>
           </p:sp>
         </mc:Choice>
-        <mc:Fallback>
+        <mc:Fallback xmlns="">
           <p:sp>
             <p:nvSpPr>
               <p:cNvPr id="33" name="TextBox 32"/>
@@ -26693,8 +29288,8 @@
           </a:fontRef>
         </p:style>
       </p:cxnSp>
-      <mc:AlternateContent xmlns:mc="http://schemas.openxmlformats.org/markup-compatibility/2006">
-        <mc:Choice xmlns:a14="http://schemas.microsoft.com/office/drawing/2010/main" Requires="a14">
+      <mc:AlternateContent xmlns:mc="http://schemas.openxmlformats.org/markup-compatibility/2006" xmlns:a14="http://schemas.microsoft.com/office/drawing/2010/main">
+        <mc:Choice Requires="a14">
           <p:sp>
             <p:nvSpPr>
               <p:cNvPr id="39" name="TextBox 38"/>
@@ -26806,7 +29401,7 @@
             </p:txBody>
           </p:sp>
         </mc:Choice>
-        <mc:Fallback>
+        <mc:Fallback xmlns="">
           <p:sp>
             <p:nvSpPr>
               <p:cNvPr id="39" name="TextBox 38"/>
@@ -26845,8 +29440,8 @@
           </p:sp>
         </mc:Fallback>
       </mc:AlternateContent>
-      <mc:AlternateContent xmlns:mc="http://schemas.openxmlformats.org/markup-compatibility/2006">
-        <mc:Choice xmlns:a14="http://schemas.microsoft.com/office/drawing/2010/main" Requires="a14">
+      <mc:AlternateContent xmlns:mc="http://schemas.openxmlformats.org/markup-compatibility/2006" xmlns:a14="http://schemas.microsoft.com/office/drawing/2010/main">
+        <mc:Choice Requires="a14">
           <p:sp>
             <p:nvSpPr>
               <p:cNvPr id="41" name="TextBox 40"/>
@@ -26956,7 +29551,7 @@
             </p:txBody>
           </p:sp>
         </mc:Choice>
-        <mc:Fallback>
+        <mc:Fallback xmlns="">
           <p:sp>
             <p:nvSpPr>
               <p:cNvPr id="41" name="TextBox 40"/>
@@ -26995,8 +29590,8 @@
           </p:sp>
         </mc:Fallback>
       </mc:AlternateContent>
-      <mc:AlternateContent xmlns:mc="http://schemas.openxmlformats.org/markup-compatibility/2006">
-        <mc:Choice xmlns:a14="http://schemas.microsoft.com/office/drawing/2010/main" Requires="a14">
+      <mc:AlternateContent xmlns:mc="http://schemas.openxmlformats.org/markup-compatibility/2006" xmlns:a14="http://schemas.microsoft.com/office/drawing/2010/main">
+        <mc:Choice Requires="a14">
           <p:sp>
             <p:nvSpPr>
               <p:cNvPr id="42" name="TextBox 41"/>
@@ -27121,7 +29716,7 @@
             </p:txBody>
           </p:sp>
         </mc:Choice>
-        <mc:Fallback>
+        <mc:Fallback xmlns="">
           <p:sp>
             <p:nvSpPr>
               <p:cNvPr id="42" name="TextBox 41"/>
@@ -32815,8 +35410,8 @@
           </p:sp>
         </mc:Fallback>
       </mc:AlternateContent>
-      <mc:AlternateContent xmlns:mc="http://schemas.openxmlformats.org/markup-compatibility/2006">
-        <mc:Choice xmlns:a14="http://schemas.microsoft.com/office/drawing/2010/main" Requires="a14">
+      <mc:AlternateContent xmlns:mc="http://schemas.openxmlformats.org/markup-compatibility/2006" xmlns:a14="http://schemas.microsoft.com/office/drawing/2010/main">
+        <mc:Choice Requires="a14">
           <p:sp>
             <p:nvSpPr>
               <p:cNvPr id="149" name="TextBox 148"/>
@@ -33266,7 +35861,7 @@
             </p:txBody>
           </p:sp>
         </mc:Choice>
-        <mc:Fallback>
+        <mc:Fallback xmlns="">
           <p:sp>
             <p:nvSpPr>
               <p:cNvPr id="149" name="TextBox 148"/>
@@ -33830,10 +36425,10 @@
           <a:p>
             <a:pPr algn="ctr"/>
             <a:r>
-              <a:rPr lang="en-US" dirty="0"/>
+              <a:rPr lang="en-US" sz="2000" b="1" dirty="0"/>
               <a:t>s</a:t>
             </a:r>
-            <a:endParaRPr lang="he-IL" baseline="-25000" dirty="0"/>
+            <a:endParaRPr lang="he-IL" sz="2000" b="1" baseline="-25000" dirty="0"/>
           </a:p>
         </p:txBody>
       </p:sp>
@@ -33973,8 +36568,8 @@
           </a:fontRef>
         </p:style>
       </p:cxnSp>
-      <mc:AlternateContent xmlns:mc="http://schemas.openxmlformats.org/markup-compatibility/2006">
-        <mc:Choice xmlns:a14="http://schemas.microsoft.com/office/drawing/2010/main" Requires="a14">
+      <mc:AlternateContent xmlns:mc="http://schemas.openxmlformats.org/markup-compatibility/2006" xmlns:a14="http://schemas.microsoft.com/office/drawing/2010/main">
+        <mc:Choice Requires="a14">
           <p:sp>
             <p:nvSpPr>
               <p:cNvPr id="35" name="TextBox 34"/>
@@ -34084,7 +36679,7 @@
             </p:txBody>
           </p:sp>
         </mc:Choice>
-        <mc:Fallback>
+        <mc:Fallback xmlns="">
           <p:sp>
             <p:nvSpPr>
               <p:cNvPr id="35" name="TextBox 34"/>
@@ -34191,8 +36786,8 @@
           </a:fontRef>
         </p:style>
       </p:cxnSp>
-      <mc:AlternateContent xmlns:mc="http://schemas.openxmlformats.org/markup-compatibility/2006">
-        <mc:Choice xmlns:a14="http://schemas.microsoft.com/office/drawing/2010/main" Requires="a14">
+      <mc:AlternateContent xmlns:mc="http://schemas.openxmlformats.org/markup-compatibility/2006" xmlns:a14="http://schemas.microsoft.com/office/drawing/2010/main">
+        <mc:Choice Requires="a14">
           <p:sp>
             <p:nvSpPr>
               <p:cNvPr id="38" name="TextBox 37"/>
@@ -34304,7 +36899,7 @@
             </p:txBody>
           </p:sp>
         </mc:Choice>
-        <mc:Fallback>
+        <mc:Fallback xmlns="">
           <p:sp>
             <p:nvSpPr>
               <p:cNvPr id="38" name="TextBox 37"/>
@@ -34343,8 +36938,8 @@
           </p:sp>
         </mc:Fallback>
       </mc:AlternateContent>
-      <mc:AlternateContent xmlns:mc="http://schemas.openxmlformats.org/markup-compatibility/2006">
-        <mc:Choice xmlns:a14="http://schemas.microsoft.com/office/drawing/2010/main" Requires="a14">
+      <mc:AlternateContent xmlns:mc="http://schemas.openxmlformats.org/markup-compatibility/2006" xmlns:a14="http://schemas.microsoft.com/office/drawing/2010/main">
+        <mc:Choice Requires="a14">
           <p:sp>
             <p:nvSpPr>
               <p:cNvPr id="39" name="TextBox 38"/>
@@ -34454,7 +37049,7 @@
             </p:txBody>
           </p:sp>
         </mc:Choice>
-        <mc:Fallback>
+        <mc:Fallback xmlns="">
           <p:sp>
             <p:nvSpPr>
               <p:cNvPr id="39" name="TextBox 38"/>
@@ -34591,7 +37186,7 @@
                         <a:rPr lang="en-US" sz="1600" b="0" i="1" smtClean="0">
                           <a:latin typeface="Cambria Math" panose="02040503050406030204" pitchFamily="18" charset="0"/>
                         </a:rPr>
-                        <m:t>5</m:t>
+                        <m:t>6</m:t>
                       </m:r>
                       <m:r>
                         <a:rPr lang="en-US" sz="1600" i="1">
@@ -35509,8 +38104,8 @@
           </a:p>
         </p:txBody>
       </p:sp>
-      <mc:AlternateContent xmlns:mc="http://schemas.openxmlformats.org/markup-compatibility/2006">
-        <mc:Choice xmlns:a14="http://schemas.microsoft.com/office/drawing/2010/main" Requires="a14">
+      <mc:AlternateContent xmlns:mc="http://schemas.openxmlformats.org/markup-compatibility/2006" xmlns:a14="http://schemas.microsoft.com/office/drawing/2010/main">
+        <mc:Choice Requires="a14">
           <p:sp>
             <p:nvSpPr>
               <p:cNvPr id="62" name="TextBox 61"/>
@@ -35966,7 +38561,7 @@
             </p:txBody>
           </p:sp>
         </mc:Choice>
-        <mc:Fallback>
+        <mc:Fallback xmlns="">
           <p:sp>
             <p:nvSpPr>
               <p:cNvPr id="62" name="TextBox 61"/>
@@ -36005,8 +38600,8 @@
           </p:sp>
         </mc:Fallback>
       </mc:AlternateContent>
-      <mc:AlternateContent xmlns:mc="http://schemas.openxmlformats.org/markup-compatibility/2006">
-        <mc:Choice xmlns:a14="http://schemas.microsoft.com/office/drawing/2010/main" Requires="a14">
+      <mc:AlternateContent xmlns:mc="http://schemas.openxmlformats.org/markup-compatibility/2006" xmlns:a14="http://schemas.microsoft.com/office/drawing/2010/main">
+        <mc:Choice Requires="a14">
           <p:sp>
             <p:nvSpPr>
               <p:cNvPr id="63" name="TextBox 62"/>
@@ -36456,7 +39051,7 @@
             </p:txBody>
           </p:sp>
         </mc:Choice>
-        <mc:Fallback>
+        <mc:Fallback xmlns="">
           <p:sp>
             <p:nvSpPr>
               <p:cNvPr id="63" name="TextBox 62"/>
@@ -39196,7 +41791,7 @@
           <p:nvPr>
             <p:extLst>
               <p:ext uri="{D42A27DB-BD31-4B8C-83A1-F6EECF244321}">
-                <p14:modId xmlns:p14="http://schemas.microsoft.com/office/powerpoint/2010/main" val="3168682405"/>
+                <p14:modId xmlns:p14="http://schemas.microsoft.com/office/powerpoint/2010/main" val="4137823297"/>
               </p:ext>
             </p:extLst>
           </p:nvPr>
@@ -39333,21 +41928,21 @@
       </p:pic>
       <p:graphicFrame>
         <p:nvGraphicFramePr>
-          <p:cNvPr id="13" name="Chart 12"/>
+          <p:cNvPr id="9" name="Chart 8"/>
           <p:cNvGraphicFramePr>
             <a:graphicFrameLocks/>
           </p:cNvGraphicFramePr>
           <p:nvPr>
             <p:extLst>
               <p:ext uri="{D42A27DB-BD31-4B8C-83A1-F6EECF244321}">
-                <p14:modId xmlns:p14="http://schemas.microsoft.com/office/powerpoint/2010/main" val="2786473576"/>
+                <p14:modId xmlns:p14="http://schemas.microsoft.com/office/powerpoint/2010/main" val="3335378459"/>
               </p:ext>
             </p:extLst>
           </p:nvPr>
         </p:nvGraphicFramePr>
         <p:xfrm>
-          <a:off x="0" y="1648692"/>
-          <a:ext cx="2416133" cy="2593685"/>
+          <a:off x="142700" y="1557055"/>
+          <a:ext cx="2153717" cy="2787345"/>
         </p:xfrm>
         <a:graphic>
           <a:graphicData uri="http://schemas.openxmlformats.org/drawingml/2006/chart">
@@ -39359,6 +41954,114 @@
     <p:extLst>
       <p:ext uri="{BB962C8B-B14F-4D97-AF65-F5344CB8AC3E}">
         <p14:creationId xmlns:p14="http://schemas.microsoft.com/office/powerpoint/2010/main" val="609302420"/>
+      </p:ext>
+    </p:extLst>
+  </p:cSld>
+  <p:clrMapOvr>
+    <a:masterClrMapping/>
+  </p:clrMapOvr>
+</p:sld>
+</file>
+
+<file path=ppt/slides/slide21.xml><?xml version="1.0" encoding="utf-8"?>
+<p:sld xmlns:a="http://schemas.openxmlformats.org/drawingml/2006/main" xmlns:r="http://schemas.openxmlformats.org/officeDocument/2006/relationships" xmlns:p="http://schemas.openxmlformats.org/presentationml/2006/main">
+  <p:cSld>
+    <p:spTree>
+      <p:nvGrpSpPr>
+        <p:cNvPr id="1" name=""/>
+        <p:cNvGrpSpPr/>
+        <p:nvPr/>
+      </p:nvGrpSpPr>
+      <p:grpSpPr>
+        <a:xfrm>
+          <a:off x="0" y="0"/>
+          <a:ext cx="0" cy="0"/>
+          <a:chOff x="0" y="0"/>
+          <a:chExt cx="0" cy="0"/>
+        </a:xfrm>
+      </p:grpSpPr>
+      <p:graphicFrame>
+        <p:nvGraphicFramePr>
+          <p:cNvPr id="4" name="Chart 3"/>
+          <p:cNvGraphicFramePr>
+            <a:graphicFrameLocks/>
+          </p:cNvGraphicFramePr>
+          <p:nvPr>
+            <p:extLst>
+              <p:ext uri="{D42A27DB-BD31-4B8C-83A1-F6EECF244321}">
+                <p14:modId xmlns:p14="http://schemas.microsoft.com/office/powerpoint/2010/main" val="3752276529"/>
+              </p:ext>
+            </p:extLst>
+          </p:nvPr>
+        </p:nvGraphicFramePr>
+        <p:xfrm>
+          <a:off x="3777138" y="1886902"/>
+          <a:ext cx="4637723" cy="3084195"/>
+        </p:xfrm>
+        <a:graphic>
+          <a:graphicData uri="http://schemas.openxmlformats.org/drawingml/2006/chart">
+            <c:chart xmlns:c="http://schemas.openxmlformats.org/drawingml/2006/chart" xmlns:r="http://schemas.openxmlformats.org/officeDocument/2006/relationships" r:id="rId2"/>
+          </a:graphicData>
+        </a:graphic>
+      </p:graphicFrame>
+    </p:spTree>
+    <p:extLst>
+      <p:ext uri="{BB962C8B-B14F-4D97-AF65-F5344CB8AC3E}">
+        <p14:creationId xmlns:p14="http://schemas.microsoft.com/office/powerpoint/2010/main" val="3276475563"/>
+      </p:ext>
+    </p:extLst>
+  </p:cSld>
+  <p:clrMapOvr>
+    <a:masterClrMapping/>
+  </p:clrMapOvr>
+</p:sld>
+</file>
+
+<file path=ppt/slides/slide22.xml><?xml version="1.0" encoding="utf-8"?>
+<p:sld xmlns:a="http://schemas.openxmlformats.org/drawingml/2006/main" xmlns:r="http://schemas.openxmlformats.org/officeDocument/2006/relationships" xmlns:p="http://schemas.openxmlformats.org/presentationml/2006/main">
+  <p:cSld>
+    <p:spTree>
+      <p:nvGrpSpPr>
+        <p:cNvPr id="1" name=""/>
+        <p:cNvGrpSpPr/>
+        <p:nvPr/>
+      </p:nvGrpSpPr>
+      <p:grpSpPr>
+        <a:xfrm>
+          <a:off x="0" y="0"/>
+          <a:ext cx="0" cy="0"/>
+          <a:chOff x="0" y="0"/>
+          <a:chExt cx="0" cy="0"/>
+        </a:xfrm>
+      </p:grpSpPr>
+      <p:graphicFrame>
+        <p:nvGraphicFramePr>
+          <p:cNvPr id="4" name="Chart 3"/>
+          <p:cNvGraphicFramePr>
+            <a:graphicFrameLocks/>
+          </p:cNvGraphicFramePr>
+          <p:nvPr>
+            <p:extLst>
+              <p:ext uri="{D42A27DB-BD31-4B8C-83A1-F6EECF244321}">
+                <p14:modId xmlns:p14="http://schemas.microsoft.com/office/powerpoint/2010/main" val="40282184"/>
+              </p:ext>
+            </p:extLst>
+          </p:nvPr>
+        </p:nvGraphicFramePr>
+        <p:xfrm>
+          <a:off x="4286250" y="2164080"/>
+          <a:ext cx="3619500" cy="2529840"/>
+        </p:xfrm>
+        <a:graphic>
+          <a:graphicData uri="http://schemas.openxmlformats.org/drawingml/2006/chart">
+            <c:chart xmlns:c="http://schemas.openxmlformats.org/drawingml/2006/chart" xmlns:r="http://schemas.openxmlformats.org/officeDocument/2006/relationships" r:id="rId2"/>
+          </a:graphicData>
+        </a:graphic>
+      </p:graphicFrame>
+    </p:spTree>
+    <p:extLst>
+      <p:ext uri="{BB962C8B-B14F-4D97-AF65-F5344CB8AC3E}">
+        <p14:creationId xmlns:p14="http://schemas.microsoft.com/office/powerpoint/2010/main" val="3989338915"/>
       </p:ext>
     </p:extLst>
   </p:cSld>
